--- a/Presentation.pptx
+++ b/Presentation.pptx
@@ -1721,8 +1721,20 @@
         <a:lstStyle/>
         <a:p>
           <a:r>
-            <a:rPr lang="en-US"/>
-            <a:t>Linear Regression – to predict and analyze the correlation of 2 features in our dataset</a:t>
+            <a:rPr lang="en-US" b="1" dirty="0">
+              <a:solidFill>
+                <a:schemeClr val="tx1"/>
+              </a:solidFill>
+            </a:rPr>
+            <a:t>Linear Regression </a:t>
+          </a:r>
+          <a:r>
+            <a:rPr lang="en-US" dirty="0">
+              <a:solidFill>
+                <a:schemeClr val="tx1"/>
+              </a:solidFill>
+            </a:rPr>
+            <a:t>– to predict and analyze the correlation of 2 features in our dataset</a:t>
           </a:r>
         </a:p>
       </dgm:t>
@@ -1757,8 +1769,20 @@
         <a:lstStyle/>
         <a:p>
           <a:r>
-            <a:rPr lang="en-US"/>
-            <a:t>K Means – This is an unsupervised learning technique creating clusters of data based on a centroid</a:t>
+            <a:rPr lang="en-US" b="1" dirty="0">
+              <a:solidFill>
+                <a:schemeClr val="tx1"/>
+              </a:solidFill>
+            </a:rPr>
+            <a:t>K Means </a:t>
+          </a:r>
+          <a:r>
+            <a:rPr lang="en-US" dirty="0">
+              <a:solidFill>
+                <a:schemeClr val="tx1"/>
+              </a:solidFill>
+            </a:rPr>
+            <a:t>– This is an unsupervised learning technique creating clusters of data based on a centroid</a:t>
           </a:r>
         </a:p>
       </dgm:t>
@@ -1793,8 +1817,20 @@
         <a:lstStyle/>
         <a:p>
           <a:r>
-            <a:rPr lang="en-US"/>
-            <a:t>KNN – This is a clustering technique which analyzes data nearest to other data to predict a diagnosis</a:t>
+            <a:rPr lang="en-US" b="1" dirty="0">
+              <a:solidFill>
+                <a:schemeClr val="tx1"/>
+              </a:solidFill>
+            </a:rPr>
+            <a:t>KNN </a:t>
+          </a:r>
+          <a:r>
+            <a:rPr lang="en-US" dirty="0">
+              <a:solidFill>
+                <a:schemeClr val="tx1"/>
+              </a:solidFill>
+            </a:rPr>
+            <a:t>– This is a clustering technique which analyzes data nearest to other data to predict a diagnosis</a:t>
           </a:r>
         </a:p>
       </dgm:t>
@@ -1829,8 +1865,20 @@
         <a:lstStyle/>
         <a:p>
           <a:r>
-            <a:rPr lang="en-US"/>
-            <a:t>Naïve Bayes – This is a technique used to predict cancer by taking features  of our dataset and using the same weight for each -&gt; Assumes data has same effect on output hence Naïve </a:t>
+            <a:rPr lang="en-US" b="1" dirty="0">
+              <a:solidFill>
+                <a:schemeClr val="tx1"/>
+              </a:solidFill>
+            </a:rPr>
+            <a:t>Naïve Bayes </a:t>
+          </a:r>
+          <a:r>
+            <a:rPr lang="en-US" dirty="0">
+              <a:solidFill>
+                <a:schemeClr val="tx1"/>
+              </a:solidFill>
+            </a:rPr>
+            <a:t>– This is a technique used to predict cancer by taking features  of our dataset and using the same weight for each -&gt; Assumes data has same effect on output hence Naïve </a:t>
           </a:r>
         </a:p>
       </dgm:t>
@@ -1866,8 +1914,20 @@
         <a:p>
           <a:pPr rtl="0"/>
           <a:r>
-            <a:rPr lang="en-US" dirty="0"/>
-            <a:t>Decision Trees – Which were used to predict diagnosis by making a tree of features in our dataset which will either lead to positive or negative diagnosis based on their values</a:t>
+            <a:rPr lang="en-US" b="1" dirty="0">
+              <a:solidFill>
+                <a:schemeClr val="tx1"/>
+              </a:solidFill>
+            </a:rPr>
+            <a:t>Decision Trees </a:t>
+          </a:r>
+          <a:r>
+            <a:rPr lang="en-US" dirty="0">
+              <a:solidFill>
+                <a:schemeClr val="tx1"/>
+              </a:solidFill>
+            </a:rPr>
+            <a:t>– Which were used to predict diagnosis by making a tree of features in our dataset which will either lead to positive or negative diagnosis based on their values</a:t>
           </a:r>
         </a:p>
       </dgm:t>
@@ -1875,10 +1935,24 @@
     <dgm:pt modelId="{86C623B7-D842-47FD-8F76-518E9E3BB40A}" type="parTrans" cxnId="{6EB732C6-1218-4ADC-B8AB-CFEF31492F6D}">
       <dgm:prSet/>
       <dgm:spPr/>
+      <dgm:t>
+        <a:bodyPr/>
+        <a:lstStyle/>
+        <a:p>
+          <a:endParaRPr lang="en-IE"/>
+        </a:p>
+      </dgm:t>
     </dgm:pt>
     <dgm:pt modelId="{CF0B5211-688B-495E-A025-BB99EB2A56EE}" type="sibTrans" cxnId="{6EB732C6-1218-4ADC-B8AB-CFEF31492F6D}">
       <dgm:prSet/>
       <dgm:spPr/>
+      <dgm:t>
+        <a:bodyPr/>
+        <a:lstStyle/>
+        <a:p>
+          <a:endParaRPr lang="en-IE"/>
+        </a:p>
+      </dgm:t>
     </dgm:pt>
     <dgm:pt modelId="{3CE2968D-F638-4ED1-BD2F-3F01915010E5}">
       <dgm:prSet phldr="0"/>
@@ -1888,8 +1962,20 @@
         <a:lstStyle/>
         <a:p>
           <a:r>
-            <a:rPr lang="en-US" dirty="0"/>
-            <a:t>Random Forest – Creates multiple trees then merges the best models to predict our diagnois</a:t>
+            <a:rPr lang="en-US" b="1" dirty="0">
+              <a:solidFill>
+                <a:schemeClr val="tx1"/>
+              </a:solidFill>
+            </a:rPr>
+            <a:t>Random Forest </a:t>
+          </a:r>
+          <a:r>
+            <a:rPr lang="en-US" dirty="0">
+              <a:solidFill>
+                <a:schemeClr val="tx1"/>
+              </a:solidFill>
+            </a:rPr>
+            <a:t>– Extended the decision trees to help remove the over fitting of the individual decision trees by taking the tallied vote of different data/decision tree configurations</a:t>
           </a:r>
         </a:p>
       </dgm:t>
@@ -1897,10 +1983,24 @@
     <dgm:pt modelId="{559146B3-2E85-4EA9-8F9E-9958F12B8864}" type="parTrans" cxnId="{5AF0956C-AAE6-4F67-BB2D-F0FCC5118B76}">
       <dgm:prSet/>
       <dgm:spPr/>
+      <dgm:t>
+        <a:bodyPr/>
+        <a:lstStyle/>
+        <a:p>
+          <a:endParaRPr lang="en-IE"/>
+        </a:p>
+      </dgm:t>
     </dgm:pt>
     <dgm:pt modelId="{DE945F27-FF11-4ECF-8FEA-6D2F681B1B56}" type="sibTrans" cxnId="{5AF0956C-AAE6-4F67-BB2D-F0FCC5118B76}">
       <dgm:prSet/>
       <dgm:spPr/>
+      <dgm:t>
+        <a:bodyPr/>
+        <a:lstStyle/>
+        <a:p>
+          <a:endParaRPr lang="en-IE"/>
+        </a:p>
+      </dgm:t>
     </dgm:pt>
     <dgm:pt modelId="{C8C83B8B-CA44-4370-881C-76DB3C36AB94}">
       <dgm:prSet phldr="0"/>
@@ -1910,8 +2010,20 @@
         <a:lstStyle/>
         <a:p>
           <a:r>
-            <a:rPr lang="en-US" dirty="0"/>
-            <a:t>PCA (Principle Component Analysis) - unsupervised dimensionality-reduction which reduced features in our dataset by removing similar features which were highly correlated</a:t>
+            <a:rPr lang="en-US" b="1" dirty="0">
+              <a:solidFill>
+                <a:schemeClr val="tx1"/>
+              </a:solidFill>
+            </a:rPr>
+            <a:t>PCA (Principle Component Analysis) </a:t>
+          </a:r>
+          <a:r>
+            <a:rPr lang="en-US" dirty="0">
+              <a:solidFill>
+                <a:schemeClr val="tx1"/>
+              </a:solidFill>
+            </a:rPr>
+            <a:t>- unsupervised dimensionality-reduction which reduced features in our dataset by removing similar features which were highly correlated, while still retaining as much pertinent information as possible.</a:t>
           </a:r>
         </a:p>
       </dgm:t>
@@ -1919,10 +2031,24 @@
     <dgm:pt modelId="{9E58D535-DCEC-42F3-87A0-7CF653F2E0DC}" type="parTrans" cxnId="{AD246D7D-9EB9-48A3-85AC-199254A63E8F}">
       <dgm:prSet/>
       <dgm:spPr/>
+      <dgm:t>
+        <a:bodyPr/>
+        <a:lstStyle/>
+        <a:p>
+          <a:endParaRPr lang="en-IE"/>
+        </a:p>
+      </dgm:t>
     </dgm:pt>
     <dgm:pt modelId="{A9E3CF06-259D-4662-8C41-9FABA81995C5}" type="sibTrans" cxnId="{AD246D7D-9EB9-48A3-85AC-199254A63E8F}">
       <dgm:prSet/>
       <dgm:spPr/>
+      <dgm:t>
+        <a:bodyPr/>
+        <a:lstStyle/>
+        <a:p>
+          <a:endParaRPr lang="en-IE"/>
+        </a:p>
+      </dgm:t>
     </dgm:pt>
     <dgm:pt modelId="{A6161D87-0223-4245-8563-D50154C0189B}" type="pres">
       <dgm:prSet presAssocID="{1C733716-810A-430F-9031-C2DDCD33359A}" presName="linear" presStyleCnt="0">
@@ -2083,8 +2209,36 @@
         <a:lstStyle/>
         <a:p>
           <a:r>
-            <a:rPr lang="en-US"/>
-            <a:t>Linear Regression was used to analyze the strength of the relationship between certain features and our Diagnosis – Also used Cramérs V </a:t>
+            <a:rPr lang="en-US" b="1" dirty="0">
+              <a:solidFill>
+                <a:schemeClr val="tx1"/>
+              </a:solidFill>
+            </a:rPr>
+            <a:t>Linear Regression </a:t>
+          </a:r>
+          <a:r>
+            <a:rPr lang="en-US" dirty="0">
+              <a:solidFill>
+                <a:schemeClr val="tx1"/>
+              </a:solidFill>
+            </a:rPr>
+            <a:t>was used to analyze the strength of the relationship between certain features and our Diagnosis – Also used </a:t>
+          </a:r>
+          <a:r>
+            <a:rPr lang="en-US" dirty="0" err="1">
+              <a:solidFill>
+                <a:schemeClr val="tx1"/>
+              </a:solidFill>
+            </a:rPr>
+            <a:t>Cramérs</a:t>
+          </a:r>
+          <a:r>
+            <a:rPr lang="en-US" dirty="0">
+              <a:solidFill>
+                <a:schemeClr val="tx1"/>
+              </a:solidFill>
+            </a:rPr>
+            <a:t> V </a:t>
           </a:r>
         </a:p>
       </dgm:t>
@@ -2119,7 +2273,11 @@
         <a:lstStyle/>
         <a:p>
           <a:r>
-            <a:rPr lang="en-US"/>
+            <a:rPr lang="en-US" dirty="0">
+              <a:solidFill>
+                <a:schemeClr val="tx1"/>
+              </a:solidFill>
+            </a:rPr>
             <a:t>Had good results we could see which features were positively correlated with a diagnosis value and the strength of this correlation</a:t>
           </a:r>
         </a:p>
@@ -2155,8 +2313,36 @@
         <a:lstStyle/>
         <a:p>
           <a:r>
-            <a:rPr lang="en-US"/>
-            <a:t>K Means – Performed fairly well with 86% accuracy</a:t>
+            <a:rPr lang="en-US" b="1" dirty="0">
+              <a:solidFill>
+                <a:schemeClr val="tx1"/>
+              </a:solidFill>
+            </a:rPr>
+            <a:t>K Means </a:t>
+          </a:r>
+          <a:r>
+            <a:rPr lang="en-US" dirty="0">
+              <a:solidFill>
+                <a:schemeClr val="tx1"/>
+              </a:solidFill>
+            </a:rPr>
+            <a:t>– Performed fairly well with </a:t>
+          </a:r>
+          <a:r>
+            <a:rPr lang="en-US" b="1" dirty="0">
+              <a:solidFill>
+                <a:schemeClr val="tx1"/>
+              </a:solidFill>
+            </a:rPr>
+            <a:t>86% </a:t>
+          </a:r>
+          <a:r>
+            <a:rPr lang="en-US" dirty="0">
+              <a:solidFill>
+                <a:schemeClr val="tx1"/>
+              </a:solidFill>
+            </a:rPr>
+            <a:t>accuracy</a:t>
           </a:r>
         </a:p>
       </dgm:t>
@@ -2191,8 +2377,36 @@
         <a:lstStyle/>
         <a:p>
           <a:r>
-            <a:rPr lang="en-US"/>
-            <a:t>KNN – Performed better than KNN with 91% accuracy</a:t>
+            <a:rPr lang="en-US" b="1" dirty="0">
+              <a:solidFill>
+                <a:schemeClr val="tx1"/>
+              </a:solidFill>
+            </a:rPr>
+            <a:t>KNN </a:t>
+          </a:r>
+          <a:r>
+            <a:rPr lang="en-US" dirty="0">
+              <a:solidFill>
+                <a:schemeClr val="tx1"/>
+              </a:solidFill>
+            </a:rPr>
+            <a:t>– Performed better than KNN with </a:t>
+          </a:r>
+          <a:r>
+            <a:rPr lang="en-US" b="1" dirty="0">
+              <a:solidFill>
+                <a:schemeClr val="tx1"/>
+              </a:solidFill>
+            </a:rPr>
+            <a:t>91% </a:t>
+          </a:r>
+          <a:r>
+            <a:rPr lang="en-US" dirty="0">
+              <a:solidFill>
+                <a:schemeClr val="tx1"/>
+              </a:solidFill>
+            </a:rPr>
+            <a:t>accuracy</a:t>
           </a:r>
         </a:p>
       </dgm:t>
@@ -2227,8 +2441,36 @@
         <a:lstStyle/>
         <a:p>
           <a:r>
-            <a:rPr lang="en-US"/>
-            <a:t>Gaussian Naïve Bayes – without smoothing or scaling had 90% accuracy on testset </a:t>
+            <a:rPr lang="en-US" b="1" dirty="0">
+              <a:solidFill>
+                <a:schemeClr val="tx1"/>
+              </a:solidFill>
+            </a:rPr>
+            <a:t>Gaussian Naïve Bayes </a:t>
+          </a:r>
+          <a:r>
+            <a:rPr lang="en-US" dirty="0">
+              <a:solidFill>
+                <a:schemeClr val="tx1"/>
+              </a:solidFill>
+            </a:rPr>
+            <a:t>– without smoothing or scaling had </a:t>
+          </a:r>
+          <a:r>
+            <a:rPr lang="en-US" b="1" dirty="0">
+              <a:solidFill>
+                <a:schemeClr val="tx1"/>
+              </a:solidFill>
+            </a:rPr>
+            <a:t>90% </a:t>
+          </a:r>
+          <a:r>
+            <a:rPr lang="en-US" dirty="0">
+              <a:solidFill>
+                <a:schemeClr val="tx1"/>
+              </a:solidFill>
+            </a:rPr>
+            <a:t>accuracy on test set </a:t>
           </a:r>
         </a:p>
       </dgm:t>
@@ -2264,8 +2506,36 @@
         <a:p>
           <a:pPr rtl="0"/>
           <a:r>
-            <a:rPr lang="en-US" dirty="0"/>
-            <a:t>Gaussian Naïve Bayes with scaling had around a 91% accuracy rate – not much improvement</a:t>
+            <a:rPr lang="en-US" b="1" dirty="0">
+              <a:solidFill>
+                <a:schemeClr val="tx1"/>
+              </a:solidFill>
+            </a:rPr>
+            <a:t>Gaussian Naïve Bayes </a:t>
+          </a:r>
+          <a:r>
+            <a:rPr lang="en-US" dirty="0">
+              <a:solidFill>
+                <a:schemeClr val="tx1"/>
+              </a:solidFill>
+            </a:rPr>
+            <a:t>with scaling had around a </a:t>
+          </a:r>
+          <a:r>
+            <a:rPr lang="en-US" b="1" dirty="0">
+              <a:solidFill>
+                <a:schemeClr val="tx1"/>
+              </a:solidFill>
+            </a:rPr>
+            <a:t>91% </a:t>
+          </a:r>
+          <a:r>
+            <a:rPr lang="en-US" dirty="0">
+              <a:solidFill>
+                <a:schemeClr val="tx1"/>
+              </a:solidFill>
+            </a:rPr>
+            <a:t>accuracy rate – not much improvement</a:t>
           </a:r>
         </a:p>
       </dgm:t>
@@ -2273,10 +2543,24 @@
     <dgm:pt modelId="{693ADC96-C472-4100-B35E-55680AF2F24F}" type="parTrans" cxnId="{CF17F852-25AC-47E3-BE78-40C970747AF8}">
       <dgm:prSet/>
       <dgm:spPr/>
+      <dgm:t>
+        <a:bodyPr/>
+        <a:lstStyle/>
+        <a:p>
+          <a:endParaRPr lang="en-IE"/>
+        </a:p>
+      </dgm:t>
     </dgm:pt>
     <dgm:pt modelId="{CDF363D5-8BFC-463F-9F06-CCE91EB57989}" type="sibTrans" cxnId="{CF17F852-25AC-47E3-BE78-40C970747AF8}">
       <dgm:prSet/>
       <dgm:spPr/>
+      <dgm:t>
+        <a:bodyPr/>
+        <a:lstStyle/>
+        <a:p>
+          <a:endParaRPr lang="en-IE"/>
+        </a:p>
+      </dgm:t>
     </dgm:pt>
     <dgm:pt modelId="{AD4E01DF-B94F-40BA-A950-CAD0C6BAC213}">
       <dgm:prSet phldr="0"/>
@@ -2286,8 +2570,60 @@
         <a:lstStyle/>
         <a:p>
           <a:r>
-            <a:rPr lang="en-US" dirty="0"/>
-            <a:t>Decision Tree model had an accuracy of 93%</a:t>
+            <a:rPr lang="en-US" dirty="0">
+              <a:solidFill>
+                <a:schemeClr val="tx1"/>
+              </a:solidFill>
+            </a:rPr>
+            <a:t>Most of our </a:t>
+          </a:r>
+          <a:r>
+            <a:rPr lang="en-US" b="1" dirty="0">
+              <a:solidFill>
+                <a:schemeClr val="tx1"/>
+              </a:solidFill>
+            </a:rPr>
+            <a:t>Decision Tree </a:t>
+          </a:r>
+          <a:r>
+            <a:rPr lang="en-US" dirty="0">
+              <a:solidFill>
+                <a:schemeClr val="tx1"/>
+              </a:solidFill>
+            </a:rPr>
+            <a:t>and </a:t>
+          </a:r>
+          <a:r>
+            <a:rPr lang="en-US" b="1" dirty="0">
+              <a:solidFill>
+                <a:schemeClr val="tx1"/>
+              </a:solidFill>
+            </a:rPr>
+            <a:t>Random Forest </a:t>
+          </a:r>
+          <a:r>
+            <a:rPr lang="en-US" dirty="0">
+              <a:solidFill>
+                <a:schemeClr val="tx1"/>
+              </a:solidFill>
+            </a:rPr>
+            <a:t>models had a had high degree of  accuracy. However with our smaller dataset we must consider the possibility of </a:t>
+          </a:r>
+          <a:r>
+            <a:rPr lang="en-US" b="1" dirty="0">
+              <a:solidFill>
+                <a:schemeClr val="tx1"/>
+              </a:solidFill>
+            </a:rPr>
+            <a:t>over fitting</a:t>
+          </a:r>
+          <a:r>
+            <a:rPr lang="en-US" dirty="0">
+              <a:solidFill>
+                <a:schemeClr val="tx1"/>
+              </a:solidFill>
+            </a:rPr>
+            <a:t>.</a:t>
           </a:r>
         </a:p>
       </dgm:t>
@@ -2295,32 +2631,24 @@
     <dgm:pt modelId="{F1750691-D488-485C-84EE-75903342ED3A}" type="parTrans" cxnId="{28B9A3DD-C96C-4231-AA82-7948ECC10E87}">
       <dgm:prSet/>
       <dgm:spPr/>
+      <dgm:t>
+        <a:bodyPr/>
+        <a:lstStyle/>
+        <a:p>
+          <a:endParaRPr lang="en-IE"/>
+        </a:p>
+      </dgm:t>
     </dgm:pt>
     <dgm:pt modelId="{BB3532AF-B99D-44C2-A1C0-5C14E513AE75}" type="sibTrans" cxnId="{28B9A3DD-C96C-4231-AA82-7948ECC10E87}">
       <dgm:prSet/>
-      <dgm:spPr/>
-    </dgm:pt>
-    <dgm:pt modelId="{DE52EBBD-C1E0-478B-BC4B-6BD410BC4878}">
-      <dgm:prSet phldr="0"/>
       <dgm:spPr/>
       <dgm:t>
         <a:bodyPr/>
         <a:lstStyle/>
         <a:p>
-          <a:r>
-            <a:rPr lang="en-US" dirty="0"/>
-            <a:t>Random forest had around the same degree of accuracy</a:t>
-          </a:r>
+          <a:endParaRPr lang="en-IE"/>
         </a:p>
       </dgm:t>
-    </dgm:pt>
-    <dgm:pt modelId="{CE7CB06A-1CBB-466A-AE92-2DEA75E62EEF}" type="parTrans" cxnId="{E491F7AD-AFDA-4D7E-8318-11FB183E748A}">
-      <dgm:prSet/>
-      <dgm:spPr/>
-    </dgm:pt>
-    <dgm:pt modelId="{690E5620-AA24-4C80-8B47-D7C40C422B14}" type="sibTrans" cxnId="{E491F7AD-AFDA-4D7E-8318-11FB183E748A}">
-      <dgm:prSet/>
-      <dgm:spPr/>
     </dgm:pt>
     <dgm:pt modelId="{6ED6DB01-3829-45A0-A608-7DF34AD61DDC}">
       <dgm:prSet phldr="0"/>
@@ -2330,8 +2658,36 @@
         <a:lstStyle/>
         <a:p>
           <a:r>
-            <a:rPr lang="en-US" dirty="0"/>
-            <a:t>Entropy Forest had 90% accuracy</a:t>
+            <a:rPr lang="en-US" b="1" dirty="0">
+              <a:solidFill>
+                <a:schemeClr val="tx1"/>
+              </a:solidFill>
+            </a:rPr>
+            <a:t>Entropy Forest </a:t>
+          </a:r>
+          <a:r>
+            <a:rPr lang="en-US" dirty="0">
+              <a:solidFill>
+                <a:schemeClr val="tx1"/>
+              </a:solidFill>
+            </a:rPr>
+            <a:t>had </a:t>
+          </a:r>
+          <a:r>
+            <a:rPr lang="en-US" b="1" dirty="0">
+              <a:solidFill>
+                <a:schemeClr val="tx1"/>
+              </a:solidFill>
+            </a:rPr>
+            <a:t>90% </a:t>
+          </a:r>
+          <a:r>
+            <a:rPr lang="en-US" dirty="0">
+              <a:solidFill>
+                <a:schemeClr val="tx1"/>
+              </a:solidFill>
+            </a:rPr>
+            <a:t>accuracy</a:t>
           </a:r>
         </a:p>
       </dgm:t>
@@ -2339,10 +2695,24 @@
     <dgm:pt modelId="{D27414C6-8AE2-40C3-8874-D65204A2849B}" type="parTrans" cxnId="{8EE6ED61-BD94-45FD-AA8B-B35DAE78D4D0}">
       <dgm:prSet/>
       <dgm:spPr/>
+      <dgm:t>
+        <a:bodyPr/>
+        <a:lstStyle/>
+        <a:p>
+          <a:endParaRPr lang="en-IE"/>
+        </a:p>
+      </dgm:t>
     </dgm:pt>
     <dgm:pt modelId="{1F33AD0D-6878-47B9-8649-1A5B4EEB2FEE}" type="sibTrans" cxnId="{8EE6ED61-BD94-45FD-AA8B-B35DAE78D4D0}">
       <dgm:prSet/>
       <dgm:spPr/>
+      <dgm:t>
+        <a:bodyPr/>
+        <a:lstStyle/>
+        <a:p>
+          <a:endParaRPr lang="en-IE"/>
+        </a:p>
+      </dgm:t>
     </dgm:pt>
     <dgm:pt modelId="{EB8E0939-6DFD-40B1-BFF3-68B709346EAD}">
       <dgm:prSet phldr="0"/>
@@ -2352,8 +2722,28 @@
         <a:lstStyle/>
         <a:p>
           <a:r>
-            <a:rPr lang="en-US" dirty="0"/>
-            <a:t>PCA Gini Tree had an accuracy of 0.94%</a:t>
+            <a:rPr lang="en-US" b="1" dirty="0">
+              <a:solidFill>
+                <a:schemeClr val="tx1"/>
+              </a:solidFill>
+            </a:rPr>
+            <a:t>PCA Gini Tree </a:t>
+          </a:r>
+          <a:r>
+            <a:rPr lang="en-US" dirty="0">
+              <a:solidFill>
+                <a:schemeClr val="tx1"/>
+              </a:solidFill>
+            </a:rPr>
+            <a:t>had an accuracy of </a:t>
+          </a:r>
+          <a:r>
+            <a:rPr lang="en-US" b="1" dirty="0">
+              <a:solidFill>
+                <a:schemeClr val="tx1"/>
+              </a:solidFill>
+            </a:rPr>
+            <a:t>94%</a:t>
           </a:r>
         </a:p>
       </dgm:t>
@@ -2361,10 +2751,24 @@
     <dgm:pt modelId="{04C42A93-ABE6-4076-9BBA-067045C459E4}" type="parTrans" cxnId="{52E5D04C-7D88-4D38-8633-04E010576728}">
       <dgm:prSet/>
       <dgm:spPr/>
+      <dgm:t>
+        <a:bodyPr/>
+        <a:lstStyle/>
+        <a:p>
+          <a:endParaRPr lang="en-IE"/>
+        </a:p>
+      </dgm:t>
     </dgm:pt>
     <dgm:pt modelId="{6B1B8048-35B4-4914-B9B1-A4AFF2951783}" type="sibTrans" cxnId="{52E5D04C-7D88-4D38-8633-04E010576728}">
       <dgm:prSet/>
       <dgm:spPr/>
+      <dgm:t>
+        <a:bodyPr/>
+        <a:lstStyle/>
+        <a:p>
+          <a:endParaRPr lang="en-IE"/>
+        </a:p>
+      </dgm:t>
     </dgm:pt>
     <dgm:pt modelId="{309A7258-5971-43F6-A8CC-4CCECEA554CA}">
       <dgm:prSet phldr="0"/>
@@ -2374,8 +2778,28 @@
         <a:lstStyle/>
         <a:p>
           <a:r>
-            <a:rPr lang="en-US" dirty="0"/>
-            <a:t>PCA Random forest had the best accuracy of all our models at 97%</a:t>
+            <a:rPr lang="en-US" b="1" dirty="0">
+              <a:solidFill>
+                <a:schemeClr val="tx1"/>
+              </a:solidFill>
+            </a:rPr>
+            <a:t>PCA Random Forest </a:t>
+          </a:r>
+          <a:r>
+            <a:rPr lang="en-US" dirty="0">
+              <a:solidFill>
+                <a:schemeClr val="tx1"/>
+              </a:solidFill>
+            </a:rPr>
+            <a:t>had the best accuracy of all our models at </a:t>
+          </a:r>
+          <a:r>
+            <a:rPr lang="en-US" b="1" dirty="0">
+              <a:solidFill>
+                <a:schemeClr val="tx1"/>
+              </a:solidFill>
+            </a:rPr>
+            <a:t>97%</a:t>
           </a:r>
         </a:p>
       </dgm:t>
@@ -2383,10 +2807,24 @@
     <dgm:pt modelId="{284B1B69-CE74-4C88-91AE-A251EBCA5A9C}" type="parTrans" cxnId="{0CFB1165-DE36-433D-BD44-0B6584ADEA4F}">
       <dgm:prSet/>
       <dgm:spPr/>
+      <dgm:t>
+        <a:bodyPr/>
+        <a:lstStyle/>
+        <a:p>
+          <a:endParaRPr lang="en-IE"/>
+        </a:p>
+      </dgm:t>
     </dgm:pt>
     <dgm:pt modelId="{B70E25C7-8F49-49F3-AC35-12CC7E9F0C5A}" type="sibTrans" cxnId="{0CFB1165-DE36-433D-BD44-0B6584ADEA4F}">
       <dgm:prSet/>
       <dgm:spPr/>
+      <dgm:t>
+        <a:bodyPr/>
+        <a:lstStyle/>
+        <a:p>
+          <a:endParaRPr lang="en-IE"/>
+        </a:p>
+      </dgm:t>
     </dgm:pt>
     <dgm:pt modelId="{EF90A053-B624-4BF4-B5EA-32A076A6E5A4}" type="pres">
       <dgm:prSet presAssocID="{3EE7B83D-68E5-48A7-B3A1-AD827FBD1DF2}" presName="linear" presStyleCnt="0">
@@ -2398,7 +2836,7 @@
       <dgm:spPr/>
     </dgm:pt>
     <dgm:pt modelId="{BE54A4F7-AA56-4D11-93D2-B8F6B566D5EC}" type="pres">
-      <dgm:prSet presAssocID="{E599A7A1-3968-487C-ADA7-6F5FE62B2C1E}" presName="parentText" presStyleLbl="node1" presStyleIdx="0" presStyleCnt="11">
+      <dgm:prSet presAssocID="{E599A7A1-3968-487C-ADA7-6F5FE62B2C1E}" presName="parentText" presStyleLbl="node1" presStyleIdx="0" presStyleCnt="10">
         <dgm:presLayoutVars>
           <dgm:chMax val="0"/>
           <dgm:bulletEnabled val="1"/>
@@ -2411,7 +2849,7 @@
       <dgm:spPr/>
     </dgm:pt>
     <dgm:pt modelId="{FB8BF19F-8B58-4495-8021-F3D36A48E9EA}" type="pres">
-      <dgm:prSet presAssocID="{E914C79A-4343-43A9-830A-30FC54736E69}" presName="parentText" presStyleLbl="node1" presStyleIdx="1" presStyleCnt="11">
+      <dgm:prSet presAssocID="{E914C79A-4343-43A9-830A-30FC54736E69}" presName="parentText" presStyleLbl="node1" presStyleIdx="1" presStyleCnt="10">
         <dgm:presLayoutVars>
           <dgm:chMax val="0"/>
           <dgm:bulletEnabled val="1"/>
@@ -2424,7 +2862,7 @@
       <dgm:spPr/>
     </dgm:pt>
     <dgm:pt modelId="{FACF1003-68A0-45FC-88C4-4EA9960DCD16}" type="pres">
-      <dgm:prSet presAssocID="{5D61A70B-CFB2-4761-A147-7121DF45454D}" presName="parentText" presStyleLbl="node1" presStyleIdx="2" presStyleCnt="11">
+      <dgm:prSet presAssocID="{5D61A70B-CFB2-4761-A147-7121DF45454D}" presName="parentText" presStyleLbl="node1" presStyleIdx="2" presStyleCnt="10">
         <dgm:presLayoutVars>
           <dgm:chMax val="0"/>
           <dgm:bulletEnabled val="1"/>
@@ -2437,7 +2875,7 @@
       <dgm:spPr/>
     </dgm:pt>
     <dgm:pt modelId="{4BF401AB-82EE-4C4A-A9D3-B986883EC6C7}" type="pres">
-      <dgm:prSet presAssocID="{5757C7AE-A2CE-46FB-9F32-57D93D7AA4F4}" presName="parentText" presStyleLbl="node1" presStyleIdx="3" presStyleCnt="11">
+      <dgm:prSet presAssocID="{5757C7AE-A2CE-46FB-9F32-57D93D7AA4F4}" presName="parentText" presStyleLbl="node1" presStyleIdx="3" presStyleCnt="10">
         <dgm:presLayoutVars>
           <dgm:chMax val="0"/>
           <dgm:bulletEnabled val="1"/>
@@ -2450,7 +2888,7 @@
       <dgm:spPr/>
     </dgm:pt>
     <dgm:pt modelId="{ABE95E06-6157-4884-802F-E8DF52085FEA}" type="pres">
-      <dgm:prSet presAssocID="{2F9CFD13-5E09-4066-B45B-5F3A27196AF5}" presName="parentText" presStyleLbl="node1" presStyleIdx="4" presStyleCnt="11">
+      <dgm:prSet presAssocID="{2F9CFD13-5E09-4066-B45B-5F3A27196AF5}" presName="parentText" presStyleLbl="node1" presStyleIdx="4" presStyleCnt="10">
         <dgm:presLayoutVars>
           <dgm:chMax val="0"/>
           <dgm:bulletEnabled val="1"/>
@@ -2463,7 +2901,7 @@
       <dgm:spPr/>
     </dgm:pt>
     <dgm:pt modelId="{E8103F07-51AF-4052-804B-1B6F00D659A1}" type="pres">
-      <dgm:prSet presAssocID="{3E48A420-4406-4D17-B38B-E156B9D35328}" presName="parentText" presStyleLbl="node1" presStyleIdx="5" presStyleCnt="11">
+      <dgm:prSet presAssocID="{3E48A420-4406-4D17-B38B-E156B9D35328}" presName="parentText" presStyleLbl="node1" presStyleIdx="5" presStyleCnt="10">
         <dgm:presLayoutVars>
           <dgm:chMax val="0"/>
           <dgm:bulletEnabled val="1"/>
@@ -2476,7 +2914,7 @@
       <dgm:spPr/>
     </dgm:pt>
     <dgm:pt modelId="{24A5F7E2-0648-4888-AA43-276E1444D225}" type="pres">
-      <dgm:prSet presAssocID="{AD4E01DF-B94F-40BA-A950-CAD0C6BAC213}" presName="parentText" presStyleLbl="node1" presStyleIdx="6" presStyleCnt="11">
+      <dgm:prSet presAssocID="{AD4E01DF-B94F-40BA-A950-CAD0C6BAC213}" presName="parentText" presStyleLbl="node1" presStyleIdx="6" presStyleCnt="10" custLinFactNeighborX="-3562" custLinFactNeighborY="-58795">
         <dgm:presLayoutVars>
           <dgm:chMax val="0"/>
           <dgm:bulletEnabled val="1"/>
@@ -2488,21 +2926,8 @@
       <dgm:prSet presAssocID="{BB3532AF-B99D-44C2-A1C0-5C14E513AE75}" presName="spacer" presStyleCnt="0"/>
       <dgm:spPr/>
     </dgm:pt>
-    <dgm:pt modelId="{C7D27D16-127B-4CFA-B969-EF4D744B0EF5}" type="pres">
-      <dgm:prSet presAssocID="{DE52EBBD-C1E0-478B-BC4B-6BD410BC4878}" presName="parentText" presStyleLbl="node1" presStyleIdx="7" presStyleCnt="11">
-        <dgm:presLayoutVars>
-          <dgm:chMax val="0"/>
-          <dgm:bulletEnabled val="1"/>
-        </dgm:presLayoutVars>
-      </dgm:prSet>
-      <dgm:spPr/>
-    </dgm:pt>
-    <dgm:pt modelId="{EE8CA06F-F12B-46B2-BE44-723858A9E1C0}" type="pres">
-      <dgm:prSet presAssocID="{690E5620-AA24-4C80-8B47-D7C40C422B14}" presName="spacer" presStyleCnt="0"/>
-      <dgm:spPr/>
-    </dgm:pt>
     <dgm:pt modelId="{CA754C5A-7F5F-415B-A46A-DFADE49934B2}" type="pres">
-      <dgm:prSet presAssocID="{6ED6DB01-3829-45A0-A608-7DF34AD61DDC}" presName="parentText" presStyleLbl="node1" presStyleIdx="8" presStyleCnt="11">
+      <dgm:prSet presAssocID="{6ED6DB01-3829-45A0-A608-7DF34AD61DDC}" presName="parentText" presStyleLbl="node1" presStyleIdx="7" presStyleCnt="10">
         <dgm:presLayoutVars>
           <dgm:chMax val="0"/>
           <dgm:bulletEnabled val="1"/>
@@ -2515,7 +2940,7 @@
       <dgm:spPr/>
     </dgm:pt>
     <dgm:pt modelId="{0419303C-207C-4C68-A4A8-99B2954CA40E}" type="pres">
-      <dgm:prSet presAssocID="{EB8E0939-6DFD-40B1-BFF3-68B709346EAD}" presName="parentText" presStyleLbl="node1" presStyleIdx="9" presStyleCnt="11">
+      <dgm:prSet presAssocID="{EB8E0939-6DFD-40B1-BFF3-68B709346EAD}" presName="parentText" presStyleLbl="node1" presStyleIdx="8" presStyleCnt="10">
         <dgm:presLayoutVars>
           <dgm:chMax val="0"/>
           <dgm:bulletEnabled val="1"/>
@@ -2528,7 +2953,7 @@
       <dgm:spPr/>
     </dgm:pt>
     <dgm:pt modelId="{AEDA5246-62EE-469D-BE0C-226089261DA4}" type="pres">
-      <dgm:prSet presAssocID="{309A7258-5971-43F6-A8CC-4CCECEA554CA}" presName="parentText" presStyleLbl="node1" presStyleIdx="10" presStyleCnt="11">
+      <dgm:prSet presAssocID="{309A7258-5971-43F6-A8CC-4CCECEA554CA}" presName="parentText" presStyleLbl="node1" presStyleIdx="9" presStyleCnt="10">
         <dgm:presLayoutVars>
           <dgm:chMax val="0"/>
           <dgm:bulletEnabled val="1"/>
@@ -2543,20 +2968,18 @@
     <dgm:cxn modelId="{2ABF1124-4ACF-42F2-8580-D84E4B45A1B7}" type="presOf" srcId="{E914C79A-4343-43A9-830A-30FC54736E69}" destId="{FB8BF19F-8B58-4495-8021-F3D36A48E9EA}" srcOrd="0" destOrd="0" presId="urn:microsoft.com/office/officeart/2005/8/layout/vList2"/>
     <dgm:cxn modelId="{4A76A226-DD67-45ED-8D59-2DBEF12FF5D1}" type="presOf" srcId="{3EE7B83D-68E5-48A7-B3A1-AD827FBD1DF2}" destId="{EF90A053-B624-4BF4-B5EA-32A076A6E5A4}" srcOrd="0" destOrd="0" presId="urn:microsoft.com/office/officeart/2005/8/layout/vList2"/>
     <dgm:cxn modelId="{350D5D34-2E02-4129-B658-594FD64ABAEA}" type="presOf" srcId="{3E48A420-4406-4D17-B38B-E156B9D35328}" destId="{E8103F07-51AF-4052-804B-1B6F00D659A1}" srcOrd="0" destOrd="0" presId="urn:microsoft.com/office/officeart/2005/8/layout/vList2"/>
-    <dgm:cxn modelId="{E88E5A5E-4F70-4000-A216-7EE92B90D3B5}" type="presOf" srcId="{DE52EBBD-C1E0-478B-BC4B-6BD410BC4878}" destId="{C7D27D16-127B-4CFA-B969-EF4D744B0EF5}" srcOrd="0" destOrd="0" presId="urn:microsoft.com/office/officeart/2005/8/layout/vList2"/>
     <dgm:cxn modelId="{62CB1B60-02AD-4845-9B86-4EA75138A524}" type="presOf" srcId="{6ED6DB01-3829-45A0-A608-7DF34AD61DDC}" destId="{CA754C5A-7F5F-415B-A46A-DFADE49934B2}" srcOrd="0" destOrd="0" presId="urn:microsoft.com/office/officeart/2005/8/layout/vList2"/>
-    <dgm:cxn modelId="{8EE6ED61-BD94-45FD-AA8B-B35DAE78D4D0}" srcId="{3EE7B83D-68E5-48A7-B3A1-AD827FBD1DF2}" destId="{6ED6DB01-3829-45A0-A608-7DF34AD61DDC}" srcOrd="8" destOrd="0" parTransId="{D27414C6-8AE2-40C3-8874-D65204A2849B}" sibTransId="{1F33AD0D-6878-47B9-8649-1A5B4EEB2FEE}"/>
+    <dgm:cxn modelId="{8EE6ED61-BD94-45FD-AA8B-B35DAE78D4D0}" srcId="{3EE7B83D-68E5-48A7-B3A1-AD827FBD1DF2}" destId="{6ED6DB01-3829-45A0-A608-7DF34AD61DDC}" srcOrd="7" destOrd="0" parTransId="{D27414C6-8AE2-40C3-8874-D65204A2849B}" sibTransId="{1F33AD0D-6878-47B9-8649-1A5B4EEB2FEE}"/>
     <dgm:cxn modelId="{238B5643-6365-4E1B-A727-752661504EEC}" type="presOf" srcId="{5D61A70B-CFB2-4761-A147-7121DF45454D}" destId="{FACF1003-68A0-45FC-88C4-4EA9960DCD16}" srcOrd="0" destOrd="0" presId="urn:microsoft.com/office/officeart/2005/8/layout/vList2"/>
-    <dgm:cxn modelId="{0CFB1165-DE36-433D-BD44-0B6584ADEA4F}" srcId="{3EE7B83D-68E5-48A7-B3A1-AD827FBD1DF2}" destId="{309A7258-5971-43F6-A8CC-4CCECEA554CA}" srcOrd="10" destOrd="0" parTransId="{284B1B69-CE74-4C88-91AE-A251EBCA5A9C}" sibTransId="{B70E25C7-8F49-49F3-AC35-12CC7E9F0C5A}"/>
+    <dgm:cxn modelId="{0CFB1165-DE36-433D-BD44-0B6584ADEA4F}" srcId="{3EE7B83D-68E5-48A7-B3A1-AD827FBD1DF2}" destId="{309A7258-5971-43F6-A8CC-4CCECEA554CA}" srcOrd="9" destOrd="0" parTransId="{284B1B69-CE74-4C88-91AE-A251EBCA5A9C}" sibTransId="{B70E25C7-8F49-49F3-AC35-12CC7E9F0C5A}"/>
     <dgm:cxn modelId="{22115F68-ED34-4AE6-8640-F4D450EBE413}" srcId="{3EE7B83D-68E5-48A7-B3A1-AD827FBD1DF2}" destId="{E599A7A1-3968-487C-ADA7-6F5FE62B2C1E}" srcOrd="0" destOrd="0" parTransId="{BBAB9805-D39A-471E-BFFA-4985212F9589}" sibTransId="{4690F7AD-F6AE-450D-B302-F294A051BAB5}"/>
-    <dgm:cxn modelId="{52E5D04C-7D88-4D38-8633-04E010576728}" srcId="{3EE7B83D-68E5-48A7-B3A1-AD827FBD1DF2}" destId="{EB8E0939-6DFD-40B1-BFF3-68B709346EAD}" srcOrd="9" destOrd="0" parTransId="{04C42A93-ABE6-4076-9BBA-067045C459E4}" sibTransId="{6B1B8048-35B4-4914-B9B1-A4AFF2951783}"/>
+    <dgm:cxn modelId="{52E5D04C-7D88-4D38-8633-04E010576728}" srcId="{3EE7B83D-68E5-48A7-B3A1-AD827FBD1DF2}" destId="{EB8E0939-6DFD-40B1-BFF3-68B709346EAD}" srcOrd="8" destOrd="0" parTransId="{04C42A93-ABE6-4076-9BBA-067045C459E4}" sibTransId="{6B1B8048-35B4-4914-B9B1-A4AFF2951783}"/>
     <dgm:cxn modelId="{039CFD50-B242-402C-B68A-477024BBC098}" srcId="{3EE7B83D-68E5-48A7-B3A1-AD827FBD1DF2}" destId="{5D61A70B-CFB2-4761-A147-7121DF45454D}" srcOrd="2" destOrd="0" parTransId="{E4F47B01-EBE2-4331-BDE0-ACD71FB1D2FE}" sibTransId="{C094A2C3-49DD-47B1-B5A7-75C0F7104428}"/>
     <dgm:cxn modelId="{CF17F852-25AC-47E3-BE78-40C970747AF8}" srcId="{3EE7B83D-68E5-48A7-B3A1-AD827FBD1DF2}" destId="{3E48A420-4406-4D17-B38B-E156B9D35328}" srcOrd="5" destOrd="0" parTransId="{693ADC96-C472-4100-B35E-55680AF2F24F}" sibTransId="{CDF363D5-8BFC-463F-9F06-CCE91EB57989}"/>
     <dgm:cxn modelId="{C3060475-FA4B-4E21-BFE3-F6C5DF433032}" srcId="{3EE7B83D-68E5-48A7-B3A1-AD827FBD1DF2}" destId="{5757C7AE-A2CE-46FB-9F32-57D93D7AA4F4}" srcOrd="3" destOrd="0" parTransId="{AE8E3BD5-848E-44F3-BAE4-4F57B2B74526}" sibTransId="{361CF2F7-8131-4D4C-9119-A90C3CDBD947}"/>
     <dgm:cxn modelId="{AD6C9475-1DCA-47F7-A820-F960B540C9E2}" type="presOf" srcId="{EB8E0939-6DFD-40B1-BFF3-68B709346EAD}" destId="{0419303C-207C-4C68-A4A8-99B2954CA40E}" srcOrd="0" destOrd="0" presId="urn:microsoft.com/office/officeart/2005/8/layout/vList2"/>
     <dgm:cxn modelId="{FC8DA28D-695A-46D9-A97A-A16AFC81EB27}" srcId="{3EE7B83D-68E5-48A7-B3A1-AD827FBD1DF2}" destId="{E914C79A-4343-43A9-830A-30FC54736E69}" srcOrd="1" destOrd="0" parTransId="{AEE5D9EC-FF54-4EA4-8093-297EBEBA9E17}" sibTransId="{343ACE92-332F-4ECA-8D25-F843185CA070}"/>
     <dgm:cxn modelId="{502D2798-DAC7-4456-8306-AA3438A26A75}" type="presOf" srcId="{E599A7A1-3968-487C-ADA7-6F5FE62B2C1E}" destId="{BE54A4F7-AA56-4D11-93D2-B8F6B566D5EC}" srcOrd="0" destOrd="0" presId="urn:microsoft.com/office/officeart/2005/8/layout/vList2"/>
-    <dgm:cxn modelId="{E491F7AD-AFDA-4D7E-8318-11FB183E748A}" srcId="{3EE7B83D-68E5-48A7-B3A1-AD827FBD1DF2}" destId="{DE52EBBD-C1E0-478B-BC4B-6BD410BC4878}" srcOrd="7" destOrd="0" parTransId="{CE7CB06A-1CBB-466A-AE92-2DEA75E62EEF}" sibTransId="{690E5620-AA24-4C80-8B47-D7C40C422B14}"/>
     <dgm:cxn modelId="{447B42B3-5E17-41D7-80A9-52D941AF4272}" type="presOf" srcId="{309A7258-5971-43F6-A8CC-4CCECEA554CA}" destId="{AEDA5246-62EE-469D-BE0C-226089261DA4}" srcOrd="0" destOrd="0" presId="urn:microsoft.com/office/officeart/2005/8/layout/vList2"/>
     <dgm:cxn modelId="{28B9A3DD-C96C-4231-AA82-7948ECC10E87}" srcId="{3EE7B83D-68E5-48A7-B3A1-AD827FBD1DF2}" destId="{AD4E01DF-B94F-40BA-A950-CAD0C6BAC213}" srcOrd="6" destOrd="0" parTransId="{F1750691-D488-485C-84EE-75903342ED3A}" sibTransId="{BB3532AF-B99D-44C2-A1C0-5C14E513AE75}"/>
     <dgm:cxn modelId="{1E77C0E3-88A7-4D96-BB0B-48CD5BB1D269}" srcId="{3EE7B83D-68E5-48A7-B3A1-AD827FBD1DF2}" destId="{2F9CFD13-5E09-4066-B45B-5F3A27196AF5}" srcOrd="4" destOrd="0" parTransId="{24456977-4DE6-4D0B-BCA5-0B126416A30E}" sibTransId="{4AECED64-EAE2-4C77-A6E0-6E2121A6B2CE}"/>
@@ -2575,13 +2998,11 @@
     <dgm:cxn modelId="{F45A6EF0-C5A3-4CC3-88C5-E367BCAD1A4F}" type="presParOf" srcId="{EF90A053-B624-4BF4-B5EA-32A076A6E5A4}" destId="{BEE62924-CB34-497C-A181-C22CF0188B01}" srcOrd="11" destOrd="0" presId="urn:microsoft.com/office/officeart/2005/8/layout/vList2"/>
     <dgm:cxn modelId="{99D68893-F088-4128-9B80-12EC2475103C}" type="presParOf" srcId="{EF90A053-B624-4BF4-B5EA-32A076A6E5A4}" destId="{24A5F7E2-0648-4888-AA43-276E1444D225}" srcOrd="12" destOrd="0" presId="urn:microsoft.com/office/officeart/2005/8/layout/vList2"/>
     <dgm:cxn modelId="{9065007E-FF7B-460C-A85E-D28B51A8CDB7}" type="presParOf" srcId="{EF90A053-B624-4BF4-B5EA-32A076A6E5A4}" destId="{B3CCBC5D-B9DF-43FE-AF99-3D3F802624FD}" srcOrd="13" destOrd="0" presId="urn:microsoft.com/office/officeart/2005/8/layout/vList2"/>
-    <dgm:cxn modelId="{2764B420-2672-40EA-9147-99D75DCFC813}" type="presParOf" srcId="{EF90A053-B624-4BF4-B5EA-32A076A6E5A4}" destId="{C7D27D16-127B-4CFA-B969-EF4D744B0EF5}" srcOrd="14" destOrd="0" presId="urn:microsoft.com/office/officeart/2005/8/layout/vList2"/>
-    <dgm:cxn modelId="{F784440E-1308-4DBF-ACF4-6ED7EEC18C6E}" type="presParOf" srcId="{EF90A053-B624-4BF4-B5EA-32A076A6E5A4}" destId="{EE8CA06F-F12B-46B2-BE44-723858A9E1C0}" srcOrd="15" destOrd="0" presId="urn:microsoft.com/office/officeart/2005/8/layout/vList2"/>
-    <dgm:cxn modelId="{A30BDFB2-B7FC-4943-9003-1B0282D88620}" type="presParOf" srcId="{EF90A053-B624-4BF4-B5EA-32A076A6E5A4}" destId="{CA754C5A-7F5F-415B-A46A-DFADE49934B2}" srcOrd="16" destOrd="0" presId="urn:microsoft.com/office/officeart/2005/8/layout/vList2"/>
-    <dgm:cxn modelId="{FBF0823B-8D90-4EBF-963B-5AA6FD24095F}" type="presParOf" srcId="{EF90A053-B624-4BF4-B5EA-32A076A6E5A4}" destId="{40F651EF-4809-4FDC-A2E8-7252540BC2DB}" srcOrd="17" destOrd="0" presId="urn:microsoft.com/office/officeart/2005/8/layout/vList2"/>
-    <dgm:cxn modelId="{094BB0C9-0777-4609-B1A8-A8860F87A22E}" type="presParOf" srcId="{EF90A053-B624-4BF4-B5EA-32A076A6E5A4}" destId="{0419303C-207C-4C68-A4A8-99B2954CA40E}" srcOrd="18" destOrd="0" presId="urn:microsoft.com/office/officeart/2005/8/layout/vList2"/>
-    <dgm:cxn modelId="{EC933BF9-F70D-4E2D-BE56-61A8972630BC}" type="presParOf" srcId="{EF90A053-B624-4BF4-B5EA-32A076A6E5A4}" destId="{FBF92CB0-8E91-402D-8BDC-43B703E16C5F}" srcOrd="19" destOrd="0" presId="urn:microsoft.com/office/officeart/2005/8/layout/vList2"/>
-    <dgm:cxn modelId="{AA3EA613-6000-4A9D-AD0A-E14BB2D8B90B}" type="presParOf" srcId="{EF90A053-B624-4BF4-B5EA-32A076A6E5A4}" destId="{AEDA5246-62EE-469D-BE0C-226089261DA4}" srcOrd="20" destOrd="0" presId="urn:microsoft.com/office/officeart/2005/8/layout/vList2"/>
+    <dgm:cxn modelId="{A30BDFB2-B7FC-4943-9003-1B0282D88620}" type="presParOf" srcId="{EF90A053-B624-4BF4-B5EA-32A076A6E5A4}" destId="{CA754C5A-7F5F-415B-A46A-DFADE49934B2}" srcOrd="14" destOrd="0" presId="urn:microsoft.com/office/officeart/2005/8/layout/vList2"/>
+    <dgm:cxn modelId="{FBF0823B-8D90-4EBF-963B-5AA6FD24095F}" type="presParOf" srcId="{EF90A053-B624-4BF4-B5EA-32A076A6E5A4}" destId="{40F651EF-4809-4FDC-A2E8-7252540BC2DB}" srcOrd="15" destOrd="0" presId="urn:microsoft.com/office/officeart/2005/8/layout/vList2"/>
+    <dgm:cxn modelId="{094BB0C9-0777-4609-B1A8-A8860F87A22E}" type="presParOf" srcId="{EF90A053-B624-4BF4-B5EA-32A076A6E5A4}" destId="{0419303C-207C-4C68-A4A8-99B2954CA40E}" srcOrd="16" destOrd="0" presId="urn:microsoft.com/office/officeart/2005/8/layout/vList2"/>
+    <dgm:cxn modelId="{EC933BF9-F70D-4E2D-BE56-61A8972630BC}" type="presParOf" srcId="{EF90A053-B624-4BF4-B5EA-32A076A6E5A4}" destId="{FBF92CB0-8E91-402D-8BDC-43B703E16C5F}" srcOrd="17" destOrd="0" presId="urn:microsoft.com/office/officeart/2005/8/layout/vList2"/>
+    <dgm:cxn modelId="{AA3EA613-6000-4A9D-AD0A-E14BB2D8B90B}" type="presParOf" srcId="{EF90A053-B624-4BF4-B5EA-32A076A6E5A4}" destId="{AEDA5246-62EE-469D-BE0C-226089261DA4}" srcOrd="18" destOrd="0" presId="urn:microsoft.com/office/officeart/2005/8/layout/vList2"/>
   </dgm:cxnLst>
   <dgm:bg/>
   <dgm:whole/>
@@ -2669,8 +3090,20 @@
             <a:buNone/>
           </a:pPr>
           <a:r>
-            <a:rPr lang="en-US" sz="1100" kern="1200"/>
-            <a:t>Linear Regression – to predict and analyze the correlation of 2 features in our dataset</a:t>
+            <a:rPr lang="en-US" sz="1100" b="1" kern="1200" dirty="0">
+              <a:solidFill>
+                <a:schemeClr val="tx1"/>
+              </a:solidFill>
+            </a:rPr>
+            <a:t>Linear Regression </a:t>
+          </a:r>
+          <a:r>
+            <a:rPr lang="en-US" sz="1100" kern="1200" dirty="0">
+              <a:solidFill>
+                <a:schemeClr val="tx1"/>
+              </a:solidFill>
+            </a:rPr>
+            <a:t>– to predict and analyze the correlation of 2 features in our dataset</a:t>
           </a:r>
         </a:p>
       </dsp:txBody>
@@ -2747,8 +3180,20 @@
             <a:buNone/>
           </a:pPr>
           <a:r>
-            <a:rPr lang="en-US" sz="1100" kern="1200"/>
-            <a:t>K Means – This is an unsupervised learning technique creating clusters of data based on a centroid</a:t>
+            <a:rPr lang="en-US" sz="1100" b="1" kern="1200" dirty="0">
+              <a:solidFill>
+                <a:schemeClr val="tx1"/>
+              </a:solidFill>
+            </a:rPr>
+            <a:t>K Means </a:t>
+          </a:r>
+          <a:r>
+            <a:rPr lang="en-US" sz="1100" kern="1200" dirty="0">
+              <a:solidFill>
+                <a:schemeClr val="tx1"/>
+              </a:solidFill>
+            </a:rPr>
+            <a:t>– This is an unsupervised learning technique creating clusters of data based on a centroid</a:t>
           </a:r>
         </a:p>
       </dsp:txBody>
@@ -2825,8 +3270,20 @@
             <a:buNone/>
           </a:pPr>
           <a:r>
-            <a:rPr lang="en-US" sz="1100" kern="1200"/>
-            <a:t>KNN – This is a clustering technique which analyzes data nearest to other data to predict a diagnosis</a:t>
+            <a:rPr lang="en-US" sz="1100" b="1" kern="1200" dirty="0">
+              <a:solidFill>
+                <a:schemeClr val="tx1"/>
+              </a:solidFill>
+            </a:rPr>
+            <a:t>KNN </a:t>
+          </a:r>
+          <a:r>
+            <a:rPr lang="en-US" sz="1100" kern="1200" dirty="0">
+              <a:solidFill>
+                <a:schemeClr val="tx1"/>
+              </a:solidFill>
+            </a:rPr>
+            <a:t>– This is a clustering technique which analyzes data nearest to other data to predict a diagnosis</a:t>
           </a:r>
         </a:p>
       </dsp:txBody>
@@ -2903,8 +3360,20 @@
             <a:buNone/>
           </a:pPr>
           <a:r>
-            <a:rPr lang="en-US" sz="1100" kern="1200"/>
-            <a:t>Naïve Bayes – This is a technique used to predict cancer by taking features  of our dataset and using the same weight for each -&gt; Assumes data has same effect on output hence Naïve </a:t>
+            <a:rPr lang="en-US" sz="1100" b="1" kern="1200" dirty="0">
+              <a:solidFill>
+                <a:schemeClr val="tx1"/>
+              </a:solidFill>
+            </a:rPr>
+            <a:t>Naïve Bayes </a:t>
+          </a:r>
+          <a:r>
+            <a:rPr lang="en-US" sz="1100" kern="1200" dirty="0">
+              <a:solidFill>
+                <a:schemeClr val="tx1"/>
+              </a:solidFill>
+            </a:rPr>
+            <a:t>– This is a technique used to predict cancer by taking features  of our dataset and using the same weight for each -&gt; Assumes data has same effect on output hence Naïve </a:t>
           </a:r>
         </a:p>
       </dsp:txBody>
@@ -2981,8 +3450,20 @@
             <a:buNone/>
           </a:pPr>
           <a:r>
-            <a:rPr lang="en-US" sz="1100" kern="1200" dirty="0"/>
-            <a:t>Decision Trees – Which were used to predict diagnosis by making a tree of features in our dataset which will either lead to positive or negative diagnosis based on their values</a:t>
+            <a:rPr lang="en-US" sz="1100" b="1" kern="1200" dirty="0">
+              <a:solidFill>
+                <a:schemeClr val="tx1"/>
+              </a:solidFill>
+            </a:rPr>
+            <a:t>Decision Trees </a:t>
+          </a:r>
+          <a:r>
+            <a:rPr lang="en-US" sz="1100" kern="1200" dirty="0">
+              <a:solidFill>
+                <a:schemeClr val="tx1"/>
+              </a:solidFill>
+            </a:rPr>
+            <a:t>– Which were used to predict diagnosis by making a tree of features in our dataset which will either lead to positive or negative diagnosis based on their values</a:t>
           </a:r>
         </a:p>
       </dsp:txBody>
@@ -3059,8 +3540,20 @@
             <a:buNone/>
           </a:pPr>
           <a:r>
-            <a:rPr lang="en-US" sz="1100" kern="1200" dirty="0"/>
-            <a:t>Random Forest – Creates multiple trees then merges the best models to predict our diagnois</a:t>
+            <a:rPr lang="en-US" sz="1100" b="1" kern="1200" dirty="0">
+              <a:solidFill>
+                <a:schemeClr val="tx1"/>
+              </a:solidFill>
+            </a:rPr>
+            <a:t>Random Forest </a:t>
+          </a:r>
+          <a:r>
+            <a:rPr lang="en-US" sz="1100" kern="1200" dirty="0">
+              <a:solidFill>
+                <a:schemeClr val="tx1"/>
+              </a:solidFill>
+            </a:rPr>
+            <a:t>– Extended the decision trees to help remove the over fitting of the individual decision trees by taking the tallied vote of different data/decision tree configurations</a:t>
           </a:r>
         </a:p>
       </dsp:txBody>
@@ -3137,8 +3630,20 @@
             <a:buNone/>
           </a:pPr>
           <a:r>
-            <a:rPr lang="en-US" sz="1100" kern="1200" dirty="0"/>
-            <a:t>PCA (Principle Component Analysis) - unsupervised dimensionality-reduction which reduced features in our dataset by removing similar features which were highly correlated</a:t>
+            <a:rPr lang="en-US" sz="1100" b="1" kern="1200" dirty="0">
+              <a:solidFill>
+                <a:schemeClr val="tx1"/>
+              </a:solidFill>
+            </a:rPr>
+            <a:t>PCA (Principle Component Analysis) </a:t>
+          </a:r>
+          <a:r>
+            <a:rPr lang="en-US" sz="1100" kern="1200" dirty="0">
+              <a:solidFill>
+                <a:schemeClr val="tx1"/>
+              </a:solidFill>
+            </a:rPr>
+            <a:t>- unsupervised dimensionality-reduction which reduced features in our dataset by removing similar features which were highly correlated, while still retaining as much pertinent information as possible.</a:t>
           </a:r>
         </a:p>
       </dsp:txBody>
@@ -3166,7 +3671,7 @@
       </dsp:nvSpPr>
       <dsp:spPr>
         <a:xfrm>
-          <a:off x="0" y="49350"/>
+          <a:off x="0" y="262650"/>
           <a:ext cx="5704764" cy="397800"/>
         </a:xfrm>
         <a:prstGeom prst="roundRect">
@@ -3227,13 +3732,41 @@
             <a:buNone/>
           </a:pPr>
           <a:r>
-            <a:rPr lang="en-US" sz="1000" kern="1200"/>
-            <a:t>Linear Regression was used to analyze the strength of the relationship between certain features and our Diagnosis – Also used Cramérs V </a:t>
+            <a:rPr lang="en-US" sz="1000" b="1" kern="1200" dirty="0">
+              <a:solidFill>
+                <a:schemeClr val="tx1"/>
+              </a:solidFill>
+            </a:rPr>
+            <a:t>Linear Regression </a:t>
+          </a:r>
+          <a:r>
+            <a:rPr lang="en-US" sz="1000" kern="1200" dirty="0">
+              <a:solidFill>
+                <a:schemeClr val="tx1"/>
+              </a:solidFill>
+            </a:rPr>
+            <a:t>was used to analyze the strength of the relationship between certain features and our Diagnosis – Also used </a:t>
+          </a:r>
+          <a:r>
+            <a:rPr lang="en-US" sz="1000" kern="1200" dirty="0" err="1">
+              <a:solidFill>
+                <a:schemeClr val="tx1"/>
+              </a:solidFill>
+            </a:rPr>
+            <a:t>Cramérs</a:t>
+          </a:r>
+          <a:r>
+            <a:rPr lang="en-US" sz="1000" kern="1200" dirty="0">
+              <a:solidFill>
+                <a:schemeClr val="tx1"/>
+              </a:solidFill>
+            </a:rPr>
+            <a:t> V </a:t>
           </a:r>
         </a:p>
       </dsp:txBody>
       <dsp:txXfrm>
-        <a:off x="19419" y="68769"/>
+        <a:off x="19419" y="282069"/>
         <a:ext cx="5665926" cy="358962"/>
       </dsp:txXfrm>
     </dsp:sp>
@@ -3244,7 +3777,7 @@
       </dsp:nvSpPr>
       <dsp:spPr>
         <a:xfrm>
-          <a:off x="0" y="475950"/>
+          <a:off x="0" y="689250"/>
           <a:ext cx="5704764" cy="397800"/>
         </a:xfrm>
         <a:prstGeom prst="roundRect">
@@ -3252,9 +3785,9 @@
         </a:prstGeom>
         <a:solidFill>
           <a:schemeClr val="accent2">
-            <a:hueOff val="-1821060"/>
-            <a:satOff val="293"/>
-            <a:lumOff val="804"/>
+            <a:hueOff val="-2023400"/>
+            <a:satOff val="326"/>
+            <a:lumOff val="893"/>
             <a:alphaOff val="0"/>
           </a:schemeClr>
         </a:solidFill>
@@ -3305,13 +3838,17 @@
             <a:buNone/>
           </a:pPr>
           <a:r>
-            <a:rPr lang="en-US" sz="1000" kern="1200"/>
+            <a:rPr lang="en-US" sz="1000" kern="1200" dirty="0">
+              <a:solidFill>
+                <a:schemeClr val="tx1"/>
+              </a:solidFill>
+            </a:rPr>
             <a:t>Had good results we could see which features were positively correlated with a diagnosis value and the strength of this correlation</a:t>
           </a:r>
         </a:p>
       </dsp:txBody>
       <dsp:txXfrm>
-        <a:off x="19419" y="495369"/>
+        <a:off x="19419" y="708669"/>
         <a:ext cx="5665926" cy="358962"/>
       </dsp:txXfrm>
     </dsp:sp>
@@ -3322,7 +3859,7 @@
       </dsp:nvSpPr>
       <dsp:spPr>
         <a:xfrm>
-          <a:off x="0" y="902550"/>
+          <a:off x="0" y="1115850"/>
           <a:ext cx="5704764" cy="397800"/>
         </a:xfrm>
         <a:prstGeom prst="roundRect">
@@ -3330,9 +3867,9 @@
         </a:prstGeom>
         <a:solidFill>
           <a:schemeClr val="accent2">
-            <a:hueOff val="-3642120"/>
-            <a:satOff val="586"/>
-            <a:lumOff val="1608"/>
+            <a:hueOff val="-4046800"/>
+            <a:satOff val="651"/>
+            <a:lumOff val="1787"/>
             <a:alphaOff val="0"/>
           </a:schemeClr>
         </a:solidFill>
@@ -3383,13 +3920,41 @@
             <a:buNone/>
           </a:pPr>
           <a:r>
-            <a:rPr lang="en-US" sz="1000" kern="1200"/>
-            <a:t>K Means – Performed fairly well with 86% accuracy</a:t>
+            <a:rPr lang="en-US" sz="1000" b="1" kern="1200" dirty="0">
+              <a:solidFill>
+                <a:schemeClr val="tx1"/>
+              </a:solidFill>
+            </a:rPr>
+            <a:t>K Means </a:t>
+          </a:r>
+          <a:r>
+            <a:rPr lang="en-US" sz="1000" kern="1200" dirty="0">
+              <a:solidFill>
+                <a:schemeClr val="tx1"/>
+              </a:solidFill>
+            </a:rPr>
+            <a:t>– Performed fairly well with </a:t>
+          </a:r>
+          <a:r>
+            <a:rPr lang="en-US" sz="1000" b="1" kern="1200" dirty="0">
+              <a:solidFill>
+                <a:schemeClr val="tx1"/>
+              </a:solidFill>
+            </a:rPr>
+            <a:t>86% </a:t>
+          </a:r>
+          <a:r>
+            <a:rPr lang="en-US" sz="1000" kern="1200" dirty="0">
+              <a:solidFill>
+                <a:schemeClr val="tx1"/>
+              </a:solidFill>
+            </a:rPr>
+            <a:t>accuracy</a:t>
           </a:r>
         </a:p>
       </dsp:txBody>
       <dsp:txXfrm>
-        <a:off x="19419" y="921969"/>
+        <a:off x="19419" y="1135269"/>
         <a:ext cx="5665926" cy="358962"/>
       </dsp:txXfrm>
     </dsp:sp>
@@ -3400,7 +3965,7 @@
       </dsp:nvSpPr>
       <dsp:spPr>
         <a:xfrm>
-          <a:off x="0" y="1329150"/>
+          <a:off x="0" y="1542450"/>
           <a:ext cx="5704764" cy="397800"/>
         </a:xfrm>
         <a:prstGeom prst="roundRect">
@@ -3408,9 +3973,9 @@
         </a:prstGeom>
         <a:solidFill>
           <a:schemeClr val="accent2">
-            <a:hueOff val="-5463181"/>
-            <a:satOff val="879"/>
-            <a:lumOff val="2412"/>
+            <a:hueOff val="-6070200"/>
+            <a:satOff val="977"/>
+            <a:lumOff val="2680"/>
             <a:alphaOff val="0"/>
           </a:schemeClr>
         </a:solidFill>
@@ -3461,13 +4026,41 @@
             <a:buNone/>
           </a:pPr>
           <a:r>
-            <a:rPr lang="en-US" sz="1000" kern="1200"/>
-            <a:t>KNN – Performed better than KNN with 91% accuracy</a:t>
+            <a:rPr lang="en-US" sz="1000" b="1" kern="1200" dirty="0">
+              <a:solidFill>
+                <a:schemeClr val="tx1"/>
+              </a:solidFill>
+            </a:rPr>
+            <a:t>KNN </a:t>
+          </a:r>
+          <a:r>
+            <a:rPr lang="en-US" sz="1000" kern="1200" dirty="0">
+              <a:solidFill>
+                <a:schemeClr val="tx1"/>
+              </a:solidFill>
+            </a:rPr>
+            <a:t>– Performed better than KNN with </a:t>
+          </a:r>
+          <a:r>
+            <a:rPr lang="en-US" sz="1000" b="1" kern="1200" dirty="0">
+              <a:solidFill>
+                <a:schemeClr val="tx1"/>
+              </a:solidFill>
+            </a:rPr>
+            <a:t>91% </a:t>
+          </a:r>
+          <a:r>
+            <a:rPr lang="en-US" sz="1000" kern="1200" dirty="0">
+              <a:solidFill>
+                <a:schemeClr val="tx1"/>
+              </a:solidFill>
+            </a:rPr>
+            <a:t>accuracy</a:t>
           </a:r>
         </a:p>
       </dsp:txBody>
       <dsp:txXfrm>
-        <a:off x="19419" y="1348569"/>
+        <a:off x="19419" y="1561869"/>
         <a:ext cx="5665926" cy="358962"/>
       </dsp:txXfrm>
     </dsp:sp>
@@ -3478,7 +4071,7 @@
       </dsp:nvSpPr>
       <dsp:spPr>
         <a:xfrm>
-          <a:off x="0" y="1755750"/>
+          <a:off x="0" y="1969050"/>
           <a:ext cx="5704764" cy="397800"/>
         </a:xfrm>
         <a:prstGeom prst="roundRect">
@@ -3486,9 +4079,9 @@
         </a:prstGeom>
         <a:solidFill>
           <a:schemeClr val="accent2">
-            <a:hueOff val="-7284240"/>
-            <a:satOff val="1172"/>
-            <a:lumOff val="3216"/>
+            <a:hueOff val="-8093600"/>
+            <a:satOff val="1303"/>
+            <a:lumOff val="3573"/>
             <a:alphaOff val="0"/>
           </a:schemeClr>
         </a:solidFill>
@@ -3539,13 +4132,41 @@
             <a:buNone/>
           </a:pPr>
           <a:r>
-            <a:rPr lang="en-US" sz="1000" kern="1200"/>
-            <a:t>Gaussian Naïve Bayes – without smoothing or scaling had 90% accuracy on testset </a:t>
+            <a:rPr lang="en-US" sz="1000" b="1" kern="1200" dirty="0">
+              <a:solidFill>
+                <a:schemeClr val="tx1"/>
+              </a:solidFill>
+            </a:rPr>
+            <a:t>Gaussian Naïve Bayes </a:t>
+          </a:r>
+          <a:r>
+            <a:rPr lang="en-US" sz="1000" kern="1200" dirty="0">
+              <a:solidFill>
+                <a:schemeClr val="tx1"/>
+              </a:solidFill>
+            </a:rPr>
+            <a:t>– without smoothing or scaling had </a:t>
+          </a:r>
+          <a:r>
+            <a:rPr lang="en-US" sz="1000" b="1" kern="1200" dirty="0">
+              <a:solidFill>
+                <a:schemeClr val="tx1"/>
+              </a:solidFill>
+            </a:rPr>
+            <a:t>90% </a:t>
+          </a:r>
+          <a:r>
+            <a:rPr lang="en-US" sz="1000" kern="1200" dirty="0">
+              <a:solidFill>
+                <a:schemeClr val="tx1"/>
+              </a:solidFill>
+            </a:rPr>
+            <a:t>accuracy on test set </a:t>
           </a:r>
         </a:p>
       </dsp:txBody>
       <dsp:txXfrm>
-        <a:off x="19419" y="1775169"/>
+        <a:off x="19419" y="1988469"/>
         <a:ext cx="5665926" cy="358962"/>
       </dsp:txXfrm>
     </dsp:sp>
@@ -3556,7 +4177,7 @@
       </dsp:nvSpPr>
       <dsp:spPr>
         <a:xfrm>
-          <a:off x="0" y="2182350"/>
+          <a:off x="0" y="2395650"/>
           <a:ext cx="5704764" cy="397800"/>
         </a:xfrm>
         <a:prstGeom prst="roundRect">
@@ -3564,9 +4185,9 @@
         </a:prstGeom>
         <a:solidFill>
           <a:schemeClr val="accent2">
-            <a:hueOff val="-9105300"/>
-            <a:satOff val="1465"/>
-            <a:lumOff val="4020"/>
+            <a:hueOff val="-10117001"/>
+            <a:satOff val="1628"/>
+            <a:lumOff val="4467"/>
             <a:alphaOff val="0"/>
           </a:schemeClr>
         </a:solidFill>
@@ -3617,13 +4238,41 @@
             <a:buNone/>
           </a:pPr>
           <a:r>
-            <a:rPr lang="en-US" sz="1000" kern="1200" dirty="0"/>
-            <a:t>Gaussian Naïve Bayes with scaling had around a 91% accuracy rate – not much improvement</a:t>
+            <a:rPr lang="en-US" sz="1000" b="1" kern="1200" dirty="0">
+              <a:solidFill>
+                <a:schemeClr val="tx1"/>
+              </a:solidFill>
+            </a:rPr>
+            <a:t>Gaussian Naïve Bayes </a:t>
+          </a:r>
+          <a:r>
+            <a:rPr lang="en-US" sz="1000" kern="1200" dirty="0">
+              <a:solidFill>
+                <a:schemeClr val="tx1"/>
+              </a:solidFill>
+            </a:rPr>
+            <a:t>with scaling had around a </a:t>
+          </a:r>
+          <a:r>
+            <a:rPr lang="en-US" sz="1000" b="1" kern="1200" dirty="0">
+              <a:solidFill>
+                <a:schemeClr val="tx1"/>
+              </a:solidFill>
+            </a:rPr>
+            <a:t>91% </a:t>
+          </a:r>
+          <a:r>
+            <a:rPr lang="en-US" sz="1000" kern="1200" dirty="0">
+              <a:solidFill>
+                <a:schemeClr val="tx1"/>
+              </a:solidFill>
+            </a:rPr>
+            <a:t>accuracy rate – not much improvement</a:t>
           </a:r>
         </a:p>
       </dsp:txBody>
       <dsp:txXfrm>
-        <a:off x="19419" y="2201769"/>
+        <a:off x="19419" y="2415069"/>
         <a:ext cx="5665926" cy="358962"/>
       </dsp:txXfrm>
     </dsp:sp>
@@ -3634,7 +4283,7 @@
       </dsp:nvSpPr>
       <dsp:spPr>
         <a:xfrm>
-          <a:off x="0" y="2608950"/>
+          <a:off x="0" y="2805317"/>
           <a:ext cx="5704764" cy="397800"/>
         </a:xfrm>
         <a:prstGeom prst="roundRect">
@@ -3642,9 +4291,9 @@
         </a:prstGeom>
         <a:solidFill>
           <a:schemeClr val="accent2">
-            <a:hueOff val="-10926361"/>
-            <a:satOff val="1759"/>
-            <a:lumOff val="4824"/>
+            <a:hueOff val="-12140401"/>
+            <a:satOff val="1954"/>
+            <a:lumOff val="5360"/>
             <a:alphaOff val="0"/>
           </a:schemeClr>
         </a:solidFill>
@@ -3695,24 +4344,76 @@
             <a:buNone/>
           </a:pPr>
           <a:r>
-            <a:rPr lang="en-US" sz="1000" kern="1200" dirty="0"/>
-            <a:t>Decision Tree model had an accuracy of 93%</a:t>
+            <a:rPr lang="en-US" sz="1000" kern="1200" dirty="0">
+              <a:solidFill>
+                <a:schemeClr val="tx1"/>
+              </a:solidFill>
+            </a:rPr>
+            <a:t>Most of our </a:t>
+          </a:r>
+          <a:r>
+            <a:rPr lang="en-US" sz="1000" b="1" kern="1200" dirty="0">
+              <a:solidFill>
+                <a:schemeClr val="tx1"/>
+              </a:solidFill>
+            </a:rPr>
+            <a:t>Decision Tree </a:t>
+          </a:r>
+          <a:r>
+            <a:rPr lang="en-US" sz="1000" kern="1200" dirty="0">
+              <a:solidFill>
+                <a:schemeClr val="tx1"/>
+              </a:solidFill>
+            </a:rPr>
+            <a:t>and </a:t>
+          </a:r>
+          <a:r>
+            <a:rPr lang="en-US" sz="1000" b="1" kern="1200" dirty="0">
+              <a:solidFill>
+                <a:schemeClr val="tx1"/>
+              </a:solidFill>
+            </a:rPr>
+            <a:t>Random Forest </a:t>
+          </a:r>
+          <a:r>
+            <a:rPr lang="en-US" sz="1000" kern="1200" dirty="0">
+              <a:solidFill>
+                <a:schemeClr val="tx1"/>
+              </a:solidFill>
+            </a:rPr>
+            <a:t>models had a had high degree of  accuracy. However with our smaller dataset we must consider the possibility of </a:t>
+          </a:r>
+          <a:r>
+            <a:rPr lang="en-US" sz="1000" b="1" kern="1200" dirty="0">
+              <a:solidFill>
+                <a:schemeClr val="tx1"/>
+              </a:solidFill>
+            </a:rPr>
+            <a:t>over fitting</a:t>
+          </a:r>
+          <a:r>
+            <a:rPr lang="en-US" sz="1000" kern="1200" dirty="0">
+              <a:solidFill>
+                <a:schemeClr val="tx1"/>
+              </a:solidFill>
+            </a:rPr>
+            <a:t>.</a:t>
           </a:r>
         </a:p>
       </dsp:txBody>
       <dsp:txXfrm>
-        <a:off x="19419" y="2628369"/>
+        <a:off x="19419" y="2824736"/>
         <a:ext cx="5665926" cy="358962"/>
       </dsp:txXfrm>
     </dsp:sp>
-    <dsp:sp modelId="{C7D27D16-127B-4CFA-B969-EF4D744B0EF5}">
+    <dsp:sp modelId="{CA754C5A-7F5F-415B-A46A-DFADE49934B2}">
       <dsp:nvSpPr>
         <dsp:cNvPr id="0" name=""/>
         <dsp:cNvSpPr/>
       </dsp:nvSpPr>
       <dsp:spPr>
         <a:xfrm>
-          <a:off x="0" y="3035549"/>
+          <a:off x="0" y="3248849"/>
           <a:ext cx="5704764" cy="397800"/>
         </a:xfrm>
         <a:prstGeom prst="roundRect">
@@ -3720,9 +4421,9 @@
         </a:prstGeom>
         <a:solidFill>
           <a:schemeClr val="accent2">
-            <a:hueOff val="-12747420"/>
-            <a:satOff val="2052"/>
-            <a:lumOff val="5628"/>
+            <a:hueOff val="-14163800"/>
+            <a:satOff val="2280"/>
+            <a:lumOff val="6253"/>
             <a:alphaOff val="0"/>
           </a:schemeClr>
         </a:solidFill>
@@ -3773,24 +4474,52 @@
             <a:buNone/>
           </a:pPr>
           <a:r>
-            <a:rPr lang="en-US" sz="1000" kern="1200" dirty="0"/>
-            <a:t>Random forest had around the same degree of accuracy</a:t>
+            <a:rPr lang="en-US" sz="1000" b="1" kern="1200" dirty="0">
+              <a:solidFill>
+                <a:schemeClr val="tx1"/>
+              </a:solidFill>
+            </a:rPr>
+            <a:t>Entropy Forest </a:t>
+          </a:r>
+          <a:r>
+            <a:rPr lang="en-US" sz="1000" kern="1200" dirty="0">
+              <a:solidFill>
+                <a:schemeClr val="tx1"/>
+              </a:solidFill>
+            </a:rPr>
+            <a:t>had </a:t>
+          </a:r>
+          <a:r>
+            <a:rPr lang="en-US" sz="1000" b="1" kern="1200" dirty="0">
+              <a:solidFill>
+                <a:schemeClr val="tx1"/>
+              </a:solidFill>
+            </a:rPr>
+            <a:t>90% </a:t>
+          </a:r>
+          <a:r>
+            <a:rPr lang="en-US" sz="1000" kern="1200" dirty="0">
+              <a:solidFill>
+                <a:schemeClr val="tx1"/>
+              </a:solidFill>
+            </a:rPr>
+            <a:t>accuracy</a:t>
           </a:r>
         </a:p>
       </dsp:txBody>
       <dsp:txXfrm>
-        <a:off x="19419" y="3054968"/>
+        <a:off x="19419" y="3268268"/>
         <a:ext cx="5665926" cy="358962"/>
       </dsp:txXfrm>
     </dsp:sp>
-    <dsp:sp modelId="{CA754C5A-7F5F-415B-A46A-DFADE49934B2}">
+    <dsp:sp modelId="{0419303C-207C-4C68-A4A8-99B2954CA40E}">
       <dsp:nvSpPr>
         <dsp:cNvPr id="0" name=""/>
         <dsp:cNvSpPr/>
       </dsp:nvSpPr>
       <dsp:spPr>
         <a:xfrm>
-          <a:off x="0" y="3462149"/>
+          <a:off x="0" y="3675449"/>
           <a:ext cx="5704764" cy="397800"/>
         </a:xfrm>
         <a:prstGeom prst="roundRect">
@@ -3798,9 +4527,9 @@
         </a:prstGeom>
         <a:solidFill>
           <a:schemeClr val="accent2">
-            <a:hueOff val="-14568481"/>
-            <a:satOff val="2345"/>
-            <a:lumOff val="6432"/>
+            <a:hueOff val="-16187201"/>
+            <a:satOff val="2605"/>
+            <a:lumOff val="7147"/>
             <a:alphaOff val="0"/>
           </a:schemeClr>
         </a:solidFill>
@@ -3851,91 +4580,33 @@
             <a:buNone/>
           </a:pPr>
           <a:r>
-            <a:rPr lang="en-US" sz="1000" kern="1200" dirty="0"/>
-            <a:t>Entropy Forest had 90% accuracy</a:t>
+            <a:rPr lang="en-US" sz="1000" b="1" kern="1200" dirty="0">
+              <a:solidFill>
+                <a:schemeClr val="tx1"/>
+              </a:solidFill>
+            </a:rPr>
+            <a:t>PCA Gini Tree </a:t>
+          </a:r>
+          <a:r>
+            <a:rPr lang="en-US" sz="1000" kern="1200" dirty="0">
+              <a:solidFill>
+                <a:schemeClr val="tx1"/>
+              </a:solidFill>
+            </a:rPr>
+            <a:t>had an accuracy of </a:t>
+          </a:r>
+          <a:r>
+            <a:rPr lang="en-US" sz="1000" b="1" kern="1200" dirty="0">
+              <a:solidFill>
+                <a:schemeClr val="tx1"/>
+              </a:solidFill>
+            </a:rPr>
+            <a:t>94%</a:t>
           </a:r>
         </a:p>
       </dsp:txBody>
       <dsp:txXfrm>
-        <a:off x="19419" y="3481568"/>
-        <a:ext cx="5665926" cy="358962"/>
-      </dsp:txXfrm>
-    </dsp:sp>
-    <dsp:sp modelId="{0419303C-207C-4C68-A4A8-99B2954CA40E}">
-      <dsp:nvSpPr>
-        <dsp:cNvPr id="0" name=""/>
-        <dsp:cNvSpPr/>
-      </dsp:nvSpPr>
-      <dsp:spPr>
-        <a:xfrm>
-          <a:off x="0" y="3888749"/>
-          <a:ext cx="5704764" cy="397800"/>
-        </a:xfrm>
-        <a:prstGeom prst="roundRect">
-          <a:avLst/>
-        </a:prstGeom>
-        <a:solidFill>
-          <a:schemeClr val="accent2">
-            <a:hueOff val="-16389540"/>
-            <a:satOff val="2638"/>
-            <a:lumOff val="7236"/>
-            <a:alphaOff val="0"/>
-          </a:schemeClr>
-        </a:solidFill>
-        <a:ln w="12700" cap="flat" cmpd="sng" algn="ctr">
-          <a:solidFill>
-            <a:schemeClr val="lt1">
-              <a:hueOff val="0"/>
-              <a:satOff val="0"/>
-              <a:lumOff val="0"/>
-              <a:alphaOff val="0"/>
-            </a:schemeClr>
-          </a:solidFill>
-          <a:prstDash val="solid"/>
-          <a:miter lim="800000"/>
-        </a:ln>
-        <a:effectLst/>
-      </dsp:spPr>
-      <dsp:style>
-        <a:lnRef idx="2">
-          <a:scrgbClr r="0" g="0" b="0"/>
-        </a:lnRef>
-        <a:fillRef idx="1">
-          <a:scrgbClr r="0" g="0" b="0"/>
-        </a:fillRef>
-        <a:effectRef idx="0">
-          <a:scrgbClr r="0" g="0" b="0"/>
-        </a:effectRef>
-        <a:fontRef idx="minor">
-          <a:schemeClr val="lt1"/>
-        </a:fontRef>
-      </dsp:style>
-      <dsp:txBody>
-        <a:bodyPr spcFirstLastPara="0" vert="horz" wrap="square" lIns="38100" tIns="38100" rIns="38100" bIns="38100" numCol="1" spcCol="1270" anchor="ctr" anchorCtr="0">
-          <a:noAutofit/>
-        </a:bodyPr>
-        <a:lstStyle/>
-        <a:p>
-          <a:pPr marL="0" lvl="0" indent="0" algn="l" defTabSz="444500">
-            <a:lnSpc>
-              <a:spcPct val="90000"/>
-            </a:lnSpc>
-            <a:spcBef>
-              <a:spcPct val="0"/>
-            </a:spcBef>
-            <a:spcAft>
-              <a:spcPct val="35000"/>
-            </a:spcAft>
-            <a:buNone/>
-          </a:pPr>
-          <a:r>
-            <a:rPr lang="en-US" sz="1000" kern="1200" dirty="0"/>
-            <a:t>PCA Gini Tree had an accuracy of 0.94%</a:t>
-          </a:r>
-        </a:p>
-      </dsp:txBody>
-      <dsp:txXfrm>
-        <a:off x="19419" y="3908168"/>
+        <a:off x="19419" y="3694868"/>
         <a:ext cx="5665926" cy="358962"/>
       </dsp:txXfrm>
     </dsp:sp>
@@ -3946,7 +4617,7 @@
       </dsp:nvSpPr>
       <dsp:spPr>
         <a:xfrm>
-          <a:off x="0" y="4315349"/>
+          <a:off x="0" y="4102049"/>
           <a:ext cx="5704764" cy="397800"/>
         </a:xfrm>
         <a:prstGeom prst="roundRect">
@@ -4007,13 +4678,33 @@
             <a:buNone/>
           </a:pPr>
           <a:r>
-            <a:rPr lang="en-US" sz="1000" kern="1200" dirty="0"/>
-            <a:t>PCA Random forest had the best accuracy of all our models at 97%</a:t>
+            <a:rPr lang="en-US" sz="1000" b="1" kern="1200" dirty="0">
+              <a:solidFill>
+                <a:schemeClr val="tx1"/>
+              </a:solidFill>
+            </a:rPr>
+            <a:t>PCA Random Forest </a:t>
+          </a:r>
+          <a:r>
+            <a:rPr lang="en-US" sz="1000" kern="1200" dirty="0">
+              <a:solidFill>
+                <a:schemeClr val="tx1"/>
+              </a:solidFill>
+            </a:rPr>
+            <a:t>had the best accuracy of all our models at </a:t>
+          </a:r>
+          <a:r>
+            <a:rPr lang="en-US" sz="1000" b="1" kern="1200" dirty="0">
+              <a:solidFill>
+                <a:schemeClr val="tx1"/>
+              </a:solidFill>
+            </a:rPr>
+            <a:t>97%</a:t>
           </a:r>
         </a:p>
       </dsp:txBody>
       <dsp:txXfrm>
-        <a:off x="19419" y="4334768"/>
+        <a:off x="19419" y="4121468"/>
         <a:ext cx="5665926" cy="358962"/>
       </dsp:txXfrm>
     </dsp:sp>
@@ -6517,7 +7208,7 @@
           <a:p>
             <a:fld id="{837E2813-601B-4697-B14D-165027600992}" type="datetimeFigureOut">
               <a:rPr lang="en-US" smtClean="0"/>
-              <a:t>11/22/2021</a:t>
+              <a:t>11/23/2021</a:t>
             </a:fld>
             <a:endParaRPr lang="en-US"/>
           </a:p>
@@ -6694,7 +7385,7 @@
           <a:p>
             <a:fld id="{F13F8F91-4F38-4A01-947F-C76C21BA8A7A}" type="datetimeFigureOut">
               <a:rPr lang="en-US" smtClean="0"/>
-              <a:t>11/22/2021</a:t>
+              <a:t>11/23/2021</a:t>
             </a:fld>
             <a:endParaRPr lang="en-US"/>
           </a:p>
@@ -7465,7 +8156,7 @@
           <a:p>
             <a:fld id="{53BEF823-48A5-43FC-BE03-E79964288B41}" type="datetimeFigureOut">
               <a:rPr lang="en-US" smtClean="0"/>
-              <a:t>11/22/2021</a:t>
+              <a:t>11/23/2021</a:t>
             </a:fld>
             <a:endParaRPr lang="en-US"/>
           </a:p>
@@ -7676,7 +8367,7 @@
             <a:fld id="{53BEF823-48A5-43FC-BE03-E79964288B41}" type="datetimeFigureOut">
               <a:rPr lang="en-US" smtClean="0"/>
               <a:pPr algn="r"/>
-              <a:t>11/22/2021</a:t>
+              <a:t>11/23/2021</a:t>
             </a:fld>
             <a:endParaRPr lang="en-US"/>
           </a:p>
@@ -7889,7 +8580,7 @@
             <a:fld id="{53BEF823-48A5-43FC-BE03-E79964288B41}" type="datetimeFigureOut">
               <a:rPr lang="en-US" smtClean="0"/>
               <a:pPr algn="r"/>
-              <a:t>11/22/2021</a:t>
+              <a:t>11/23/2021</a:t>
             </a:fld>
             <a:endParaRPr lang="en-US"/>
           </a:p>
@@ -8092,7 +8783,7 @@
             <a:fld id="{53BEF823-48A5-43FC-BE03-E79964288B41}" type="datetimeFigureOut">
               <a:rPr lang="en-US" smtClean="0"/>
               <a:pPr algn="r"/>
-              <a:t>11/22/2021</a:t>
+              <a:t>11/23/2021</a:t>
             </a:fld>
             <a:endParaRPr lang="en-US"/>
           </a:p>
@@ -8375,7 +9066,7 @@
             <a:fld id="{53BEF823-48A5-43FC-BE03-E79964288B41}" type="datetimeFigureOut">
               <a:rPr lang="en-US" smtClean="0"/>
               <a:pPr algn="r"/>
-              <a:t>11/22/2021</a:t>
+              <a:t>11/23/2021</a:t>
             </a:fld>
             <a:endParaRPr lang="en-US"/>
           </a:p>
@@ -8617,7 +9308,7 @@
             <a:fld id="{53BEF823-48A5-43FC-BE03-E79964288B41}" type="datetimeFigureOut">
               <a:rPr lang="en-US" smtClean="0"/>
               <a:pPr algn="r"/>
-              <a:t>11/22/2021</a:t>
+              <a:t>11/23/2021</a:t>
             </a:fld>
             <a:endParaRPr lang="en-US"/>
           </a:p>
@@ -9057,7 +9748,7 @@
             <a:fld id="{53BEF823-48A5-43FC-BE03-E79964288B41}" type="datetimeFigureOut">
               <a:rPr lang="en-US" smtClean="0"/>
               <a:pPr algn="r"/>
-              <a:t>11/22/2021</a:t>
+              <a:t>11/23/2021</a:t>
             </a:fld>
             <a:endParaRPr lang="en-US"/>
           </a:p>
@@ -9203,7 +9894,7 @@
             <a:fld id="{53BEF823-48A5-43FC-BE03-E79964288B41}" type="datetimeFigureOut">
               <a:rPr lang="en-US" smtClean="0"/>
               <a:pPr algn="r"/>
-              <a:t>11/22/2021</a:t>
+              <a:t>11/23/2021</a:t>
             </a:fld>
             <a:endParaRPr lang="en-US"/>
           </a:p>
@@ -9321,7 +10012,7 @@
             <a:fld id="{53BEF823-48A5-43FC-BE03-E79964288B41}" type="datetimeFigureOut">
               <a:rPr lang="en-US" smtClean="0"/>
               <a:pPr algn="r"/>
-              <a:t>11/22/2021</a:t>
+              <a:t>11/23/2021</a:t>
             </a:fld>
             <a:endParaRPr lang="en-US"/>
           </a:p>
@@ -9604,7 +10295,7 @@
             <a:fld id="{53BEF823-48A5-43FC-BE03-E79964288B41}" type="datetimeFigureOut">
               <a:rPr lang="en-US" smtClean="0"/>
               <a:pPr algn="r"/>
-              <a:t>11/22/2021</a:t>
+              <a:t>11/23/2021</a:t>
             </a:fld>
             <a:endParaRPr lang="en-US"/>
           </a:p>
@@ -9898,7 +10589,7 @@
             <a:fld id="{53BEF823-48A5-43FC-BE03-E79964288B41}" type="datetimeFigureOut">
               <a:rPr lang="en-US" smtClean="0"/>
               <a:pPr algn="r"/>
-              <a:t>11/22/2021</a:t>
+              <a:t>11/23/2021</a:t>
             </a:fld>
             <a:endParaRPr lang="en-US"/>
           </a:p>
@@ -10391,7 +11082,7 @@
             <a:fld id="{53BEF823-48A5-43FC-BE03-E79964288B41}" type="datetimeFigureOut">
               <a:rPr lang="en-US" smtClean="0"/>
               <a:pPr algn="r"/>
-              <a:t>11/22/2021</a:t>
+              <a:t>11/23/2021</a:t>
             </a:fld>
             <a:endParaRPr lang="en-US"/>
           </a:p>
@@ -12668,7 +13359,7 @@
             <p:ph idx="1"/>
             <p:extLst>
               <p:ext uri="{D42A27DB-BD31-4B8C-83A1-F6EECF244321}">
-                <p14:modId xmlns:p14="http://schemas.microsoft.com/office/powerpoint/2010/main" val="2409994751"/>
+                <p14:modId xmlns:p14="http://schemas.microsoft.com/office/powerpoint/2010/main" val="1243237260"/>
               </p:ext>
             </p:extLst>
           </p:nvPr>
@@ -13126,13 +13817,13 @@
             <p:ph idx="1"/>
             <p:extLst>
               <p:ext uri="{D42A27DB-BD31-4B8C-83A1-F6EECF244321}">
-                <p14:modId xmlns:p14="http://schemas.microsoft.com/office/powerpoint/2010/main" val="1557552557"/>
+                <p14:modId xmlns:p14="http://schemas.microsoft.com/office/powerpoint/2010/main" val="3072999903"/>
               </p:ext>
             </p:extLst>
           </p:nvPr>
         </p:nvGraphicFramePr>
         <p:xfrm>
-          <a:off x="5725236" y="758825"/>
+          <a:off x="5728284" y="758952"/>
           <a:ext cx="5704764" cy="4762500"/>
         </p:xfrm>
         <a:graphic>
@@ -13362,29 +14053,33 @@
           <a:p>
             <a:r>
               <a:rPr lang="en-US" dirty="0"/>
-              <a:t>Here we can see our final results table</a:t>
+              <a:t>Here we can see our </a:t>
+            </a:r>
+            <a:r>
+              <a:rPr lang="en-US" b="1" dirty="0"/>
+              <a:t>final results </a:t>
+            </a:r>
+            <a:r>
+              <a:rPr lang="en-US" dirty="0"/>
+              <a:t>table</a:t>
             </a:r>
           </a:p>
           <a:p>
             <a:r>
-              <a:rPr lang="en-US"/>
+              <a:rPr lang="en-US" dirty="0"/>
               <a:t>Notice which models performed correctly and which didn't</a:t>
             </a:r>
           </a:p>
           <a:p>
             <a:r>
-              <a:rPr lang="en-US"/>
+              <a:rPr lang="en-US" dirty="0"/>
               <a:t>Trial and error process – it took time finding the right ratio of the training / test sets</a:t>
             </a:r>
           </a:p>
           <a:p>
             <a:r>
               <a:rPr lang="en-US" dirty="0"/>
-              <a:t>Also it took time to analyze the models and determine how we could get the </a:t>
-            </a:r>
-            <a:r>
-              <a:rPr lang="en-US"/>
-              <a:t>best performance from them</a:t>
+              <a:t>Also it took time to analyze the models and determine how we could get the best performance from them</a:t>
             </a:r>
             <a:br>
               <a:rPr lang="en-US" dirty="0"/>
@@ -13404,11 +14099,11 @@
               </a:spcAft>
             </a:pPr>
             <a:r>
-              <a:rPr lang="en-US">
+              <a:rPr lang="en-US" dirty="0">
                 <a:ea typeface="+mn-lt"/>
                 <a:cs typeface="+mn-lt"/>
               </a:rPr>
-              <a:t>From our study we we determined PCA Random Forest had the best accuracy when predicting the diagnosis</a:t>
+              <a:t>From our study we determined PCA Random Forest had the best accuracy when predicting the diagnosis</a:t>
             </a:r>
             <a:br>
               <a:rPr lang="en-US" dirty="0">
@@ -13434,7 +14129,7 @@
               </a:spcAft>
             </a:pPr>
             <a:r>
-              <a:rPr lang="en-US">
+              <a:rPr lang="en-US" dirty="0">
                 <a:ea typeface="+mn-lt"/>
                 <a:cs typeface="+mn-lt"/>
               </a:rPr>
@@ -13464,7 +14159,7 @@
               </a:spcAft>
             </a:pPr>
             <a:r>
-              <a:rPr lang="en-US">
+              <a:rPr lang="en-US" dirty="0">
                 <a:ea typeface="+mn-lt"/>
                 <a:cs typeface="+mn-lt"/>
               </a:rPr>
@@ -13494,11 +14189,25 @@
               </a:spcAft>
             </a:pPr>
             <a:r>
-              <a:rPr lang="en-US">
+              <a:rPr lang="en-US" dirty="0">
                 <a:ea typeface="+mn-lt"/>
                 <a:cs typeface="+mn-lt"/>
               </a:rPr>
-              <a:t>We learned which models worked on our dataset and which didn't – it was a fairly small set of only 570 values!</a:t>
+              <a:t>We learned which models worked on our dataset and which didn't – it was a fairly small set of only </a:t>
+            </a:r>
+            <a:r>
+              <a:rPr lang="en-US" b="1" dirty="0">
+                <a:ea typeface="+mn-lt"/>
+                <a:cs typeface="+mn-lt"/>
+              </a:rPr>
+              <a:t>570 values</a:t>
+            </a:r>
+            <a:r>
+              <a:rPr lang="en-US" dirty="0">
+                <a:ea typeface="+mn-lt"/>
+                <a:cs typeface="+mn-lt"/>
+              </a:rPr>
+              <a:t>!</a:t>
             </a:r>
           </a:p>
           <a:p>
@@ -13642,36 +14351,6 @@
           </a:p>
         </p:txBody>
       </p:sp>
-      <p:pic>
-        <p:nvPicPr>
-          <p:cNvPr id="4" name="Picture 4" descr="Table&#10;&#10;Description automatically generated">
-            <a:extLst>
-              <a:ext uri="{FF2B5EF4-FFF2-40B4-BE49-F238E27FC236}">
-                <a16:creationId xmlns:a16="http://schemas.microsoft.com/office/drawing/2014/main" id="{A92974E5-2723-43D0-9D48-440ED6AB36E1}"/>
-              </a:ext>
-            </a:extLst>
-          </p:cNvPr>
-          <p:cNvPicPr>
-            <a:picLocks noChangeAspect="1"/>
-          </p:cNvPicPr>
-          <p:nvPr/>
-        </p:nvPicPr>
-        <p:blipFill>
-          <a:blip r:embed="rId2"/>
-          <a:stretch>
-            <a:fillRect/>
-          </a:stretch>
-        </p:blipFill>
-        <p:spPr>
-          <a:xfrm>
-            <a:off x="8150087" y="2131904"/>
-            <a:ext cx="3434963" cy="2498935"/>
-          </a:xfrm>
-          <a:prstGeom prst="rect">
-            <a:avLst/>
-          </a:prstGeom>
-        </p:spPr>
-      </p:pic>
       <p:sp>
         <p:nvSpPr>
           <p:cNvPr id="17" name="Freeform 6">
@@ -13896,6 +14575,36 @@
           </a:p>
         </p:txBody>
       </p:sp>
+      <p:pic>
+        <p:nvPicPr>
+          <p:cNvPr id="5" name="Picture 4">
+            <a:extLst>
+              <a:ext uri="{FF2B5EF4-FFF2-40B4-BE49-F238E27FC236}">
+                <a16:creationId xmlns:a16="http://schemas.microsoft.com/office/drawing/2014/main" id="{4AE12418-1EBC-47D0-B2FE-5C148D3412C0}"/>
+              </a:ext>
+            </a:extLst>
+          </p:cNvPr>
+          <p:cNvPicPr>
+            <a:picLocks noChangeAspect="1"/>
+          </p:cNvPicPr>
+          <p:nvPr/>
+        </p:nvPicPr>
+        <p:blipFill>
+          <a:blip r:embed="rId2"/>
+          <a:stretch>
+            <a:fillRect/>
+          </a:stretch>
+        </p:blipFill>
+        <p:spPr>
+          <a:xfrm>
+            <a:off x="8294578" y="2214033"/>
+            <a:ext cx="2828925" cy="2667000"/>
+          </a:xfrm>
+          <a:prstGeom prst="rect">
+            <a:avLst/>
+          </a:prstGeom>
+        </p:spPr>
+      </p:pic>
     </p:spTree>
     <p:extLst>
       <p:ext uri="{BB962C8B-B14F-4D97-AF65-F5344CB8AC3E}">
@@ -14701,22 +15410,12 @@
 </file>
 
 <file path=customXml/item1.xml><?xml version="1.0" encoding="utf-8"?>
-<p:properties xmlns:p="http://schemas.microsoft.com/office/2006/metadata/properties" xmlns:xsi="http://www.w3.org/2001/XMLSchema-instance" xmlns:pc="http://schemas.microsoft.com/office/infopath/2007/PartnerControls">
-  <documentManagement>
-    <_ip_UnifiedCompliancePolicyUIAction xmlns="http://schemas.microsoft.com/sharepoint/v3" xsi:nil="true"/>
-    <Image xmlns="71af3243-3dd4-4a8d-8c0d-dd76da1f02a5">
-      <Url xsi:nil="true"/>
-      <Description xsi:nil="true"/>
-    </Image>
-    <Status xmlns="71af3243-3dd4-4a8d-8c0d-dd76da1f02a5">Not started</Status>
-    <_ip_UnifiedCompliancePolicyProperties xmlns="http://schemas.microsoft.com/sharepoint/v3" xsi:nil="true"/>
-    <ImageTagsTaxHTField xmlns="71af3243-3dd4-4a8d-8c0d-dd76da1f02a5">
-      <Terms xmlns="http://schemas.microsoft.com/office/infopath/2007/PartnerControls"/>
-    </ImageTagsTaxHTField>
-    <TaxCatchAll xmlns="230e9df3-be65-4c73-a93b-d1236ebd677e"/>
-    <MediaServiceKeyPoints xmlns="71af3243-3dd4-4a8d-8c0d-dd76da1f02a5" xsi:nil="true"/>
-  </documentManagement>
-</p:properties>
+<?mso-contentType ?>
+<FormTemplates xmlns="http://schemas.microsoft.com/sharepoint/v3/contenttype/forms">
+  <Display>DocumentLibraryForm</Display>
+  <Edit>DocumentLibraryForm</Edit>
+  <New>DocumentLibraryForm</New>
+</FormTemplates>
 </file>
 
 <file path=customXml/item2.xml><?xml version="1.0" encoding="utf-8"?>
@@ -14996,22 +15695,28 @@
 </file>
 
 <file path=customXml/item3.xml><?xml version="1.0" encoding="utf-8"?>
-<?mso-contentType ?>
-<FormTemplates xmlns="http://schemas.microsoft.com/sharepoint/v3/contenttype/forms">
-  <Display>DocumentLibraryForm</Display>
-  <Edit>DocumentLibraryForm</Edit>
-  <New>DocumentLibraryForm</New>
-</FormTemplates>
+<p:properties xmlns:p="http://schemas.microsoft.com/office/2006/metadata/properties" xmlns:xsi="http://www.w3.org/2001/XMLSchema-instance" xmlns:pc="http://schemas.microsoft.com/office/infopath/2007/PartnerControls">
+  <documentManagement>
+    <_ip_UnifiedCompliancePolicyUIAction xmlns="http://schemas.microsoft.com/sharepoint/v3" xsi:nil="true"/>
+    <Image xmlns="71af3243-3dd4-4a8d-8c0d-dd76da1f02a5">
+      <Url xsi:nil="true"/>
+      <Description xsi:nil="true"/>
+    </Image>
+    <Status xmlns="71af3243-3dd4-4a8d-8c0d-dd76da1f02a5">Not started</Status>
+    <_ip_UnifiedCompliancePolicyProperties xmlns="http://schemas.microsoft.com/sharepoint/v3" xsi:nil="true"/>
+    <ImageTagsTaxHTField xmlns="71af3243-3dd4-4a8d-8c0d-dd76da1f02a5">
+      <Terms xmlns="http://schemas.microsoft.com/office/infopath/2007/PartnerControls"/>
+    </ImageTagsTaxHTField>
+    <TaxCatchAll xmlns="230e9df3-be65-4c73-a93b-d1236ebd677e"/>
+    <MediaServiceKeyPoints xmlns="71af3243-3dd4-4a8d-8c0d-dd76da1f02a5" xsi:nil="true"/>
+  </documentManagement>
+</p:properties>
 </file>
 
 <file path=customXml/itemProps1.xml><?xml version="1.0" encoding="utf-8"?>
-<ds:datastoreItem xmlns:ds="http://schemas.openxmlformats.org/officeDocument/2006/customXml" ds:itemID="{79B0F2AC-8567-4D03-BFFC-653DB596C528}">
+<ds:datastoreItem xmlns:ds="http://schemas.openxmlformats.org/officeDocument/2006/customXml" ds:itemID="{350455F8-10A0-4EEF-9BB1-9035E295B165}">
   <ds:schemaRefs>
-    <ds:schemaRef ds:uri="230e9df3-be65-4c73-a93b-d1236ebd677e"/>
-    <ds:schemaRef ds:uri="71af3243-3dd4-4a8d-8c0d-dd76da1f02a5"/>
-    <ds:schemaRef ds:uri="http://schemas.microsoft.com/office/2006/metadata/properties"/>
-    <ds:schemaRef ds:uri="http://schemas.microsoft.com/office/infopath/2007/PartnerControls"/>
-    <ds:schemaRef ds:uri="http://schemas.microsoft.com/sharepoint/v3"/>
+    <ds:schemaRef ds:uri="http://schemas.microsoft.com/sharepoint/v3/contenttype/forms"/>
   </ds:schemaRefs>
 </ds:datastoreItem>
 </file>
@@ -15038,9 +15743,13 @@
 </file>
 
 <file path=customXml/itemProps3.xml><?xml version="1.0" encoding="utf-8"?>
-<ds:datastoreItem xmlns:ds="http://schemas.openxmlformats.org/officeDocument/2006/customXml" ds:itemID="{350455F8-10A0-4EEF-9BB1-9035E295B165}">
+<ds:datastoreItem xmlns:ds="http://schemas.openxmlformats.org/officeDocument/2006/customXml" ds:itemID="{79B0F2AC-8567-4D03-BFFC-653DB596C528}">
   <ds:schemaRefs>
-    <ds:schemaRef ds:uri="http://schemas.microsoft.com/sharepoint/v3/contenttype/forms"/>
+    <ds:schemaRef ds:uri="230e9df3-be65-4c73-a93b-d1236ebd677e"/>
+    <ds:schemaRef ds:uri="71af3243-3dd4-4a8d-8c0d-dd76da1f02a5"/>
+    <ds:schemaRef ds:uri="http://schemas.microsoft.com/office/2006/metadata/properties"/>
+    <ds:schemaRef ds:uri="http://schemas.microsoft.com/office/infopath/2007/PartnerControls"/>
+    <ds:schemaRef ds:uri="http://schemas.microsoft.com/sharepoint/v3"/>
   </ds:schemaRefs>
 </ds:datastoreItem>
 </file>
--- a/Presentation.pptx
+++ b/Presentation.pptx
@@ -128,9 +128,11 @@
 <file path=ppt/revisionInfo.xml><?xml version="1.0" encoding="utf-8"?>
 <p1510:revInfo xmlns:a="http://schemas.openxmlformats.org/drawingml/2006/main" xmlns:r="http://schemas.openxmlformats.org/officeDocument/2006/relationships" xmlns:p1510="http://schemas.microsoft.com/office/powerpoint/2015/10/main">
   <p1510:revLst>
-    <p1510:client id="{71547EEA-B73F-495A-A5A2-0143729DC7A8}" v="63" dt="2021-11-22T22:44:11.088"/>
+    <p1510:client id="{2A9F719B-D76F-4366-8AF0-968DB538AEF4}" v="7" dt="2021-11-23T20:48:36.632"/>
+    <p1510:client id="{71547EEA-B73F-495A-A5A2-0143729DC7A8}" v="110" dt="2021-11-22T22:50:06.418"/>
     <p1510:client id="{B603E69D-9E55-44FA-8944-378D62FD3D8E}" v="481" dt="2021-11-21T18:03:09.775"/>
     <p1510:client id="{C576FA8D-44F8-424F-BCF7-11F1CB4FBA02}" v="2397" dt="2021-11-21T17:54:02.815"/>
+    <p1510:client id="{D6170E79-DD49-4750-B021-A60BEF0E2C8C}" v="3" dt="2021-11-23T22:16:24.989"/>
   </p1510:revLst>
 </p1510:revInfo>
 </file>
@@ -918,11 +920,11 @@
 </file>
 
 <file path=ppt/diagrams/colors2.xml><?xml version="1.0" encoding="utf-8"?>
-<dgm:colorsDef xmlns:dgm="http://schemas.openxmlformats.org/drawingml/2006/diagram" xmlns:a="http://schemas.openxmlformats.org/drawingml/2006/main" uniqueId="urn:microsoft.com/office/officeart/2005/8/colors/colorful2">
+<dgm:colorsDef xmlns:dgm="http://schemas.openxmlformats.org/drawingml/2006/diagram" xmlns:a="http://schemas.openxmlformats.org/drawingml/2006/main" uniqueId="urn:microsoft.com/office/officeart/2005/8/colors/colorful1">
   <dgm:title val=""/>
   <dgm:desc val=""/>
   <dgm:catLst>
-    <dgm:cat type="colorful" pri="10200"/>
+    <dgm:cat type="colorful" pri="10100"/>
   </dgm:catLst>
   <dgm:styleLbl name="node0">
     <dgm:fillClrLst meth="repeat">
@@ -937,9 +939,12 @@
     <dgm:txEffectClrLst/>
   </dgm:styleLbl>
   <dgm:styleLbl name="node1">
-    <dgm:fillClrLst>
+    <dgm:fillClrLst meth="repeat">
       <a:schemeClr val="accent2"/>
       <a:schemeClr val="accent3"/>
+      <a:schemeClr val="accent4"/>
+      <a:schemeClr val="accent5"/>
+      <a:schemeClr val="accent6"/>
     </dgm:fillClrLst>
     <dgm:linClrLst meth="repeat">
       <a:schemeClr val="lt1"/>
@@ -950,13 +955,19 @@
     <dgm:txEffectClrLst/>
   </dgm:styleLbl>
   <dgm:styleLbl name="alignNode1">
-    <dgm:fillClrLst>
+    <dgm:fillClrLst meth="repeat">
       <a:schemeClr val="accent2"/>
       <a:schemeClr val="accent3"/>
+      <a:schemeClr val="accent4"/>
+      <a:schemeClr val="accent5"/>
+      <a:schemeClr val="accent6"/>
     </dgm:fillClrLst>
-    <dgm:linClrLst>
+    <dgm:linClrLst meth="repeat">
       <a:schemeClr val="accent2"/>
       <a:schemeClr val="accent3"/>
+      <a:schemeClr val="accent4"/>
+      <a:schemeClr val="accent5"/>
+      <a:schemeClr val="accent6"/>
     </dgm:linClrLst>
     <dgm:effectClrLst/>
     <dgm:txLinClrLst/>
@@ -964,9 +975,12 @@
     <dgm:txEffectClrLst/>
   </dgm:styleLbl>
   <dgm:styleLbl name="lnNode1">
-    <dgm:fillClrLst>
+    <dgm:fillClrLst meth="repeat">
       <a:schemeClr val="accent2"/>
       <a:schemeClr val="accent3"/>
+      <a:schemeClr val="accent4"/>
+      <a:schemeClr val="accent5"/>
+      <a:schemeClr val="accent6"/>
     </dgm:fillClrLst>
     <dgm:linClrLst meth="repeat">
       <a:schemeClr val="lt1"/>
@@ -977,11 +991,20 @@
     <dgm:txEffectClrLst/>
   </dgm:styleLbl>
   <dgm:styleLbl name="vennNode1">
-    <dgm:fillClrLst>
+    <dgm:fillClrLst meth="repeat">
       <a:schemeClr val="accent2">
         <a:alpha val="50000"/>
       </a:schemeClr>
       <a:schemeClr val="accent3">
+        <a:alpha val="50000"/>
+      </a:schemeClr>
+      <a:schemeClr val="accent4">
+        <a:alpha val="50000"/>
+      </a:schemeClr>
+      <a:schemeClr val="accent5">
+        <a:alpha val="50000"/>
+      </a:schemeClr>
+      <a:schemeClr val="accent6">
         <a:alpha val="50000"/>
       </a:schemeClr>
     </dgm:fillClrLst>
@@ -995,6 +1018,18 @@
   </dgm:styleLbl>
   <dgm:styleLbl name="node2">
     <dgm:fillClrLst>
+      <a:schemeClr val="accent2"/>
+    </dgm:fillClrLst>
+    <dgm:linClrLst meth="repeat">
+      <a:schemeClr val="lt1"/>
+    </dgm:linClrLst>
+    <dgm:effectClrLst/>
+    <dgm:txLinClrLst/>
+    <dgm:txFillClrLst/>
+    <dgm:txEffectClrLst/>
+  </dgm:styleLbl>
+  <dgm:styleLbl name="node3">
+    <dgm:fillClrLst>
       <a:schemeClr val="accent3"/>
     </dgm:fillClrLst>
     <dgm:linClrLst meth="repeat">
@@ -1005,7 +1040,7 @@
     <dgm:txFillClrLst/>
     <dgm:txEffectClrLst/>
   </dgm:styleLbl>
-  <dgm:styleLbl name="node3">
+  <dgm:styleLbl name="node4">
     <dgm:fillClrLst>
       <a:schemeClr val="accent4"/>
     </dgm:fillClrLst>
@@ -1017,24 +1052,21 @@
     <dgm:txFillClrLst/>
     <dgm:txEffectClrLst/>
   </dgm:styleLbl>
-  <dgm:styleLbl name="node4">
-    <dgm:fillClrLst>
-      <a:schemeClr val="accent5"/>
-    </dgm:fillClrLst>
-    <dgm:linClrLst meth="repeat">
-      <a:schemeClr val="lt1"/>
-    </dgm:linClrLst>
-    <dgm:effectClrLst/>
-    <dgm:txLinClrLst/>
-    <dgm:txFillClrLst/>
-    <dgm:txEffectClrLst/>
-  </dgm:styleLbl>
   <dgm:styleLbl name="fgImgPlace1">
-    <dgm:fillClrLst>
+    <dgm:fillClrLst meth="repeat">
       <a:schemeClr val="accent2">
         <a:tint val="50000"/>
       </a:schemeClr>
       <a:schemeClr val="accent3">
+        <a:tint val="50000"/>
+      </a:schemeClr>
+      <a:schemeClr val="accent4">
+        <a:tint val="50000"/>
+      </a:schemeClr>
+      <a:schemeClr val="accent5">
+        <a:tint val="50000"/>
+      </a:schemeClr>
+      <a:schemeClr val="accent6">
         <a:tint val="50000"/>
       </a:schemeClr>
     </dgm:fillClrLst>
@@ -1050,10 +1082,10 @@
   </dgm:styleLbl>
   <dgm:styleLbl name="alignImgPlace1">
     <dgm:fillClrLst>
-      <a:schemeClr val="accent2">
+      <a:schemeClr val="accent1">
         <a:tint val="50000"/>
       </a:schemeClr>
-      <a:schemeClr val="accent3">
+      <a:schemeClr val="accent2">
         <a:tint val="20000"/>
       </a:schemeClr>
     </dgm:fillClrLst>
@@ -1069,10 +1101,10 @@
   </dgm:styleLbl>
   <dgm:styleLbl name="bgImgPlace1">
     <dgm:fillClrLst>
-      <a:schemeClr val="accent2">
+      <a:schemeClr val="accent1">
         <a:tint val="50000"/>
       </a:schemeClr>
-      <a:schemeClr val="accent3">
+      <a:schemeClr val="accent2">
         <a:tint val="20000"/>
       </a:schemeClr>
     </dgm:fillClrLst>
@@ -1087,11 +1119,14 @@
     <dgm:txEffectClrLst/>
   </dgm:styleLbl>
   <dgm:styleLbl name="sibTrans2D1">
-    <dgm:fillClrLst>
+    <dgm:fillClrLst meth="repeat">
       <a:schemeClr val="accent2"/>
       <a:schemeClr val="accent3"/>
+      <a:schemeClr val="accent4"/>
+      <a:schemeClr val="accent5"/>
+      <a:schemeClr val="accent6"/>
     </dgm:fillClrLst>
-    <dgm:linClrLst meth="repeat">
+    <dgm:linClrLst meth="cycle">
       <a:schemeClr val="lt1"/>
     </dgm:linClrLst>
     <dgm:effectClrLst/>
@@ -1100,11 +1135,14 @@
     <dgm:txEffectClrLst/>
   </dgm:styleLbl>
   <dgm:styleLbl name="fgSibTrans2D1">
-    <dgm:fillClrLst>
+    <dgm:fillClrLst meth="repeat">
       <a:schemeClr val="accent2"/>
       <a:schemeClr val="accent3"/>
+      <a:schemeClr val="accent4"/>
+      <a:schemeClr val="accent5"/>
+      <a:schemeClr val="accent6"/>
     </dgm:fillClrLst>
-    <dgm:linClrLst meth="repeat">
+    <dgm:linClrLst meth="cycle">
       <a:schemeClr val="lt1"/>
     </dgm:linClrLst>
     <dgm:effectClrLst/>
@@ -1115,11 +1153,14 @@
     <dgm:txEffectClrLst/>
   </dgm:styleLbl>
   <dgm:styleLbl name="bgSibTrans2D1">
-    <dgm:fillClrLst>
+    <dgm:fillClrLst meth="repeat">
       <a:schemeClr val="accent2"/>
       <a:schemeClr val="accent3"/>
+      <a:schemeClr val="accent4"/>
+      <a:schemeClr val="accent5"/>
+      <a:schemeClr val="accent6"/>
     </dgm:fillClrLst>
-    <dgm:linClrLst meth="repeat">
+    <dgm:linClrLst meth="cycle">
       <a:schemeClr val="lt1"/>
     </dgm:linClrLst>
     <dgm:effectClrLst/>
@@ -1130,10 +1171,19 @@
     <dgm:txEffectClrLst/>
   </dgm:styleLbl>
   <dgm:styleLbl name="sibTrans1D1">
-    <dgm:fillClrLst/>
-    <dgm:linClrLst>
+    <dgm:fillClrLst meth="repeat">
       <a:schemeClr val="accent2"/>
       <a:schemeClr val="accent3"/>
+      <a:schemeClr val="accent4"/>
+      <a:schemeClr val="accent5"/>
+      <a:schemeClr val="accent6"/>
+    </dgm:fillClrLst>
+    <dgm:linClrLst meth="repeat">
+      <a:schemeClr val="accent2"/>
+      <a:schemeClr val="accent3"/>
+      <a:schemeClr val="accent4"/>
+      <a:schemeClr val="accent5"/>
+      <a:schemeClr val="accent6"/>
     </dgm:linClrLst>
     <dgm:effectClrLst/>
     <dgm:txLinClrLst/>
@@ -1160,12 +1210,10 @@
   </dgm:styleLbl>
   <dgm:styleLbl name="asst0">
     <dgm:fillClrLst meth="repeat">
-      <a:schemeClr val="accent2"/>
+      <a:schemeClr val="accent1"/>
     </dgm:fillClrLst>
     <dgm:linClrLst meth="repeat">
-      <a:schemeClr val="lt1">
-        <a:shade val="80000"/>
-      </a:schemeClr>
+      <a:schemeClr val="lt1"/>
     </dgm:linClrLst>
     <dgm:effectClrLst/>
     <dgm:txLinClrLst/>
@@ -1174,12 +1222,10 @@
   </dgm:styleLbl>
   <dgm:styleLbl name="asst1">
     <dgm:fillClrLst meth="repeat">
-      <a:schemeClr val="accent3"/>
+      <a:schemeClr val="accent2"/>
     </dgm:fillClrLst>
     <dgm:linClrLst meth="repeat">
-      <a:schemeClr val="lt1">
-        <a:shade val="80000"/>
-      </a:schemeClr>
+      <a:schemeClr val="lt1"/>
     </dgm:linClrLst>
     <dgm:effectClrLst/>
     <dgm:txLinClrLst/>
@@ -1187,6 +1233,18 @@
     <dgm:txEffectClrLst/>
   </dgm:styleLbl>
   <dgm:styleLbl name="asst2">
+    <dgm:fillClrLst>
+      <a:schemeClr val="accent3"/>
+    </dgm:fillClrLst>
+    <dgm:linClrLst meth="repeat">
+      <a:schemeClr val="lt1"/>
+    </dgm:linClrLst>
+    <dgm:effectClrLst/>
+    <dgm:txLinClrLst/>
+    <dgm:txFillClrLst/>
+    <dgm:txEffectClrLst/>
+  </dgm:styleLbl>
+  <dgm:styleLbl name="asst3">
     <dgm:fillClrLst>
       <a:schemeClr val="accent4"/>
     </dgm:fillClrLst>
@@ -1198,21 +1256,9 @@
     <dgm:txFillClrLst/>
     <dgm:txEffectClrLst/>
   </dgm:styleLbl>
-  <dgm:styleLbl name="asst3">
+  <dgm:styleLbl name="asst4">
     <dgm:fillClrLst>
       <a:schemeClr val="accent5"/>
-    </dgm:fillClrLst>
-    <dgm:linClrLst meth="repeat">
-      <a:schemeClr val="lt1"/>
-    </dgm:linClrLst>
-    <dgm:effectClrLst/>
-    <dgm:txLinClrLst/>
-    <dgm:txFillClrLst/>
-    <dgm:txEffectClrLst/>
-  </dgm:styleLbl>
-  <dgm:styleLbl name="asst4">
-    <dgm:fillClrLst>
-      <a:schemeClr val="accent6"/>
     </dgm:fillClrLst>
     <dgm:linClrLst meth="repeat">
       <a:schemeClr val="lt1"/>
@@ -1279,6 +1325,22 @@
       <a:schemeClr val="accent2"/>
     </dgm:fillClrLst>
     <dgm:linClrLst meth="repeat">
+      <a:schemeClr val="accent1"/>
+    </dgm:linClrLst>
+    <dgm:effectClrLst/>
+    <dgm:txLinClrLst/>
+    <dgm:txFillClrLst meth="repeat">
+      <a:schemeClr val="tx1"/>
+    </dgm:txFillClrLst>
+    <dgm:txEffectClrLst/>
+  </dgm:styleLbl>
+  <dgm:styleLbl name="parChTrans1D2">
+    <dgm:fillClrLst meth="repeat">
+      <a:schemeClr val="accent3">
+        <a:tint val="90000"/>
+      </a:schemeClr>
+    </dgm:fillClrLst>
+    <dgm:linClrLst meth="repeat">
       <a:schemeClr val="accent2"/>
     </dgm:linClrLst>
     <dgm:effectClrLst/>
@@ -1288,10 +1350,10 @@
     </dgm:txFillClrLst>
     <dgm:txEffectClrLst/>
   </dgm:styleLbl>
-  <dgm:styleLbl name="parChTrans1D2">
+  <dgm:styleLbl name="parChTrans1D3">
     <dgm:fillClrLst meth="repeat">
-      <a:schemeClr val="accent2">
-        <a:tint val="90000"/>
+      <a:schemeClr val="accent4">
+        <a:tint val="70000"/>
       </a:schemeClr>
     </dgm:fillClrLst>
     <dgm:linClrLst meth="repeat">
@@ -1304,10 +1366,10 @@
     </dgm:txFillClrLst>
     <dgm:txEffectClrLst/>
   </dgm:styleLbl>
-  <dgm:styleLbl name="parChTrans1D3">
+  <dgm:styleLbl name="parChTrans1D4">
     <dgm:fillClrLst meth="repeat">
-      <a:schemeClr val="accent2">
-        <a:tint val="70000"/>
+      <a:schemeClr val="accent5">
+        <a:tint val="50000"/>
       </a:schemeClr>
     </dgm:fillClrLst>
     <dgm:linClrLst meth="repeat">
@@ -1320,31 +1382,18 @@
     </dgm:txFillClrLst>
     <dgm:txEffectClrLst/>
   </dgm:styleLbl>
-  <dgm:styleLbl name="parChTrans1D4">
-    <dgm:fillClrLst meth="repeat">
-      <a:schemeClr val="accent2">
-        <a:tint val="50000"/>
-      </a:schemeClr>
-    </dgm:fillClrLst>
-    <dgm:linClrLst meth="repeat">
-      <a:schemeClr val="accent5"/>
-    </dgm:linClrLst>
-    <dgm:effectClrLst/>
-    <dgm:txLinClrLst/>
-    <dgm:txFillClrLst meth="repeat">
-      <a:schemeClr val="tx1"/>
-    </dgm:txFillClrLst>
-    <dgm:txEffectClrLst/>
-  </dgm:styleLbl>
   <dgm:styleLbl name="fgAcc1">
     <dgm:fillClrLst meth="repeat">
       <a:schemeClr val="lt1">
         <a:alpha val="90000"/>
       </a:schemeClr>
     </dgm:fillClrLst>
-    <dgm:linClrLst>
+    <dgm:linClrLst meth="repeat">
       <a:schemeClr val="accent2"/>
       <a:schemeClr val="accent3"/>
+      <a:schemeClr val="accent4"/>
+      <a:schemeClr val="accent5"/>
+      <a:schemeClr val="accent6"/>
     </dgm:linClrLst>
     <dgm:effectClrLst/>
     <dgm:txLinClrLst/>
@@ -1359,9 +1408,12 @@
         <a:alpha val="90000"/>
       </a:schemeClr>
     </dgm:fillClrLst>
-    <dgm:linClrLst>
+    <dgm:linClrLst meth="repeat">
       <a:schemeClr val="accent2"/>
       <a:schemeClr val="accent3"/>
+      <a:schemeClr val="accent4"/>
+      <a:schemeClr val="accent5"/>
+      <a:schemeClr val="accent6"/>
     </dgm:linClrLst>
     <dgm:effectClrLst/>
     <dgm:txLinClrLst/>
@@ -1376,9 +1428,12 @@
         <a:alpha val="90000"/>
       </a:schemeClr>
     </dgm:fillClrLst>
-    <dgm:linClrLst>
+    <dgm:linClrLst meth="repeat">
       <a:schemeClr val="accent2"/>
       <a:schemeClr val="accent3"/>
+      <a:schemeClr val="accent4"/>
+      <a:schemeClr val="accent5"/>
+      <a:schemeClr val="accent6"/>
     </dgm:linClrLst>
     <dgm:effectClrLst/>
     <dgm:txLinClrLst/>
@@ -1394,7 +1449,7 @@
       </a:schemeClr>
     </dgm:fillClrLst>
     <dgm:linClrLst meth="repeat">
-      <a:schemeClr val="accent2"/>
+      <a:schemeClr val="accent1"/>
     </dgm:linClrLst>
     <dgm:effectClrLst/>
     <dgm:txLinClrLst/>
@@ -1409,9 +1464,12 @@
         <a:alpha val="90000"/>
       </a:schemeClr>
     </dgm:fillClrLst>
-    <dgm:linClrLst>
+    <dgm:linClrLst meth="repeat">
       <a:schemeClr val="accent2"/>
       <a:schemeClr val="accent3"/>
+      <a:schemeClr val="accent4"/>
+      <a:schemeClr val="accent5"/>
+      <a:schemeClr val="accent6"/>
     </dgm:linClrLst>
     <dgm:effectClrLst/>
     <dgm:txLinClrLst/>
@@ -1424,9 +1482,12 @@
     <dgm:fillClrLst meth="repeat">
       <a:schemeClr val="lt1"/>
     </dgm:fillClrLst>
-    <dgm:linClrLst>
+    <dgm:linClrLst meth="repeat">
       <a:schemeClr val="accent2"/>
       <a:schemeClr val="accent3"/>
+      <a:schemeClr val="accent4"/>
+      <a:schemeClr val="accent5"/>
+      <a:schemeClr val="accent6"/>
     </dgm:linClrLst>
     <dgm:effectClrLst/>
     <dgm:txLinClrLst/>
@@ -1439,9 +1500,12 @@
     <dgm:fillClrLst meth="repeat">
       <a:schemeClr val="lt1"/>
     </dgm:fillClrLst>
-    <dgm:linClrLst>
+    <dgm:linClrLst meth="repeat">
       <a:schemeClr val="accent2"/>
       <a:schemeClr val="accent3"/>
+      <a:schemeClr val="accent4"/>
+      <a:schemeClr val="accent5"/>
+      <a:schemeClr val="accent6"/>
     </dgm:linClrLst>
     <dgm:effectClrLst/>
     <dgm:txLinClrLst/>
@@ -1454,9 +1518,12 @@
     <dgm:fillClrLst meth="repeat">
       <a:schemeClr val="lt1"/>
     </dgm:fillClrLst>
-    <dgm:linClrLst>
+    <dgm:linClrLst meth="repeat">
       <a:schemeClr val="accent2"/>
       <a:schemeClr val="accent3"/>
+      <a:schemeClr val="accent4"/>
+      <a:schemeClr val="accent5"/>
+      <a:schemeClr val="accent6"/>
     </dgm:linClrLst>
     <dgm:effectClrLst/>
     <dgm:txLinClrLst/>
@@ -1466,7 +1533,7 @@
     <dgm:txEffectClrLst/>
   </dgm:styleLbl>
   <dgm:styleLbl name="fgAccFollowNode1">
-    <dgm:fillClrLst>
+    <dgm:fillClrLst meth="repeat">
       <a:schemeClr val="accent2">
         <a:tint val="40000"/>
         <a:alpha val="90000"/>
@@ -1475,13 +1542,37 @@
         <a:tint val="40000"/>
         <a:alpha val="90000"/>
       </a:schemeClr>
+      <a:schemeClr val="accent4">
+        <a:tint val="40000"/>
+        <a:alpha val="90000"/>
+      </a:schemeClr>
+      <a:schemeClr val="accent5">
+        <a:tint val="40000"/>
+        <a:alpha val="90000"/>
+      </a:schemeClr>
+      <a:schemeClr val="accent6">
+        <a:tint val="40000"/>
+        <a:alpha val="90000"/>
+      </a:schemeClr>
     </dgm:fillClrLst>
-    <dgm:linClrLst>
+    <dgm:linClrLst meth="repeat">
       <a:schemeClr val="accent2">
         <a:tint val="40000"/>
         <a:alpha val="90000"/>
       </a:schemeClr>
       <a:schemeClr val="accent3">
+        <a:tint val="40000"/>
+        <a:alpha val="90000"/>
+      </a:schemeClr>
+      <a:schemeClr val="accent4">
+        <a:tint val="40000"/>
+        <a:alpha val="90000"/>
+      </a:schemeClr>
+      <a:schemeClr val="accent5">
+        <a:tint val="40000"/>
+        <a:alpha val="90000"/>
+      </a:schemeClr>
+      <a:schemeClr val="accent6">
         <a:tint val="40000"/>
         <a:alpha val="90000"/>
       </a:schemeClr>
@@ -1494,7 +1585,7 @@
     <dgm:txEffectClrLst/>
   </dgm:styleLbl>
   <dgm:styleLbl name="alignAccFollowNode1">
-    <dgm:fillClrLst>
+    <dgm:fillClrLst meth="repeat">
       <a:schemeClr val="accent2">
         <a:tint val="40000"/>
         <a:alpha val="90000"/>
@@ -1503,13 +1594,37 @@
         <a:tint val="40000"/>
         <a:alpha val="90000"/>
       </a:schemeClr>
+      <a:schemeClr val="accent4">
+        <a:tint val="40000"/>
+        <a:alpha val="90000"/>
+      </a:schemeClr>
+      <a:schemeClr val="accent5">
+        <a:tint val="40000"/>
+        <a:alpha val="90000"/>
+      </a:schemeClr>
+      <a:schemeClr val="accent6">
+        <a:tint val="40000"/>
+        <a:alpha val="90000"/>
+      </a:schemeClr>
     </dgm:fillClrLst>
-    <dgm:linClrLst>
+    <dgm:linClrLst meth="repeat">
       <a:schemeClr val="accent2">
         <a:tint val="40000"/>
         <a:alpha val="90000"/>
       </a:schemeClr>
       <a:schemeClr val="accent3">
+        <a:tint val="40000"/>
+        <a:alpha val="90000"/>
+      </a:schemeClr>
+      <a:schemeClr val="accent4">
+        <a:tint val="40000"/>
+        <a:alpha val="90000"/>
+      </a:schemeClr>
+      <a:schemeClr val="accent5">
+        <a:tint val="40000"/>
+        <a:alpha val="90000"/>
+      </a:schemeClr>
+      <a:schemeClr val="accent6">
         <a:tint val="40000"/>
         <a:alpha val="90000"/>
       </a:schemeClr>
@@ -1522,7 +1637,7 @@
     <dgm:txEffectClrLst/>
   </dgm:styleLbl>
   <dgm:styleLbl name="bgAccFollowNode1">
-    <dgm:fillClrLst>
+    <dgm:fillClrLst meth="repeat">
       <a:schemeClr val="accent2">
         <a:tint val="40000"/>
         <a:alpha val="90000"/>
@@ -1531,13 +1646,37 @@
         <a:tint val="40000"/>
         <a:alpha val="90000"/>
       </a:schemeClr>
+      <a:schemeClr val="accent4">
+        <a:tint val="40000"/>
+        <a:alpha val="90000"/>
+      </a:schemeClr>
+      <a:schemeClr val="accent5">
+        <a:tint val="40000"/>
+        <a:alpha val="90000"/>
+      </a:schemeClr>
+      <a:schemeClr val="accent6">
+        <a:tint val="40000"/>
+        <a:alpha val="90000"/>
+      </a:schemeClr>
     </dgm:fillClrLst>
-    <dgm:linClrLst>
+    <dgm:linClrLst meth="repeat">
       <a:schemeClr val="accent2">
         <a:tint val="40000"/>
         <a:alpha val="90000"/>
       </a:schemeClr>
       <a:schemeClr val="accent3">
+        <a:tint val="40000"/>
+        <a:alpha val="90000"/>
+      </a:schemeClr>
+      <a:schemeClr val="accent4">
+        <a:tint val="40000"/>
+        <a:alpha val="90000"/>
+      </a:schemeClr>
+      <a:schemeClr val="accent5">
+        <a:tint val="40000"/>
+        <a:alpha val="90000"/>
+      </a:schemeClr>
+      <a:schemeClr val="accent6">
         <a:tint val="40000"/>
         <a:alpha val="90000"/>
       </a:schemeClr>
@@ -1572,6 +1711,22 @@
       </a:schemeClr>
     </dgm:fillClrLst>
     <dgm:linClrLst>
+      <a:schemeClr val="accent2"/>
+    </dgm:linClrLst>
+    <dgm:effectClrLst/>
+    <dgm:txLinClrLst/>
+    <dgm:txFillClrLst meth="repeat">
+      <a:schemeClr val="dk1"/>
+    </dgm:txFillClrLst>
+    <dgm:txEffectClrLst/>
+  </dgm:styleLbl>
+  <dgm:styleLbl name="fgAcc3">
+    <dgm:fillClrLst meth="repeat">
+      <a:schemeClr val="lt1">
+        <a:alpha val="90000"/>
+      </a:schemeClr>
+    </dgm:fillClrLst>
+    <dgm:linClrLst>
       <a:schemeClr val="accent3"/>
     </dgm:linClrLst>
     <dgm:effectClrLst/>
@@ -1581,7 +1736,7 @@
     </dgm:txFillClrLst>
     <dgm:txEffectClrLst/>
   </dgm:styleLbl>
-  <dgm:styleLbl name="fgAcc3">
+  <dgm:styleLbl name="fgAcc4">
     <dgm:fillClrLst meth="repeat">
       <a:schemeClr val="lt1">
         <a:alpha val="90000"/>
@@ -1589,22 +1744,6 @@
     </dgm:fillClrLst>
     <dgm:linClrLst>
       <a:schemeClr val="accent4"/>
-    </dgm:linClrLst>
-    <dgm:effectClrLst/>
-    <dgm:txLinClrLst/>
-    <dgm:txFillClrLst meth="repeat">
-      <a:schemeClr val="dk1"/>
-    </dgm:txFillClrLst>
-    <dgm:txEffectClrLst/>
-  </dgm:styleLbl>
-  <dgm:styleLbl name="fgAcc4">
-    <dgm:fillClrLst meth="repeat">
-      <a:schemeClr val="lt1">
-        <a:alpha val="90000"/>
-      </a:schemeClr>
-    </dgm:fillClrLst>
-    <dgm:linClrLst>
-      <a:schemeClr val="accent5"/>
     </dgm:linClrLst>
     <dgm:effectClrLst/>
     <dgm:txLinClrLst/>
@@ -1647,7 +1786,7 @@
   </dgm:styleLbl>
   <dgm:styleLbl name="trBgShp">
     <dgm:fillClrLst meth="repeat">
-      <a:schemeClr val="accent2">
+      <a:schemeClr val="accent1">
         <a:tint val="50000"/>
         <a:alpha val="40000"/>
       </a:schemeClr>
@@ -1703,7 +1842,7 @@
 <dgm:dataModel xmlns:dgm="http://schemas.openxmlformats.org/drawingml/2006/diagram" xmlns:a="http://schemas.openxmlformats.org/drawingml/2006/main">
   <dgm:ptLst>
     <dgm:pt modelId="{1C733716-810A-430F-9031-C2DDCD33359A}" type="doc">
-      <dgm:prSet loTypeId="urn:microsoft.com/office/officeart/2005/8/layout/vList2" loCatId="list" qsTypeId="urn:microsoft.com/office/officeart/2005/8/quickstyle/simple1" qsCatId="simple" csTypeId="urn:microsoft.com/office/officeart/2005/8/colors/colorful2" csCatId="colorful" phldr="1"/>
+      <dgm:prSet loTypeId="urn:microsoft.com/office/officeart/2008/layout/LinedList" loCatId="list" qsTypeId="urn:microsoft.com/office/officeart/2005/8/quickstyle/simple1" qsCatId="simple" csTypeId="urn:microsoft.com/office/officeart/2005/8/colors/colorful2" csCatId="colorful" phldr="1"/>
       <dgm:spPr/>
       <dgm:t>
         <a:bodyPr/>
@@ -1721,20 +1860,8 @@
         <a:lstStyle/>
         <a:p>
           <a:r>
-            <a:rPr lang="en-US" b="1" dirty="0">
-              <a:solidFill>
-                <a:schemeClr val="tx1"/>
-              </a:solidFill>
-            </a:rPr>
-            <a:t>Linear Regression </a:t>
-          </a:r>
-          <a:r>
-            <a:rPr lang="en-US" dirty="0">
-              <a:solidFill>
-                <a:schemeClr val="tx1"/>
-              </a:solidFill>
-            </a:rPr>
-            <a:t>– to predict and analyze the correlation of 2 features in our dataset</a:t>
+            <a:rPr lang="en-US" dirty="0"/>
+            <a:t>Linear Regression – to predict and analyze the correlation of 2 features in our dataset</a:t>
           </a:r>
         </a:p>
       </dgm:t>
@@ -1769,20 +1896,8 @@
         <a:lstStyle/>
         <a:p>
           <a:r>
-            <a:rPr lang="en-US" b="1" dirty="0">
-              <a:solidFill>
-                <a:schemeClr val="tx1"/>
-              </a:solidFill>
-            </a:rPr>
-            <a:t>K Means </a:t>
-          </a:r>
-          <a:r>
-            <a:rPr lang="en-US" dirty="0">
-              <a:solidFill>
-                <a:schemeClr val="tx1"/>
-              </a:solidFill>
-            </a:rPr>
-            <a:t>– This is an unsupervised learning technique creating clusters of data based on a centroid</a:t>
+            <a:rPr lang="en-US" dirty="0"/>
+            <a:t>K Means – This is an unsupervised learning technique creating clusters of data based on a centroid</a:t>
           </a:r>
         </a:p>
       </dgm:t>
@@ -1817,20 +1932,8 @@
         <a:lstStyle/>
         <a:p>
           <a:r>
-            <a:rPr lang="en-US" b="1" dirty="0">
-              <a:solidFill>
-                <a:schemeClr val="tx1"/>
-              </a:solidFill>
-            </a:rPr>
-            <a:t>KNN </a:t>
-          </a:r>
-          <a:r>
-            <a:rPr lang="en-US" dirty="0">
-              <a:solidFill>
-                <a:schemeClr val="tx1"/>
-              </a:solidFill>
-            </a:rPr>
-            <a:t>– This is a clustering technique which analyzes data nearest to other data to predict a diagnosis</a:t>
+            <a:rPr lang="en-US" dirty="0"/>
+            <a:t>KNN – This is a clustering technique which analyzes data nearest to other data to predict a diagnosis</a:t>
           </a:r>
         </a:p>
       </dgm:t>
@@ -1864,21 +1967,20 @@
         <a:bodyPr/>
         <a:lstStyle/>
         <a:p>
+          <a:pPr rtl="0"/>
           <a:r>
-            <a:rPr lang="en-US" b="1" dirty="0">
-              <a:solidFill>
-                <a:schemeClr val="tx1"/>
-              </a:solidFill>
-            </a:rPr>
-            <a:t>Naïve Bayes </a:t>
+            <a:rPr lang="en-US" dirty="0"/>
+            <a:t>Naïve Bayes – This is a technique used to predict cancer by taking features  of our dataset and using the same weight for each -&gt; Assumes </a:t>
           </a:r>
           <a:r>
             <a:rPr lang="en-US" dirty="0">
-              <a:solidFill>
-                <a:schemeClr val="tx1"/>
-              </a:solidFill>
+              <a:latin typeface="Sitka Banner"/>
             </a:rPr>
-            <a:t>– This is a technique used to predict cancer by taking features  of our dataset and using the same weight for each -&gt; Assumes data has same effect on output hence Naïve </a:t>
+            <a:t>features have</a:t>
+          </a:r>
+          <a:r>
+            <a:rPr lang="en-US" dirty="0"/>
+            <a:t> same effect on output hence Naïve </a:t>
           </a:r>
         </a:p>
       </dgm:t>
@@ -1914,20 +2016,8 @@
         <a:p>
           <a:pPr rtl="0"/>
           <a:r>
-            <a:rPr lang="en-US" b="1" dirty="0">
-              <a:solidFill>
-                <a:schemeClr val="tx1"/>
-              </a:solidFill>
-            </a:rPr>
-            <a:t>Decision Trees </a:t>
-          </a:r>
-          <a:r>
-            <a:rPr lang="en-US" dirty="0">
-              <a:solidFill>
-                <a:schemeClr val="tx1"/>
-              </a:solidFill>
-            </a:rPr>
-            <a:t>– Which were used to predict diagnosis by making a tree of features in our dataset which will either lead to positive or negative diagnosis based on their values</a:t>
+            <a:rPr lang="en-US" dirty="0"/>
+            <a:t>Decision Trees – Which were used to predict diagnosis by making a tree of features in our dataset which will either lead to positive or negative diagnosis based on their values</a:t>
           </a:r>
         </a:p>
       </dgm:t>
@@ -1935,24 +2025,10 @@
     <dgm:pt modelId="{86C623B7-D842-47FD-8F76-518E9E3BB40A}" type="parTrans" cxnId="{6EB732C6-1218-4ADC-B8AB-CFEF31492F6D}">
       <dgm:prSet/>
       <dgm:spPr/>
-      <dgm:t>
-        <a:bodyPr/>
-        <a:lstStyle/>
-        <a:p>
-          <a:endParaRPr lang="en-IE"/>
-        </a:p>
-      </dgm:t>
     </dgm:pt>
     <dgm:pt modelId="{CF0B5211-688B-495E-A025-BB99EB2A56EE}" type="sibTrans" cxnId="{6EB732C6-1218-4ADC-B8AB-CFEF31492F6D}">
       <dgm:prSet/>
       <dgm:spPr/>
-      <dgm:t>
-        <a:bodyPr/>
-        <a:lstStyle/>
-        <a:p>
-          <a:endParaRPr lang="en-IE"/>
-        </a:p>
-      </dgm:t>
     </dgm:pt>
     <dgm:pt modelId="{3CE2968D-F638-4ED1-BD2F-3F01915010E5}">
       <dgm:prSet phldr="0"/>
@@ -1962,20 +2038,8 @@
         <a:lstStyle/>
         <a:p>
           <a:r>
-            <a:rPr lang="en-US" b="1" dirty="0">
-              <a:solidFill>
-                <a:schemeClr val="tx1"/>
-              </a:solidFill>
-            </a:rPr>
-            <a:t>Random Forest </a:t>
-          </a:r>
-          <a:r>
-            <a:rPr lang="en-US" dirty="0">
-              <a:solidFill>
-                <a:schemeClr val="tx1"/>
-              </a:solidFill>
-            </a:rPr>
-            <a:t>– Extended the decision trees to help remove the over fitting of the individual decision trees by taking the tallied vote of different data/decision tree configurations</a:t>
+            <a:rPr lang="en-US" dirty="0"/>
+            <a:t>Random Forest – Creates multiple trees then merges the best models to predict our diagnois</a:t>
           </a:r>
         </a:p>
       </dgm:t>
@@ -1983,24 +2047,10 @@
     <dgm:pt modelId="{559146B3-2E85-4EA9-8F9E-9958F12B8864}" type="parTrans" cxnId="{5AF0956C-AAE6-4F67-BB2D-F0FCC5118B76}">
       <dgm:prSet/>
       <dgm:spPr/>
-      <dgm:t>
-        <a:bodyPr/>
-        <a:lstStyle/>
-        <a:p>
-          <a:endParaRPr lang="en-IE"/>
-        </a:p>
-      </dgm:t>
     </dgm:pt>
     <dgm:pt modelId="{DE945F27-FF11-4ECF-8FEA-6D2F681B1B56}" type="sibTrans" cxnId="{5AF0956C-AAE6-4F67-BB2D-F0FCC5118B76}">
       <dgm:prSet/>
       <dgm:spPr/>
-      <dgm:t>
-        <a:bodyPr/>
-        <a:lstStyle/>
-        <a:p>
-          <a:endParaRPr lang="en-IE"/>
-        </a:p>
-      </dgm:t>
     </dgm:pt>
     <dgm:pt modelId="{C8C83B8B-CA44-4370-881C-76DB3C36AB94}">
       <dgm:prSet phldr="0"/>
@@ -2010,20 +2060,8 @@
         <a:lstStyle/>
         <a:p>
           <a:r>
-            <a:rPr lang="en-US" b="1" dirty="0">
-              <a:solidFill>
-                <a:schemeClr val="tx1"/>
-              </a:solidFill>
-            </a:rPr>
-            <a:t>PCA (Principle Component Analysis) </a:t>
-          </a:r>
-          <a:r>
-            <a:rPr lang="en-US" dirty="0">
-              <a:solidFill>
-                <a:schemeClr val="tx1"/>
-              </a:solidFill>
-            </a:rPr>
-            <a:t>- unsupervised dimensionality-reduction which reduced features in our dataset by removing similar features which were highly correlated, while still retaining as much pertinent information as possible.</a:t>
+            <a:rPr lang="en-US" dirty="0"/>
+            <a:t>PCA (Principle Component Analysis) - unsupervised dimensionality-reduction which reduced features in our dataset by removing similar features which were highly correlated</a:t>
           </a:r>
         </a:p>
       </dgm:t>
@@ -2031,151 +2069,178 @@
     <dgm:pt modelId="{9E58D535-DCEC-42F3-87A0-7CF653F2E0DC}" type="parTrans" cxnId="{AD246D7D-9EB9-48A3-85AC-199254A63E8F}">
       <dgm:prSet/>
       <dgm:spPr/>
-      <dgm:t>
-        <a:bodyPr/>
-        <a:lstStyle/>
-        <a:p>
-          <a:endParaRPr lang="en-IE"/>
-        </a:p>
-      </dgm:t>
     </dgm:pt>
     <dgm:pt modelId="{A9E3CF06-259D-4662-8C41-9FABA81995C5}" type="sibTrans" cxnId="{AD246D7D-9EB9-48A3-85AC-199254A63E8F}">
       <dgm:prSet/>
       <dgm:spPr/>
-      <dgm:t>
-        <a:bodyPr/>
-        <a:lstStyle/>
-        <a:p>
-          <a:endParaRPr lang="en-IE"/>
-        </a:p>
-      </dgm:t>
     </dgm:pt>
-    <dgm:pt modelId="{A6161D87-0223-4245-8563-D50154C0189B}" type="pres">
-      <dgm:prSet presAssocID="{1C733716-810A-430F-9031-C2DDCD33359A}" presName="linear" presStyleCnt="0">
+    <dgm:pt modelId="{7E988CC0-34DD-40B0-B7D9-6EFEB4F3633E}" type="pres">
+      <dgm:prSet presAssocID="{1C733716-810A-430F-9031-C2DDCD33359A}" presName="vert0" presStyleCnt="0">
         <dgm:presLayoutVars>
+          <dgm:dir/>
+          <dgm:animOne val="branch"/>
           <dgm:animLvl val="lvl"/>
-          <dgm:resizeHandles val="exact"/>
         </dgm:presLayoutVars>
       </dgm:prSet>
       <dgm:spPr/>
     </dgm:pt>
-    <dgm:pt modelId="{8B52EEFA-D34F-46B5-8182-55062DB60CA3}" type="pres">
-      <dgm:prSet presAssocID="{B5474BEF-EBBC-400F-B607-E165D7D26DEE}" presName="parentText" presStyleLbl="node1" presStyleIdx="0" presStyleCnt="7">
-        <dgm:presLayoutVars>
-          <dgm:chMax val="0"/>
-          <dgm:bulletEnabled val="1"/>
-        </dgm:presLayoutVars>
-      </dgm:prSet>
+    <dgm:pt modelId="{89ECECB4-6B1C-42F0-A7EC-4F53BB0C4254}" type="pres">
+      <dgm:prSet presAssocID="{B5474BEF-EBBC-400F-B607-E165D7D26DEE}" presName="thickLine" presStyleLbl="alignNode1" presStyleIdx="0" presStyleCnt="7"/>
       <dgm:spPr/>
     </dgm:pt>
-    <dgm:pt modelId="{27586E9C-673C-4308-828C-CCC2BC6582E7}" type="pres">
-      <dgm:prSet presAssocID="{E956195D-9642-4860-A959-5CB926735ABF}" presName="spacer" presStyleCnt="0"/>
+    <dgm:pt modelId="{605D76BE-9DA6-4573-8172-EDC181E99F90}" type="pres">
+      <dgm:prSet presAssocID="{B5474BEF-EBBC-400F-B607-E165D7D26DEE}" presName="horz1" presStyleCnt="0"/>
       <dgm:spPr/>
     </dgm:pt>
-    <dgm:pt modelId="{88D6434B-9F9B-4669-9445-6526E387AFCA}" type="pres">
-      <dgm:prSet presAssocID="{55E742E7-A974-4F2E-9624-5E544C552D5D}" presName="parentText" presStyleLbl="node1" presStyleIdx="1" presStyleCnt="7">
-        <dgm:presLayoutVars>
-          <dgm:chMax val="0"/>
-          <dgm:bulletEnabled val="1"/>
-        </dgm:presLayoutVars>
-      </dgm:prSet>
+    <dgm:pt modelId="{74E26BB6-432E-43D2-8C67-409CEAFFEFD4}" type="pres">
+      <dgm:prSet presAssocID="{B5474BEF-EBBC-400F-B607-E165D7D26DEE}" presName="tx1" presStyleLbl="revTx" presStyleIdx="0" presStyleCnt="7"/>
       <dgm:spPr/>
     </dgm:pt>
-    <dgm:pt modelId="{1BFF1431-8EC3-499D-A238-342C049E8C25}" type="pres">
-      <dgm:prSet presAssocID="{06D1AC9A-CD0E-4BF5-AE13-4C4E6ABD5ADC}" presName="spacer" presStyleCnt="0"/>
+    <dgm:pt modelId="{62B151A0-98B0-4358-A14B-8814BD9D0562}" type="pres">
+      <dgm:prSet presAssocID="{B5474BEF-EBBC-400F-B607-E165D7D26DEE}" presName="vert1" presStyleCnt="0"/>
       <dgm:spPr/>
     </dgm:pt>
-    <dgm:pt modelId="{F943C99D-BA73-46E1-9664-5C2971DDFA44}" type="pres">
-      <dgm:prSet presAssocID="{C8FF25D4-37CB-413B-94C1-0296DF45D4FE}" presName="parentText" presStyleLbl="node1" presStyleIdx="2" presStyleCnt="7">
-        <dgm:presLayoutVars>
-          <dgm:chMax val="0"/>
-          <dgm:bulletEnabled val="1"/>
-        </dgm:presLayoutVars>
-      </dgm:prSet>
+    <dgm:pt modelId="{0B35C4E7-DF61-494F-80CC-F8FC21FE68BD}" type="pres">
+      <dgm:prSet presAssocID="{55E742E7-A974-4F2E-9624-5E544C552D5D}" presName="thickLine" presStyleLbl="alignNode1" presStyleIdx="1" presStyleCnt="7"/>
       <dgm:spPr/>
     </dgm:pt>
-    <dgm:pt modelId="{240F49CF-8DF8-4F62-A045-8108C041F83F}" type="pres">
-      <dgm:prSet presAssocID="{7D7FBC14-7246-43A6-9B0B-0602451E798A}" presName="spacer" presStyleCnt="0"/>
+    <dgm:pt modelId="{354F0575-19FC-4AF9-B252-36EA859D97A4}" type="pres">
+      <dgm:prSet presAssocID="{55E742E7-A974-4F2E-9624-5E544C552D5D}" presName="horz1" presStyleCnt="0"/>
       <dgm:spPr/>
     </dgm:pt>
-    <dgm:pt modelId="{03FAB2AE-E179-4451-920F-9D934D2AF63F}" type="pres">
-      <dgm:prSet presAssocID="{711C6F5A-D91A-46E0-A685-949D8839897C}" presName="parentText" presStyleLbl="node1" presStyleIdx="3" presStyleCnt="7">
-        <dgm:presLayoutVars>
-          <dgm:chMax val="0"/>
-          <dgm:bulletEnabled val="1"/>
-        </dgm:presLayoutVars>
-      </dgm:prSet>
+    <dgm:pt modelId="{A220CAC7-0BF1-41A6-ADC1-D56F836B0209}" type="pres">
+      <dgm:prSet presAssocID="{55E742E7-A974-4F2E-9624-5E544C552D5D}" presName="tx1" presStyleLbl="revTx" presStyleIdx="1" presStyleCnt="7"/>
       <dgm:spPr/>
     </dgm:pt>
-    <dgm:pt modelId="{A7ADCE94-5B33-44D9-9E55-C6569B795E97}" type="pres">
-      <dgm:prSet presAssocID="{E665DBC1-0C5F-400D-8C58-67E21E980150}" presName="spacer" presStyleCnt="0"/>
+    <dgm:pt modelId="{0DD36275-C169-4F7F-8FEB-473BEAC490B6}" type="pres">
+      <dgm:prSet presAssocID="{55E742E7-A974-4F2E-9624-5E544C552D5D}" presName="vert1" presStyleCnt="0"/>
       <dgm:spPr/>
     </dgm:pt>
-    <dgm:pt modelId="{24E950DF-D96C-4231-A140-473AB0BE8938}" type="pres">
-      <dgm:prSet presAssocID="{4B8EB5C5-A3A2-451E-90F5-97A1C5A3E414}" presName="parentText" presStyleLbl="node1" presStyleIdx="4" presStyleCnt="7">
-        <dgm:presLayoutVars>
-          <dgm:chMax val="0"/>
-          <dgm:bulletEnabled val="1"/>
-        </dgm:presLayoutVars>
-      </dgm:prSet>
+    <dgm:pt modelId="{4135F699-F5D6-46AB-9D49-00C4963DEE61}" type="pres">
+      <dgm:prSet presAssocID="{C8FF25D4-37CB-413B-94C1-0296DF45D4FE}" presName="thickLine" presStyleLbl="alignNode1" presStyleIdx="2" presStyleCnt="7"/>
       <dgm:spPr/>
     </dgm:pt>
-    <dgm:pt modelId="{5BB6953D-0CB8-489F-8D50-C883000B9AF4}" type="pres">
-      <dgm:prSet presAssocID="{CF0B5211-688B-495E-A025-BB99EB2A56EE}" presName="spacer" presStyleCnt="0"/>
+    <dgm:pt modelId="{30DB249C-1818-4F7E-B8F8-82553810093A}" type="pres">
+      <dgm:prSet presAssocID="{C8FF25D4-37CB-413B-94C1-0296DF45D4FE}" presName="horz1" presStyleCnt="0"/>
       <dgm:spPr/>
     </dgm:pt>
-    <dgm:pt modelId="{158B6BBA-A415-4B86-8BA5-63EDD62C708E}" type="pres">
-      <dgm:prSet presAssocID="{3CE2968D-F638-4ED1-BD2F-3F01915010E5}" presName="parentText" presStyleLbl="node1" presStyleIdx="5" presStyleCnt="7">
-        <dgm:presLayoutVars>
-          <dgm:chMax val="0"/>
-          <dgm:bulletEnabled val="1"/>
-        </dgm:presLayoutVars>
-      </dgm:prSet>
+    <dgm:pt modelId="{1D29F97A-A04B-426D-9EC5-9034DE808D6A}" type="pres">
+      <dgm:prSet presAssocID="{C8FF25D4-37CB-413B-94C1-0296DF45D4FE}" presName="tx1" presStyleLbl="revTx" presStyleIdx="2" presStyleCnt="7"/>
       <dgm:spPr/>
     </dgm:pt>
-    <dgm:pt modelId="{F42D5087-E5EF-42BA-AE9A-7B2C8C9FCD44}" type="pres">
-      <dgm:prSet presAssocID="{DE945F27-FF11-4ECF-8FEA-6D2F681B1B56}" presName="spacer" presStyleCnt="0"/>
+    <dgm:pt modelId="{4D2FA27A-F8E0-41BB-BC2B-2F93449673FD}" type="pres">
+      <dgm:prSet presAssocID="{C8FF25D4-37CB-413B-94C1-0296DF45D4FE}" presName="vert1" presStyleCnt="0"/>
       <dgm:spPr/>
     </dgm:pt>
-    <dgm:pt modelId="{FA42934A-C143-4FA3-8C90-1D0AE05F3E4E}" type="pres">
-      <dgm:prSet presAssocID="{C8C83B8B-CA44-4370-881C-76DB3C36AB94}" presName="parentText" presStyleLbl="node1" presStyleIdx="6" presStyleCnt="7">
-        <dgm:presLayoutVars>
-          <dgm:chMax val="0"/>
-          <dgm:bulletEnabled val="1"/>
-        </dgm:presLayoutVars>
-      </dgm:prSet>
+    <dgm:pt modelId="{74158071-08E9-4CD4-9989-DAD8B2D11358}" type="pres">
+      <dgm:prSet presAssocID="{711C6F5A-D91A-46E0-A685-949D8839897C}" presName="thickLine" presStyleLbl="alignNode1" presStyleIdx="3" presStyleCnt="7"/>
+      <dgm:spPr/>
+    </dgm:pt>
+    <dgm:pt modelId="{EFF037F9-B067-4648-A859-7641B5589BF5}" type="pres">
+      <dgm:prSet presAssocID="{711C6F5A-D91A-46E0-A685-949D8839897C}" presName="horz1" presStyleCnt="0"/>
+      <dgm:spPr/>
+    </dgm:pt>
+    <dgm:pt modelId="{11371894-20BD-44E3-86C2-1A20F3B5284A}" type="pres">
+      <dgm:prSet presAssocID="{711C6F5A-D91A-46E0-A685-949D8839897C}" presName="tx1" presStyleLbl="revTx" presStyleIdx="3" presStyleCnt="7"/>
+      <dgm:spPr/>
+    </dgm:pt>
+    <dgm:pt modelId="{11419B4E-E466-4BFD-8714-CDBA2D3858A5}" type="pres">
+      <dgm:prSet presAssocID="{711C6F5A-D91A-46E0-A685-949D8839897C}" presName="vert1" presStyleCnt="0"/>
+      <dgm:spPr/>
+    </dgm:pt>
+    <dgm:pt modelId="{00283C74-2B8B-4B13-B18E-BDBCCD1BE9BE}" type="pres">
+      <dgm:prSet presAssocID="{4B8EB5C5-A3A2-451E-90F5-97A1C5A3E414}" presName="thickLine" presStyleLbl="alignNode1" presStyleIdx="4" presStyleCnt="7"/>
+      <dgm:spPr/>
+    </dgm:pt>
+    <dgm:pt modelId="{0245719E-F881-4207-9383-A7B098F70818}" type="pres">
+      <dgm:prSet presAssocID="{4B8EB5C5-A3A2-451E-90F5-97A1C5A3E414}" presName="horz1" presStyleCnt="0"/>
+      <dgm:spPr/>
+    </dgm:pt>
+    <dgm:pt modelId="{3A01F449-B4F2-4E85-A714-BDB16BEF6677}" type="pres">
+      <dgm:prSet presAssocID="{4B8EB5C5-A3A2-451E-90F5-97A1C5A3E414}" presName="tx1" presStyleLbl="revTx" presStyleIdx="4" presStyleCnt="7"/>
+      <dgm:spPr/>
+    </dgm:pt>
+    <dgm:pt modelId="{374B60BE-9446-4293-AC1E-7CAB45BF82B8}" type="pres">
+      <dgm:prSet presAssocID="{4B8EB5C5-A3A2-451E-90F5-97A1C5A3E414}" presName="vert1" presStyleCnt="0"/>
+      <dgm:spPr/>
+    </dgm:pt>
+    <dgm:pt modelId="{22F3FF6B-5BA3-4CF5-BFF7-D5E2FB2AE1F0}" type="pres">
+      <dgm:prSet presAssocID="{3CE2968D-F638-4ED1-BD2F-3F01915010E5}" presName="thickLine" presStyleLbl="alignNode1" presStyleIdx="5" presStyleCnt="7"/>
+      <dgm:spPr/>
+    </dgm:pt>
+    <dgm:pt modelId="{AF0BF4D0-DF9F-48F4-AAAC-4956AC04056A}" type="pres">
+      <dgm:prSet presAssocID="{3CE2968D-F638-4ED1-BD2F-3F01915010E5}" presName="horz1" presStyleCnt="0"/>
+      <dgm:spPr/>
+    </dgm:pt>
+    <dgm:pt modelId="{4527CF99-3B85-465F-B07C-6DC5A6DE2D0D}" type="pres">
+      <dgm:prSet presAssocID="{3CE2968D-F638-4ED1-BD2F-3F01915010E5}" presName="tx1" presStyleLbl="revTx" presStyleIdx="5" presStyleCnt="7"/>
+      <dgm:spPr/>
+    </dgm:pt>
+    <dgm:pt modelId="{286F40DA-5DB9-4762-BB8B-E2179422F157}" type="pres">
+      <dgm:prSet presAssocID="{3CE2968D-F638-4ED1-BD2F-3F01915010E5}" presName="vert1" presStyleCnt="0"/>
+      <dgm:spPr/>
+    </dgm:pt>
+    <dgm:pt modelId="{93277E58-B4A2-40FE-B9C5-E4EFD63CF7B2}" type="pres">
+      <dgm:prSet presAssocID="{C8C83B8B-CA44-4370-881C-76DB3C36AB94}" presName="thickLine" presStyleLbl="alignNode1" presStyleIdx="6" presStyleCnt="7"/>
+      <dgm:spPr/>
+    </dgm:pt>
+    <dgm:pt modelId="{C6DF9714-DA5D-48F3-8B7E-ED968FA78CA2}" type="pres">
+      <dgm:prSet presAssocID="{C8C83B8B-CA44-4370-881C-76DB3C36AB94}" presName="horz1" presStyleCnt="0"/>
+      <dgm:spPr/>
+    </dgm:pt>
+    <dgm:pt modelId="{72C00EB0-52B5-4D45-9894-3F25C9B8B031}" type="pres">
+      <dgm:prSet presAssocID="{C8C83B8B-CA44-4370-881C-76DB3C36AB94}" presName="tx1" presStyleLbl="revTx" presStyleIdx="6" presStyleCnt="7"/>
+      <dgm:spPr/>
+    </dgm:pt>
+    <dgm:pt modelId="{65E9B06D-755F-4128-AFC5-BDB3CC172049}" type="pres">
+      <dgm:prSet presAssocID="{C8C83B8B-CA44-4370-881C-76DB3C36AB94}" presName="vert1" presStyleCnt="0"/>
       <dgm:spPr/>
     </dgm:pt>
   </dgm:ptLst>
   <dgm:cxnLst>
-    <dgm:cxn modelId="{1CA34705-8D7F-4185-9580-915FA87D3B15}" type="presOf" srcId="{3CE2968D-F638-4ED1-BD2F-3F01915010E5}" destId="{158B6BBA-A415-4B86-8BA5-63EDD62C708E}" srcOrd="0" destOrd="0" presId="urn:microsoft.com/office/officeart/2005/8/layout/vList2"/>
-    <dgm:cxn modelId="{93B8D70A-CEC8-406A-89DC-01DC818AA931}" type="presOf" srcId="{4B8EB5C5-A3A2-451E-90F5-97A1C5A3E414}" destId="{24E950DF-D96C-4231-A140-473AB0BE8938}" srcOrd="0" destOrd="0" presId="urn:microsoft.com/office/officeart/2005/8/layout/vList2"/>
-    <dgm:cxn modelId="{21B09F14-3363-41F4-BD99-DD84735E6FF7}" type="presOf" srcId="{B5474BEF-EBBC-400F-B607-E165D7D26DEE}" destId="{8B52EEFA-D34F-46B5-8182-55062DB60CA3}" srcOrd="0" destOrd="0" presId="urn:microsoft.com/office/officeart/2005/8/layout/vList2"/>
-    <dgm:cxn modelId="{960D5D2B-0653-47CF-A7DA-7E17D0619475}" type="presOf" srcId="{C8C83B8B-CA44-4370-881C-76DB3C36AB94}" destId="{FA42934A-C143-4FA3-8C90-1D0AE05F3E4E}" srcOrd="0" destOrd="0" presId="urn:microsoft.com/office/officeart/2005/8/layout/vList2"/>
-    <dgm:cxn modelId="{7576125D-5B1C-4329-9076-A52F49B71AA9}" type="presOf" srcId="{711C6F5A-D91A-46E0-A685-949D8839897C}" destId="{03FAB2AE-E179-4451-920F-9D934D2AF63F}" srcOrd="0" destOrd="0" presId="urn:microsoft.com/office/officeart/2005/8/layout/vList2"/>
-    <dgm:cxn modelId="{D976FE48-8302-4AEC-90BB-151653AB4583}" type="presOf" srcId="{C8FF25D4-37CB-413B-94C1-0296DF45D4FE}" destId="{F943C99D-BA73-46E1-9664-5C2971DDFA44}" srcOrd="0" destOrd="0" presId="urn:microsoft.com/office/officeart/2005/8/layout/vList2"/>
+    <dgm:cxn modelId="{375BEA28-A8EB-4634-97EE-80D13D0D7283}" type="presOf" srcId="{55E742E7-A974-4F2E-9624-5E544C552D5D}" destId="{A220CAC7-0BF1-41A6-ADC1-D56F836B0209}" srcOrd="0" destOrd="0" presId="urn:microsoft.com/office/officeart/2008/layout/LinedList"/>
+    <dgm:cxn modelId="{A8B33730-4D77-4212-A2F3-3960F93CE185}" type="presOf" srcId="{C8FF25D4-37CB-413B-94C1-0296DF45D4FE}" destId="{1D29F97A-A04B-426D-9EC5-9034DE808D6A}" srcOrd="0" destOrd="0" presId="urn:microsoft.com/office/officeart/2008/layout/LinedList"/>
+    <dgm:cxn modelId="{463B553B-8616-4FD1-ABF6-9661E9378785}" type="presOf" srcId="{4B8EB5C5-A3A2-451E-90F5-97A1C5A3E414}" destId="{3A01F449-B4F2-4E85-A714-BDB16BEF6677}" srcOrd="0" destOrd="0" presId="urn:microsoft.com/office/officeart/2008/layout/LinedList"/>
     <dgm:cxn modelId="{5AF0956C-AAE6-4F67-BB2D-F0FCC5118B76}" srcId="{1C733716-810A-430F-9031-C2DDCD33359A}" destId="{3CE2968D-F638-4ED1-BD2F-3F01915010E5}" srcOrd="5" destOrd="0" parTransId="{559146B3-2E85-4EA9-8F9E-9958F12B8864}" sibTransId="{DE945F27-FF11-4ECF-8FEA-6D2F681B1B56}"/>
-    <dgm:cxn modelId="{677AA951-D1EA-49DC-A463-871100EBDBC0}" type="presOf" srcId="{1C733716-810A-430F-9031-C2DDCD33359A}" destId="{A6161D87-0223-4245-8563-D50154C0189B}" srcOrd="0" destOrd="0" presId="urn:microsoft.com/office/officeart/2005/8/layout/vList2"/>
     <dgm:cxn modelId="{E3510E54-338C-43B4-AC6F-E2C639539FB4}" srcId="{1C733716-810A-430F-9031-C2DDCD33359A}" destId="{B5474BEF-EBBC-400F-B607-E165D7D26DEE}" srcOrd="0" destOrd="0" parTransId="{28C1111F-9ACA-471A-B319-28F196A1D401}" sibTransId="{E956195D-9642-4860-A959-5CB926735ABF}"/>
     <dgm:cxn modelId="{AD246D7D-9EB9-48A3-85AC-199254A63E8F}" srcId="{1C733716-810A-430F-9031-C2DDCD33359A}" destId="{C8C83B8B-CA44-4370-881C-76DB3C36AB94}" srcOrd="6" destOrd="0" parTransId="{9E58D535-DCEC-42F3-87A0-7CF653F2E0DC}" sibTransId="{A9E3CF06-259D-4662-8C41-9FABA81995C5}"/>
     <dgm:cxn modelId="{4B1B098D-30BE-4FD9-90F9-6CE97F5F07D1}" srcId="{1C733716-810A-430F-9031-C2DDCD33359A}" destId="{711C6F5A-D91A-46E0-A685-949D8839897C}" srcOrd="3" destOrd="0" parTransId="{69532386-5C0D-40A5-9CB3-3D349CA0FF70}" sibTransId="{E665DBC1-0C5F-400D-8C58-67E21E980150}"/>
-    <dgm:cxn modelId="{FD3E878E-9F27-447F-B1DA-2264CDF64F71}" type="presOf" srcId="{55E742E7-A974-4F2E-9624-5E544C552D5D}" destId="{88D6434B-9F9B-4669-9445-6526E387AFCA}" srcOrd="0" destOrd="0" presId="urn:microsoft.com/office/officeart/2005/8/layout/vList2"/>
     <dgm:cxn modelId="{6E79F3A0-80A1-42AE-AA45-75D9895C6F68}" srcId="{1C733716-810A-430F-9031-C2DDCD33359A}" destId="{55E742E7-A974-4F2E-9624-5E544C552D5D}" srcOrd="1" destOrd="0" parTransId="{9FE64CD5-A1D7-4B9F-BBEE-6AB6665F9F65}" sibTransId="{06D1AC9A-CD0E-4BF5-AE13-4C4E6ABD5ADC}"/>
     <dgm:cxn modelId="{B94B3BA7-84E8-4CA5-9EEA-1594562613B0}" srcId="{1C733716-810A-430F-9031-C2DDCD33359A}" destId="{C8FF25D4-37CB-413B-94C1-0296DF45D4FE}" srcOrd="2" destOrd="0" parTransId="{DA874C70-74FB-441D-9181-1EC853E70E44}" sibTransId="{7D7FBC14-7246-43A6-9B0B-0602451E798A}"/>
+    <dgm:cxn modelId="{4BFE65B4-5163-469A-943C-13DCBBDC0CAA}" type="presOf" srcId="{C8C83B8B-CA44-4370-881C-76DB3C36AB94}" destId="{72C00EB0-52B5-4D45-9894-3F25C9B8B031}" srcOrd="0" destOrd="0" presId="urn:microsoft.com/office/officeart/2008/layout/LinedList"/>
+    <dgm:cxn modelId="{CA3FBCBE-9D7F-4728-B612-5893D06776B7}" type="presOf" srcId="{711C6F5A-D91A-46E0-A685-949D8839897C}" destId="{11371894-20BD-44E3-86C2-1A20F3B5284A}" srcOrd="0" destOrd="0" presId="urn:microsoft.com/office/officeart/2008/layout/LinedList"/>
     <dgm:cxn modelId="{6EB732C6-1218-4ADC-B8AB-CFEF31492F6D}" srcId="{1C733716-810A-430F-9031-C2DDCD33359A}" destId="{4B8EB5C5-A3A2-451E-90F5-97A1C5A3E414}" srcOrd="4" destOrd="0" parTransId="{86C623B7-D842-47FD-8F76-518E9E3BB40A}" sibTransId="{CF0B5211-688B-495E-A025-BB99EB2A56EE}"/>
-    <dgm:cxn modelId="{06A3DFD0-0BCE-4DF7-8A51-738E3E6069FC}" type="presParOf" srcId="{A6161D87-0223-4245-8563-D50154C0189B}" destId="{8B52EEFA-D34F-46B5-8182-55062DB60CA3}" srcOrd="0" destOrd="0" presId="urn:microsoft.com/office/officeart/2005/8/layout/vList2"/>
-    <dgm:cxn modelId="{15ABF9BF-AF7C-4654-9A9C-AD72FC0F62E1}" type="presParOf" srcId="{A6161D87-0223-4245-8563-D50154C0189B}" destId="{27586E9C-673C-4308-828C-CCC2BC6582E7}" srcOrd="1" destOrd="0" presId="urn:microsoft.com/office/officeart/2005/8/layout/vList2"/>
-    <dgm:cxn modelId="{1A392855-EF60-4977-BC2A-B1BBF2F989CA}" type="presParOf" srcId="{A6161D87-0223-4245-8563-D50154C0189B}" destId="{88D6434B-9F9B-4669-9445-6526E387AFCA}" srcOrd="2" destOrd="0" presId="urn:microsoft.com/office/officeart/2005/8/layout/vList2"/>
-    <dgm:cxn modelId="{99551277-6125-439B-80CF-1155A71CBA5D}" type="presParOf" srcId="{A6161D87-0223-4245-8563-D50154C0189B}" destId="{1BFF1431-8EC3-499D-A238-342C049E8C25}" srcOrd="3" destOrd="0" presId="urn:microsoft.com/office/officeart/2005/8/layout/vList2"/>
-    <dgm:cxn modelId="{9ED0EDB8-9EF1-46F4-9B6F-0B6ACBDFEF05}" type="presParOf" srcId="{A6161D87-0223-4245-8563-D50154C0189B}" destId="{F943C99D-BA73-46E1-9664-5C2971DDFA44}" srcOrd="4" destOrd="0" presId="urn:microsoft.com/office/officeart/2005/8/layout/vList2"/>
-    <dgm:cxn modelId="{F4936304-91B8-421B-8CA2-5FEDDEBFC4AB}" type="presParOf" srcId="{A6161D87-0223-4245-8563-D50154C0189B}" destId="{240F49CF-8DF8-4F62-A045-8108C041F83F}" srcOrd="5" destOrd="0" presId="urn:microsoft.com/office/officeart/2005/8/layout/vList2"/>
-    <dgm:cxn modelId="{17F10590-4EF7-482A-8253-2830723F46F3}" type="presParOf" srcId="{A6161D87-0223-4245-8563-D50154C0189B}" destId="{03FAB2AE-E179-4451-920F-9D934D2AF63F}" srcOrd="6" destOrd="0" presId="urn:microsoft.com/office/officeart/2005/8/layout/vList2"/>
-    <dgm:cxn modelId="{DD095316-950A-4BEA-AD02-F35FFB65411C}" type="presParOf" srcId="{A6161D87-0223-4245-8563-D50154C0189B}" destId="{A7ADCE94-5B33-44D9-9E55-C6569B795E97}" srcOrd="7" destOrd="0" presId="urn:microsoft.com/office/officeart/2005/8/layout/vList2"/>
-    <dgm:cxn modelId="{5E939B61-FA25-4FB2-92C1-230400B4A249}" type="presParOf" srcId="{A6161D87-0223-4245-8563-D50154C0189B}" destId="{24E950DF-D96C-4231-A140-473AB0BE8938}" srcOrd="8" destOrd="0" presId="urn:microsoft.com/office/officeart/2005/8/layout/vList2"/>
-    <dgm:cxn modelId="{28A81391-7B08-4FEB-8792-FA73E10BF47A}" type="presParOf" srcId="{A6161D87-0223-4245-8563-D50154C0189B}" destId="{5BB6953D-0CB8-489F-8D50-C883000B9AF4}" srcOrd="9" destOrd="0" presId="urn:microsoft.com/office/officeart/2005/8/layout/vList2"/>
-    <dgm:cxn modelId="{13DBBDBA-45DA-4493-B44A-F64DCAA805CB}" type="presParOf" srcId="{A6161D87-0223-4245-8563-D50154C0189B}" destId="{158B6BBA-A415-4B86-8BA5-63EDD62C708E}" srcOrd="10" destOrd="0" presId="urn:microsoft.com/office/officeart/2005/8/layout/vList2"/>
-    <dgm:cxn modelId="{FB823277-BA5A-4234-85C3-884831A4ED19}" type="presParOf" srcId="{A6161D87-0223-4245-8563-D50154C0189B}" destId="{F42D5087-E5EF-42BA-AE9A-7B2C8C9FCD44}" srcOrd="11" destOrd="0" presId="urn:microsoft.com/office/officeart/2005/8/layout/vList2"/>
-    <dgm:cxn modelId="{AE13914C-5599-4CAD-A9A4-E0330C524002}" type="presParOf" srcId="{A6161D87-0223-4245-8563-D50154C0189B}" destId="{FA42934A-C143-4FA3-8C90-1D0AE05F3E4E}" srcOrd="12" destOrd="0" presId="urn:microsoft.com/office/officeart/2005/8/layout/vList2"/>
+    <dgm:cxn modelId="{D589D7C7-5CE1-45F7-9F99-D329F1DE265E}" type="presOf" srcId="{1C733716-810A-430F-9031-C2DDCD33359A}" destId="{7E988CC0-34DD-40B0-B7D9-6EFEB4F3633E}" srcOrd="0" destOrd="0" presId="urn:microsoft.com/office/officeart/2008/layout/LinedList"/>
+    <dgm:cxn modelId="{F7DBCDFA-E6AE-4860-A7B7-16B2707A61AD}" type="presOf" srcId="{B5474BEF-EBBC-400F-B607-E165D7D26DEE}" destId="{74E26BB6-432E-43D2-8C67-409CEAFFEFD4}" srcOrd="0" destOrd="0" presId="urn:microsoft.com/office/officeart/2008/layout/LinedList"/>
+    <dgm:cxn modelId="{A706CFFA-560D-430A-983B-7EE5091B32CA}" type="presOf" srcId="{3CE2968D-F638-4ED1-BD2F-3F01915010E5}" destId="{4527CF99-3B85-465F-B07C-6DC5A6DE2D0D}" srcOrd="0" destOrd="0" presId="urn:microsoft.com/office/officeart/2008/layout/LinedList"/>
+    <dgm:cxn modelId="{E737BF65-0E1C-48E8-B857-22C99BC895FA}" type="presParOf" srcId="{7E988CC0-34DD-40B0-B7D9-6EFEB4F3633E}" destId="{89ECECB4-6B1C-42F0-A7EC-4F53BB0C4254}" srcOrd="0" destOrd="0" presId="urn:microsoft.com/office/officeart/2008/layout/LinedList"/>
+    <dgm:cxn modelId="{AF5F31BB-769B-4BA2-B173-F8B7AE4B132E}" type="presParOf" srcId="{7E988CC0-34DD-40B0-B7D9-6EFEB4F3633E}" destId="{605D76BE-9DA6-4573-8172-EDC181E99F90}" srcOrd="1" destOrd="0" presId="urn:microsoft.com/office/officeart/2008/layout/LinedList"/>
+    <dgm:cxn modelId="{B3B871A1-30A6-4BEA-98D4-579386EF36D1}" type="presParOf" srcId="{605D76BE-9DA6-4573-8172-EDC181E99F90}" destId="{74E26BB6-432E-43D2-8C67-409CEAFFEFD4}" srcOrd="0" destOrd="0" presId="urn:microsoft.com/office/officeart/2008/layout/LinedList"/>
+    <dgm:cxn modelId="{099969DF-B8B9-4220-95DF-08C6835E2A15}" type="presParOf" srcId="{605D76BE-9DA6-4573-8172-EDC181E99F90}" destId="{62B151A0-98B0-4358-A14B-8814BD9D0562}" srcOrd="1" destOrd="0" presId="urn:microsoft.com/office/officeart/2008/layout/LinedList"/>
+    <dgm:cxn modelId="{E732A9B9-A5D7-4BEE-8998-B5CF698CD035}" type="presParOf" srcId="{7E988CC0-34DD-40B0-B7D9-6EFEB4F3633E}" destId="{0B35C4E7-DF61-494F-80CC-F8FC21FE68BD}" srcOrd="2" destOrd="0" presId="urn:microsoft.com/office/officeart/2008/layout/LinedList"/>
+    <dgm:cxn modelId="{466135BF-A46F-459F-A50D-5A5A4D52E9BE}" type="presParOf" srcId="{7E988CC0-34DD-40B0-B7D9-6EFEB4F3633E}" destId="{354F0575-19FC-4AF9-B252-36EA859D97A4}" srcOrd="3" destOrd="0" presId="urn:microsoft.com/office/officeart/2008/layout/LinedList"/>
+    <dgm:cxn modelId="{4A98208D-E206-41D0-908C-A70E2DA04E33}" type="presParOf" srcId="{354F0575-19FC-4AF9-B252-36EA859D97A4}" destId="{A220CAC7-0BF1-41A6-ADC1-D56F836B0209}" srcOrd="0" destOrd="0" presId="urn:microsoft.com/office/officeart/2008/layout/LinedList"/>
+    <dgm:cxn modelId="{EEB6F243-F318-4A94-A205-8DE240C63F1D}" type="presParOf" srcId="{354F0575-19FC-4AF9-B252-36EA859D97A4}" destId="{0DD36275-C169-4F7F-8FEB-473BEAC490B6}" srcOrd="1" destOrd="0" presId="urn:microsoft.com/office/officeart/2008/layout/LinedList"/>
+    <dgm:cxn modelId="{E7903018-9CE0-4991-9CED-7E27FCD061FB}" type="presParOf" srcId="{7E988CC0-34DD-40B0-B7D9-6EFEB4F3633E}" destId="{4135F699-F5D6-46AB-9D49-00C4963DEE61}" srcOrd="4" destOrd="0" presId="urn:microsoft.com/office/officeart/2008/layout/LinedList"/>
+    <dgm:cxn modelId="{D2D8822D-4379-467B-ABA6-FA16EDE72AF2}" type="presParOf" srcId="{7E988CC0-34DD-40B0-B7D9-6EFEB4F3633E}" destId="{30DB249C-1818-4F7E-B8F8-82553810093A}" srcOrd="5" destOrd="0" presId="urn:microsoft.com/office/officeart/2008/layout/LinedList"/>
+    <dgm:cxn modelId="{9AFC9495-39A4-48DA-BF3C-4A2DE8D36244}" type="presParOf" srcId="{30DB249C-1818-4F7E-B8F8-82553810093A}" destId="{1D29F97A-A04B-426D-9EC5-9034DE808D6A}" srcOrd="0" destOrd="0" presId="urn:microsoft.com/office/officeart/2008/layout/LinedList"/>
+    <dgm:cxn modelId="{FD5C3D71-B5B1-4AD8-A825-B8B28F285AB6}" type="presParOf" srcId="{30DB249C-1818-4F7E-B8F8-82553810093A}" destId="{4D2FA27A-F8E0-41BB-BC2B-2F93449673FD}" srcOrd="1" destOrd="0" presId="urn:microsoft.com/office/officeart/2008/layout/LinedList"/>
+    <dgm:cxn modelId="{79112397-7413-499C-80C6-20153B1BD4FE}" type="presParOf" srcId="{7E988CC0-34DD-40B0-B7D9-6EFEB4F3633E}" destId="{74158071-08E9-4CD4-9989-DAD8B2D11358}" srcOrd="6" destOrd="0" presId="urn:microsoft.com/office/officeart/2008/layout/LinedList"/>
+    <dgm:cxn modelId="{C224DDF9-216C-4C64-B217-EF3F00ED16CF}" type="presParOf" srcId="{7E988CC0-34DD-40B0-B7D9-6EFEB4F3633E}" destId="{EFF037F9-B067-4648-A859-7641B5589BF5}" srcOrd="7" destOrd="0" presId="urn:microsoft.com/office/officeart/2008/layout/LinedList"/>
+    <dgm:cxn modelId="{17158A39-5ED9-4D2A-AE51-9016FDCA0037}" type="presParOf" srcId="{EFF037F9-B067-4648-A859-7641B5589BF5}" destId="{11371894-20BD-44E3-86C2-1A20F3B5284A}" srcOrd="0" destOrd="0" presId="urn:microsoft.com/office/officeart/2008/layout/LinedList"/>
+    <dgm:cxn modelId="{D670C765-F222-4ECB-9EB2-9092F8CA7C2B}" type="presParOf" srcId="{EFF037F9-B067-4648-A859-7641B5589BF5}" destId="{11419B4E-E466-4BFD-8714-CDBA2D3858A5}" srcOrd="1" destOrd="0" presId="urn:microsoft.com/office/officeart/2008/layout/LinedList"/>
+    <dgm:cxn modelId="{1FF5C1CF-5269-4A79-B42E-B87B8281AB19}" type="presParOf" srcId="{7E988CC0-34DD-40B0-B7D9-6EFEB4F3633E}" destId="{00283C74-2B8B-4B13-B18E-BDBCCD1BE9BE}" srcOrd="8" destOrd="0" presId="urn:microsoft.com/office/officeart/2008/layout/LinedList"/>
+    <dgm:cxn modelId="{4D74AB86-10EC-4953-8DC6-D6DA5229D0B9}" type="presParOf" srcId="{7E988CC0-34DD-40B0-B7D9-6EFEB4F3633E}" destId="{0245719E-F881-4207-9383-A7B098F70818}" srcOrd="9" destOrd="0" presId="urn:microsoft.com/office/officeart/2008/layout/LinedList"/>
+    <dgm:cxn modelId="{81B7731F-1EA2-4FB8-8A42-EDDB992BAD80}" type="presParOf" srcId="{0245719E-F881-4207-9383-A7B098F70818}" destId="{3A01F449-B4F2-4E85-A714-BDB16BEF6677}" srcOrd="0" destOrd="0" presId="urn:microsoft.com/office/officeart/2008/layout/LinedList"/>
+    <dgm:cxn modelId="{D2DCD81B-F264-4D10-AC84-B59BB9823909}" type="presParOf" srcId="{0245719E-F881-4207-9383-A7B098F70818}" destId="{374B60BE-9446-4293-AC1E-7CAB45BF82B8}" srcOrd="1" destOrd="0" presId="urn:microsoft.com/office/officeart/2008/layout/LinedList"/>
+    <dgm:cxn modelId="{D6E624FD-F3E2-497B-ACB6-232377A2E9DF}" type="presParOf" srcId="{7E988CC0-34DD-40B0-B7D9-6EFEB4F3633E}" destId="{22F3FF6B-5BA3-4CF5-BFF7-D5E2FB2AE1F0}" srcOrd="10" destOrd="0" presId="urn:microsoft.com/office/officeart/2008/layout/LinedList"/>
+    <dgm:cxn modelId="{76F5BF09-F49B-4ACB-8812-F8D6CFE56969}" type="presParOf" srcId="{7E988CC0-34DD-40B0-B7D9-6EFEB4F3633E}" destId="{AF0BF4D0-DF9F-48F4-AAAC-4956AC04056A}" srcOrd="11" destOrd="0" presId="urn:microsoft.com/office/officeart/2008/layout/LinedList"/>
+    <dgm:cxn modelId="{7076B224-1696-4E67-B57D-D925AFEB6726}" type="presParOf" srcId="{AF0BF4D0-DF9F-48F4-AAAC-4956AC04056A}" destId="{4527CF99-3B85-465F-B07C-6DC5A6DE2D0D}" srcOrd="0" destOrd="0" presId="urn:microsoft.com/office/officeart/2008/layout/LinedList"/>
+    <dgm:cxn modelId="{1BFDEC37-0105-4B49-8B01-423EADD14343}" type="presParOf" srcId="{AF0BF4D0-DF9F-48F4-AAAC-4956AC04056A}" destId="{286F40DA-5DB9-4762-BB8B-E2179422F157}" srcOrd="1" destOrd="0" presId="urn:microsoft.com/office/officeart/2008/layout/LinedList"/>
+    <dgm:cxn modelId="{B1B250BF-C8AA-4CF7-A266-3242BECA5CAB}" type="presParOf" srcId="{7E988CC0-34DD-40B0-B7D9-6EFEB4F3633E}" destId="{93277E58-B4A2-40FE-B9C5-E4EFD63CF7B2}" srcOrd="12" destOrd="0" presId="urn:microsoft.com/office/officeart/2008/layout/LinedList"/>
+    <dgm:cxn modelId="{186B73E7-E207-4AFB-A6ED-A6439DE98FEE}" type="presParOf" srcId="{7E988CC0-34DD-40B0-B7D9-6EFEB4F3633E}" destId="{C6DF9714-DA5D-48F3-8B7E-ED968FA78CA2}" srcOrd="13" destOrd="0" presId="urn:microsoft.com/office/officeart/2008/layout/LinedList"/>
+    <dgm:cxn modelId="{E6D641B2-A5C2-47EF-B856-C7BE85EF5078}" type="presParOf" srcId="{C6DF9714-DA5D-48F3-8B7E-ED968FA78CA2}" destId="{72C00EB0-52B5-4D45-9894-3F25C9B8B031}" srcOrd="0" destOrd="0" presId="urn:microsoft.com/office/officeart/2008/layout/LinedList"/>
+    <dgm:cxn modelId="{E2C88371-54DA-4C21-8967-2391524964C2}" type="presParOf" srcId="{C6DF9714-DA5D-48F3-8B7E-ED968FA78CA2}" destId="{65E9B06D-755F-4128-AFC5-BDB3CC172049}" srcOrd="1" destOrd="0" presId="urn:microsoft.com/office/officeart/2008/layout/LinedList"/>
   </dgm:cxnLst>
   <dgm:bg/>
   <dgm:whole/>
@@ -2191,7 +2256,7 @@
 <dgm:dataModel xmlns:dgm="http://schemas.openxmlformats.org/drawingml/2006/diagram" xmlns:a="http://schemas.openxmlformats.org/drawingml/2006/main">
   <dgm:ptLst>
     <dgm:pt modelId="{3EE7B83D-68E5-48A7-B3A1-AD827FBD1DF2}" type="doc">
-      <dgm:prSet loTypeId="urn:microsoft.com/office/officeart/2005/8/layout/vList2" loCatId="list" qsTypeId="urn:microsoft.com/office/officeart/2005/8/quickstyle/simple1" qsCatId="simple" csTypeId="urn:microsoft.com/office/officeart/2005/8/colors/colorful2" csCatId="colorful" phldr="1"/>
+      <dgm:prSet loTypeId="urn:microsoft.com/office/officeart/2008/layout/LinedList" loCatId="list" qsTypeId="urn:microsoft.com/office/officeart/2005/8/quickstyle/simple1" qsCatId="simple" csTypeId="urn:microsoft.com/office/officeart/2005/8/colors/colorful1" csCatId="colorful" phldr="1"/>
       <dgm:spPr/>
       <dgm:t>
         <a:bodyPr/>
@@ -2209,35 +2274,15 @@
         <a:lstStyle/>
         <a:p>
           <a:r>
-            <a:rPr lang="en-US" b="1" dirty="0">
-              <a:solidFill>
-                <a:schemeClr val="tx1"/>
-              </a:solidFill>
-            </a:rPr>
-            <a:t>Linear Regression </a:t>
+            <a:rPr lang="en-US" dirty="0"/>
+            <a:t>Linear Regression was used to analyze the strength of the relationship between certain features and our Diagnosis – Also used </a:t>
           </a:r>
           <a:r>
-            <a:rPr lang="en-US" dirty="0">
-              <a:solidFill>
-                <a:schemeClr val="tx1"/>
-              </a:solidFill>
-            </a:rPr>
-            <a:t>was used to analyze the strength of the relationship between certain features and our Diagnosis – Also used </a:t>
-          </a:r>
-          <a:r>
-            <a:rPr lang="en-US" dirty="0" err="1">
-              <a:solidFill>
-                <a:schemeClr val="tx1"/>
-              </a:solidFill>
-            </a:rPr>
+            <a:rPr lang="en-US" dirty="0" err="1"/>
             <a:t>Cramérs</a:t>
           </a:r>
           <a:r>
-            <a:rPr lang="en-US" dirty="0">
-              <a:solidFill>
-                <a:schemeClr val="tx1"/>
-              </a:solidFill>
-            </a:rPr>
+            <a:rPr lang="en-US" dirty="0"/>
             <a:t> V </a:t>
           </a:r>
         </a:p>
@@ -2273,11 +2318,7 @@
         <a:lstStyle/>
         <a:p>
           <a:r>
-            <a:rPr lang="en-US" dirty="0">
-              <a:solidFill>
-                <a:schemeClr val="tx1"/>
-              </a:solidFill>
-            </a:rPr>
+            <a:rPr lang="en-US" dirty="0"/>
             <a:t>Had good results we could see which features were positively correlated with a diagnosis value and the strength of this correlation</a:t>
           </a:r>
         </a:p>
@@ -2313,36 +2354,8 @@
         <a:lstStyle/>
         <a:p>
           <a:r>
-            <a:rPr lang="en-US" b="1" dirty="0">
-              <a:solidFill>
-                <a:schemeClr val="tx1"/>
-              </a:solidFill>
-            </a:rPr>
-            <a:t>K Means </a:t>
-          </a:r>
-          <a:r>
-            <a:rPr lang="en-US" dirty="0">
-              <a:solidFill>
-                <a:schemeClr val="tx1"/>
-              </a:solidFill>
-            </a:rPr>
-            <a:t>– Performed fairly well with </a:t>
-          </a:r>
-          <a:r>
-            <a:rPr lang="en-US" b="1" dirty="0">
-              <a:solidFill>
-                <a:schemeClr val="tx1"/>
-              </a:solidFill>
-            </a:rPr>
-            <a:t>86% </a:t>
-          </a:r>
-          <a:r>
-            <a:rPr lang="en-US" dirty="0">
-              <a:solidFill>
-                <a:schemeClr val="tx1"/>
-              </a:solidFill>
-            </a:rPr>
-            <a:t>accuracy</a:t>
+            <a:rPr lang="en-US" dirty="0"/>
+            <a:t>K Means – Performed fairly well with 86% accuracy</a:t>
           </a:r>
         </a:p>
       </dgm:t>
@@ -2377,36 +2390,18 @@
         <a:lstStyle/>
         <a:p>
           <a:r>
-            <a:rPr lang="en-US" b="1" dirty="0">
-              <a:solidFill>
-                <a:schemeClr val="tx1"/>
-              </a:solidFill>
-            </a:rPr>
-            <a:t>KNN </a:t>
+            <a:rPr lang="en-US" dirty="0"/>
+            <a:t>KNN – Performed better than </a:t>
           </a:r>
           <a:r>
             <a:rPr lang="en-US" dirty="0">
-              <a:solidFill>
-                <a:schemeClr val="tx1"/>
-              </a:solidFill>
+              <a:latin typeface="Sitka Banner"/>
             </a:rPr>
-            <a:t>– Performed better than KNN with </a:t>
+            <a:t>KMeans</a:t>
           </a:r>
           <a:r>
-            <a:rPr lang="en-US" b="1" dirty="0">
-              <a:solidFill>
-                <a:schemeClr val="tx1"/>
-              </a:solidFill>
-            </a:rPr>
-            <a:t>91% </a:t>
-          </a:r>
-          <a:r>
-            <a:rPr lang="en-US" dirty="0">
-              <a:solidFill>
-                <a:schemeClr val="tx1"/>
-              </a:solidFill>
-            </a:rPr>
-            <a:t>accuracy</a:t>
+            <a:rPr lang="en-US" dirty="0"/>
+            <a:t> with 91% accuracy</a:t>
           </a:r>
         </a:p>
       </dgm:t>
@@ -2441,36 +2436,18 @@
         <a:lstStyle/>
         <a:p>
           <a:r>
-            <a:rPr lang="en-US" b="1" dirty="0">
-              <a:solidFill>
-                <a:schemeClr val="tx1"/>
-              </a:solidFill>
-            </a:rPr>
-            <a:t>Gaussian Naïve Bayes </a:t>
+            <a:rPr lang="en-US" dirty="0"/>
+            <a:t>Gaussian Naïve Bayes – without smoothing or scaling had 90% accuracy on </a:t>
           </a:r>
           <a:r>
             <a:rPr lang="en-US" dirty="0">
-              <a:solidFill>
-                <a:schemeClr val="tx1"/>
-              </a:solidFill>
+              <a:latin typeface="Sitka Banner"/>
             </a:rPr>
-            <a:t>– without smoothing or scaling had </a:t>
+            <a:t>test-set</a:t>
           </a:r>
           <a:r>
-            <a:rPr lang="en-US" b="1" dirty="0">
-              <a:solidFill>
-                <a:schemeClr val="tx1"/>
-              </a:solidFill>
-            </a:rPr>
-            <a:t>90% </a:t>
-          </a:r>
-          <a:r>
-            <a:rPr lang="en-US" dirty="0">
-              <a:solidFill>
-                <a:schemeClr val="tx1"/>
-              </a:solidFill>
-            </a:rPr>
-            <a:t>accuracy on test set </a:t>
+            <a:rPr lang="en-US" dirty="0"/>
+            <a:t> </a:t>
           </a:r>
         </a:p>
       </dgm:t>
@@ -2506,36 +2483,8 @@
         <a:p>
           <a:pPr rtl="0"/>
           <a:r>
-            <a:rPr lang="en-US" b="1" dirty="0">
-              <a:solidFill>
-                <a:schemeClr val="tx1"/>
-              </a:solidFill>
-            </a:rPr>
-            <a:t>Gaussian Naïve Bayes </a:t>
-          </a:r>
-          <a:r>
-            <a:rPr lang="en-US" dirty="0">
-              <a:solidFill>
-                <a:schemeClr val="tx1"/>
-              </a:solidFill>
-            </a:rPr>
-            <a:t>with scaling had around a </a:t>
-          </a:r>
-          <a:r>
-            <a:rPr lang="en-US" b="1" dirty="0">
-              <a:solidFill>
-                <a:schemeClr val="tx1"/>
-              </a:solidFill>
-            </a:rPr>
-            <a:t>91% </a:t>
-          </a:r>
-          <a:r>
-            <a:rPr lang="en-US" dirty="0">
-              <a:solidFill>
-                <a:schemeClr val="tx1"/>
-              </a:solidFill>
-            </a:rPr>
-            <a:t>accuracy rate – not much improvement</a:t>
+            <a:rPr lang="en-US" dirty="0"/>
+            <a:t>Gaussian Naïve Bayes with scaling had around a 91% accuracy rate – not much improvement</a:t>
           </a:r>
         </a:p>
       </dgm:t>
@@ -2543,13 +2492,6 @@
     <dgm:pt modelId="{693ADC96-C472-4100-B35E-55680AF2F24F}" type="parTrans" cxnId="{CF17F852-25AC-47E3-BE78-40C970747AF8}">
       <dgm:prSet/>
       <dgm:spPr/>
-      <dgm:t>
-        <a:bodyPr/>
-        <a:lstStyle/>
-        <a:p>
-          <a:endParaRPr lang="en-IE"/>
-        </a:p>
-      </dgm:t>
     </dgm:pt>
     <dgm:pt modelId="{CDF363D5-8BFC-463F-9F06-CCE91EB57989}" type="sibTrans" cxnId="{CF17F852-25AC-47E3-BE78-40C970747AF8}">
       <dgm:prSet/>
@@ -2558,7 +2500,7 @@
         <a:bodyPr/>
         <a:lstStyle/>
         <a:p>
-          <a:endParaRPr lang="en-IE"/>
+          <a:endParaRPr lang="en-US"/>
         </a:p>
       </dgm:t>
     </dgm:pt>
@@ -2570,60 +2512,8 @@
         <a:lstStyle/>
         <a:p>
           <a:r>
-            <a:rPr lang="en-US" dirty="0">
-              <a:solidFill>
-                <a:schemeClr val="tx1"/>
-              </a:solidFill>
-            </a:rPr>
-            <a:t>Most of our </a:t>
-          </a:r>
-          <a:r>
-            <a:rPr lang="en-US" b="1" dirty="0">
-              <a:solidFill>
-                <a:schemeClr val="tx1"/>
-              </a:solidFill>
-            </a:rPr>
-            <a:t>Decision Tree </a:t>
-          </a:r>
-          <a:r>
-            <a:rPr lang="en-US" dirty="0">
-              <a:solidFill>
-                <a:schemeClr val="tx1"/>
-              </a:solidFill>
-            </a:rPr>
-            <a:t>and </a:t>
-          </a:r>
-          <a:r>
-            <a:rPr lang="en-US" b="1" dirty="0">
-              <a:solidFill>
-                <a:schemeClr val="tx1"/>
-              </a:solidFill>
-            </a:rPr>
-            <a:t>Random Forest </a:t>
-          </a:r>
-          <a:r>
-            <a:rPr lang="en-US" dirty="0">
-              <a:solidFill>
-                <a:schemeClr val="tx1"/>
-              </a:solidFill>
-            </a:rPr>
-            <a:t>models had a had high degree of  accuracy. However with our smaller dataset we must consider the possibility of </a:t>
-          </a:r>
-          <a:r>
-            <a:rPr lang="en-US" b="1" dirty="0">
-              <a:solidFill>
-                <a:schemeClr val="tx1"/>
-              </a:solidFill>
-            </a:rPr>
-            <a:t>over fitting</a:t>
-          </a:r>
-          <a:r>
-            <a:rPr lang="en-US" dirty="0">
-              <a:solidFill>
-                <a:schemeClr val="tx1"/>
-              </a:solidFill>
-            </a:rPr>
-            <a:t>.</a:t>
+            <a:rPr lang="en-US" dirty="0"/>
+            <a:t>Decision Tree model had an accuracy of 93%</a:t>
           </a:r>
         </a:p>
       </dgm:t>
@@ -2631,13 +2521,6 @@
     <dgm:pt modelId="{F1750691-D488-485C-84EE-75903342ED3A}" type="parTrans" cxnId="{28B9A3DD-C96C-4231-AA82-7948ECC10E87}">
       <dgm:prSet/>
       <dgm:spPr/>
-      <dgm:t>
-        <a:bodyPr/>
-        <a:lstStyle/>
-        <a:p>
-          <a:endParaRPr lang="en-IE"/>
-        </a:p>
-      </dgm:t>
     </dgm:pt>
     <dgm:pt modelId="{BB3532AF-B99D-44C2-A1C0-5C14E513AE75}" type="sibTrans" cxnId="{28B9A3DD-C96C-4231-AA82-7948ECC10E87}">
       <dgm:prSet/>
@@ -2646,7 +2529,36 @@
         <a:bodyPr/>
         <a:lstStyle/>
         <a:p>
-          <a:endParaRPr lang="en-IE"/>
+          <a:endParaRPr lang="en-US"/>
+        </a:p>
+      </dgm:t>
+    </dgm:pt>
+    <dgm:pt modelId="{DE52EBBD-C1E0-478B-BC4B-6BD410BC4878}">
+      <dgm:prSet phldr="0"/>
+      <dgm:spPr/>
+      <dgm:t>
+        <a:bodyPr/>
+        <a:lstStyle/>
+        <a:p>
+          <a:r>
+            <a:rPr lang="en-US" dirty="0"/>
+            <a:t>Random forest had around the same degree of accuracy</a:t>
+          </a:r>
+        </a:p>
+      </dgm:t>
+    </dgm:pt>
+    <dgm:pt modelId="{CE7CB06A-1CBB-466A-AE92-2DEA75E62EEF}" type="parTrans" cxnId="{E491F7AD-AFDA-4D7E-8318-11FB183E748A}">
+      <dgm:prSet/>
+      <dgm:spPr/>
+    </dgm:pt>
+    <dgm:pt modelId="{690E5620-AA24-4C80-8B47-D7C40C422B14}" type="sibTrans" cxnId="{E491F7AD-AFDA-4D7E-8318-11FB183E748A}">
+      <dgm:prSet/>
+      <dgm:spPr/>
+      <dgm:t>
+        <a:bodyPr/>
+        <a:lstStyle/>
+        <a:p>
+          <a:endParaRPr lang="en-US"/>
         </a:p>
       </dgm:t>
     </dgm:pt>
@@ -2658,36 +2570,8 @@
         <a:lstStyle/>
         <a:p>
           <a:r>
-            <a:rPr lang="en-US" b="1" dirty="0">
-              <a:solidFill>
-                <a:schemeClr val="tx1"/>
-              </a:solidFill>
-            </a:rPr>
-            <a:t>Entropy Forest </a:t>
-          </a:r>
-          <a:r>
-            <a:rPr lang="en-US" dirty="0">
-              <a:solidFill>
-                <a:schemeClr val="tx1"/>
-              </a:solidFill>
-            </a:rPr>
-            <a:t>had </a:t>
-          </a:r>
-          <a:r>
-            <a:rPr lang="en-US" b="1" dirty="0">
-              <a:solidFill>
-                <a:schemeClr val="tx1"/>
-              </a:solidFill>
-            </a:rPr>
-            <a:t>90% </a:t>
-          </a:r>
-          <a:r>
-            <a:rPr lang="en-US" dirty="0">
-              <a:solidFill>
-                <a:schemeClr val="tx1"/>
-              </a:solidFill>
-            </a:rPr>
-            <a:t>accuracy</a:t>
+            <a:rPr lang="en-US" dirty="0"/>
+            <a:t>Entropy Forest had 90% accuracy</a:t>
           </a:r>
         </a:p>
       </dgm:t>
@@ -2695,13 +2579,6 @@
     <dgm:pt modelId="{D27414C6-8AE2-40C3-8874-D65204A2849B}" type="parTrans" cxnId="{8EE6ED61-BD94-45FD-AA8B-B35DAE78D4D0}">
       <dgm:prSet/>
       <dgm:spPr/>
-      <dgm:t>
-        <a:bodyPr/>
-        <a:lstStyle/>
-        <a:p>
-          <a:endParaRPr lang="en-IE"/>
-        </a:p>
-      </dgm:t>
     </dgm:pt>
     <dgm:pt modelId="{1F33AD0D-6878-47B9-8649-1A5B4EEB2FEE}" type="sibTrans" cxnId="{8EE6ED61-BD94-45FD-AA8B-B35DAE78D4D0}">
       <dgm:prSet/>
@@ -2710,7 +2587,7 @@
         <a:bodyPr/>
         <a:lstStyle/>
         <a:p>
-          <a:endParaRPr lang="en-IE"/>
+          <a:endParaRPr lang="en-US"/>
         </a:p>
       </dgm:t>
     </dgm:pt>
@@ -2722,28 +2599,18 @@
         <a:lstStyle/>
         <a:p>
           <a:r>
-            <a:rPr lang="en-US" b="1" dirty="0">
-              <a:solidFill>
-                <a:schemeClr val="tx1"/>
-              </a:solidFill>
-            </a:rPr>
-            <a:t>PCA Gini Tree </a:t>
+            <a:rPr lang="en-US" dirty="0"/>
+            <a:t>PCA Gini Tree had an accuracy of </a:t>
           </a:r>
           <a:r>
             <a:rPr lang="en-US" dirty="0">
-              <a:solidFill>
-                <a:schemeClr val="tx1"/>
-              </a:solidFill>
+              <a:latin typeface="Sitka Banner"/>
             </a:rPr>
-            <a:t>had an accuracy of </a:t>
+            <a:t>94</a:t>
           </a:r>
           <a:r>
-            <a:rPr lang="en-US" b="1" dirty="0">
-              <a:solidFill>
-                <a:schemeClr val="tx1"/>
-              </a:solidFill>
-            </a:rPr>
-            <a:t>94%</a:t>
+            <a:rPr lang="en-US" dirty="0"/>
+            <a:t>%</a:t>
           </a:r>
         </a:p>
       </dgm:t>
@@ -2751,13 +2618,6 @@
     <dgm:pt modelId="{04C42A93-ABE6-4076-9BBA-067045C459E4}" type="parTrans" cxnId="{52E5D04C-7D88-4D38-8633-04E010576728}">
       <dgm:prSet/>
       <dgm:spPr/>
-      <dgm:t>
-        <a:bodyPr/>
-        <a:lstStyle/>
-        <a:p>
-          <a:endParaRPr lang="en-IE"/>
-        </a:p>
-      </dgm:t>
     </dgm:pt>
     <dgm:pt modelId="{6B1B8048-35B4-4914-B9B1-A4AFF2951783}" type="sibTrans" cxnId="{52E5D04C-7D88-4D38-8633-04E010576728}">
       <dgm:prSet/>
@@ -2766,7 +2626,7 @@
         <a:bodyPr/>
         <a:lstStyle/>
         <a:p>
-          <a:endParaRPr lang="en-IE"/>
+          <a:endParaRPr lang="en-US"/>
         </a:p>
       </dgm:t>
     </dgm:pt>
@@ -2778,28 +2638,18 @@
         <a:lstStyle/>
         <a:p>
           <a:r>
-            <a:rPr lang="en-US" b="1" dirty="0">
-              <a:solidFill>
-                <a:schemeClr val="tx1"/>
-              </a:solidFill>
-            </a:rPr>
-            <a:t>PCA Random Forest </a:t>
+            <a:rPr lang="en-US" dirty="0"/>
+            <a:t>PCA Random forest had the best accuracy of all our models at </a:t>
           </a:r>
           <a:r>
             <a:rPr lang="en-US" dirty="0">
-              <a:solidFill>
-                <a:schemeClr val="tx1"/>
-              </a:solidFill>
+              <a:latin typeface="Sitka Banner"/>
             </a:rPr>
-            <a:t>had the best accuracy of all our models at </a:t>
+            <a:t>98</a:t>
           </a:r>
           <a:r>
-            <a:rPr lang="en-US" b="1" dirty="0">
-              <a:solidFill>
-                <a:schemeClr val="tx1"/>
-              </a:solidFill>
-            </a:rPr>
-            <a:t>97%</a:t>
+            <a:rPr lang="en-US" dirty="0"/>
+            <a:t>%</a:t>
           </a:r>
         </a:p>
       </dgm:t>
@@ -2807,13 +2657,6 @@
     <dgm:pt modelId="{284B1B69-CE74-4C88-91AE-A251EBCA5A9C}" type="parTrans" cxnId="{0CFB1165-DE36-433D-BD44-0B6584ADEA4F}">
       <dgm:prSet/>
       <dgm:spPr/>
-      <dgm:t>
-        <a:bodyPr/>
-        <a:lstStyle/>
-        <a:p>
-          <a:endParaRPr lang="en-IE"/>
-        </a:p>
-      </dgm:t>
     </dgm:pt>
     <dgm:pt modelId="{B70E25C7-8F49-49F3-AC35-12CC7E9F0C5A}" type="sibTrans" cxnId="{0CFB1165-DE36-433D-BD44-0B6584ADEA4F}">
       <dgm:prSet/>
@@ -2822,187 +2665,265 @@
         <a:bodyPr/>
         <a:lstStyle/>
         <a:p>
-          <a:endParaRPr lang="en-IE"/>
+          <a:endParaRPr lang="en-US"/>
         </a:p>
       </dgm:t>
     </dgm:pt>
-    <dgm:pt modelId="{EF90A053-B624-4BF4-B5EA-32A076A6E5A4}" type="pres">
-      <dgm:prSet presAssocID="{3EE7B83D-68E5-48A7-B3A1-AD827FBD1DF2}" presName="linear" presStyleCnt="0">
+    <dgm:pt modelId="{064BB703-0519-4A41-A369-B5FF2E3B8CFB}" type="pres">
+      <dgm:prSet presAssocID="{3EE7B83D-68E5-48A7-B3A1-AD827FBD1DF2}" presName="vert0" presStyleCnt="0">
         <dgm:presLayoutVars>
+          <dgm:dir/>
+          <dgm:animOne val="branch"/>
           <dgm:animLvl val="lvl"/>
-          <dgm:resizeHandles val="exact"/>
         </dgm:presLayoutVars>
       </dgm:prSet>
       <dgm:spPr/>
     </dgm:pt>
-    <dgm:pt modelId="{BE54A4F7-AA56-4D11-93D2-B8F6B566D5EC}" type="pres">
-      <dgm:prSet presAssocID="{E599A7A1-3968-487C-ADA7-6F5FE62B2C1E}" presName="parentText" presStyleLbl="node1" presStyleIdx="0" presStyleCnt="10">
-        <dgm:presLayoutVars>
-          <dgm:chMax val="0"/>
-          <dgm:bulletEnabled val="1"/>
-        </dgm:presLayoutVars>
-      </dgm:prSet>
+    <dgm:pt modelId="{6218915B-05AF-42B7-8740-B066F58D011D}" type="pres">
+      <dgm:prSet presAssocID="{E599A7A1-3968-487C-ADA7-6F5FE62B2C1E}" presName="thickLine" presStyleLbl="alignNode1" presStyleIdx="0" presStyleCnt="11"/>
       <dgm:spPr/>
     </dgm:pt>
-    <dgm:pt modelId="{EE9D007D-9062-4E09-B6BF-06326875830D}" type="pres">
-      <dgm:prSet presAssocID="{4690F7AD-F6AE-450D-B302-F294A051BAB5}" presName="spacer" presStyleCnt="0"/>
+    <dgm:pt modelId="{37DB05EA-84D2-4C41-8816-7F860FA852E1}" type="pres">
+      <dgm:prSet presAssocID="{E599A7A1-3968-487C-ADA7-6F5FE62B2C1E}" presName="horz1" presStyleCnt="0"/>
       <dgm:spPr/>
     </dgm:pt>
-    <dgm:pt modelId="{FB8BF19F-8B58-4495-8021-F3D36A48E9EA}" type="pres">
-      <dgm:prSet presAssocID="{E914C79A-4343-43A9-830A-30FC54736E69}" presName="parentText" presStyleLbl="node1" presStyleIdx="1" presStyleCnt="10">
-        <dgm:presLayoutVars>
-          <dgm:chMax val="0"/>
-          <dgm:bulletEnabled val="1"/>
-        </dgm:presLayoutVars>
-      </dgm:prSet>
+    <dgm:pt modelId="{FB6EF65B-7CAD-451F-B96C-2A32D0D3357C}" type="pres">
+      <dgm:prSet presAssocID="{E599A7A1-3968-487C-ADA7-6F5FE62B2C1E}" presName="tx1" presStyleLbl="revTx" presStyleIdx="0" presStyleCnt="11"/>
       <dgm:spPr/>
     </dgm:pt>
-    <dgm:pt modelId="{A20B8224-8FCC-41D6-A1B1-079808F2E1BE}" type="pres">
-      <dgm:prSet presAssocID="{343ACE92-332F-4ECA-8D25-F843185CA070}" presName="spacer" presStyleCnt="0"/>
+    <dgm:pt modelId="{CB123EA9-1D85-4A24-8E69-D9C9D45D09EC}" type="pres">
+      <dgm:prSet presAssocID="{E599A7A1-3968-487C-ADA7-6F5FE62B2C1E}" presName="vert1" presStyleCnt="0"/>
       <dgm:spPr/>
     </dgm:pt>
-    <dgm:pt modelId="{FACF1003-68A0-45FC-88C4-4EA9960DCD16}" type="pres">
-      <dgm:prSet presAssocID="{5D61A70B-CFB2-4761-A147-7121DF45454D}" presName="parentText" presStyleLbl="node1" presStyleIdx="2" presStyleCnt="10">
-        <dgm:presLayoutVars>
-          <dgm:chMax val="0"/>
-          <dgm:bulletEnabled val="1"/>
-        </dgm:presLayoutVars>
-      </dgm:prSet>
+    <dgm:pt modelId="{E0C21A9A-02F3-43AF-BACB-5E152822BD43}" type="pres">
+      <dgm:prSet presAssocID="{E914C79A-4343-43A9-830A-30FC54736E69}" presName="thickLine" presStyleLbl="alignNode1" presStyleIdx="1" presStyleCnt="11"/>
       <dgm:spPr/>
     </dgm:pt>
-    <dgm:pt modelId="{56C10554-A551-41D6-964B-E8641776B066}" type="pres">
-      <dgm:prSet presAssocID="{C094A2C3-49DD-47B1-B5A7-75C0F7104428}" presName="spacer" presStyleCnt="0"/>
+    <dgm:pt modelId="{1D43FF64-79B7-40F4-A7FC-6A997DA67081}" type="pres">
+      <dgm:prSet presAssocID="{E914C79A-4343-43A9-830A-30FC54736E69}" presName="horz1" presStyleCnt="0"/>
       <dgm:spPr/>
     </dgm:pt>
-    <dgm:pt modelId="{4BF401AB-82EE-4C4A-A9D3-B986883EC6C7}" type="pres">
-      <dgm:prSet presAssocID="{5757C7AE-A2CE-46FB-9F32-57D93D7AA4F4}" presName="parentText" presStyleLbl="node1" presStyleIdx="3" presStyleCnt="10">
-        <dgm:presLayoutVars>
-          <dgm:chMax val="0"/>
-          <dgm:bulletEnabled val="1"/>
-        </dgm:presLayoutVars>
-      </dgm:prSet>
+    <dgm:pt modelId="{EAF7CB96-0D6C-4E65-A6BC-F5ACA1BD00D8}" type="pres">
+      <dgm:prSet presAssocID="{E914C79A-4343-43A9-830A-30FC54736E69}" presName="tx1" presStyleLbl="revTx" presStyleIdx="1" presStyleCnt="11"/>
       <dgm:spPr/>
     </dgm:pt>
-    <dgm:pt modelId="{5ECB66FD-4AB8-4D75-8DCC-55BCFE50EF66}" type="pres">
-      <dgm:prSet presAssocID="{361CF2F7-8131-4D4C-9119-A90C3CDBD947}" presName="spacer" presStyleCnt="0"/>
+    <dgm:pt modelId="{A3CB5DC9-3000-4C44-8D87-6FABD78C3CD0}" type="pres">
+      <dgm:prSet presAssocID="{E914C79A-4343-43A9-830A-30FC54736E69}" presName="vert1" presStyleCnt="0"/>
       <dgm:spPr/>
     </dgm:pt>
-    <dgm:pt modelId="{ABE95E06-6157-4884-802F-E8DF52085FEA}" type="pres">
-      <dgm:prSet presAssocID="{2F9CFD13-5E09-4066-B45B-5F3A27196AF5}" presName="parentText" presStyleLbl="node1" presStyleIdx="4" presStyleCnt="10">
-        <dgm:presLayoutVars>
-          <dgm:chMax val="0"/>
-          <dgm:bulletEnabled val="1"/>
-        </dgm:presLayoutVars>
-      </dgm:prSet>
+    <dgm:pt modelId="{339694DA-459E-4F31-9DD5-777A17FD7521}" type="pres">
+      <dgm:prSet presAssocID="{5D61A70B-CFB2-4761-A147-7121DF45454D}" presName="thickLine" presStyleLbl="alignNode1" presStyleIdx="2" presStyleCnt="11"/>
       <dgm:spPr/>
     </dgm:pt>
-    <dgm:pt modelId="{7421E364-D0A5-4830-A0B1-A6E923417F1F}" type="pres">
-      <dgm:prSet presAssocID="{4AECED64-EAE2-4C77-A6E0-6E2121A6B2CE}" presName="spacer" presStyleCnt="0"/>
+    <dgm:pt modelId="{F2B6E2EC-7E1F-45D0-B7ED-8DDCC2B815B0}" type="pres">
+      <dgm:prSet presAssocID="{5D61A70B-CFB2-4761-A147-7121DF45454D}" presName="horz1" presStyleCnt="0"/>
       <dgm:spPr/>
     </dgm:pt>
-    <dgm:pt modelId="{E8103F07-51AF-4052-804B-1B6F00D659A1}" type="pres">
-      <dgm:prSet presAssocID="{3E48A420-4406-4D17-B38B-E156B9D35328}" presName="parentText" presStyleLbl="node1" presStyleIdx="5" presStyleCnt="10">
-        <dgm:presLayoutVars>
-          <dgm:chMax val="0"/>
-          <dgm:bulletEnabled val="1"/>
-        </dgm:presLayoutVars>
-      </dgm:prSet>
+    <dgm:pt modelId="{3D417B8A-2A57-4C00-B8E3-F9C39AE38913}" type="pres">
+      <dgm:prSet presAssocID="{5D61A70B-CFB2-4761-A147-7121DF45454D}" presName="tx1" presStyleLbl="revTx" presStyleIdx="2" presStyleCnt="11"/>
       <dgm:spPr/>
     </dgm:pt>
-    <dgm:pt modelId="{BEE62924-CB34-497C-A181-C22CF0188B01}" type="pres">
-      <dgm:prSet presAssocID="{CDF363D5-8BFC-463F-9F06-CCE91EB57989}" presName="spacer" presStyleCnt="0"/>
+    <dgm:pt modelId="{BFFD8D85-1B68-4ABF-AD2C-E0779A9F1F43}" type="pres">
+      <dgm:prSet presAssocID="{5D61A70B-CFB2-4761-A147-7121DF45454D}" presName="vert1" presStyleCnt="0"/>
       <dgm:spPr/>
     </dgm:pt>
-    <dgm:pt modelId="{24A5F7E2-0648-4888-AA43-276E1444D225}" type="pres">
-      <dgm:prSet presAssocID="{AD4E01DF-B94F-40BA-A950-CAD0C6BAC213}" presName="parentText" presStyleLbl="node1" presStyleIdx="6" presStyleCnt="10" custLinFactNeighborX="-3562" custLinFactNeighborY="-58795">
-        <dgm:presLayoutVars>
-          <dgm:chMax val="0"/>
-          <dgm:bulletEnabled val="1"/>
-        </dgm:presLayoutVars>
-      </dgm:prSet>
+    <dgm:pt modelId="{4A1A8CFC-CAB3-4401-B27B-BD77F0D1FFA4}" type="pres">
+      <dgm:prSet presAssocID="{5757C7AE-A2CE-46FB-9F32-57D93D7AA4F4}" presName="thickLine" presStyleLbl="alignNode1" presStyleIdx="3" presStyleCnt="11"/>
       <dgm:spPr/>
     </dgm:pt>
-    <dgm:pt modelId="{B3CCBC5D-B9DF-43FE-AF99-3D3F802624FD}" type="pres">
-      <dgm:prSet presAssocID="{BB3532AF-B99D-44C2-A1C0-5C14E513AE75}" presName="spacer" presStyleCnt="0"/>
+    <dgm:pt modelId="{47875065-073B-4624-807C-E7EEBB999C3B}" type="pres">
+      <dgm:prSet presAssocID="{5757C7AE-A2CE-46FB-9F32-57D93D7AA4F4}" presName="horz1" presStyleCnt="0"/>
       <dgm:spPr/>
     </dgm:pt>
-    <dgm:pt modelId="{CA754C5A-7F5F-415B-A46A-DFADE49934B2}" type="pres">
-      <dgm:prSet presAssocID="{6ED6DB01-3829-45A0-A608-7DF34AD61DDC}" presName="parentText" presStyleLbl="node1" presStyleIdx="7" presStyleCnt="10">
-        <dgm:presLayoutVars>
-          <dgm:chMax val="0"/>
-          <dgm:bulletEnabled val="1"/>
-        </dgm:presLayoutVars>
-      </dgm:prSet>
+    <dgm:pt modelId="{AAD47C84-C343-4EDE-80DA-1F9377388909}" type="pres">
+      <dgm:prSet presAssocID="{5757C7AE-A2CE-46FB-9F32-57D93D7AA4F4}" presName="tx1" presStyleLbl="revTx" presStyleIdx="3" presStyleCnt="11"/>
       <dgm:spPr/>
     </dgm:pt>
-    <dgm:pt modelId="{40F651EF-4809-4FDC-A2E8-7252540BC2DB}" type="pres">
-      <dgm:prSet presAssocID="{1F33AD0D-6878-47B9-8649-1A5B4EEB2FEE}" presName="spacer" presStyleCnt="0"/>
+    <dgm:pt modelId="{2AFD49AC-FD5F-4C4E-BA33-5DB405340321}" type="pres">
+      <dgm:prSet presAssocID="{5757C7AE-A2CE-46FB-9F32-57D93D7AA4F4}" presName="vert1" presStyleCnt="0"/>
       <dgm:spPr/>
     </dgm:pt>
-    <dgm:pt modelId="{0419303C-207C-4C68-A4A8-99B2954CA40E}" type="pres">
-      <dgm:prSet presAssocID="{EB8E0939-6DFD-40B1-BFF3-68B709346EAD}" presName="parentText" presStyleLbl="node1" presStyleIdx="8" presStyleCnt="10">
-        <dgm:presLayoutVars>
-          <dgm:chMax val="0"/>
-          <dgm:bulletEnabled val="1"/>
-        </dgm:presLayoutVars>
-      </dgm:prSet>
+    <dgm:pt modelId="{6FB30EFB-807D-43F3-B63F-5A1DDBB05240}" type="pres">
+      <dgm:prSet presAssocID="{2F9CFD13-5E09-4066-B45B-5F3A27196AF5}" presName="thickLine" presStyleLbl="alignNode1" presStyleIdx="4" presStyleCnt="11"/>
       <dgm:spPr/>
     </dgm:pt>
-    <dgm:pt modelId="{FBF92CB0-8E91-402D-8BDC-43B703E16C5F}" type="pres">
-      <dgm:prSet presAssocID="{6B1B8048-35B4-4914-B9B1-A4AFF2951783}" presName="spacer" presStyleCnt="0"/>
+    <dgm:pt modelId="{807EE153-68CB-4837-A655-AD022373E1B6}" type="pres">
+      <dgm:prSet presAssocID="{2F9CFD13-5E09-4066-B45B-5F3A27196AF5}" presName="horz1" presStyleCnt="0"/>
       <dgm:spPr/>
     </dgm:pt>
-    <dgm:pt modelId="{AEDA5246-62EE-469D-BE0C-226089261DA4}" type="pres">
-      <dgm:prSet presAssocID="{309A7258-5971-43F6-A8CC-4CCECEA554CA}" presName="parentText" presStyleLbl="node1" presStyleIdx="9" presStyleCnt="10">
-        <dgm:presLayoutVars>
-          <dgm:chMax val="0"/>
-          <dgm:bulletEnabled val="1"/>
-        </dgm:presLayoutVars>
-      </dgm:prSet>
+    <dgm:pt modelId="{11833B17-776B-459D-874F-22696D98DD2C}" type="pres">
+      <dgm:prSet presAssocID="{2F9CFD13-5E09-4066-B45B-5F3A27196AF5}" presName="tx1" presStyleLbl="revTx" presStyleIdx="4" presStyleCnt="11"/>
+      <dgm:spPr/>
+    </dgm:pt>
+    <dgm:pt modelId="{4B060658-3913-445C-9A0B-E622BDB34C48}" type="pres">
+      <dgm:prSet presAssocID="{2F9CFD13-5E09-4066-B45B-5F3A27196AF5}" presName="vert1" presStyleCnt="0"/>
+      <dgm:spPr/>
+    </dgm:pt>
+    <dgm:pt modelId="{37BE0A9E-9055-490C-907D-772F1C38B0A7}" type="pres">
+      <dgm:prSet presAssocID="{3E48A420-4406-4D17-B38B-E156B9D35328}" presName="thickLine" presStyleLbl="alignNode1" presStyleIdx="5" presStyleCnt="11"/>
+      <dgm:spPr/>
+    </dgm:pt>
+    <dgm:pt modelId="{7EF79DD7-8D8F-415B-99F4-214C50A1DA4C}" type="pres">
+      <dgm:prSet presAssocID="{3E48A420-4406-4D17-B38B-E156B9D35328}" presName="horz1" presStyleCnt="0"/>
+      <dgm:spPr/>
+    </dgm:pt>
+    <dgm:pt modelId="{65B865C5-DD59-4489-A60B-F6BADA4B043E}" type="pres">
+      <dgm:prSet presAssocID="{3E48A420-4406-4D17-B38B-E156B9D35328}" presName="tx1" presStyleLbl="revTx" presStyleIdx="5" presStyleCnt="11"/>
+      <dgm:spPr/>
+    </dgm:pt>
+    <dgm:pt modelId="{ADEC9F02-F67F-4603-B3E0-F50A1147686F}" type="pres">
+      <dgm:prSet presAssocID="{3E48A420-4406-4D17-B38B-E156B9D35328}" presName="vert1" presStyleCnt="0"/>
+      <dgm:spPr/>
+    </dgm:pt>
+    <dgm:pt modelId="{0AB9E1AA-292A-4EBB-8D33-5618CD282F4F}" type="pres">
+      <dgm:prSet presAssocID="{AD4E01DF-B94F-40BA-A950-CAD0C6BAC213}" presName="thickLine" presStyleLbl="alignNode1" presStyleIdx="6" presStyleCnt="11"/>
+      <dgm:spPr/>
+    </dgm:pt>
+    <dgm:pt modelId="{9BC93AA6-97F1-4BA0-B5E9-85E752F98E82}" type="pres">
+      <dgm:prSet presAssocID="{AD4E01DF-B94F-40BA-A950-CAD0C6BAC213}" presName="horz1" presStyleCnt="0"/>
+      <dgm:spPr/>
+    </dgm:pt>
+    <dgm:pt modelId="{19D162C5-871D-46DD-9651-79CB367B7E42}" type="pres">
+      <dgm:prSet presAssocID="{AD4E01DF-B94F-40BA-A950-CAD0C6BAC213}" presName="tx1" presStyleLbl="revTx" presStyleIdx="6" presStyleCnt="11"/>
+      <dgm:spPr/>
+    </dgm:pt>
+    <dgm:pt modelId="{9C57B652-B0AE-4B87-9736-855D61792AEC}" type="pres">
+      <dgm:prSet presAssocID="{AD4E01DF-B94F-40BA-A950-CAD0C6BAC213}" presName="vert1" presStyleCnt="0"/>
+      <dgm:spPr/>
+    </dgm:pt>
+    <dgm:pt modelId="{19C9B25B-EF2B-49E3-89DC-390DD45F0241}" type="pres">
+      <dgm:prSet presAssocID="{DE52EBBD-C1E0-478B-BC4B-6BD410BC4878}" presName="thickLine" presStyleLbl="alignNode1" presStyleIdx="7" presStyleCnt="11"/>
+      <dgm:spPr/>
+    </dgm:pt>
+    <dgm:pt modelId="{0EEDD7BB-7A95-4D67-B868-D8161D370862}" type="pres">
+      <dgm:prSet presAssocID="{DE52EBBD-C1E0-478B-BC4B-6BD410BC4878}" presName="horz1" presStyleCnt="0"/>
+      <dgm:spPr/>
+    </dgm:pt>
+    <dgm:pt modelId="{6651EB7D-E03D-4801-A82B-1E356459441C}" type="pres">
+      <dgm:prSet presAssocID="{DE52EBBD-C1E0-478B-BC4B-6BD410BC4878}" presName="tx1" presStyleLbl="revTx" presStyleIdx="7" presStyleCnt="11"/>
+      <dgm:spPr/>
+    </dgm:pt>
+    <dgm:pt modelId="{8676A881-35F0-4257-BF24-449D44C0454F}" type="pres">
+      <dgm:prSet presAssocID="{DE52EBBD-C1E0-478B-BC4B-6BD410BC4878}" presName="vert1" presStyleCnt="0"/>
+      <dgm:spPr/>
+    </dgm:pt>
+    <dgm:pt modelId="{3C2B1709-793A-4814-822F-150E76555D4E}" type="pres">
+      <dgm:prSet presAssocID="{6ED6DB01-3829-45A0-A608-7DF34AD61DDC}" presName="thickLine" presStyleLbl="alignNode1" presStyleIdx="8" presStyleCnt="11"/>
+      <dgm:spPr/>
+    </dgm:pt>
+    <dgm:pt modelId="{5988BAF0-6463-4517-B47C-BADE5F670469}" type="pres">
+      <dgm:prSet presAssocID="{6ED6DB01-3829-45A0-A608-7DF34AD61DDC}" presName="horz1" presStyleCnt="0"/>
+      <dgm:spPr/>
+    </dgm:pt>
+    <dgm:pt modelId="{32444693-FFBE-43BE-B9A0-AEA7A25E9DE1}" type="pres">
+      <dgm:prSet presAssocID="{6ED6DB01-3829-45A0-A608-7DF34AD61DDC}" presName="tx1" presStyleLbl="revTx" presStyleIdx="8" presStyleCnt="11"/>
+      <dgm:spPr/>
+    </dgm:pt>
+    <dgm:pt modelId="{05B0DE74-B29D-456F-85E5-88C26D8FBDD6}" type="pres">
+      <dgm:prSet presAssocID="{6ED6DB01-3829-45A0-A608-7DF34AD61DDC}" presName="vert1" presStyleCnt="0"/>
+      <dgm:spPr/>
+    </dgm:pt>
+    <dgm:pt modelId="{C7CB8D45-D26F-4870-AFEA-1E7F25E1B962}" type="pres">
+      <dgm:prSet presAssocID="{EB8E0939-6DFD-40B1-BFF3-68B709346EAD}" presName="thickLine" presStyleLbl="alignNode1" presStyleIdx="9" presStyleCnt="11"/>
+      <dgm:spPr/>
+    </dgm:pt>
+    <dgm:pt modelId="{9DC02B0C-0FFC-4DFF-8568-9199262C9ABF}" type="pres">
+      <dgm:prSet presAssocID="{EB8E0939-6DFD-40B1-BFF3-68B709346EAD}" presName="horz1" presStyleCnt="0"/>
+      <dgm:spPr/>
+    </dgm:pt>
+    <dgm:pt modelId="{B4D51B42-8AB3-4F1F-9E60-01073AF55368}" type="pres">
+      <dgm:prSet presAssocID="{EB8E0939-6DFD-40B1-BFF3-68B709346EAD}" presName="tx1" presStyleLbl="revTx" presStyleIdx="9" presStyleCnt="11"/>
+      <dgm:spPr/>
+    </dgm:pt>
+    <dgm:pt modelId="{2CCE184D-93A9-4A83-A3FE-6C1F38CF8984}" type="pres">
+      <dgm:prSet presAssocID="{EB8E0939-6DFD-40B1-BFF3-68B709346EAD}" presName="vert1" presStyleCnt="0"/>
+      <dgm:spPr/>
+    </dgm:pt>
+    <dgm:pt modelId="{944D0BEE-6D1F-416C-9FB0-4D8680614C40}" type="pres">
+      <dgm:prSet presAssocID="{309A7258-5971-43F6-A8CC-4CCECEA554CA}" presName="thickLine" presStyleLbl="alignNode1" presStyleIdx="10" presStyleCnt="11"/>
+      <dgm:spPr/>
+    </dgm:pt>
+    <dgm:pt modelId="{AAC7EFFA-CB26-46ED-8CC3-3ECDA631D02E}" type="pres">
+      <dgm:prSet presAssocID="{309A7258-5971-43F6-A8CC-4CCECEA554CA}" presName="horz1" presStyleCnt="0"/>
+      <dgm:spPr/>
+    </dgm:pt>
+    <dgm:pt modelId="{6B8F1564-68FD-4CCB-80F3-ECE4764C4A90}" type="pres">
+      <dgm:prSet presAssocID="{309A7258-5971-43F6-A8CC-4CCECEA554CA}" presName="tx1" presStyleLbl="revTx" presStyleIdx="10" presStyleCnt="11"/>
+      <dgm:spPr/>
+    </dgm:pt>
+    <dgm:pt modelId="{608CE8B6-628F-41E9-9FE4-798B41704C35}" type="pres">
+      <dgm:prSet presAssocID="{309A7258-5971-43F6-A8CC-4CCECEA554CA}" presName="vert1" presStyleCnt="0"/>
       <dgm:spPr/>
     </dgm:pt>
   </dgm:ptLst>
   <dgm:cxnLst>
-    <dgm:cxn modelId="{5C6E5A06-DAE2-437E-B8E7-7073DF2DB579}" type="presOf" srcId="{2F9CFD13-5E09-4066-B45B-5F3A27196AF5}" destId="{ABE95E06-6157-4884-802F-E8DF52085FEA}" srcOrd="0" destOrd="0" presId="urn:microsoft.com/office/officeart/2005/8/layout/vList2"/>
-    <dgm:cxn modelId="{CCBA5512-F974-4AA6-ADA6-B354E735562D}" type="presOf" srcId="{AD4E01DF-B94F-40BA-A950-CAD0C6BAC213}" destId="{24A5F7E2-0648-4888-AA43-276E1444D225}" srcOrd="0" destOrd="0" presId="urn:microsoft.com/office/officeart/2005/8/layout/vList2"/>
-    <dgm:cxn modelId="{2ABF1124-4ACF-42F2-8580-D84E4B45A1B7}" type="presOf" srcId="{E914C79A-4343-43A9-830A-30FC54736E69}" destId="{FB8BF19F-8B58-4495-8021-F3D36A48E9EA}" srcOrd="0" destOrd="0" presId="urn:microsoft.com/office/officeart/2005/8/layout/vList2"/>
-    <dgm:cxn modelId="{4A76A226-DD67-45ED-8D59-2DBEF12FF5D1}" type="presOf" srcId="{3EE7B83D-68E5-48A7-B3A1-AD827FBD1DF2}" destId="{EF90A053-B624-4BF4-B5EA-32A076A6E5A4}" srcOrd="0" destOrd="0" presId="urn:microsoft.com/office/officeart/2005/8/layout/vList2"/>
-    <dgm:cxn modelId="{350D5D34-2E02-4129-B658-594FD64ABAEA}" type="presOf" srcId="{3E48A420-4406-4D17-B38B-E156B9D35328}" destId="{E8103F07-51AF-4052-804B-1B6F00D659A1}" srcOrd="0" destOrd="0" presId="urn:microsoft.com/office/officeart/2005/8/layout/vList2"/>
-    <dgm:cxn modelId="{62CB1B60-02AD-4845-9B86-4EA75138A524}" type="presOf" srcId="{6ED6DB01-3829-45A0-A608-7DF34AD61DDC}" destId="{CA754C5A-7F5F-415B-A46A-DFADE49934B2}" srcOrd="0" destOrd="0" presId="urn:microsoft.com/office/officeart/2005/8/layout/vList2"/>
-    <dgm:cxn modelId="{8EE6ED61-BD94-45FD-AA8B-B35DAE78D4D0}" srcId="{3EE7B83D-68E5-48A7-B3A1-AD827FBD1DF2}" destId="{6ED6DB01-3829-45A0-A608-7DF34AD61DDC}" srcOrd="7" destOrd="0" parTransId="{D27414C6-8AE2-40C3-8874-D65204A2849B}" sibTransId="{1F33AD0D-6878-47B9-8649-1A5B4EEB2FEE}"/>
-    <dgm:cxn modelId="{238B5643-6365-4E1B-A727-752661504EEC}" type="presOf" srcId="{5D61A70B-CFB2-4761-A147-7121DF45454D}" destId="{FACF1003-68A0-45FC-88C4-4EA9960DCD16}" srcOrd="0" destOrd="0" presId="urn:microsoft.com/office/officeart/2005/8/layout/vList2"/>
-    <dgm:cxn modelId="{0CFB1165-DE36-433D-BD44-0B6584ADEA4F}" srcId="{3EE7B83D-68E5-48A7-B3A1-AD827FBD1DF2}" destId="{309A7258-5971-43F6-A8CC-4CCECEA554CA}" srcOrd="9" destOrd="0" parTransId="{284B1B69-CE74-4C88-91AE-A251EBCA5A9C}" sibTransId="{B70E25C7-8F49-49F3-AC35-12CC7E9F0C5A}"/>
+    <dgm:cxn modelId="{2D719221-31BF-41A9-8820-1680B76D7736}" type="presOf" srcId="{E599A7A1-3968-487C-ADA7-6F5FE62B2C1E}" destId="{FB6EF65B-7CAD-451F-B96C-2A32D0D3357C}" srcOrd="0" destOrd="0" presId="urn:microsoft.com/office/officeart/2008/layout/LinedList"/>
+    <dgm:cxn modelId="{61DBD03C-CD07-4529-B9D6-92211AB27EEA}" type="presOf" srcId="{EB8E0939-6DFD-40B1-BFF3-68B709346EAD}" destId="{B4D51B42-8AB3-4F1F-9E60-01073AF55368}" srcOrd="0" destOrd="0" presId="urn:microsoft.com/office/officeart/2008/layout/LinedList"/>
+    <dgm:cxn modelId="{D1A9B741-E4A7-40E9-971F-FF0CF19D4138}" type="presOf" srcId="{5D61A70B-CFB2-4761-A147-7121DF45454D}" destId="{3D417B8A-2A57-4C00-B8E3-F9C39AE38913}" srcOrd="0" destOrd="0" presId="urn:microsoft.com/office/officeart/2008/layout/LinedList"/>
+    <dgm:cxn modelId="{8EE6ED61-BD94-45FD-AA8B-B35DAE78D4D0}" srcId="{3EE7B83D-68E5-48A7-B3A1-AD827FBD1DF2}" destId="{6ED6DB01-3829-45A0-A608-7DF34AD61DDC}" srcOrd="8" destOrd="0" parTransId="{D27414C6-8AE2-40C3-8874-D65204A2849B}" sibTransId="{1F33AD0D-6878-47B9-8649-1A5B4EEB2FEE}"/>
+    <dgm:cxn modelId="{0CFB1165-DE36-433D-BD44-0B6584ADEA4F}" srcId="{3EE7B83D-68E5-48A7-B3A1-AD827FBD1DF2}" destId="{309A7258-5971-43F6-A8CC-4CCECEA554CA}" srcOrd="10" destOrd="0" parTransId="{284B1B69-CE74-4C88-91AE-A251EBCA5A9C}" sibTransId="{B70E25C7-8F49-49F3-AC35-12CC7E9F0C5A}"/>
     <dgm:cxn modelId="{22115F68-ED34-4AE6-8640-F4D450EBE413}" srcId="{3EE7B83D-68E5-48A7-B3A1-AD827FBD1DF2}" destId="{E599A7A1-3968-487C-ADA7-6F5FE62B2C1E}" srcOrd="0" destOrd="0" parTransId="{BBAB9805-D39A-471E-BFFA-4985212F9589}" sibTransId="{4690F7AD-F6AE-450D-B302-F294A051BAB5}"/>
-    <dgm:cxn modelId="{52E5D04C-7D88-4D38-8633-04E010576728}" srcId="{3EE7B83D-68E5-48A7-B3A1-AD827FBD1DF2}" destId="{EB8E0939-6DFD-40B1-BFF3-68B709346EAD}" srcOrd="8" destOrd="0" parTransId="{04C42A93-ABE6-4076-9BBA-067045C459E4}" sibTransId="{6B1B8048-35B4-4914-B9B1-A4AFF2951783}"/>
+    <dgm:cxn modelId="{52E5D04C-7D88-4D38-8633-04E010576728}" srcId="{3EE7B83D-68E5-48A7-B3A1-AD827FBD1DF2}" destId="{EB8E0939-6DFD-40B1-BFF3-68B709346EAD}" srcOrd="9" destOrd="0" parTransId="{04C42A93-ABE6-4076-9BBA-067045C459E4}" sibTransId="{6B1B8048-35B4-4914-B9B1-A4AFF2951783}"/>
     <dgm:cxn modelId="{039CFD50-B242-402C-B68A-477024BBC098}" srcId="{3EE7B83D-68E5-48A7-B3A1-AD827FBD1DF2}" destId="{5D61A70B-CFB2-4761-A147-7121DF45454D}" srcOrd="2" destOrd="0" parTransId="{E4F47B01-EBE2-4331-BDE0-ACD71FB1D2FE}" sibTransId="{C094A2C3-49DD-47B1-B5A7-75C0F7104428}"/>
     <dgm:cxn modelId="{CF17F852-25AC-47E3-BE78-40C970747AF8}" srcId="{3EE7B83D-68E5-48A7-B3A1-AD827FBD1DF2}" destId="{3E48A420-4406-4D17-B38B-E156B9D35328}" srcOrd="5" destOrd="0" parTransId="{693ADC96-C472-4100-B35E-55680AF2F24F}" sibTransId="{CDF363D5-8BFC-463F-9F06-CCE91EB57989}"/>
     <dgm:cxn modelId="{C3060475-FA4B-4E21-BFE3-F6C5DF433032}" srcId="{3EE7B83D-68E5-48A7-B3A1-AD827FBD1DF2}" destId="{5757C7AE-A2CE-46FB-9F32-57D93D7AA4F4}" srcOrd="3" destOrd="0" parTransId="{AE8E3BD5-848E-44F3-BAE4-4F57B2B74526}" sibTransId="{361CF2F7-8131-4D4C-9119-A90C3CDBD947}"/>
-    <dgm:cxn modelId="{AD6C9475-1DCA-47F7-A820-F960B540C9E2}" type="presOf" srcId="{EB8E0939-6DFD-40B1-BFF3-68B709346EAD}" destId="{0419303C-207C-4C68-A4A8-99B2954CA40E}" srcOrd="0" destOrd="0" presId="urn:microsoft.com/office/officeart/2005/8/layout/vList2"/>
+    <dgm:cxn modelId="{FE3DBB7A-B781-48AF-B99B-F021005F66F4}" type="presOf" srcId="{E914C79A-4343-43A9-830A-30FC54736E69}" destId="{EAF7CB96-0D6C-4E65-A6BC-F5ACA1BD00D8}" srcOrd="0" destOrd="0" presId="urn:microsoft.com/office/officeart/2008/layout/LinedList"/>
+    <dgm:cxn modelId="{6A27DE8A-BAC1-4E14-8450-B5E9A6CCAAFC}" type="presOf" srcId="{DE52EBBD-C1E0-478B-BC4B-6BD410BC4878}" destId="{6651EB7D-E03D-4801-A82B-1E356459441C}" srcOrd="0" destOrd="0" presId="urn:microsoft.com/office/officeart/2008/layout/LinedList"/>
     <dgm:cxn modelId="{FC8DA28D-695A-46D9-A97A-A16AFC81EB27}" srcId="{3EE7B83D-68E5-48A7-B3A1-AD827FBD1DF2}" destId="{E914C79A-4343-43A9-830A-30FC54736E69}" srcOrd="1" destOrd="0" parTransId="{AEE5D9EC-FF54-4EA4-8093-297EBEBA9E17}" sibTransId="{343ACE92-332F-4ECA-8D25-F843185CA070}"/>
-    <dgm:cxn modelId="{502D2798-DAC7-4456-8306-AA3438A26A75}" type="presOf" srcId="{E599A7A1-3968-487C-ADA7-6F5FE62B2C1E}" destId="{BE54A4F7-AA56-4D11-93D2-B8F6B566D5EC}" srcOrd="0" destOrd="0" presId="urn:microsoft.com/office/officeart/2005/8/layout/vList2"/>
-    <dgm:cxn modelId="{447B42B3-5E17-41D7-80A9-52D941AF4272}" type="presOf" srcId="{309A7258-5971-43F6-A8CC-4CCECEA554CA}" destId="{AEDA5246-62EE-469D-BE0C-226089261DA4}" srcOrd="0" destOrd="0" presId="urn:microsoft.com/office/officeart/2005/8/layout/vList2"/>
+    <dgm:cxn modelId="{07DD809D-DD0C-4F44-A88C-58600F087EBD}" type="presOf" srcId="{6ED6DB01-3829-45A0-A608-7DF34AD61DDC}" destId="{32444693-FFBE-43BE-B9A0-AEA7A25E9DE1}" srcOrd="0" destOrd="0" presId="urn:microsoft.com/office/officeart/2008/layout/LinedList"/>
+    <dgm:cxn modelId="{E491F7AD-AFDA-4D7E-8318-11FB183E748A}" srcId="{3EE7B83D-68E5-48A7-B3A1-AD827FBD1DF2}" destId="{DE52EBBD-C1E0-478B-BC4B-6BD410BC4878}" srcOrd="7" destOrd="0" parTransId="{CE7CB06A-1CBB-466A-AE92-2DEA75E62EEF}" sibTransId="{690E5620-AA24-4C80-8B47-D7C40C422B14}"/>
+    <dgm:cxn modelId="{45D596B0-2A4A-45EB-9A3A-BB1D1419EAF2}" type="presOf" srcId="{3EE7B83D-68E5-48A7-B3A1-AD827FBD1DF2}" destId="{064BB703-0519-4A41-A369-B5FF2E3B8CFB}" srcOrd="0" destOrd="0" presId="urn:microsoft.com/office/officeart/2008/layout/LinedList"/>
+    <dgm:cxn modelId="{A2558DB3-D263-4981-8F01-5EBE91FC6395}" type="presOf" srcId="{AD4E01DF-B94F-40BA-A950-CAD0C6BAC213}" destId="{19D162C5-871D-46DD-9651-79CB367B7E42}" srcOrd="0" destOrd="0" presId="urn:microsoft.com/office/officeart/2008/layout/LinedList"/>
+    <dgm:cxn modelId="{9790BCB6-F40B-4A11-9911-691F73C1D2EE}" type="presOf" srcId="{3E48A420-4406-4D17-B38B-E156B9D35328}" destId="{65B865C5-DD59-4489-A60B-F6BADA4B043E}" srcOrd="0" destOrd="0" presId="urn:microsoft.com/office/officeart/2008/layout/LinedList"/>
     <dgm:cxn modelId="{28B9A3DD-C96C-4231-AA82-7948ECC10E87}" srcId="{3EE7B83D-68E5-48A7-B3A1-AD827FBD1DF2}" destId="{AD4E01DF-B94F-40BA-A950-CAD0C6BAC213}" srcOrd="6" destOrd="0" parTransId="{F1750691-D488-485C-84EE-75903342ED3A}" sibTransId="{BB3532AF-B99D-44C2-A1C0-5C14E513AE75}"/>
+    <dgm:cxn modelId="{807B13E1-69FC-4694-A485-255A1270C56F}" type="presOf" srcId="{5757C7AE-A2CE-46FB-9F32-57D93D7AA4F4}" destId="{AAD47C84-C343-4EDE-80DA-1F9377388909}" srcOrd="0" destOrd="0" presId="urn:microsoft.com/office/officeart/2008/layout/LinedList"/>
     <dgm:cxn modelId="{1E77C0E3-88A7-4D96-BB0B-48CD5BB1D269}" srcId="{3EE7B83D-68E5-48A7-B3A1-AD827FBD1DF2}" destId="{2F9CFD13-5E09-4066-B45B-5F3A27196AF5}" srcOrd="4" destOrd="0" parTransId="{24456977-4DE6-4D0B-BCA5-0B126416A30E}" sibTransId="{4AECED64-EAE2-4C77-A6E0-6E2121A6B2CE}"/>
-    <dgm:cxn modelId="{92E3C0E8-C1BE-439B-89A1-A151B3E87EDC}" type="presOf" srcId="{5757C7AE-A2CE-46FB-9F32-57D93D7AA4F4}" destId="{4BF401AB-82EE-4C4A-A9D3-B986883EC6C7}" srcOrd="0" destOrd="0" presId="urn:microsoft.com/office/officeart/2005/8/layout/vList2"/>
-    <dgm:cxn modelId="{9168DA90-A5FA-4A24-96C0-C59A3750FF57}" type="presParOf" srcId="{EF90A053-B624-4BF4-B5EA-32A076A6E5A4}" destId="{BE54A4F7-AA56-4D11-93D2-B8F6B566D5EC}" srcOrd="0" destOrd="0" presId="urn:microsoft.com/office/officeart/2005/8/layout/vList2"/>
-    <dgm:cxn modelId="{F5D5E865-65B8-4FEB-96C7-E6F925387DDC}" type="presParOf" srcId="{EF90A053-B624-4BF4-B5EA-32A076A6E5A4}" destId="{EE9D007D-9062-4E09-B6BF-06326875830D}" srcOrd="1" destOrd="0" presId="urn:microsoft.com/office/officeart/2005/8/layout/vList2"/>
-    <dgm:cxn modelId="{316A00FF-FCBE-4E4E-A1D0-D0F5CDB48BB3}" type="presParOf" srcId="{EF90A053-B624-4BF4-B5EA-32A076A6E5A4}" destId="{FB8BF19F-8B58-4495-8021-F3D36A48E9EA}" srcOrd="2" destOrd="0" presId="urn:microsoft.com/office/officeart/2005/8/layout/vList2"/>
-    <dgm:cxn modelId="{DD182ED8-215E-4692-8F00-70F395FF590C}" type="presParOf" srcId="{EF90A053-B624-4BF4-B5EA-32A076A6E5A4}" destId="{A20B8224-8FCC-41D6-A1B1-079808F2E1BE}" srcOrd="3" destOrd="0" presId="urn:microsoft.com/office/officeart/2005/8/layout/vList2"/>
-    <dgm:cxn modelId="{82CD13AE-AF7F-450F-9A6A-F17F0B459ADD}" type="presParOf" srcId="{EF90A053-B624-4BF4-B5EA-32A076A6E5A4}" destId="{FACF1003-68A0-45FC-88C4-4EA9960DCD16}" srcOrd="4" destOrd="0" presId="urn:microsoft.com/office/officeart/2005/8/layout/vList2"/>
-    <dgm:cxn modelId="{48471E47-0622-4A6E-8798-1A7C165DB4C5}" type="presParOf" srcId="{EF90A053-B624-4BF4-B5EA-32A076A6E5A4}" destId="{56C10554-A551-41D6-964B-E8641776B066}" srcOrd="5" destOrd="0" presId="urn:microsoft.com/office/officeart/2005/8/layout/vList2"/>
-    <dgm:cxn modelId="{D1BCBE46-F538-4869-B2E2-C58A492ED99B}" type="presParOf" srcId="{EF90A053-B624-4BF4-B5EA-32A076A6E5A4}" destId="{4BF401AB-82EE-4C4A-A9D3-B986883EC6C7}" srcOrd="6" destOrd="0" presId="urn:microsoft.com/office/officeart/2005/8/layout/vList2"/>
-    <dgm:cxn modelId="{692BF2B4-2785-4A82-A2F1-5881F5411C64}" type="presParOf" srcId="{EF90A053-B624-4BF4-B5EA-32A076A6E5A4}" destId="{5ECB66FD-4AB8-4D75-8DCC-55BCFE50EF66}" srcOrd="7" destOrd="0" presId="urn:microsoft.com/office/officeart/2005/8/layout/vList2"/>
-    <dgm:cxn modelId="{9CEBBAE2-95D9-4CDB-9260-FE7C0558EAC8}" type="presParOf" srcId="{EF90A053-B624-4BF4-B5EA-32A076A6E5A4}" destId="{ABE95E06-6157-4884-802F-E8DF52085FEA}" srcOrd="8" destOrd="0" presId="urn:microsoft.com/office/officeart/2005/8/layout/vList2"/>
-    <dgm:cxn modelId="{E2CDA504-7B55-4F0C-8215-587FF462F604}" type="presParOf" srcId="{EF90A053-B624-4BF4-B5EA-32A076A6E5A4}" destId="{7421E364-D0A5-4830-A0B1-A6E923417F1F}" srcOrd="9" destOrd="0" presId="urn:microsoft.com/office/officeart/2005/8/layout/vList2"/>
-    <dgm:cxn modelId="{DBD9E4A7-7591-4613-BBA6-D9996A6C917F}" type="presParOf" srcId="{EF90A053-B624-4BF4-B5EA-32A076A6E5A4}" destId="{E8103F07-51AF-4052-804B-1B6F00D659A1}" srcOrd="10" destOrd="0" presId="urn:microsoft.com/office/officeart/2005/8/layout/vList2"/>
-    <dgm:cxn modelId="{F45A6EF0-C5A3-4CC3-88C5-E367BCAD1A4F}" type="presParOf" srcId="{EF90A053-B624-4BF4-B5EA-32A076A6E5A4}" destId="{BEE62924-CB34-497C-A181-C22CF0188B01}" srcOrd="11" destOrd="0" presId="urn:microsoft.com/office/officeart/2005/8/layout/vList2"/>
-    <dgm:cxn modelId="{99D68893-F088-4128-9B80-12EC2475103C}" type="presParOf" srcId="{EF90A053-B624-4BF4-B5EA-32A076A6E5A4}" destId="{24A5F7E2-0648-4888-AA43-276E1444D225}" srcOrd="12" destOrd="0" presId="urn:microsoft.com/office/officeart/2005/8/layout/vList2"/>
-    <dgm:cxn modelId="{9065007E-FF7B-460C-A85E-D28B51A8CDB7}" type="presParOf" srcId="{EF90A053-B624-4BF4-B5EA-32A076A6E5A4}" destId="{B3CCBC5D-B9DF-43FE-AF99-3D3F802624FD}" srcOrd="13" destOrd="0" presId="urn:microsoft.com/office/officeart/2005/8/layout/vList2"/>
-    <dgm:cxn modelId="{A30BDFB2-B7FC-4943-9003-1B0282D88620}" type="presParOf" srcId="{EF90A053-B624-4BF4-B5EA-32A076A6E5A4}" destId="{CA754C5A-7F5F-415B-A46A-DFADE49934B2}" srcOrd="14" destOrd="0" presId="urn:microsoft.com/office/officeart/2005/8/layout/vList2"/>
-    <dgm:cxn modelId="{FBF0823B-8D90-4EBF-963B-5AA6FD24095F}" type="presParOf" srcId="{EF90A053-B624-4BF4-B5EA-32A076A6E5A4}" destId="{40F651EF-4809-4FDC-A2E8-7252540BC2DB}" srcOrd="15" destOrd="0" presId="urn:microsoft.com/office/officeart/2005/8/layout/vList2"/>
-    <dgm:cxn modelId="{094BB0C9-0777-4609-B1A8-A8860F87A22E}" type="presParOf" srcId="{EF90A053-B624-4BF4-B5EA-32A076A6E5A4}" destId="{0419303C-207C-4C68-A4A8-99B2954CA40E}" srcOrd="16" destOrd="0" presId="urn:microsoft.com/office/officeart/2005/8/layout/vList2"/>
-    <dgm:cxn modelId="{EC933BF9-F70D-4E2D-BE56-61A8972630BC}" type="presParOf" srcId="{EF90A053-B624-4BF4-B5EA-32A076A6E5A4}" destId="{FBF92CB0-8E91-402D-8BDC-43B703E16C5F}" srcOrd="17" destOrd="0" presId="urn:microsoft.com/office/officeart/2005/8/layout/vList2"/>
-    <dgm:cxn modelId="{AA3EA613-6000-4A9D-AD0A-E14BB2D8B90B}" type="presParOf" srcId="{EF90A053-B624-4BF4-B5EA-32A076A6E5A4}" destId="{AEDA5246-62EE-469D-BE0C-226089261DA4}" srcOrd="18" destOrd="0" presId="urn:microsoft.com/office/officeart/2005/8/layout/vList2"/>
+    <dgm:cxn modelId="{2EE984E6-3ED3-43F8-9C7F-B4D71E1604BE}" type="presOf" srcId="{2F9CFD13-5E09-4066-B45B-5F3A27196AF5}" destId="{11833B17-776B-459D-874F-22696D98DD2C}" srcOrd="0" destOrd="0" presId="urn:microsoft.com/office/officeart/2008/layout/LinedList"/>
+    <dgm:cxn modelId="{8CDBDBF1-FA71-477A-8251-03759DD4B8BB}" type="presOf" srcId="{309A7258-5971-43F6-A8CC-4CCECEA554CA}" destId="{6B8F1564-68FD-4CCB-80F3-ECE4764C4A90}" srcOrd="0" destOrd="0" presId="urn:microsoft.com/office/officeart/2008/layout/LinedList"/>
+    <dgm:cxn modelId="{1C432C3A-D2A2-4B0E-9252-018E1CD728D9}" type="presParOf" srcId="{064BB703-0519-4A41-A369-B5FF2E3B8CFB}" destId="{6218915B-05AF-42B7-8740-B066F58D011D}" srcOrd="0" destOrd="0" presId="urn:microsoft.com/office/officeart/2008/layout/LinedList"/>
+    <dgm:cxn modelId="{17DCE94B-1DBB-42F4-AADE-42759132936C}" type="presParOf" srcId="{064BB703-0519-4A41-A369-B5FF2E3B8CFB}" destId="{37DB05EA-84D2-4C41-8816-7F860FA852E1}" srcOrd="1" destOrd="0" presId="urn:microsoft.com/office/officeart/2008/layout/LinedList"/>
+    <dgm:cxn modelId="{F8ECD5DF-6BAC-4031-A114-9B8705BC6A31}" type="presParOf" srcId="{37DB05EA-84D2-4C41-8816-7F860FA852E1}" destId="{FB6EF65B-7CAD-451F-B96C-2A32D0D3357C}" srcOrd="0" destOrd="0" presId="urn:microsoft.com/office/officeart/2008/layout/LinedList"/>
+    <dgm:cxn modelId="{661D7DF4-0275-4EDA-A806-035879C7380F}" type="presParOf" srcId="{37DB05EA-84D2-4C41-8816-7F860FA852E1}" destId="{CB123EA9-1D85-4A24-8E69-D9C9D45D09EC}" srcOrd="1" destOrd="0" presId="urn:microsoft.com/office/officeart/2008/layout/LinedList"/>
+    <dgm:cxn modelId="{FEBB9F46-7F05-4100-9A0B-F126FF342D8B}" type="presParOf" srcId="{064BB703-0519-4A41-A369-B5FF2E3B8CFB}" destId="{E0C21A9A-02F3-43AF-BACB-5E152822BD43}" srcOrd="2" destOrd="0" presId="urn:microsoft.com/office/officeart/2008/layout/LinedList"/>
+    <dgm:cxn modelId="{31551F8D-5B79-4BC9-BD16-8D3B1A062BB4}" type="presParOf" srcId="{064BB703-0519-4A41-A369-B5FF2E3B8CFB}" destId="{1D43FF64-79B7-40F4-A7FC-6A997DA67081}" srcOrd="3" destOrd="0" presId="urn:microsoft.com/office/officeart/2008/layout/LinedList"/>
+    <dgm:cxn modelId="{76A71507-A848-4991-940A-7312102AB8DA}" type="presParOf" srcId="{1D43FF64-79B7-40F4-A7FC-6A997DA67081}" destId="{EAF7CB96-0D6C-4E65-A6BC-F5ACA1BD00D8}" srcOrd="0" destOrd="0" presId="urn:microsoft.com/office/officeart/2008/layout/LinedList"/>
+    <dgm:cxn modelId="{7311D3DA-ECD4-4402-9043-F358F0D49389}" type="presParOf" srcId="{1D43FF64-79B7-40F4-A7FC-6A997DA67081}" destId="{A3CB5DC9-3000-4C44-8D87-6FABD78C3CD0}" srcOrd="1" destOrd="0" presId="urn:microsoft.com/office/officeart/2008/layout/LinedList"/>
+    <dgm:cxn modelId="{E574ED3B-CB4A-4FF3-B5DC-820C9474F63D}" type="presParOf" srcId="{064BB703-0519-4A41-A369-B5FF2E3B8CFB}" destId="{339694DA-459E-4F31-9DD5-777A17FD7521}" srcOrd="4" destOrd="0" presId="urn:microsoft.com/office/officeart/2008/layout/LinedList"/>
+    <dgm:cxn modelId="{74CC6025-2AB8-447A-A433-0E3AB3F984F3}" type="presParOf" srcId="{064BB703-0519-4A41-A369-B5FF2E3B8CFB}" destId="{F2B6E2EC-7E1F-45D0-B7ED-8DDCC2B815B0}" srcOrd="5" destOrd="0" presId="urn:microsoft.com/office/officeart/2008/layout/LinedList"/>
+    <dgm:cxn modelId="{B687EA4F-3AF7-4654-87F5-AF8B7096E94D}" type="presParOf" srcId="{F2B6E2EC-7E1F-45D0-B7ED-8DDCC2B815B0}" destId="{3D417B8A-2A57-4C00-B8E3-F9C39AE38913}" srcOrd="0" destOrd="0" presId="urn:microsoft.com/office/officeart/2008/layout/LinedList"/>
+    <dgm:cxn modelId="{3AAF785E-A643-44B1-8DE5-91D3884FD01D}" type="presParOf" srcId="{F2B6E2EC-7E1F-45D0-B7ED-8DDCC2B815B0}" destId="{BFFD8D85-1B68-4ABF-AD2C-E0779A9F1F43}" srcOrd="1" destOrd="0" presId="urn:microsoft.com/office/officeart/2008/layout/LinedList"/>
+    <dgm:cxn modelId="{8342CBDE-6A2B-4001-850D-CE94A95069F9}" type="presParOf" srcId="{064BB703-0519-4A41-A369-B5FF2E3B8CFB}" destId="{4A1A8CFC-CAB3-4401-B27B-BD77F0D1FFA4}" srcOrd="6" destOrd="0" presId="urn:microsoft.com/office/officeart/2008/layout/LinedList"/>
+    <dgm:cxn modelId="{3DD6AC1D-AB90-4D91-B673-117BC841FE9A}" type="presParOf" srcId="{064BB703-0519-4A41-A369-B5FF2E3B8CFB}" destId="{47875065-073B-4624-807C-E7EEBB999C3B}" srcOrd="7" destOrd="0" presId="urn:microsoft.com/office/officeart/2008/layout/LinedList"/>
+    <dgm:cxn modelId="{C209E7BD-D828-4E90-AFBB-87D07CFA043D}" type="presParOf" srcId="{47875065-073B-4624-807C-E7EEBB999C3B}" destId="{AAD47C84-C343-4EDE-80DA-1F9377388909}" srcOrd="0" destOrd="0" presId="urn:microsoft.com/office/officeart/2008/layout/LinedList"/>
+    <dgm:cxn modelId="{3937B2E9-C753-4003-9846-67F28DE9E74F}" type="presParOf" srcId="{47875065-073B-4624-807C-E7EEBB999C3B}" destId="{2AFD49AC-FD5F-4C4E-BA33-5DB405340321}" srcOrd="1" destOrd="0" presId="urn:microsoft.com/office/officeart/2008/layout/LinedList"/>
+    <dgm:cxn modelId="{03500180-A715-4220-AD70-A6A7B7CAA53B}" type="presParOf" srcId="{064BB703-0519-4A41-A369-B5FF2E3B8CFB}" destId="{6FB30EFB-807D-43F3-B63F-5A1DDBB05240}" srcOrd="8" destOrd="0" presId="urn:microsoft.com/office/officeart/2008/layout/LinedList"/>
+    <dgm:cxn modelId="{B0F4A3F0-6204-44D8-B23D-5258D80C03F9}" type="presParOf" srcId="{064BB703-0519-4A41-A369-B5FF2E3B8CFB}" destId="{807EE153-68CB-4837-A655-AD022373E1B6}" srcOrd="9" destOrd="0" presId="urn:microsoft.com/office/officeart/2008/layout/LinedList"/>
+    <dgm:cxn modelId="{99602832-767B-4455-A52E-4C5A4CD5DDA7}" type="presParOf" srcId="{807EE153-68CB-4837-A655-AD022373E1B6}" destId="{11833B17-776B-459D-874F-22696D98DD2C}" srcOrd="0" destOrd="0" presId="urn:microsoft.com/office/officeart/2008/layout/LinedList"/>
+    <dgm:cxn modelId="{BA9733A0-AF98-4BCB-A336-6F674722C2E4}" type="presParOf" srcId="{807EE153-68CB-4837-A655-AD022373E1B6}" destId="{4B060658-3913-445C-9A0B-E622BDB34C48}" srcOrd="1" destOrd="0" presId="urn:microsoft.com/office/officeart/2008/layout/LinedList"/>
+    <dgm:cxn modelId="{60293A9B-1045-463A-A0DC-E666CBAE66CE}" type="presParOf" srcId="{064BB703-0519-4A41-A369-B5FF2E3B8CFB}" destId="{37BE0A9E-9055-490C-907D-772F1C38B0A7}" srcOrd="10" destOrd="0" presId="urn:microsoft.com/office/officeart/2008/layout/LinedList"/>
+    <dgm:cxn modelId="{67F26CA4-0734-4FA2-932E-7B8BC1A3093B}" type="presParOf" srcId="{064BB703-0519-4A41-A369-B5FF2E3B8CFB}" destId="{7EF79DD7-8D8F-415B-99F4-214C50A1DA4C}" srcOrd="11" destOrd="0" presId="urn:microsoft.com/office/officeart/2008/layout/LinedList"/>
+    <dgm:cxn modelId="{EA086763-1E2D-424C-82E4-7F77C7C06FDD}" type="presParOf" srcId="{7EF79DD7-8D8F-415B-99F4-214C50A1DA4C}" destId="{65B865C5-DD59-4489-A60B-F6BADA4B043E}" srcOrd="0" destOrd="0" presId="urn:microsoft.com/office/officeart/2008/layout/LinedList"/>
+    <dgm:cxn modelId="{A58C2D30-B43E-4D25-BF33-4FD71BDCFB8C}" type="presParOf" srcId="{7EF79DD7-8D8F-415B-99F4-214C50A1DA4C}" destId="{ADEC9F02-F67F-4603-B3E0-F50A1147686F}" srcOrd="1" destOrd="0" presId="urn:microsoft.com/office/officeart/2008/layout/LinedList"/>
+    <dgm:cxn modelId="{21461038-25EC-4829-944A-3A60B0ECA2BE}" type="presParOf" srcId="{064BB703-0519-4A41-A369-B5FF2E3B8CFB}" destId="{0AB9E1AA-292A-4EBB-8D33-5618CD282F4F}" srcOrd="12" destOrd="0" presId="urn:microsoft.com/office/officeart/2008/layout/LinedList"/>
+    <dgm:cxn modelId="{379C708A-E2D7-41ED-A442-8098E6405C22}" type="presParOf" srcId="{064BB703-0519-4A41-A369-B5FF2E3B8CFB}" destId="{9BC93AA6-97F1-4BA0-B5E9-85E752F98E82}" srcOrd="13" destOrd="0" presId="urn:microsoft.com/office/officeart/2008/layout/LinedList"/>
+    <dgm:cxn modelId="{F1E910C6-0E1B-4AA8-9BE7-DE4C34726166}" type="presParOf" srcId="{9BC93AA6-97F1-4BA0-B5E9-85E752F98E82}" destId="{19D162C5-871D-46DD-9651-79CB367B7E42}" srcOrd="0" destOrd="0" presId="urn:microsoft.com/office/officeart/2008/layout/LinedList"/>
+    <dgm:cxn modelId="{8D9F37A9-34BA-424C-B535-135B41542CDF}" type="presParOf" srcId="{9BC93AA6-97F1-4BA0-B5E9-85E752F98E82}" destId="{9C57B652-B0AE-4B87-9736-855D61792AEC}" srcOrd="1" destOrd="0" presId="urn:microsoft.com/office/officeart/2008/layout/LinedList"/>
+    <dgm:cxn modelId="{1DBBA56F-5732-4A8F-A303-4DF67013CE66}" type="presParOf" srcId="{064BB703-0519-4A41-A369-B5FF2E3B8CFB}" destId="{19C9B25B-EF2B-49E3-89DC-390DD45F0241}" srcOrd="14" destOrd="0" presId="urn:microsoft.com/office/officeart/2008/layout/LinedList"/>
+    <dgm:cxn modelId="{E95C3057-8406-4607-821B-03ABCB032ACE}" type="presParOf" srcId="{064BB703-0519-4A41-A369-B5FF2E3B8CFB}" destId="{0EEDD7BB-7A95-4D67-B868-D8161D370862}" srcOrd="15" destOrd="0" presId="urn:microsoft.com/office/officeart/2008/layout/LinedList"/>
+    <dgm:cxn modelId="{FDCE3E09-2AFD-4771-BCAC-CA31DF021567}" type="presParOf" srcId="{0EEDD7BB-7A95-4D67-B868-D8161D370862}" destId="{6651EB7D-E03D-4801-A82B-1E356459441C}" srcOrd="0" destOrd="0" presId="urn:microsoft.com/office/officeart/2008/layout/LinedList"/>
+    <dgm:cxn modelId="{89D16D1F-1520-4495-95F7-FDC4B87CA58F}" type="presParOf" srcId="{0EEDD7BB-7A95-4D67-B868-D8161D370862}" destId="{8676A881-35F0-4257-BF24-449D44C0454F}" srcOrd="1" destOrd="0" presId="urn:microsoft.com/office/officeart/2008/layout/LinedList"/>
+    <dgm:cxn modelId="{6905D7BB-0FD6-4267-B945-80CA29C516E7}" type="presParOf" srcId="{064BB703-0519-4A41-A369-B5FF2E3B8CFB}" destId="{3C2B1709-793A-4814-822F-150E76555D4E}" srcOrd="16" destOrd="0" presId="urn:microsoft.com/office/officeart/2008/layout/LinedList"/>
+    <dgm:cxn modelId="{46B75058-9F41-4C38-89D7-3E623D6CA2C0}" type="presParOf" srcId="{064BB703-0519-4A41-A369-B5FF2E3B8CFB}" destId="{5988BAF0-6463-4517-B47C-BADE5F670469}" srcOrd="17" destOrd="0" presId="urn:microsoft.com/office/officeart/2008/layout/LinedList"/>
+    <dgm:cxn modelId="{564FC8C4-DA03-4518-A080-4D02CA19E2CE}" type="presParOf" srcId="{5988BAF0-6463-4517-B47C-BADE5F670469}" destId="{32444693-FFBE-43BE-B9A0-AEA7A25E9DE1}" srcOrd="0" destOrd="0" presId="urn:microsoft.com/office/officeart/2008/layout/LinedList"/>
+    <dgm:cxn modelId="{314F27A8-DF6E-45DA-85AB-44FB37DA12E6}" type="presParOf" srcId="{5988BAF0-6463-4517-B47C-BADE5F670469}" destId="{05B0DE74-B29D-456F-85E5-88C26D8FBDD6}" srcOrd="1" destOrd="0" presId="urn:microsoft.com/office/officeart/2008/layout/LinedList"/>
+    <dgm:cxn modelId="{EBD73168-B9D6-419A-BEAA-D13A3A046EBB}" type="presParOf" srcId="{064BB703-0519-4A41-A369-B5FF2E3B8CFB}" destId="{C7CB8D45-D26F-4870-AFEA-1E7F25E1B962}" srcOrd="18" destOrd="0" presId="urn:microsoft.com/office/officeart/2008/layout/LinedList"/>
+    <dgm:cxn modelId="{18F9C129-8F7D-4784-BAA5-879A04D803EC}" type="presParOf" srcId="{064BB703-0519-4A41-A369-B5FF2E3B8CFB}" destId="{9DC02B0C-0FFC-4DFF-8568-9199262C9ABF}" srcOrd="19" destOrd="0" presId="urn:microsoft.com/office/officeart/2008/layout/LinedList"/>
+    <dgm:cxn modelId="{EE6131F0-F44F-4865-9369-84D511CE6A68}" type="presParOf" srcId="{9DC02B0C-0FFC-4DFF-8568-9199262C9ABF}" destId="{B4D51B42-8AB3-4F1F-9E60-01073AF55368}" srcOrd="0" destOrd="0" presId="urn:microsoft.com/office/officeart/2008/layout/LinedList"/>
+    <dgm:cxn modelId="{F27EB4A3-70E9-45BF-AAE1-1361B1E76EB5}" type="presParOf" srcId="{9DC02B0C-0FFC-4DFF-8568-9199262C9ABF}" destId="{2CCE184D-93A9-4A83-A3FE-6C1F38CF8984}" srcOrd="1" destOrd="0" presId="urn:microsoft.com/office/officeart/2008/layout/LinedList"/>
+    <dgm:cxn modelId="{F6CD5FE1-F850-47EB-B579-941358F2F2A8}" type="presParOf" srcId="{064BB703-0519-4A41-A369-B5FF2E3B8CFB}" destId="{944D0BEE-6D1F-416C-9FB0-4D8680614C40}" srcOrd="20" destOrd="0" presId="urn:microsoft.com/office/officeart/2008/layout/LinedList"/>
+    <dgm:cxn modelId="{A059316C-9CEF-46EF-B67D-83CAB2790413}" type="presParOf" srcId="{064BB703-0519-4A41-A369-B5FF2E3B8CFB}" destId="{AAC7EFFA-CB26-46ED-8CC3-3ECDA631D02E}" srcOrd="21" destOrd="0" presId="urn:microsoft.com/office/officeart/2008/layout/LinedList"/>
+    <dgm:cxn modelId="{FF0BC911-FA93-4A82-9359-33974A3D6F13}" type="presParOf" srcId="{AAC7EFFA-CB26-46ED-8CC3-3ECDA631D02E}" destId="{6B8F1564-68FD-4CCB-80F3-ECE4764C4A90}" srcOrd="0" destOrd="0" presId="urn:microsoft.com/office/officeart/2008/layout/LinedList"/>
+    <dgm:cxn modelId="{06BB9DB3-0112-46AF-9467-CBCE4462BA98}" type="presParOf" srcId="{AAC7EFFA-CB26-46ED-8CC3-3ECDA631D02E}" destId="{608CE8B6-628F-41E9-9FE4-798B41704C35}" srcOrd="1" destOrd="0" presId="urn:microsoft.com/office/officeart/2008/layout/LinedList"/>
   </dgm:cxnLst>
   <dgm:bg/>
   <dgm:whole/>
@@ -3022,17 +2943,17 @@
       <dsp:cNvGrpSpPr/>
     </dsp:nvGrpSpPr>
     <dsp:grpSpPr/>
-    <dsp:sp modelId="{8B52EEFA-D34F-46B5-8182-55062DB60CA3}">
+    <dsp:sp modelId="{89ECECB4-6B1C-42F0-A7EC-4F53BB0C4254}">
       <dsp:nvSpPr>
         <dsp:cNvPr id="0" name=""/>
         <dsp:cNvSpPr/>
       </dsp:nvSpPr>
       <dsp:spPr>
         <a:xfrm>
-          <a:off x="0" y="162163"/>
-          <a:ext cx="5609230" cy="600842"/>
+          <a:off x="0" y="607"/>
+          <a:ext cx="5664038" cy="0"/>
         </a:xfrm>
-        <a:prstGeom prst="roundRect">
+        <a:prstGeom prst="line">
           <a:avLst/>
         </a:prstGeom>
         <a:solidFill>
@@ -3045,7 +2966,7 @@
         </a:solidFill>
         <a:ln w="12700" cap="flat" cmpd="sng" algn="ctr">
           <a:solidFill>
-            <a:schemeClr val="lt1">
+            <a:schemeClr val="accent2">
               <a:hueOff val="0"/>
               <a:satOff val="0"/>
               <a:lumOff val="0"/>
@@ -3071,13 +2992,45 @@
           <a:schemeClr val="lt1"/>
         </a:fontRef>
       </dsp:style>
+    </dsp:sp>
+    <dsp:sp modelId="{74E26BB6-432E-43D2-8C67-409CEAFFEFD4}">
+      <dsp:nvSpPr>
+        <dsp:cNvPr id="0" name=""/>
+        <dsp:cNvSpPr/>
+      </dsp:nvSpPr>
+      <dsp:spPr>
+        <a:xfrm>
+          <a:off x="0" y="607"/>
+          <a:ext cx="5664038" cy="711211"/>
+        </a:xfrm>
+        <a:prstGeom prst="rect">
+          <a:avLst/>
+        </a:prstGeom>
+        <a:noFill/>
+        <a:ln>
+          <a:noFill/>
+        </a:ln>
+        <a:effectLst/>
+      </dsp:spPr>
+      <dsp:style>
+        <a:lnRef idx="0">
+          <a:scrgbClr r="0" g="0" b="0"/>
+        </a:lnRef>
+        <a:fillRef idx="0">
+          <a:scrgbClr r="0" g="0" b="0"/>
+        </a:fillRef>
+        <a:effectRef idx="0">
+          <a:scrgbClr r="0" g="0" b="0"/>
+        </a:effectRef>
+        <a:fontRef idx="minor"/>
+      </dsp:style>
       <dsp:txBody>
-        <a:bodyPr spcFirstLastPara="0" vert="horz" wrap="square" lIns="41910" tIns="41910" rIns="41910" bIns="41910" numCol="1" spcCol="1270" anchor="ctr" anchorCtr="0">
+        <a:bodyPr spcFirstLastPara="0" vert="horz" wrap="square" lIns="53340" tIns="53340" rIns="53340" bIns="53340" numCol="1" spcCol="1270" anchor="t" anchorCtr="0">
           <a:noAutofit/>
         </a:bodyPr>
         <a:lstStyle/>
         <a:p>
-          <a:pPr marL="0" lvl="0" indent="0" algn="l" defTabSz="488950">
+          <a:pPr marL="0" lvl="0" indent="0" algn="l" defTabSz="622300">
             <a:lnSpc>
               <a:spcPct val="90000"/>
             </a:lnSpc>
@@ -3090,39 +3043,27 @@
             <a:buNone/>
           </a:pPr>
           <a:r>
-            <a:rPr lang="en-US" sz="1100" b="1" kern="1200" dirty="0">
-              <a:solidFill>
-                <a:schemeClr val="tx1"/>
-              </a:solidFill>
-            </a:rPr>
-            <a:t>Linear Regression </a:t>
-          </a:r>
-          <a:r>
-            <a:rPr lang="en-US" sz="1100" kern="1200" dirty="0">
-              <a:solidFill>
-                <a:schemeClr val="tx1"/>
-              </a:solidFill>
-            </a:rPr>
-            <a:t>– to predict and analyze the correlation of 2 features in our dataset</a:t>
+            <a:rPr lang="en-US" sz="1400" kern="1200" dirty="0"/>
+            <a:t>Linear Regression – to predict and analyze the correlation of 2 features in our dataset</a:t>
           </a:r>
         </a:p>
       </dsp:txBody>
       <dsp:txXfrm>
-        <a:off x="29331" y="191494"/>
-        <a:ext cx="5550568" cy="542180"/>
+        <a:off x="0" y="607"/>
+        <a:ext cx="5664038" cy="711211"/>
       </dsp:txXfrm>
     </dsp:sp>
-    <dsp:sp modelId="{88D6434B-9F9B-4669-9445-6526E387AFCA}">
+    <dsp:sp modelId="{0B35C4E7-DF61-494F-80CC-F8FC21FE68BD}">
       <dsp:nvSpPr>
         <dsp:cNvPr id="0" name=""/>
         <dsp:cNvSpPr/>
       </dsp:nvSpPr>
       <dsp:spPr>
         <a:xfrm>
-          <a:off x="0" y="794686"/>
-          <a:ext cx="5609230" cy="600842"/>
+          <a:off x="0" y="711819"/>
+          <a:ext cx="5664038" cy="0"/>
         </a:xfrm>
-        <a:prstGeom prst="roundRect">
+        <a:prstGeom prst="line">
           <a:avLst/>
         </a:prstGeom>
         <a:solidFill>
@@ -3135,7 +3076,689 @@
         </a:solidFill>
         <a:ln w="12700" cap="flat" cmpd="sng" algn="ctr">
           <a:solidFill>
-            <a:schemeClr val="lt1">
+            <a:schemeClr val="accent2">
+              <a:hueOff val="-3035100"/>
+              <a:satOff val="488"/>
+              <a:lumOff val="1340"/>
+              <a:alphaOff val="0"/>
+            </a:schemeClr>
+          </a:solidFill>
+          <a:prstDash val="solid"/>
+          <a:miter lim="800000"/>
+        </a:ln>
+        <a:effectLst/>
+      </dsp:spPr>
+      <dsp:style>
+        <a:lnRef idx="2">
+          <a:scrgbClr r="0" g="0" b="0"/>
+        </a:lnRef>
+        <a:fillRef idx="1">
+          <a:scrgbClr r="0" g="0" b="0"/>
+        </a:fillRef>
+        <a:effectRef idx="0">
+          <a:scrgbClr r="0" g="0" b="0"/>
+        </a:effectRef>
+        <a:fontRef idx="minor">
+          <a:schemeClr val="lt1"/>
+        </a:fontRef>
+      </dsp:style>
+    </dsp:sp>
+    <dsp:sp modelId="{A220CAC7-0BF1-41A6-ADC1-D56F836B0209}">
+      <dsp:nvSpPr>
+        <dsp:cNvPr id="0" name=""/>
+        <dsp:cNvSpPr/>
+      </dsp:nvSpPr>
+      <dsp:spPr>
+        <a:xfrm>
+          <a:off x="0" y="711819"/>
+          <a:ext cx="5664038" cy="711211"/>
+        </a:xfrm>
+        <a:prstGeom prst="rect">
+          <a:avLst/>
+        </a:prstGeom>
+        <a:noFill/>
+        <a:ln>
+          <a:noFill/>
+        </a:ln>
+        <a:effectLst/>
+      </dsp:spPr>
+      <dsp:style>
+        <a:lnRef idx="0">
+          <a:scrgbClr r="0" g="0" b="0"/>
+        </a:lnRef>
+        <a:fillRef idx="0">
+          <a:scrgbClr r="0" g="0" b="0"/>
+        </a:fillRef>
+        <a:effectRef idx="0">
+          <a:scrgbClr r="0" g="0" b="0"/>
+        </a:effectRef>
+        <a:fontRef idx="minor"/>
+      </dsp:style>
+      <dsp:txBody>
+        <a:bodyPr spcFirstLastPara="0" vert="horz" wrap="square" lIns="53340" tIns="53340" rIns="53340" bIns="53340" numCol="1" spcCol="1270" anchor="t" anchorCtr="0">
+          <a:noAutofit/>
+        </a:bodyPr>
+        <a:lstStyle/>
+        <a:p>
+          <a:pPr marL="0" lvl="0" indent="0" algn="l" defTabSz="622300">
+            <a:lnSpc>
+              <a:spcPct val="90000"/>
+            </a:lnSpc>
+            <a:spcBef>
+              <a:spcPct val="0"/>
+            </a:spcBef>
+            <a:spcAft>
+              <a:spcPct val="35000"/>
+            </a:spcAft>
+            <a:buNone/>
+          </a:pPr>
+          <a:r>
+            <a:rPr lang="en-US" sz="1400" kern="1200" dirty="0"/>
+            <a:t>K Means – This is an unsupervised learning technique creating clusters of data based on a centroid</a:t>
+          </a:r>
+        </a:p>
+      </dsp:txBody>
+      <dsp:txXfrm>
+        <a:off x="0" y="711819"/>
+        <a:ext cx="5664038" cy="711211"/>
+      </dsp:txXfrm>
+    </dsp:sp>
+    <dsp:sp modelId="{4135F699-F5D6-46AB-9D49-00C4963DEE61}">
+      <dsp:nvSpPr>
+        <dsp:cNvPr id="0" name=""/>
+        <dsp:cNvSpPr/>
+      </dsp:nvSpPr>
+      <dsp:spPr>
+        <a:xfrm>
+          <a:off x="0" y="1423030"/>
+          <a:ext cx="5664038" cy="0"/>
+        </a:xfrm>
+        <a:prstGeom prst="line">
+          <a:avLst/>
+        </a:prstGeom>
+        <a:solidFill>
+          <a:schemeClr val="accent2">
+            <a:hueOff val="-6070200"/>
+            <a:satOff val="977"/>
+            <a:lumOff val="2680"/>
+            <a:alphaOff val="0"/>
+          </a:schemeClr>
+        </a:solidFill>
+        <a:ln w="12700" cap="flat" cmpd="sng" algn="ctr">
+          <a:solidFill>
+            <a:schemeClr val="accent2">
+              <a:hueOff val="-6070200"/>
+              <a:satOff val="977"/>
+              <a:lumOff val="2680"/>
+              <a:alphaOff val="0"/>
+            </a:schemeClr>
+          </a:solidFill>
+          <a:prstDash val="solid"/>
+          <a:miter lim="800000"/>
+        </a:ln>
+        <a:effectLst/>
+      </dsp:spPr>
+      <dsp:style>
+        <a:lnRef idx="2">
+          <a:scrgbClr r="0" g="0" b="0"/>
+        </a:lnRef>
+        <a:fillRef idx="1">
+          <a:scrgbClr r="0" g="0" b="0"/>
+        </a:fillRef>
+        <a:effectRef idx="0">
+          <a:scrgbClr r="0" g="0" b="0"/>
+        </a:effectRef>
+        <a:fontRef idx="minor">
+          <a:schemeClr val="lt1"/>
+        </a:fontRef>
+      </dsp:style>
+    </dsp:sp>
+    <dsp:sp modelId="{1D29F97A-A04B-426D-9EC5-9034DE808D6A}">
+      <dsp:nvSpPr>
+        <dsp:cNvPr id="0" name=""/>
+        <dsp:cNvSpPr/>
+      </dsp:nvSpPr>
+      <dsp:spPr>
+        <a:xfrm>
+          <a:off x="0" y="1423030"/>
+          <a:ext cx="5664038" cy="711211"/>
+        </a:xfrm>
+        <a:prstGeom prst="rect">
+          <a:avLst/>
+        </a:prstGeom>
+        <a:noFill/>
+        <a:ln>
+          <a:noFill/>
+        </a:ln>
+        <a:effectLst/>
+      </dsp:spPr>
+      <dsp:style>
+        <a:lnRef idx="0">
+          <a:scrgbClr r="0" g="0" b="0"/>
+        </a:lnRef>
+        <a:fillRef idx="0">
+          <a:scrgbClr r="0" g="0" b="0"/>
+        </a:fillRef>
+        <a:effectRef idx="0">
+          <a:scrgbClr r="0" g="0" b="0"/>
+        </a:effectRef>
+        <a:fontRef idx="minor"/>
+      </dsp:style>
+      <dsp:txBody>
+        <a:bodyPr spcFirstLastPara="0" vert="horz" wrap="square" lIns="53340" tIns="53340" rIns="53340" bIns="53340" numCol="1" spcCol="1270" anchor="t" anchorCtr="0">
+          <a:noAutofit/>
+        </a:bodyPr>
+        <a:lstStyle/>
+        <a:p>
+          <a:pPr marL="0" lvl="0" indent="0" algn="l" defTabSz="622300">
+            <a:lnSpc>
+              <a:spcPct val="90000"/>
+            </a:lnSpc>
+            <a:spcBef>
+              <a:spcPct val="0"/>
+            </a:spcBef>
+            <a:spcAft>
+              <a:spcPct val="35000"/>
+            </a:spcAft>
+            <a:buNone/>
+          </a:pPr>
+          <a:r>
+            <a:rPr lang="en-US" sz="1400" kern="1200" dirty="0"/>
+            <a:t>KNN – This is a clustering technique which analyzes data nearest to other data to predict a diagnosis</a:t>
+          </a:r>
+        </a:p>
+      </dsp:txBody>
+      <dsp:txXfrm>
+        <a:off x="0" y="1423030"/>
+        <a:ext cx="5664038" cy="711211"/>
+      </dsp:txXfrm>
+    </dsp:sp>
+    <dsp:sp modelId="{74158071-08E9-4CD4-9989-DAD8B2D11358}">
+      <dsp:nvSpPr>
+        <dsp:cNvPr id="0" name=""/>
+        <dsp:cNvSpPr/>
+      </dsp:nvSpPr>
+      <dsp:spPr>
+        <a:xfrm>
+          <a:off x="0" y="2134241"/>
+          <a:ext cx="5664038" cy="0"/>
+        </a:xfrm>
+        <a:prstGeom prst="line">
+          <a:avLst/>
+        </a:prstGeom>
+        <a:solidFill>
+          <a:schemeClr val="accent2">
+            <a:hueOff val="-9105300"/>
+            <a:satOff val="1465"/>
+            <a:lumOff val="4020"/>
+            <a:alphaOff val="0"/>
+          </a:schemeClr>
+        </a:solidFill>
+        <a:ln w="12700" cap="flat" cmpd="sng" algn="ctr">
+          <a:solidFill>
+            <a:schemeClr val="accent2">
+              <a:hueOff val="-9105300"/>
+              <a:satOff val="1465"/>
+              <a:lumOff val="4020"/>
+              <a:alphaOff val="0"/>
+            </a:schemeClr>
+          </a:solidFill>
+          <a:prstDash val="solid"/>
+          <a:miter lim="800000"/>
+        </a:ln>
+        <a:effectLst/>
+      </dsp:spPr>
+      <dsp:style>
+        <a:lnRef idx="2">
+          <a:scrgbClr r="0" g="0" b="0"/>
+        </a:lnRef>
+        <a:fillRef idx="1">
+          <a:scrgbClr r="0" g="0" b="0"/>
+        </a:fillRef>
+        <a:effectRef idx="0">
+          <a:scrgbClr r="0" g="0" b="0"/>
+        </a:effectRef>
+        <a:fontRef idx="minor">
+          <a:schemeClr val="lt1"/>
+        </a:fontRef>
+      </dsp:style>
+    </dsp:sp>
+    <dsp:sp modelId="{11371894-20BD-44E3-86C2-1A20F3B5284A}">
+      <dsp:nvSpPr>
+        <dsp:cNvPr id="0" name=""/>
+        <dsp:cNvSpPr/>
+      </dsp:nvSpPr>
+      <dsp:spPr>
+        <a:xfrm>
+          <a:off x="0" y="2134241"/>
+          <a:ext cx="5664038" cy="711211"/>
+        </a:xfrm>
+        <a:prstGeom prst="rect">
+          <a:avLst/>
+        </a:prstGeom>
+        <a:noFill/>
+        <a:ln>
+          <a:noFill/>
+        </a:ln>
+        <a:effectLst/>
+      </dsp:spPr>
+      <dsp:style>
+        <a:lnRef idx="0">
+          <a:scrgbClr r="0" g="0" b="0"/>
+        </a:lnRef>
+        <a:fillRef idx="0">
+          <a:scrgbClr r="0" g="0" b="0"/>
+        </a:fillRef>
+        <a:effectRef idx="0">
+          <a:scrgbClr r="0" g="0" b="0"/>
+        </a:effectRef>
+        <a:fontRef idx="minor"/>
+      </dsp:style>
+      <dsp:txBody>
+        <a:bodyPr spcFirstLastPara="0" vert="horz" wrap="square" lIns="53340" tIns="53340" rIns="53340" bIns="53340" numCol="1" spcCol="1270" anchor="t" anchorCtr="0">
+          <a:noAutofit/>
+        </a:bodyPr>
+        <a:lstStyle/>
+        <a:p>
+          <a:pPr marL="0" lvl="0" indent="0" algn="l" defTabSz="622300" rtl="0">
+            <a:lnSpc>
+              <a:spcPct val="90000"/>
+            </a:lnSpc>
+            <a:spcBef>
+              <a:spcPct val="0"/>
+            </a:spcBef>
+            <a:spcAft>
+              <a:spcPct val="35000"/>
+            </a:spcAft>
+            <a:buNone/>
+          </a:pPr>
+          <a:r>
+            <a:rPr lang="en-US" sz="1400" kern="1200" dirty="0"/>
+            <a:t>Naïve Bayes – This is a technique used to predict cancer by taking features  of our dataset and using the same weight for each -&gt; Assumes </a:t>
+          </a:r>
+          <a:r>
+            <a:rPr lang="en-US" sz="1400" kern="1200" dirty="0">
+              <a:latin typeface="Sitka Banner"/>
+            </a:rPr>
+            <a:t>features have</a:t>
+          </a:r>
+          <a:r>
+            <a:rPr lang="en-US" sz="1400" kern="1200" dirty="0"/>
+            <a:t> same effect on output hence Naïve </a:t>
+          </a:r>
+        </a:p>
+      </dsp:txBody>
+      <dsp:txXfrm>
+        <a:off x="0" y="2134241"/>
+        <a:ext cx="5664038" cy="711211"/>
+      </dsp:txXfrm>
+    </dsp:sp>
+    <dsp:sp modelId="{00283C74-2B8B-4B13-B18E-BDBCCD1BE9BE}">
+      <dsp:nvSpPr>
+        <dsp:cNvPr id="0" name=""/>
+        <dsp:cNvSpPr/>
+      </dsp:nvSpPr>
+      <dsp:spPr>
+        <a:xfrm>
+          <a:off x="0" y="2845452"/>
+          <a:ext cx="5664038" cy="0"/>
+        </a:xfrm>
+        <a:prstGeom prst="line">
+          <a:avLst/>
+        </a:prstGeom>
+        <a:solidFill>
+          <a:schemeClr val="accent2">
+            <a:hueOff val="-12140401"/>
+            <a:satOff val="1954"/>
+            <a:lumOff val="5360"/>
+            <a:alphaOff val="0"/>
+          </a:schemeClr>
+        </a:solidFill>
+        <a:ln w="12700" cap="flat" cmpd="sng" algn="ctr">
+          <a:solidFill>
+            <a:schemeClr val="accent2">
+              <a:hueOff val="-12140401"/>
+              <a:satOff val="1954"/>
+              <a:lumOff val="5360"/>
+              <a:alphaOff val="0"/>
+            </a:schemeClr>
+          </a:solidFill>
+          <a:prstDash val="solid"/>
+          <a:miter lim="800000"/>
+        </a:ln>
+        <a:effectLst/>
+      </dsp:spPr>
+      <dsp:style>
+        <a:lnRef idx="2">
+          <a:scrgbClr r="0" g="0" b="0"/>
+        </a:lnRef>
+        <a:fillRef idx="1">
+          <a:scrgbClr r="0" g="0" b="0"/>
+        </a:fillRef>
+        <a:effectRef idx="0">
+          <a:scrgbClr r="0" g="0" b="0"/>
+        </a:effectRef>
+        <a:fontRef idx="minor">
+          <a:schemeClr val="lt1"/>
+        </a:fontRef>
+      </dsp:style>
+    </dsp:sp>
+    <dsp:sp modelId="{3A01F449-B4F2-4E85-A714-BDB16BEF6677}">
+      <dsp:nvSpPr>
+        <dsp:cNvPr id="0" name=""/>
+        <dsp:cNvSpPr/>
+      </dsp:nvSpPr>
+      <dsp:spPr>
+        <a:xfrm>
+          <a:off x="0" y="2845452"/>
+          <a:ext cx="5664038" cy="711211"/>
+        </a:xfrm>
+        <a:prstGeom prst="rect">
+          <a:avLst/>
+        </a:prstGeom>
+        <a:noFill/>
+        <a:ln>
+          <a:noFill/>
+        </a:ln>
+        <a:effectLst/>
+      </dsp:spPr>
+      <dsp:style>
+        <a:lnRef idx="0">
+          <a:scrgbClr r="0" g="0" b="0"/>
+        </a:lnRef>
+        <a:fillRef idx="0">
+          <a:scrgbClr r="0" g="0" b="0"/>
+        </a:fillRef>
+        <a:effectRef idx="0">
+          <a:scrgbClr r="0" g="0" b="0"/>
+        </a:effectRef>
+        <a:fontRef idx="minor"/>
+      </dsp:style>
+      <dsp:txBody>
+        <a:bodyPr spcFirstLastPara="0" vert="horz" wrap="square" lIns="53340" tIns="53340" rIns="53340" bIns="53340" numCol="1" spcCol="1270" anchor="t" anchorCtr="0">
+          <a:noAutofit/>
+        </a:bodyPr>
+        <a:lstStyle/>
+        <a:p>
+          <a:pPr marL="0" lvl="0" indent="0" algn="l" defTabSz="622300" rtl="0">
+            <a:lnSpc>
+              <a:spcPct val="90000"/>
+            </a:lnSpc>
+            <a:spcBef>
+              <a:spcPct val="0"/>
+            </a:spcBef>
+            <a:spcAft>
+              <a:spcPct val="35000"/>
+            </a:spcAft>
+            <a:buNone/>
+          </a:pPr>
+          <a:r>
+            <a:rPr lang="en-US" sz="1400" kern="1200" dirty="0"/>
+            <a:t>Decision Trees – Which were used to predict diagnosis by making a tree of features in our dataset which will either lead to positive or negative diagnosis based on their values</a:t>
+          </a:r>
+        </a:p>
+      </dsp:txBody>
+      <dsp:txXfrm>
+        <a:off x="0" y="2845452"/>
+        <a:ext cx="5664038" cy="711211"/>
+      </dsp:txXfrm>
+    </dsp:sp>
+    <dsp:sp modelId="{22F3FF6B-5BA3-4CF5-BFF7-D5E2FB2AE1F0}">
+      <dsp:nvSpPr>
+        <dsp:cNvPr id="0" name=""/>
+        <dsp:cNvSpPr/>
+      </dsp:nvSpPr>
+      <dsp:spPr>
+        <a:xfrm>
+          <a:off x="0" y="3556663"/>
+          <a:ext cx="5664038" cy="0"/>
+        </a:xfrm>
+        <a:prstGeom prst="line">
+          <a:avLst/>
+        </a:prstGeom>
+        <a:solidFill>
+          <a:schemeClr val="accent2">
+            <a:hueOff val="-15175500"/>
+            <a:satOff val="2442"/>
+            <a:lumOff val="6700"/>
+            <a:alphaOff val="0"/>
+          </a:schemeClr>
+        </a:solidFill>
+        <a:ln w="12700" cap="flat" cmpd="sng" algn="ctr">
+          <a:solidFill>
+            <a:schemeClr val="accent2">
+              <a:hueOff val="-15175500"/>
+              <a:satOff val="2442"/>
+              <a:lumOff val="6700"/>
+              <a:alphaOff val="0"/>
+            </a:schemeClr>
+          </a:solidFill>
+          <a:prstDash val="solid"/>
+          <a:miter lim="800000"/>
+        </a:ln>
+        <a:effectLst/>
+      </dsp:spPr>
+      <dsp:style>
+        <a:lnRef idx="2">
+          <a:scrgbClr r="0" g="0" b="0"/>
+        </a:lnRef>
+        <a:fillRef idx="1">
+          <a:scrgbClr r="0" g="0" b="0"/>
+        </a:fillRef>
+        <a:effectRef idx="0">
+          <a:scrgbClr r="0" g="0" b="0"/>
+        </a:effectRef>
+        <a:fontRef idx="minor">
+          <a:schemeClr val="lt1"/>
+        </a:fontRef>
+      </dsp:style>
+    </dsp:sp>
+    <dsp:sp modelId="{4527CF99-3B85-465F-B07C-6DC5A6DE2D0D}">
+      <dsp:nvSpPr>
+        <dsp:cNvPr id="0" name=""/>
+        <dsp:cNvSpPr/>
+      </dsp:nvSpPr>
+      <dsp:spPr>
+        <a:xfrm>
+          <a:off x="0" y="3556663"/>
+          <a:ext cx="5664038" cy="711211"/>
+        </a:xfrm>
+        <a:prstGeom prst="rect">
+          <a:avLst/>
+        </a:prstGeom>
+        <a:noFill/>
+        <a:ln>
+          <a:noFill/>
+        </a:ln>
+        <a:effectLst/>
+      </dsp:spPr>
+      <dsp:style>
+        <a:lnRef idx="0">
+          <a:scrgbClr r="0" g="0" b="0"/>
+        </a:lnRef>
+        <a:fillRef idx="0">
+          <a:scrgbClr r="0" g="0" b="0"/>
+        </a:fillRef>
+        <a:effectRef idx="0">
+          <a:scrgbClr r="0" g="0" b="0"/>
+        </a:effectRef>
+        <a:fontRef idx="minor"/>
+      </dsp:style>
+      <dsp:txBody>
+        <a:bodyPr spcFirstLastPara="0" vert="horz" wrap="square" lIns="53340" tIns="53340" rIns="53340" bIns="53340" numCol="1" spcCol="1270" anchor="t" anchorCtr="0">
+          <a:noAutofit/>
+        </a:bodyPr>
+        <a:lstStyle/>
+        <a:p>
+          <a:pPr marL="0" lvl="0" indent="0" algn="l" defTabSz="622300">
+            <a:lnSpc>
+              <a:spcPct val="90000"/>
+            </a:lnSpc>
+            <a:spcBef>
+              <a:spcPct val="0"/>
+            </a:spcBef>
+            <a:spcAft>
+              <a:spcPct val="35000"/>
+            </a:spcAft>
+            <a:buNone/>
+          </a:pPr>
+          <a:r>
+            <a:rPr lang="en-US" sz="1400" kern="1200" dirty="0"/>
+            <a:t>Random Forest – Creates multiple trees then merges the best models to predict our diagnois</a:t>
+          </a:r>
+        </a:p>
+      </dsp:txBody>
+      <dsp:txXfrm>
+        <a:off x="0" y="3556663"/>
+        <a:ext cx="5664038" cy="711211"/>
+      </dsp:txXfrm>
+    </dsp:sp>
+    <dsp:sp modelId="{93277E58-B4A2-40FE-B9C5-E4EFD63CF7B2}">
+      <dsp:nvSpPr>
+        <dsp:cNvPr id="0" name=""/>
+        <dsp:cNvSpPr/>
+      </dsp:nvSpPr>
+      <dsp:spPr>
+        <a:xfrm>
+          <a:off x="0" y="4267874"/>
+          <a:ext cx="5664038" cy="0"/>
+        </a:xfrm>
+        <a:prstGeom prst="line">
+          <a:avLst/>
+        </a:prstGeom>
+        <a:solidFill>
+          <a:schemeClr val="accent2">
+            <a:hueOff val="-18210601"/>
+            <a:satOff val="2931"/>
+            <a:lumOff val="8040"/>
+            <a:alphaOff val="0"/>
+          </a:schemeClr>
+        </a:solidFill>
+        <a:ln w="12700" cap="flat" cmpd="sng" algn="ctr">
+          <a:solidFill>
+            <a:schemeClr val="accent2">
+              <a:hueOff val="-18210601"/>
+              <a:satOff val="2931"/>
+              <a:lumOff val="8040"/>
+              <a:alphaOff val="0"/>
+            </a:schemeClr>
+          </a:solidFill>
+          <a:prstDash val="solid"/>
+          <a:miter lim="800000"/>
+        </a:ln>
+        <a:effectLst/>
+      </dsp:spPr>
+      <dsp:style>
+        <a:lnRef idx="2">
+          <a:scrgbClr r="0" g="0" b="0"/>
+        </a:lnRef>
+        <a:fillRef idx="1">
+          <a:scrgbClr r="0" g="0" b="0"/>
+        </a:fillRef>
+        <a:effectRef idx="0">
+          <a:scrgbClr r="0" g="0" b="0"/>
+        </a:effectRef>
+        <a:fontRef idx="minor">
+          <a:schemeClr val="lt1"/>
+        </a:fontRef>
+      </dsp:style>
+    </dsp:sp>
+    <dsp:sp modelId="{72C00EB0-52B5-4D45-9894-3F25C9B8B031}">
+      <dsp:nvSpPr>
+        <dsp:cNvPr id="0" name=""/>
+        <dsp:cNvSpPr/>
+      </dsp:nvSpPr>
+      <dsp:spPr>
+        <a:xfrm>
+          <a:off x="0" y="4267874"/>
+          <a:ext cx="5664038" cy="711211"/>
+        </a:xfrm>
+        <a:prstGeom prst="rect">
+          <a:avLst/>
+        </a:prstGeom>
+        <a:noFill/>
+        <a:ln>
+          <a:noFill/>
+        </a:ln>
+        <a:effectLst/>
+      </dsp:spPr>
+      <dsp:style>
+        <a:lnRef idx="0">
+          <a:scrgbClr r="0" g="0" b="0"/>
+        </a:lnRef>
+        <a:fillRef idx="0">
+          <a:scrgbClr r="0" g="0" b="0"/>
+        </a:fillRef>
+        <a:effectRef idx="0">
+          <a:scrgbClr r="0" g="0" b="0"/>
+        </a:effectRef>
+        <a:fontRef idx="minor"/>
+      </dsp:style>
+      <dsp:txBody>
+        <a:bodyPr spcFirstLastPara="0" vert="horz" wrap="square" lIns="53340" tIns="53340" rIns="53340" bIns="53340" numCol="1" spcCol="1270" anchor="t" anchorCtr="0">
+          <a:noAutofit/>
+        </a:bodyPr>
+        <a:lstStyle/>
+        <a:p>
+          <a:pPr marL="0" lvl="0" indent="0" algn="l" defTabSz="622300">
+            <a:lnSpc>
+              <a:spcPct val="90000"/>
+            </a:lnSpc>
+            <a:spcBef>
+              <a:spcPct val="0"/>
+            </a:spcBef>
+            <a:spcAft>
+              <a:spcPct val="35000"/>
+            </a:spcAft>
+            <a:buNone/>
+          </a:pPr>
+          <a:r>
+            <a:rPr lang="en-US" sz="1400" kern="1200" dirty="0"/>
+            <a:t>PCA (Principle Component Analysis) - unsupervised dimensionality-reduction which reduced features in our dataset by removing similar features which were highly correlated</a:t>
+          </a:r>
+        </a:p>
+      </dsp:txBody>
+      <dsp:txXfrm>
+        <a:off x="0" y="4267874"/>
+        <a:ext cx="5664038" cy="711211"/>
+      </dsp:txXfrm>
+    </dsp:sp>
+  </dsp:spTree>
+</dsp:drawing>
+</file>
+
+<file path=ppt/diagrams/drawing2.xml><?xml version="1.0" encoding="utf-8"?>
+<dsp:drawing xmlns:dgm="http://schemas.openxmlformats.org/drawingml/2006/diagram" xmlns:dsp="http://schemas.microsoft.com/office/drawing/2008/diagram" xmlns:a="http://schemas.openxmlformats.org/drawingml/2006/main">
+  <dsp:spTree>
+    <dsp:nvGrpSpPr>
+      <dsp:cNvPr id="0" name=""/>
+      <dsp:cNvGrpSpPr/>
+    </dsp:nvGrpSpPr>
+    <dsp:grpSpPr/>
+    <dsp:sp modelId="{6218915B-05AF-42B7-8740-B066F58D011D}">
+      <dsp:nvSpPr>
+        <dsp:cNvPr id="0" name=""/>
+        <dsp:cNvSpPr/>
+      </dsp:nvSpPr>
+      <dsp:spPr>
+        <a:xfrm>
+          <a:off x="0" y="2325"/>
+          <a:ext cx="5704764" cy="0"/>
+        </a:xfrm>
+        <a:prstGeom prst="line">
+          <a:avLst/>
+        </a:prstGeom>
+        <a:solidFill>
+          <a:schemeClr val="accent2">
+            <a:hueOff val="0"/>
+            <a:satOff val="0"/>
+            <a:lumOff val="0"/>
+            <a:alphaOff val="0"/>
+          </a:schemeClr>
+        </a:solidFill>
+        <a:ln w="12700" cap="flat" cmpd="sng" algn="ctr">
+          <a:solidFill>
+            <a:schemeClr val="accent2">
               <a:hueOff val="0"/>
               <a:satOff val="0"/>
               <a:lumOff val="0"/>
@@ -3161,8 +3784,40 @@
           <a:schemeClr val="lt1"/>
         </a:fontRef>
       </dsp:style>
+    </dsp:sp>
+    <dsp:sp modelId="{FB6EF65B-7CAD-451F-B96C-2A32D0D3357C}">
+      <dsp:nvSpPr>
+        <dsp:cNvPr id="0" name=""/>
+        <dsp:cNvSpPr/>
+      </dsp:nvSpPr>
+      <dsp:spPr>
+        <a:xfrm>
+          <a:off x="0" y="2325"/>
+          <a:ext cx="5704764" cy="432531"/>
+        </a:xfrm>
+        <a:prstGeom prst="rect">
+          <a:avLst/>
+        </a:prstGeom>
+        <a:noFill/>
+        <a:ln>
+          <a:noFill/>
+        </a:ln>
+        <a:effectLst/>
+      </dsp:spPr>
+      <dsp:style>
+        <a:lnRef idx="0">
+          <a:scrgbClr r="0" g="0" b="0"/>
+        </a:lnRef>
+        <a:fillRef idx="0">
+          <a:scrgbClr r="0" g="0" b="0"/>
+        </a:fillRef>
+        <a:effectRef idx="0">
+          <a:scrgbClr r="0" g="0" b="0"/>
+        </a:effectRef>
+        <a:fontRef idx="minor"/>
+      </dsp:style>
       <dsp:txBody>
-        <a:bodyPr spcFirstLastPara="0" vert="horz" wrap="square" lIns="41910" tIns="41910" rIns="41910" bIns="41910" numCol="1" spcCol="1270" anchor="ctr" anchorCtr="0">
+        <a:bodyPr spcFirstLastPara="0" vert="horz" wrap="square" lIns="41910" tIns="41910" rIns="41910" bIns="41910" numCol="1" spcCol="1270" anchor="t" anchorCtr="0">
           <a:noAutofit/>
         </a:bodyPr>
         <a:lstStyle/>
@@ -3180,52 +3835,48 @@
             <a:buNone/>
           </a:pPr>
           <a:r>
-            <a:rPr lang="en-US" sz="1100" b="1" kern="1200" dirty="0">
-              <a:solidFill>
-                <a:schemeClr val="tx1"/>
-              </a:solidFill>
-            </a:rPr>
-            <a:t>K Means </a:t>
+            <a:rPr lang="en-US" sz="1100" kern="1200" dirty="0"/>
+            <a:t>Linear Regression was used to analyze the strength of the relationship between certain features and our Diagnosis – Also used </a:t>
           </a:r>
           <a:r>
-            <a:rPr lang="en-US" sz="1100" kern="1200" dirty="0">
-              <a:solidFill>
-                <a:schemeClr val="tx1"/>
-              </a:solidFill>
-            </a:rPr>
-            <a:t>– This is an unsupervised learning technique creating clusters of data based on a centroid</a:t>
+            <a:rPr lang="en-US" sz="1100" kern="1200" dirty="0" err="1"/>
+            <a:t>Cramérs</a:t>
+          </a:r>
+          <a:r>
+            <a:rPr lang="en-US" sz="1100" kern="1200" dirty="0"/>
+            <a:t> V </a:t>
           </a:r>
         </a:p>
       </dsp:txBody>
       <dsp:txXfrm>
-        <a:off x="29331" y="824017"/>
-        <a:ext cx="5550568" cy="542180"/>
+        <a:off x="0" y="2325"/>
+        <a:ext cx="5704764" cy="432531"/>
       </dsp:txXfrm>
     </dsp:sp>
-    <dsp:sp modelId="{F943C99D-BA73-46E1-9664-5C2971DDFA44}">
+    <dsp:sp modelId="{E0C21A9A-02F3-43AF-BACB-5E152822BD43}">
       <dsp:nvSpPr>
         <dsp:cNvPr id="0" name=""/>
         <dsp:cNvSpPr/>
       </dsp:nvSpPr>
       <dsp:spPr>
         <a:xfrm>
-          <a:off x="0" y="1427209"/>
-          <a:ext cx="5609230" cy="600842"/>
+          <a:off x="0" y="434857"/>
+          <a:ext cx="5704764" cy="0"/>
         </a:xfrm>
-        <a:prstGeom prst="roundRect">
+        <a:prstGeom prst="line">
           <a:avLst/>
         </a:prstGeom>
         <a:solidFill>
-          <a:schemeClr val="accent2">
-            <a:hueOff val="-6070200"/>
-            <a:satOff val="977"/>
-            <a:lumOff val="2680"/>
+          <a:schemeClr val="accent3">
+            <a:hueOff val="0"/>
+            <a:satOff val="0"/>
+            <a:lumOff val="0"/>
             <a:alphaOff val="0"/>
           </a:schemeClr>
         </a:solidFill>
         <a:ln w="12700" cap="flat" cmpd="sng" algn="ctr">
           <a:solidFill>
-            <a:schemeClr val="lt1">
+            <a:schemeClr val="accent3">
               <a:hueOff val="0"/>
               <a:satOff val="0"/>
               <a:lumOff val="0"/>
@@ -3251,8 +3902,40 @@
           <a:schemeClr val="lt1"/>
         </a:fontRef>
       </dsp:style>
+    </dsp:sp>
+    <dsp:sp modelId="{EAF7CB96-0D6C-4E65-A6BC-F5ACA1BD00D8}">
+      <dsp:nvSpPr>
+        <dsp:cNvPr id="0" name=""/>
+        <dsp:cNvSpPr/>
+      </dsp:nvSpPr>
+      <dsp:spPr>
+        <a:xfrm>
+          <a:off x="0" y="434857"/>
+          <a:ext cx="5704764" cy="432531"/>
+        </a:xfrm>
+        <a:prstGeom prst="rect">
+          <a:avLst/>
+        </a:prstGeom>
+        <a:noFill/>
+        <a:ln>
+          <a:noFill/>
+        </a:ln>
+        <a:effectLst/>
+      </dsp:spPr>
+      <dsp:style>
+        <a:lnRef idx="0">
+          <a:scrgbClr r="0" g="0" b="0"/>
+        </a:lnRef>
+        <a:fillRef idx="0">
+          <a:scrgbClr r="0" g="0" b="0"/>
+        </a:fillRef>
+        <a:effectRef idx="0">
+          <a:scrgbClr r="0" g="0" b="0"/>
+        </a:effectRef>
+        <a:fontRef idx="minor"/>
+      </dsp:style>
       <dsp:txBody>
-        <a:bodyPr spcFirstLastPara="0" vert="horz" wrap="square" lIns="41910" tIns="41910" rIns="41910" bIns="41910" numCol="1" spcCol="1270" anchor="ctr" anchorCtr="0">
+        <a:bodyPr spcFirstLastPara="0" vert="horz" wrap="square" lIns="41910" tIns="41910" rIns="41910" bIns="41910" numCol="1" spcCol="1270" anchor="t" anchorCtr="0">
           <a:noAutofit/>
         </a:bodyPr>
         <a:lstStyle/>
@@ -3270,52 +3953,40 @@
             <a:buNone/>
           </a:pPr>
           <a:r>
-            <a:rPr lang="en-US" sz="1100" b="1" kern="1200" dirty="0">
-              <a:solidFill>
-                <a:schemeClr val="tx1"/>
-              </a:solidFill>
-            </a:rPr>
-            <a:t>KNN </a:t>
-          </a:r>
-          <a:r>
-            <a:rPr lang="en-US" sz="1100" kern="1200" dirty="0">
-              <a:solidFill>
-                <a:schemeClr val="tx1"/>
-              </a:solidFill>
-            </a:rPr>
-            <a:t>– This is a clustering technique which analyzes data nearest to other data to predict a diagnosis</a:t>
+            <a:rPr lang="en-US" sz="1100" kern="1200" dirty="0"/>
+            <a:t>Had good results we could see which features were positively correlated with a diagnosis value and the strength of this correlation</a:t>
           </a:r>
         </a:p>
       </dsp:txBody>
       <dsp:txXfrm>
-        <a:off x="29331" y="1456540"/>
-        <a:ext cx="5550568" cy="542180"/>
+        <a:off x="0" y="434857"/>
+        <a:ext cx="5704764" cy="432531"/>
       </dsp:txXfrm>
     </dsp:sp>
-    <dsp:sp modelId="{03FAB2AE-E179-4451-920F-9D934D2AF63F}">
+    <dsp:sp modelId="{339694DA-459E-4F31-9DD5-777A17FD7521}">
       <dsp:nvSpPr>
         <dsp:cNvPr id="0" name=""/>
         <dsp:cNvSpPr/>
       </dsp:nvSpPr>
       <dsp:spPr>
         <a:xfrm>
-          <a:off x="0" y="2059732"/>
-          <a:ext cx="5609230" cy="600842"/>
+          <a:off x="0" y="867388"/>
+          <a:ext cx="5704764" cy="0"/>
         </a:xfrm>
-        <a:prstGeom prst="roundRect">
+        <a:prstGeom prst="line">
           <a:avLst/>
         </a:prstGeom>
         <a:solidFill>
-          <a:schemeClr val="accent2">
-            <a:hueOff val="-9105300"/>
-            <a:satOff val="1465"/>
-            <a:lumOff val="4020"/>
+          <a:schemeClr val="accent4">
+            <a:hueOff val="0"/>
+            <a:satOff val="0"/>
+            <a:lumOff val="0"/>
             <a:alphaOff val="0"/>
           </a:schemeClr>
         </a:solidFill>
         <a:ln w="12700" cap="flat" cmpd="sng" algn="ctr">
           <a:solidFill>
-            <a:schemeClr val="lt1">
+            <a:schemeClr val="accent4">
               <a:hueOff val="0"/>
               <a:satOff val="0"/>
               <a:lumOff val="0"/>
@@ -3341,8 +4012,40 @@
           <a:schemeClr val="lt1"/>
         </a:fontRef>
       </dsp:style>
+    </dsp:sp>
+    <dsp:sp modelId="{3D417B8A-2A57-4C00-B8E3-F9C39AE38913}">
+      <dsp:nvSpPr>
+        <dsp:cNvPr id="0" name=""/>
+        <dsp:cNvSpPr/>
+      </dsp:nvSpPr>
+      <dsp:spPr>
+        <a:xfrm>
+          <a:off x="0" y="867388"/>
+          <a:ext cx="5704764" cy="432531"/>
+        </a:xfrm>
+        <a:prstGeom prst="rect">
+          <a:avLst/>
+        </a:prstGeom>
+        <a:noFill/>
+        <a:ln>
+          <a:noFill/>
+        </a:ln>
+        <a:effectLst/>
+      </dsp:spPr>
+      <dsp:style>
+        <a:lnRef idx="0">
+          <a:scrgbClr r="0" g="0" b="0"/>
+        </a:lnRef>
+        <a:fillRef idx="0">
+          <a:scrgbClr r="0" g="0" b="0"/>
+        </a:fillRef>
+        <a:effectRef idx="0">
+          <a:scrgbClr r="0" g="0" b="0"/>
+        </a:effectRef>
+        <a:fontRef idx="minor"/>
+      </dsp:style>
       <dsp:txBody>
-        <a:bodyPr spcFirstLastPara="0" vert="horz" wrap="square" lIns="41910" tIns="41910" rIns="41910" bIns="41910" numCol="1" spcCol="1270" anchor="ctr" anchorCtr="0">
+        <a:bodyPr spcFirstLastPara="0" vert="horz" wrap="square" lIns="41910" tIns="41910" rIns="41910" bIns="41910" numCol="1" spcCol="1270" anchor="t" anchorCtr="0">
           <a:noAutofit/>
         </a:bodyPr>
         <a:lstStyle/>
@@ -3360,52 +4063,40 @@
             <a:buNone/>
           </a:pPr>
           <a:r>
-            <a:rPr lang="en-US" sz="1100" b="1" kern="1200" dirty="0">
-              <a:solidFill>
-                <a:schemeClr val="tx1"/>
-              </a:solidFill>
-            </a:rPr>
-            <a:t>Naïve Bayes </a:t>
-          </a:r>
-          <a:r>
-            <a:rPr lang="en-US" sz="1100" kern="1200" dirty="0">
-              <a:solidFill>
-                <a:schemeClr val="tx1"/>
-              </a:solidFill>
-            </a:rPr>
-            <a:t>– This is a technique used to predict cancer by taking features  of our dataset and using the same weight for each -&gt; Assumes data has same effect on output hence Naïve </a:t>
+            <a:rPr lang="en-US" sz="1100" kern="1200" dirty="0"/>
+            <a:t>K Means – Performed fairly well with 86% accuracy</a:t>
           </a:r>
         </a:p>
       </dsp:txBody>
       <dsp:txXfrm>
-        <a:off x="29331" y="2089063"/>
-        <a:ext cx="5550568" cy="542180"/>
+        <a:off x="0" y="867388"/>
+        <a:ext cx="5704764" cy="432531"/>
       </dsp:txXfrm>
     </dsp:sp>
-    <dsp:sp modelId="{24E950DF-D96C-4231-A140-473AB0BE8938}">
+    <dsp:sp modelId="{4A1A8CFC-CAB3-4401-B27B-BD77F0D1FFA4}">
       <dsp:nvSpPr>
         <dsp:cNvPr id="0" name=""/>
         <dsp:cNvSpPr/>
       </dsp:nvSpPr>
       <dsp:spPr>
         <a:xfrm>
-          <a:off x="0" y="2692255"/>
-          <a:ext cx="5609230" cy="600842"/>
+          <a:off x="0" y="1299920"/>
+          <a:ext cx="5704764" cy="0"/>
         </a:xfrm>
-        <a:prstGeom prst="roundRect">
+        <a:prstGeom prst="line">
           <a:avLst/>
         </a:prstGeom>
         <a:solidFill>
-          <a:schemeClr val="accent2">
-            <a:hueOff val="-12140401"/>
-            <a:satOff val="1954"/>
-            <a:lumOff val="5360"/>
+          <a:schemeClr val="accent5">
+            <a:hueOff val="0"/>
+            <a:satOff val="0"/>
+            <a:lumOff val="0"/>
             <a:alphaOff val="0"/>
           </a:schemeClr>
         </a:solidFill>
         <a:ln w="12700" cap="flat" cmpd="sng" algn="ctr">
           <a:solidFill>
-            <a:schemeClr val="lt1">
+            <a:schemeClr val="accent5">
               <a:hueOff val="0"/>
               <a:satOff val="0"/>
               <a:lumOff val="0"/>
@@ -3431,13 +4122,45 @@
           <a:schemeClr val="lt1"/>
         </a:fontRef>
       </dsp:style>
+    </dsp:sp>
+    <dsp:sp modelId="{AAD47C84-C343-4EDE-80DA-1F9377388909}">
+      <dsp:nvSpPr>
+        <dsp:cNvPr id="0" name=""/>
+        <dsp:cNvSpPr/>
+      </dsp:nvSpPr>
+      <dsp:spPr>
+        <a:xfrm>
+          <a:off x="0" y="1299920"/>
+          <a:ext cx="5704764" cy="432531"/>
+        </a:xfrm>
+        <a:prstGeom prst="rect">
+          <a:avLst/>
+        </a:prstGeom>
+        <a:noFill/>
+        <a:ln>
+          <a:noFill/>
+        </a:ln>
+        <a:effectLst/>
+      </dsp:spPr>
+      <dsp:style>
+        <a:lnRef idx="0">
+          <a:scrgbClr r="0" g="0" b="0"/>
+        </a:lnRef>
+        <a:fillRef idx="0">
+          <a:scrgbClr r="0" g="0" b="0"/>
+        </a:fillRef>
+        <a:effectRef idx="0">
+          <a:scrgbClr r="0" g="0" b="0"/>
+        </a:effectRef>
+        <a:fontRef idx="minor"/>
+      </dsp:style>
       <dsp:txBody>
-        <a:bodyPr spcFirstLastPara="0" vert="horz" wrap="square" lIns="41910" tIns="41910" rIns="41910" bIns="41910" numCol="1" spcCol="1270" anchor="ctr" anchorCtr="0">
+        <a:bodyPr spcFirstLastPara="0" vert="horz" wrap="square" lIns="41910" tIns="41910" rIns="41910" bIns="41910" numCol="1" spcCol="1270" anchor="t" anchorCtr="0">
           <a:noAutofit/>
         </a:bodyPr>
         <a:lstStyle/>
         <a:p>
-          <a:pPr marL="0" lvl="0" indent="0" algn="l" defTabSz="488950" rtl="0">
+          <a:pPr marL="0" lvl="0" indent="0" algn="l" defTabSz="488950">
             <a:lnSpc>
               <a:spcPct val="90000"/>
             </a:lnSpc>
@@ -3450,52 +4173,50 @@
             <a:buNone/>
           </a:pPr>
           <a:r>
-            <a:rPr lang="en-US" sz="1100" b="1" kern="1200" dirty="0">
-              <a:solidFill>
-                <a:schemeClr val="tx1"/>
-              </a:solidFill>
-            </a:rPr>
-            <a:t>Decision Trees </a:t>
+            <a:rPr lang="en-US" sz="1100" kern="1200" dirty="0"/>
+            <a:t>KNN – Performed better than </a:t>
           </a:r>
           <a:r>
             <a:rPr lang="en-US" sz="1100" kern="1200" dirty="0">
-              <a:solidFill>
-                <a:schemeClr val="tx1"/>
-              </a:solidFill>
+              <a:latin typeface="Sitka Banner"/>
             </a:rPr>
-            <a:t>– Which were used to predict diagnosis by making a tree of features in our dataset which will either lead to positive or negative diagnosis based on their values</a:t>
+            <a:t>KMeans</a:t>
+          </a:r>
+          <a:r>
+            <a:rPr lang="en-US" sz="1100" kern="1200" dirty="0"/>
+            <a:t> with 91% accuracy</a:t>
           </a:r>
         </a:p>
       </dsp:txBody>
       <dsp:txXfrm>
-        <a:off x="29331" y="2721586"/>
-        <a:ext cx="5550568" cy="542180"/>
+        <a:off x="0" y="1299920"/>
+        <a:ext cx="5704764" cy="432531"/>
       </dsp:txXfrm>
     </dsp:sp>
-    <dsp:sp modelId="{158B6BBA-A415-4B86-8BA5-63EDD62C708E}">
+    <dsp:sp modelId="{6FB30EFB-807D-43F3-B63F-5A1DDBB05240}">
       <dsp:nvSpPr>
         <dsp:cNvPr id="0" name=""/>
         <dsp:cNvSpPr/>
       </dsp:nvSpPr>
       <dsp:spPr>
         <a:xfrm>
-          <a:off x="0" y="3324778"/>
-          <a:ext cx="5609230" cy="600842"/>
+          <a:off x="0" y="1732452"/>
+          <a:ext cx="5704764" cy="0"/>
         </a:xfrm>
-        <a:prstGeom prst="roundRect">
+        <a:prstGeom prst="line">
           <a:avLst/>
         </a:prstGeom>
         <a:solidFill>
-          <a:schemeClr val="accent2">
-            <a:hueOff val="-15175500"/>
-            <a:satOff val="2442"/>
-            <a:lumOff val="6700"/>
+          <a:schemeClr val="accent6">
+            <a:hueOff val="0"/>
+            <a:satOff val="0"/>
+            <a:lumOff val="0"/>
             <a:alphaOff val="0"/>
           </a:schemeClr>
         </a:solidFill>
         <a:ln w="12700" cap="flat" cmpd="sng" algn="ctr">
           <a:solidFill>
-            <a:schemeClr val="lt1">
+            <a:schemeClr val="accent6">
               <a:hueOff val="0"/>
               <a:satOff val="0"/>
               <a:lumOff val="0"/>
@@ -3521,8 +4242,40 @@
           <a:schemeClr val="lt1"/>
         </a:fontRef>
       </dsp:style>
+    </dsp:sp>
+    <dsp:sp modelId="{11833B17-776B-459D-874F-22696D98DD2C}">
+      <dsp:nvSpPr>
+        <dsp:cNvPr id="0" name=""/>
+        <dsp:cNvSpPr/>
+      </dsp:nvSpPr>
+      <dsp:spPr>
+        <a:xfrm>
+          <a:off x="0" y="1732452"/>
+          <a:ext cx="5704764" cy="432531"/>
+        </a:xfrm>
+        <a:prstGeom prst="rect">
+          <a:avLst/>
+        </a:prstGeom>
+        <a:noFill/>
+        <a:ln>
+          <a:noFill/>
+        </a:ln>
+        <a:effectLst/>
+      </dsp:spPr>
+      <dsp:style>
+        <a:lnRef idx="0">
+          <a:scrgbClr r="0" g="0" b="0"/>
+        </a:lnRef>
+        <a:fillRef idx="0">
+          <a:scrgbClr r="0" g="0" b="0"/>
+        </a:fillRef>
+        <a:effectRef idx="0">
+          <a:scrgbClr r="0" g="0" b="0"/>
+        </a:effectRef>
+        <a:fontRef idx="minor"/>
+      </dsp:style>
       <dsp:txBody>
-        <a:bodyPr spcFirstLastPara="0" vert="horz" wrap="square" lIns="41910" tIns="41910" rIns="41910" bIns="41910" numCol="1" spcCol="1270" anchor="ctr" anchorCtr="0">
+        <a:bodyPr spcFirstLastPara="0" vert="horz" wrap="square" lIns="41910" tIns="41910" rIns="41910" bIns="41910" numCol="1" spcCol="1270" anchor="t" anchorCtr="0">
           <a:noAutofit/>
         </a:bodyPr>
         <a:lstStyle/>
@@ -3540,52 +4293,50 @@
             <a:buNone/>
           </a:pPr>
           <a:r>
-            <a:rPr lang="en-US" sz="1100" b="1" kern="1200" dirty="0">
-              <a:solidFill>
-                <a:schemeClr val="tx1"/>
-              </a:solidFill>
-            </a:rPr>
-            <a:t>Random Forest </a:t>
+            <a:rPr lang="en-US" sz="1100" kern="1200" dirty="0"/>
+            <a:t>Gaussian Naïve Bayes – without smoothing or scaling had 90% accuracy on </a:t>
           </a:r>
           <a:r>
             <a:rPr lang="en-US" sz="1100" kern="1200" dirty="0">
-              <a:solidFill>
-                <a:schemeClr val="tx1"/>
-              </a:solidFill>
+              <a:latin typeface="Sitka Banner"/>
             </a:rPr>
-            <a:t>– Extended the decision trees to help remove the over fitting of the individual decision trees by taking the tallied vote of different data/decision tree configurations</a:t>
+            <a:t>test-set</a:t>
+          </a:r>
+          <a:r>
+            <a:rPr lang="en-US" sz="1100" kern="1200" dirty="0"/>
+            <a:t> </a:t>
           </a:r>
         </a:p>
       </dsp:txBody>
       <dsp:txXfrm>
-        <a:off x="29331" y="3354109"/>
-        <a:ext cx="5550568" cy="542180"/>
+        <a:off x="0" y="1732452"/>
+        <a:ext cx="5704764" cy="432531"/>
       </dsp:txXfrm>
     </dsp:sp>
-    <dsp:sp modelId="{FA42934A-C143-4FA3-8C90-1D0AE05F3E4E}">
+    <dsp:sp modelId="{37BE0A9E-9055-490C-907D-772F1C38B0A7}">
       <dsp:nvSpPr>
         <dsp:cNvPr id="0" name=""/>
         <dsp:cNvSpPr/>
       </dsp:nvSpPr>
       <dsp:spPr>
         <a:xfrm>
-          <a:off x="0" y="3957301"/>
-          <a:ext cx="5609230" cy="600842"/>
+          <a:off x="0" y="2164984"/>
+          <a:ext cx="5704764" cy="0"/>
         </a:xfrm>
-        <a:prstGeom prst="roundRect">
+        <a:prstGeom prst="line">
           <a:avLst/>
         </a:prstGeom>
         <a:solidFill>
           <a:schemeClr val="accent2">
-            <a:hueOff val="-18210601"/>
-            <a:satOff val="2931"/>
-            <a:lumOff val="8040"/>
+            <a:hueOff val="0"/>
+            <a:satOff val="0"/>
+            <a:lumOff val="0"/>
             <a:alphaOff val="0"/>
           </a:schemeClr>
         </a:solidFill>
         <a:ln w="12700" cap="flat" cmpd="sng" algn="ctr">
           <a:solidFill>
-            <a:schemeClr val="lt1">
+            <a:schemeClr val="accent2">
               <a:hueOff val="0"/>
               <a:satOff val="0"/>
               <a:lumOff val="0"/>
@@ -3611,13 +4362,45 @@
           <a:schemeClr val="lt1"/>
         </a:fontRef>
       </dsp:style>
+    </dsp:sp>
+    <dsp:sp modelId="{65B865C5-DD59-4489-A60B-F6BADA4B043E}">
+      <dsp:nvSpPr>
+        <dsp:cNvPr id="0" name=""/>
+        <dsp:cNvSpPr/>
+      </dsp:nvSpPr>
+      <dsp:spPr>
+        <a:xfrm>
+          <a:off x="0" y="2164984"/>
+          <a:ext cx="5704764" cy="432531"/>
+        </a:xfrm>
+        <a:prstGeom prst="rect">
+          <a:avLst/>
+        </a:prstGeom>
+        <a:noFill/>
+        <a:ln>
+          <a:noFill/>
+        </a:ln>
+        <a:effectLst/>
+      </dsp:spPr>
+      <dsp:style>
+        <a:lnRef idx="0">
+          <a:scrgbClr r="0" g="0" b="0"/>
+        </a:lnRef>
+        <a:fillRef idx="0">
+          <a:scrgbClr r="0" g="0" b="0"/>
+        </a:fillRef>
+        <a:effectRef idx="0">
+          <a:scrgbClr r="0" g="0" b="0"/>
+        </a:effectRef>
+        <a:fontRef idx="minor"/>
+      </dsp:style>
       <dsp:txBody>
-        <a:bodyPr spcFirstLastPara="0" vert="horz" wrap="square" lIns="41910" tIns="41910" rIns="41910" bIns="41910" numCol="1" spcCol="1270" anchor="ctr" anchorCtr="0">
+        <a:bodyPr spcFirstLastPara="0" vert="horz" wrap="square" lIns="41910" tIns="41910" rIns="41910" bIns="41910" numCol="1" spcCol="1270" anchor="t" anchorCtr="0">
           <a:noAutofit/>
         </a:bodyPr>
         <a:lstStyle/>
         <a:p>
-          <a:pPr marL="0" lvl="0" indent="0" algn="l" defTabSz="488950">
+          <a:pPr marL="0" lvl="0" indent="0" algn="l" defTabSz="488950" rtl="0">
             <a:lnSpc>
               <a:spcPct val="90000"/>
             </a:lnSpc>
@@ -3630,55 +4413,31 @@
             <a:buNone/>
           </a:pPr>
           <a:r>
-            <a:rPr lang="en-US" sz="1100" b="1" kern="1200" dirty="0">
-              <a:solidFill>
-                <a:schemeClr val="tx1"/>
-              </a:solidFill>
-            </a:rPr>
-            <a:t>PCA (Principle Component Analysis) </a:t>
-          </a:r>
-          <a:r>
-            <a:rPr lang="en-US" sz="1100" kern="1200" dirty="0">
-              <a:solidFill>
-                <a:schemeClr val="tx1"/>
-              </a:solidFill>
-            </a:rPr>
-            <a:t>- unsupervised dimensionality-reduction which reduced features in our dataset by removing similar features which were highly correlated, while still retaining as much pertinent information as possible.</a:t>
+            <a:rPr lang="en-US" sz="1100" kern="1200" dirty="0"/>
+            <a:t>Gaussian Naïve Bayes with scaling had around a 91% accuracy rate – not much improvement</a:t>
           </a:r>
         </a:p>
       </dsp:txBody>
       <dsp:txXfrm>
-        <a:off x="29331" y="3986632"/>
-        <a:ext cx="5550568" cy="542180"/>
+        <a:off x="0" y="2164984"/>
+        <a:ext cx="5704764" cy="432531"/>
       </dsp:txXfrm>
     </dsp:sp>
-  </dsp:spTree>
-</dsp:drawing>
-</file>
-
-<file path=ppt/diagrams/drawing2.xml><?xml version="1.0" encoding="utf-8"?>
-<dsp:drawing xmlns:dgm="http://schemas.openxmlformats.org/drawingml/2006/diagram" xmlns:dsp="http://schemas.microsoft.com/office/drawing/2008/diagram" xmlns:a="http://schemas.openxmlformats.org/drawingml/2006/main">
-  <dsp:spTree>
-    <dsp:nvGrpSpPr>
-      <dsp:cNvPr id="0" name=""/>
-      <dsp:cNvGrpSpPr/>
-    </dsp:nvGrpSpPr>
-    <dsp:grpSpPr/>
-    <dsp:sp modelId="{BE54A4F7-AA56-4D11-93D2-B8F6B566D5EC}">
+    <dsp:sp modelId="{0AB9E1AA-292A-4EBB-8D33-5618CD282F4F}">
       <dsp:nvSpPr>
         <dsp:cNvPr id="0" name=""/>
         <dsp:cNvSpPr/>
       </dsp:nvSpPr>
       <dsp:spPr>
         <a:xfrm>
-          <a:off x="0" y="262650"/>
-          <a:ext cx="5704764" cy="397800"/>
+          <a:off x="0" y="2597515"/>
+          <a:ext cx="5704764" cy="0"/>
         </a:xfrm>
-        <a:prstGeom prst="roundRect">
+        <a:prstGeom prst="line">
           <a:avLst/>
         </a:prstGeom>
         <a:solidFill>
-          <a:schemeClr val="accent2">
+          <a:schemeClr val="accent3">
             <a:hueOff val="0"/>
             <a:satOff val="0"/>
             <a:lumOff val="0"/>
@@ -3687,7 +4446,7 @@
         </a:solidFill>
         <a:ln w="12700" cap="flat" cmpd="sng" algn="ctr">
           <a:solidFill>
-            <a:schemeClr val="lt1">
+            <a:schemeClr val="accent3">
               <a:hueOff val="0"/>
               <a:satOff val="0"/>
               <a:lumOff val="0"/>
@@ -3713,13 +4472,45 @@
           <a:schemeClr val="lt1"/>
         </a:fontRef>
       </dsp:style>
+    </dsp:sp>
+    <dsp:sp modelId="{19D162C5-871D-46DD-9651-79CB367B7E42}">
+      <dsp:nvSpPr>
+        <dsp:cNvPr id="0" name=""/>
+        <dsp:cNvSpPr/>
+      </dsp:nvSpPr>
+      <dsp:spPr>
+        <a:xfrm>
+          <a:off x="0" y="2597515"/>
+          <a:ext cx="5704764" cy="432531"/>
+        </a:xfrm>
+        <a:prstGeom prst="rect">
+          <a:avLst/>
+        </a:prstGeom>
+        <a:noFill/>
+        <a:ln>
+          <a:noFill/>
+        </a:ln>
+        <a:effectLst/>
+      </dsp:spPr>
+      <dsp:style>
+        <a:lnRef idx="0">
+          <a:scrgbClr r="0" g="0" b="0"/>
+        </a:lnRef>
+        <a:fillRef idx="0">
+          <a:scrgbClr r="0" g="0" b="0"/>
+        </a:fillRef>
+        <a:effectRef idx="0">
+          <a:scrgbClr r="0" g="0" b="0"/>
+        </a:effectRef>
+        <a:fontRef idx="minor"/>
+      </dsp:style>
       <dsp:txBody>
-        <a:bodyPr spcFirstLastPara="0" vert="horz" wrap="square" lIns="38100" tIns="38100" rIns="38100" bIns="38100" numCol="1" spcCol="1270" anchor="ctr" anchorCtr="0">
+        <a:bodyPr spcFirstLastPara="0" vert="horz" wrap="square" lIns="41910" tIns="41910" rIns="41910" bIns="41910" numCol="1" spcCol="1270" anchor="t" anchorCtr="0">
           <a:noAutofit/>
         </a:bodyPr>
         <a:lstStyle/>
         <a:p>
-          <a:pPr marL="0" lvl="0" indent="0" algn="l" defTabSz="444500">
+          <a:pPr marL="0" lvl="0" indent="0" algn="l" defTabSz="488950">
             <a:lnSpc>
               <a:spcPct val="90000"/>
             </a:lnSpc>
@@ -3732,68 +4523,40 @@
             <a:buNone/>
           </a:pPr>
           <a:r>
-            <a:rPr lang="en-US" sz="1000" b="1" kern="1200" dirty="0">
-              <a:solidFill>
-                <a:schemeClr val="tx1"/>
-              </a:solidFill>
-            </a:rPr>
-            <a:t>Linear Regression </a:t>
-          </a:r>
-          <a:r>
-            <a:rPr lang="en-US" sz="1000" kern="1200" dirty="0">
-              <a:solidFill>
-                <a:schemeClr val="tx1"/>
-              </a:solidFill>
-            </a:rPr>
-            <a:t>was used to analyze the strength of the relationship between certain features and our Diagnosis – Also used </a:t>
-          </a:r>
-          <a:r>
-            <a:rPr lang="en-US" sz="1000" kern="1200" dirty="0" err="1">
-              <a:solidFill>
-                <a:schemeClr val="tx1"/>
-              </a:solidFill>
-            </a:rPr>
-            <a:t>Cramérs</a:t>
-          </a:r>
-          <a:r>
-            <a:rPr lang="en-US" sz="1000" kern="1200" dirty="0">
-              <a:solidFill>
-                <a:schemeClr val="tx1"/>
-              </a:solidFill>
-            </a:rPr>
-            <a:t> V </a:t>
+            <a:rPr lang="en-US" sz="1100" kern="1200" dirty="0"/>
+            <a:t>Decision Tree model had an accuracy of 93%</a:t>
           </a:r>
         </a:p>
       </dsp:txBody>
       <dsp:txXfrm>
-        <a:off x="19419" y="282069"/>
-        <a:ext cx="5665926" cy="358962"/>
+        <a:off x="0" y="2597515"/>
+        <a:ext cx="5704764" cy="432531"/>
       </dsp:txXfrm>
     </dsp:sp>
-    <dsp:sp modelId="{FB8BF19F-8B58-4495-8021-F3D36A48E9EA}">
+    <dsp:sp modelId="{19C9B25B-EF2B-49E3-89DC-390DD45F0241}">
       <dsp:nvSpPr>
         <dsp:cNvPr id="0" name=""/>
         <dsp:cNvSpPr/>
       </dsp:nvSpPr>
       <dsp:spPr>
         <a:xfrm>
-          <a:off x="0" y="689250"/>
-          <a:ext cx="5704764" cy="397800"/>
+          <a:off x="0" y="3030047"/>
+          <a:ext cx="5704764" cy="0"/>
         </a:xfrm>
-        <a:prstGeom prst="roundRect">
+        <a:prstGeom prst="line">
           <a:avLst/>
         </a:prstGeom>
         <a:solidFill>
-          <a:schemeClr val="accent2">
-            <a:hueOff val="-2023400"/>
-            <a:satOff val="326"/>
-            <a:lumOff val="893"/>
+          <a:schemeClr val="accent4">
+            <a:hueOff val="0"/>
+            <a:satOff val="0"/>
+            <a:lumOff val="0"/>
             <a:alphaOff val="0"/>
           </a:schemeClr>
         </a:solidFill>
         <a:ln w="12700" cap="flat" cmpd="sng" algn="ctr">
           <a:solidFill>
-            <a:schemeClr val="lt1">
+            <a:schemeClr val="accent4">
               <a:hueOff val="0"/>
               <a:satOff val="0"/>
               <a:lumOff val="0"/>
@@ -3819,13 +4582,45 @@
           <a:schemeClr val="lt1"/>
         </a:fontRef>
       </dsp:style>
+    </dsp:sp>
+    <dsp:sp modelId="{6651EB7D-E03D-4801-A82B-1E356459441C}">
+      <dsp:nvSpPr>
+        <dsp:cNvPr id="0" name=""/>
+        <dsp:cNvSpPr/>
+      </dsp:nvSpPr>
+      <dsp:spPr>
+        <a:xfrm>
+          <a:off x="0" y="3030047"/>
+          <a:ext cx="5704764" cy="432531"/>
+        </a:xfrm>
+        <a:prstGeom prst="rect">
+          <a:avLst/>
+        </a:prstGeom>
+        <a:noFill/>
+        <a:ln>
+          <a:noFill/>
+        </a:ln>
+        <a:effectLst/>
+      </dsp:spPr>
+      <dsp:style>
+        <a:lnRef idx="0">
+          <a:scrgbClr r="0" g="0" b="0"/>
+        </a:lnRef>
+        <a:fillRef idx="0">
+          <a:scrgbClr r="0" g="0" b="0"/>
+        </a:fillRef>
+        <a:effectRef idx="0">
+          <a:scrgbClr r="0" g="0" b="0"/>
+        </a:effectRef>
+        <a:fontRef idx="minor"/>
+      </dsp:style>
       <dsp:txBody>
-        <a:bodyPr spcFirstLastPara="0" vert="horz" wrap="square" lIns="38100" tIns="38100" rIns="38100" bIns="38100" numCol="1" spcCol="1270" anchor="ctr" anchorCtr="0">
+        <a:bodyPr spcFirstLastPara="0" vert="horz" wrap="square" lIns="41910" tIns="41910" rIns="41910" bIns="41910" numCol="1" spcCol="1270" anchor="t" anchorCtr="0">
           <a:noAutofit/>
         </a:bodyPr>
         <a:lstStyle/>
         <a:p>
-          <a:pPr marL="0" lvl="0" indent="0" algn="l" defTabSz="444500">
+          <a:pPr marL="0" lvl="0" indent="0" algn="l" defTabSz="488950">
             <a:lnSpc>
               <a:spcPct val="90000"/>
             </a:lnSpc>
@@ -3838,44 +4633,40 @@
             <a:buNone/>
           </a:pPr>
           <a:r>
-            <a:rPr lang="en-US" sz="1000" kern="1200" dirty="0">
-              <a:solidFill>
-                <a:schemeClr val="tx1"/>
-              </a:solidFill>
-            </a:rPr>
-            <a:t>Had good results we could see which features were positively correlated with a diagnosis value and the strength of this correlation</a:t>
+            <a:rPr lang="en-US" sz="1100" kern="1200" dirty="0"/>
+            <a:t>Random forest had around the same degree of accuracy</a:t>
           </a:r>
         </a:p>
       </dsp:txBody>
       <dsp:txXfrm>
-        <a:off x="19419" y="708669"/>
-        <a:ext cx="5665926" cy="358962"/>
+        <a:off x="0" y="3030047"/>
+        <a:ext cx="5704764" cy="432531"/>
       </dsp:txXfrm>
     </dsp:sp>
-    <dsp:sp modelId="{FACF1003-68A0-45FC-88C4-4EA9960DCD16}">
+    <dsp:sp modelId="{3C2B1709-793A-4814-822F-150E76555D4E}">
       <dsp:nvSpPr>
         <dsp:cNvPr id="0" name=""/>
         <dsp:cNvSpPr/>
       </dsp:nvSpPr>
       <dsp:spPr>
         <a:xfrm>
-          <a:off x="0" y="1115850"/>
-          <a:ext cx="5704764" cy="397800"/>
+          <a:off x="0" y="3462579"/>
+          <a:ext cx="5704764" cy="0"/>
         </a:xfrm>
-        <a:prstGeom prst="roundRect">
+        <a:prstGeom prst="line">
           <a:avLst/>
         </a:prstGeom>
         <a:solidFill>
-          <a:schemeClr val="accent2">
-            <a:hueOff val="-4046800"/>
-            <a:satOff val="651"/>
-            <a:lumOff val="1787"/>
+          <a:schemeClr val="accent5">
+            <a:hueOff val="0"/>
+            <a:satOff val="0"/>
+            <a:lumOff val="0"/>
             <a:alphaOff val="0"/>
           </a:schemeClr>
         </a:solidFill>
         <a:ln w="12700" cap="flat" cmpd="sng" algn="ctr">
           <a:solidFill>
-            <a:schemeClr val="lt1">
+            <a:schemeClr val="accent5">
               <a:hueOff val="0"/>
               <a:satOff val="0"/>
               <a:lumOff val="0"/>
@@ -3901,13 +4692,45 @@
           <a:schemeClr val="lt1"/>
         </a:fontRef>
       </dsp:style>
+    </dsp:sp>
+    <dsp:sp modelId="{32444693-FFBE-43BE-B9A0-AEA7A25E9DE1}">
+      <dsp:nvSpPr>
+        <dsp:cNvPr id="0" name=""/>
+        <dsp:cNvSpPr/>
+      </dsp:nvSpPr>
+      <dsp:spPr>
+        <a:xfrm>
+          <a:off x="0" y="3462579"/>
+          <a:ext cx="5704764" cy="432531"/>
+        </a:xfrm>
+        <a:prstGeom prst="rect">
+          <a:avLst/>
+        </a:prstGeom>
+        <a:noFill/>
+        <a:ln>
+          <a:noFill/>
+        </a:ln>
+        <a:effectLst/>
+      </dsp:spPr>
+      <dsp:style>
+        <a:lnRef idx="0">
+          <a:scrgbClr r="0" g="0" b="0"/>
+        </a:lnRef>
+        <a:fillRef idx="0">
+          <a:scrgbClr r="0" g="0" b="0"/>
+        </a:fillRef>
+        <a:effectRef idx="0">
+          <a:scrgbClr r="0" g="0" b="0"/>
+        </a:effectRef>
+        <a:fontRef idx="minor"/>
+      </dsp:style>
       <dsp:txBody>
-        <a:bodyPr spcFirstLastPara="0" vert="horz" wrap="square" lIns="38100" tIns="38100" rIns="38100" bIns="38100" numCol="1" spcCol="1270" anchor="ctr" anchorCtr="0">
+        <a:bodyPr spcFirstLastPara="0" vert="horz" wrap="square" lIns="41910" tIns="41910" rIns="41910" bIns="41910" numCol="1" spcCol="1270" anchor="t" anchorCtr="0">
           <a:noAutofit/>
         </a:bodyPr>
         <a:lstStyle/>
         <a:p>
-          <a:pPr marL="0" lvl="0" indent="0" algn="l" defTabSz="444500">
+          <a:pPr marL="0" lvl="0" indent="0" algn="l" defTabSz="488950">
             <a:lnSpc>
               <a:spcPct val="90000"/>
             </a:lnSpc>
@@ -3920,68 +4743,40 @@
             <a:buNone/>
           </a:pPr>
           <a:r>
-            <a:rPr lang="en-US" sz="1000" b="1" kern="1200" dirty="0">
-              <a:solidFill>
-                <a:schemeClr val="tx1"/>
-              </a:solidFill>
-            </a:rPr>
-            <a:t>K Means </a:t>
-          </a:r>
-          <a:r>
-            <a:rPr lang="en-US" sz="1000" kern="1200" dirty="0">
-              <a:solidFill>
-                <a:schemeClr val="tx1"/>
-              </a:solidFill>
-            </a:rPr>
-            <a:t>– Performed fairly well with </a:t>
-          </a:r>
-          <a:r>
-            <a:rPr lang="en-US" sz="1000" b="1" kern="1200" dirty="0">
-              <a:solidFill>
-                <a:schemeClr val="tx1"/>
-              </a:solidFill>
-            </a:rPr>
-            <a:t>86% </a:t>
-          </a:r>
-          <a:r>
-            <a:rPr lang="en-US" sz="1000" kern="1200" dirty="0">
-              <a:solidFill>
-                <a:schemeClr val="tx1"/>
-              </a:solidFill>
-            </a:rPr>
-            <a:t>accuracy</a:t>
+            <a:rPr lang="en-US" sz="1100" kern="1200" dirty="0"/>
+            <a:t>Entropy Forest had 90% accuracy</a:t>
           </a:r>
         </a:p>
       </dsp:txBody>
       <dsp:txXfrm>
-        <a:off x="19419" y="1135269"/>
-        <a:ext cx="5665926" cy="358962"/>
+        <a:off x="0" y="3462579"/>
+        <a:ext cx="5704764" cy="432531"/>
       </dsp:txXfrm>
     </dsp:sp>
-    <dsp:sp modelId="{4BF401AB-82EE-4C4A-A9D3-B986883EC6C7}">
+    <dsp:sp modelId="{C7CB8D45-D26F-4870-AFEA-1E7F25E1B962}">
       <dsp:nvSpPr>
         <dsp:cNvPr id="0" name=""/>
         <dsp:cNvSpPr/>
       </dsp:nvSpPr>
       <dsp:spPr>
         <a:xfrm>
-          <a:off x="0" y="1542450"/>
-          <a:ext cx="5704764" cy="397800"/>
+          <a:off x="0" y="3895111"/>
+          <a:ext cx="5704764" cy="0"/>
         </a:xfrm>
-        <a:prstGeom prst="roundRect">
+        <a:prstGeom prst="line">
           <a:avLst/>
         </a:prstGeom>
         <a:solidFill>
-          <a:schemeClr val="accent2">
-            <a:hueOff val="-6070200"/>
-            <a:satOff val="977"/>
-            <a:lumOff val="2680"/>
+          <a:schemeClr val="accent6">
+            <a:hueOff val="0"/>
+            <a:satOff val="0"/>
+            <a:lumOff val="0"/>
             <a:alphaOff val="0"/>
           </a:schemeClr>
         </a:solidFill>
         <a:ln w="12700" cap="flat" cmpd="sng" algn="ctr">
           <a:solidFill>
-            <a:schemeClr val="lt1">
+            <a:schemeClr val="accent6">
               <a:hueOff val="0"/>
               <a:satOff val="0"/>
               <a:lumOff val="0"/>
@@ -4007,13 +4802,45 @@
           <a:schemeClr val="lt1"/>
         </a:fontRef>
       </dsp:style>
+    </dsp:sp>
+    <dsp:sp modelId="{B4D51B42-8AB3-4F1F-9E60-01073AF55368}">
+      <dsp:nvSpPr>
+        <dsp:cNvPr id="0" name=""/>
+        <dsp:cNvSpPr/>
+      </dsp:nvSpPr>
+      <dsp:spPr>
+        <a:xfrm>
+          <a:off x="0" y="3895111"/>
+          <a:ext cx="5704764" cy="432531"/>
+        </a:xfrm>
+        <a:prstGeom prst="rect">
+          <a:avLst/>
+        </a:prstGeom>
+        <a:noFill/>
+        <a:ln>
+          <a:noFill/>
+        </a:ln>
+        <a:effectLst/>
+      </dsp:spPr>
+      <dsp:style>
+        <a:lnRef idx="0">
+          <a:scrgbClr r="0" g="0" b="0"/>
+        </a:lnRef>
+        <a:fillRef idx="0">
+          <a:scrgbClr r="0" g="0" b="0"/>
+        </a:fillRef>
+        <a:effectRef idx="0">
+          <a:scrgbClr r="0" g="0" b="0"/>
+        </a:effectRef>
+        <a:fontRef idx="minor"/>
+      </dsp:style>
       <dsp:txBody>
-        <a:bodyPr spcFirstLastPara="0" vert="horz" wrap="square" lIns="38100" tIns="38100" rIns="38100" bIns="38100" numCol="1" spcCol="1270" anchor="ctr" anchorCtr="0">
+        <a:bodyPr spcFirstLastPara="0" vert="horz" wrap="square" lIns="41910" tIns="41910" rIns="41910" bIns="41910" numCol="1" spcCol="1270" anchor="t" anchorCtr="0">
           <a:noAutofit/>
         </a:bodyPr>
         <a:lstStyle/>
         <a:p>
-          <a:pPr marL="0" lvl="0" indent="0" algn="l" defTabSz="444500">
+          <a:pPr marL="0" lvl="0" indent="0" algn="l" defTabSz="488950">
             <a:lnSpc>
               <a:spcPct val="90000"/>
             </a:lnSpc>
@@ -4026,68 +4853,50 @@
             <a:buNone/>
           </a:pPr>
           <a:r>
-            <a:rPr lang="en-US" sz="1000" b="1" kern="1200" dirty="0">
-              <a:solidFill>
-                <a:schemeClr val="tx1"/>
-              </a:solidFill>
-            </a:rPr>
-            <a:t>KNN </a:t>
+            <a:rPr lang="en-US" sz="1100" kern="1200" dirty="0"/>
+            <a:t>PCA Gini Tree had an accuracy of </a:t>
           </a:r>
           <a:r>
-            <a:rPr lang="en-US" sz="1000" kern="1200" dirty="0">
-              <a:solidFill>
-                <a:schemeClr val="tx1"/>
-              </a:solidFill>
+            <a:rPr lang="en-US" sz="1100" kern="1200" dirty="0">
+              <a:latin typeface="Sitka Banner"/>
             </a:rPr>
-            <a:t>– Performed better than KNN with </a:t>
+            <a:t>94</a:t>
           </a:r>
           <a:r>
-            <a:rPr lang="en-US" sz="1000" b="1" kern="1200" dirty="0">
-              <a:solidFill>
-                <a:schemeClr val="tx1"/>
-              </a:solidFill>
-            </a:rPr>
-            <a:t>91% </a:t>
-          </a:r>
-          <a:r>
-            <a:rPr lang="en-US" sz="1000" kern="1200" dirty="0">
-              <a:solidFill>
-                <a:schemeClr val="tx1"/>
-              </a:solidFill>
-            </a:rPr>
-            <a:t>accuracy</a:t>
+            <a:rPr lang="en-US" sz="1100" kern="1200" dirty="0"/>
+            <a:t>%</a:t>
           </a:r>
         </a:p>
       </dsp:txBody>
       <dsp:txXfrm>
-        <a:off x="19419" y="1561869"/>
-        <a:ext cx="5665926" cy="358962"/>
+        <a:off x="0" y="3895111"/>
+        <a:ext cx="5704764" cy="432531"/>
       </dsp:txXfrm>
     </dsp:sp>
-    <dsp:sp modelId="{ABE95E06-6157-4884-802F-E8DF52085FEA}">
+    <dsp:sp modelId="{944D0BEE-6D1F-416C-9FB0-4D8680614C40}">
       <dsp:nvSpPr>
         <dsp:cNvPr id="0" name=""/>
         <dsp:cNvSpPr/>
       </dsp:nvSpPr>
       <dsp:spPr>
         <a:xfrm>
-          <a:off x="0" y="1969050"/>
-          <a:ext cx="5704764" cy="397800"/>
+          <a:off x="0" y="4327642"/>
+          <a:ext cx="5704764" cy="0"/>
         </a:xfrm>
-        <a:prstGeom prst="roundRect">
+        <a:prstGeom prst="line">
           <a:avLst/>
         </a:prstGeom>
         <a:solidFill>
           <a:schemeClr val="accent2">
-            <a:hueOff val="-8093600"/>
-            <a:satOff val="1303"/>
-            <a:lumOff val="3573"/>
+            <a:hueOff val="0"/>
+            <a:satOff val="0"/>
+            <a:lumOff val="0"/>
             <a:alphaOff val="0"/>
           </a:schemeClr>
         </a:solidFill>
         <a:ln w="12700" cap="flat" cmpd="sng" algn="ctr">
           <a:solidFill>
-            <a:schemeClr val="lt1">
+            <a:schemeClr val="accent2">
               <a:hueOff val="0"/>
               <a:satOff val="0"/>
               <a:lumOff val="0"/>
@@ -4113,13 +4922,45 @@
           <a:schemeClr val="lt1"/>
         </a:fontRef>
       </dsp:style>
+    </dsp:sp>
+    <dsp:sp modelId="{6B8F1564-68FD-4CCB-80F3-ECE4764C4A90}">
+      <dsp:nvSpPr>
+        <dsp:cNvPr id="0" name=""/>
+        <dsp:cNvSpPr/>
+      </dsp:nvSpPr>
+      <dsp:spPr>
+        <a:xfrm>
+          <a:off x="0" y="4327642"/>
+          <a:ext cx="5704764" cy="432531"/>
+        </a:xfrm>
+        <a:prstGeom prst="rect">
+          <a:avLst/>
+        </a:prstGeom>
+        <a:noFill/>
+        <a:ln>
+          <a:noFill/>
+        </a:ln>
+        <a:effectLst/>
+      </dsp:spPr>
+      <dsp:style>
+        <a:lnRef idx="0">
+          <a:scrgbClr r="0" g="0" b="0"/>
+        </a:lnRef>
+        <a:fillRef idx="0">
+          <a:scrgbClr r="0" g="0" b="0"/>
+        </a:fillRef>
+        <a:effectRef idx="0">
+          <a:scrgbClr r="0" g="0" b="0"/>
+        </a:effectRef>
+        <a:fontRef idx="minor"/>
+      </dsp:style>
       <dsp:txBody>
-        <a:bodyPr spcFirstLastPara="0" vert="horz" wrap="square" lIns="38100" tIns="38100" rIns="38100" bIns="38100" numCol="1" spcCol="1270" anchor="ctr" anchorCtr="0">
+        <a:bodyPr spcFirstLastPara="0" vert="horz" wrap="square" lIns="41910" tIns="41910" rIns="41910" bIns="41910" numCol="1" spcCol="1270" anchor="t" anchorCtr="0">
           <a:noAutofit/>
         </a:bodyPr>
         <a:lstStyle/>
         <a:p>
-          <a:pPr marL="0" lvl="0" indent="0" algn="l" defTabSz="444500">
+          <a:pPr marL="0" lvl="0" indent="0" algn="l" defTabSz="488950">
             <a:lnSpc>
               <a:spcPct val="90000"/>
             </a:lnSpc>
@@ -4132,580 +4973,24 @@
             <a:buNone/>
           </a:pPr>
           <a:r>
-            <a:rPr lang="en-US" sz="1000" b="1" kern="1200" dirty="0">
-              <a:solidFill>
-                <a:schemeClr val="tx1"/>
-              </a:solidFill>
-            </a:rPr>
-            <a:t>Gaussian Naïve Bayes </a:t>
+            <a:rPr lang="en-US" sz="1100" kern="1200" dirty="0"/>
+            <a:t>PCA Random forest had the best accuracy of all our models at </a:t>
           </a:r>
           <a:r>
-            <a:rPr lang="en-US" sz="1000" kern="1200" dirty="0">
-              <a:solidFill>
-                <a:schemeClr val="tx1"/>
-              </a:solidFill>
+            <a:rPr lang="en-US" sz="1100" kern="1200" dirty="0">
+              <a:latin typeface="Sitka Banner"/>
             </a:rPr>
-            <a:t>– without smoothing or scaling had </a:t>
+            <a:t>98</a:t>
           </a:r>
           <a:r>
-            <a:rPr lang="en-US" sz="1000" b="1" kern="1200" dirty="0">
-              <a:solidFill>
-                <a:schemeClr val="tx1"/>
-              </a:solidFill>
-            </a:rPr>
-            <a:t>90% </a:t>
-          </a:r>
-          <a:r>
-            <a:rPr lang="en-US" sz="1000" kern="1200" dirty="0">
-              <a:solidFill>
-                <a:schemeClr val="tx1"/>
-              </a:solidFill>
-            </a:rPr>
-            <a:t>accuracy on test set </a:t>
+            <a:rPr lang="en-US" sz="1100" kern="1200" dirty="0"/>
+            <a:t>%</a:t>
           </a:r>
         </a:p>
       </dsp:txBody>
       <dsp:txXfrm>
-        <a:off x="19419" y="1988469"/>
-        <a:ext cx="5665926" cy="358962"/>
-      </dsp:txXfrm>
-    </dsp:sp>
-    <dsp:sp modelId="{E8103F07-51AF-4052-804B-1B6F00D659A1}">
-      <dsp:nvSpPr>
-        <dsp:cNvPr id="0" name=""/>
-        <dsp:cNvSpPr/>
-      </dsp:nvSpPr>
-      <dsp:spPr>
-        <a:xfrm>
-          <a:off x="0" y="2395650"/>
-          <a:ext cx="5704764" cy="397800"/>
-        </a:xfrm>
-        <a:prstGeom prst="roundRect">
-          <a:avLst/>
-        </a:prstGeom>
-        <a:solidFill>
-          <a:schemeClr val="accent2">
-            <a:hueOff val="-10117001"/>
-            <a:satOff val="1628"/>
-            <a:lumOff val="4467"/>
-            <a:alphaOff val="0"/>
-          </a:schemeClr>
-        </a:solidFill>
-        <a:ln w="12700" cap="flat" cmpd="sng" algn="ctr">
-          <a:solidFill>
-            <a:schemeClr val="lt1">
-              <a:hueOff val="0"/>
-              <a:satOff val="0"/>
-              <a:lumOff val="0"/>
-              <a:alphaOff val="0"/>
-            </a:schemeClr>
-          </a:solidFill>
-          <a:prstDash val="solid"/>
-          <a:miter lim="800000"/>
-        </a:ln>
-        <a:effectLst/>
-      </dsp:spPr>
-      <dsp:style>
-        <a:lnRef idx="2">
-          <a:scrgbClr r="0" g="0" b="0"/>
-        </a:lnRef>
-        <a:fillRef idx="1">
-          <a:scrgbClr r="0" g="0" b="0"/>
-        </a:fillRef>
-        <a:effectRef idx="0">
-          <a:scrgbClr r="0" g="0" b="0"/>
-        </a:effectRef>
-        <a:fontRef idx="minor">
-          <a:schemeClr val="lt1"/>
-        </a:fontRef>
-      </dsp:style>
-      <dsp:txBody>
-        <a:bodyPr spcFirstLastPara="0" vert="horz" wrap="square" lIns="38100" tIns="38100" rIns="38100" bIns="38100" numCol="1" spcCol="1270" anchor="ctr" anchorCtr="0">
-          <a:noAutofit/>
-        </a:bodyPr>
-        <a:lstStyle/>
-        <a:p>
-          <a:pPr marL="0" lvl="0" indent="0" algn="l" defTabSz="444500" rtl="0">
-            <a:lnSpc>
-              <a:spcPct val="90000"/>
-            </a:lnSpc>
-            <a:spcBef>
-              <a:spcPct val="0"/>
-            </a:spcBef>
-            <a:spcAft>
-              <a:spcPct val="35000"/>
-            </a:spcAft>
-            <a:buNone/>
-          </a:pPr>
-          <a:r>
-            <a:rPr lang="en-US" sz="1000" b="1" kern="1200" dirty="0">
-              <a:solidFill>
-                <a:schemeClr val="tx1"/>
-              </a:solidFill>
-            </a:rPr>
-            <a:t>Gaussian Naïve Bayes </a:t>
-          </a:r>
-          <a:r>
-            <a:rPr lang="en-US" sz="1000" kern="1200" dirty="0">
-              <a:solidFill>
-                <a:schemeClr val="tx1"/>
-              </a:solidFill>
-            </a:rPr>
-            <a:t>with scaling had around a </a:t>
-          </a:r>
-          <a:r>
-            <a:rPr lang="en-US" sz="1000" b="1" kern="1200" dirty="0">
-              <a:solidFill>
-                <a:schemeClr val="tx1"/>
-              </a:solidFill>
-            </a:rPr>
-            <a:t>91% </a:t>
-          </a:r>
-          <a:r>
-            <a:rPr lang="en-US" sz="1000" kern="1200" dirty="0">
-              <a:solidFill>
-                <a:schemeClr val="tx1"/>
-              </a:solidFill>
-            </a:rPr>
-            <a:t>accuracy rate – not much improvement</a:t>
-          </a:r>
-        </a:p>
-      </dsp:txBody>
-      <dsp:txXfrm>
-        <a:off x="19419" y="2415069"/>
-        <a:ext cx="5665926" cy="358962"/>
-      </dsp:txXfrm>
-    </dsp:sp>
-    <dsp:sp modelId="{24A5F7E2-0648-4888-AA43-276E1444D225}">
-      <dsp:nvSpPr>
-        <dsp:cNvPr id="0" name=""/>
-        <dsp:cNvSpPr/>
-      </dsp:nvSpPr>
-      <dsp:spPr>
-        <a:xfrm>
-          <a:off x="0" y="2805317"/>
-          <a:ext cx="5704764" cy="397800"/>
-        </a:xfrm>
-        <a:prstGeom prst="roundRect">
-          <a:avLst/>
-        </a:prstGeom>
-        <a:solidFill>
-          <a:schemeClr val="accent2">
-            <a:hueOff val="-12140401"/>
-            <a:satOff val="1954"/>
-            <a:lumOff val="5360"/>
-            <a:alphaOff val="0"/>
-          </a:schemeClr>
-        </a:solidFill>
-        <a:ln w="12700" cap="flat" cmpd="sng" algn="ctr">
-          <a:solidFill>
-            <a:schemeClr val="lt1">
-              <a:hueOff val="0"/>
-              <a:satOff val="0"/>
-              <a:lumOff val="0"/>
-              <a:alphaOff val="0"/>
-            </a:schemeClr>
-          </a:solidFill>
-          <a:prstDash val="solid"/>
-          <a:miter lim="800000"/>
-        </a:ln>
-        <a:effectLst/>
-      </dsp:spPr>
-      <dsp:style>
-        <a:lnRef idx="2">
-          <a:scrgbClr r="0" g="0" b="0"/>
-        </a:lnRef>
-        <a:fillRef idx="1">
-          <a:scrgbClr r="0" g="0" b="0"/>
-        </a:fillRef>
-        <a:effectRef idx="0">
-          <a:scrgbClr r="0" g="0" b="0"/>
-        </a:effectRef>
-        <a:fontRef idx="minor">
-          <a:schemeClr val="lt1"/>
-        </a:fontRef>
-      </dsp:style>
-      <dsp:txBody>
-        <a:bodyPr spcFirstLastPara="0" vert="horz" wrap="square" lIns="38100" tIns="38100" rIns="38100" bIns="38100" numCol="1" spcCol="1270" anchor="ctr" anchorCtr="0">
-          <a:noAutofit/>
-        </a:bodyPr>
-        <a:lstStyle/>
-        <a:p>
-          <a:pPr marL="0" lvl="0" indent="0" algn="l" defTabSz="444500">
-            <a:lnSpc>
-              <a:spcPct val="90000"/>
-            </a:lnSpc>
-            <a:spcBef>
-              <a:spcPct val="0"/>
-            </a:spcBef>
-            <a:spcAft>
-              <a:spcPct val="35000"/>
-            </a:spcAft>
-            <a:buNone/>
-          </a:pPr>
-          <a:r>
-            <a:rPr lang="en-US" sz="1000" kern="1200" dirty="0">
-              <a:solidFill>
-                <a:schemeClr val="tx1"/>
-              </a:solidFill>
-            </a:rPr>
-            <a:t>Most of our </a:t>
-          </a:r>
-          <a:r>
-            <a:rPr lang="en-US" sz="1000" b="1" kern="1200" dirty="0">
-              <a:solidFill>
-                <a:schemeClr val="tx1"/>
-              </a:solidFill>
-            </a:rPr>
-            <a:t>Decision Tree </a:t>
-          </a:r>
-          <a:r>
-            <a:rPr lang="en-US" sz="1000" kern="1200" dirty="0">
-              <a:solidFill>
-                <a:schemeClr val="tx1"/>
-              </a:solidFill>
-            </a:rPr>
-            <a:t>and </a:t>
-          </a:r>
-          <a:r>
-            <a:rPr lang="en-US" sz="1000" b="1" kern="1200" dirty="0">
-              <a:solidFill>
-                <a:schemeClr val="tx1"/>
-              </a:solidFill>
-            </a:rPr>
-            <a:t>Random Forest </a:t>
-          </a:r>
-          <a:r>
-            <a:rPr lang="en-US" sz="1000" kern="1200" dirty="0">
-              <a:solidFill>
-                <a:schemeClr val="tx1"/>
-              </a:solidFill>
-            </a:rPr>
-            <a:t>models had a had high degree of  accuracy. However with our smaller dataset we must consider the possibility of </a:t>
-          </a:r>
-          <a:r>
-            <a:rPr lang="en-US" sz="1000" b="1" kern="1200" dirty="0">
-              <a:solidFill>
-                <a:schemeClr val="tx1"/>
-              </a:solidFill>
-            </a:rPr>
-            <a:t>over fitting</a:t>
-          </a:r>
-          <a:r>
-            <a:rPr lang="en-US" sz="1000" kern="1200" dirty="0">
-              <a:solidFill>
-                <a:schemeClr val="tx1"/>
-              </a:solidFill>
-            </a:rPr>
-            <a:t>.</a:t>
-          </a:r>
-        </a:p>
-      </dsp:txBody>
-      <dsp:txXfrm>
-        <a:off x="19419" y="2824736"/>
-        <a:ext cx="5665926" cy="358962"/>
-      </dsp:txXfrm>
-    </dsp:sp>
-    <dsp:sp modelId="{CA754C5A-7F5F-415B-A46A-DFADE49934B2}">
-      <dsp:nvSpPr>
-        <dsp:cNvPr id="0" name=""/>
-        <dsp:cNvSpPr/>
-      </dsp:nvSpPr>
-      <dsp:spPr>
-        <a:xfrm>
-          <a:off x="0" y="3248849"/>
-          <a:ext cx="5704764" cy="397800"/>
-        </a:xfrm>
-        <a:prstGeom prst="roundRect">
-          <a:avLst/>
-        </a:prstGeom>
-        <a:solidFill>
-          <a:schemeClr val="accent2">
-            <a:hueOff val="-14163800"/>
-            <a:satOff val="2280"/>
-            <a:lumOff val="6253"/>
-            <a:alphaOff val="0"/>
-          </a:schemeClr>
-        </a:solidFill>
-        <a:ln w="12700" cap="flat" cmpd="sng" algn="ctr">
-          <a:solidFill>
-            <a:schemeClr val="lt1">
-              <a:hueOff val="0"/>
-              <a:satOff val="0"/>
-              <a:lumOff val="0"/>
-              <a:alphaOff val="0"/>
-            </a:schemeClr>
-          </a:solidFill>
-          <a:prstDash val="solid"/>
-          <a:miter lim="800000"/>
-        </a:ln>
-        <a:effectLst/>
-      </dsp:spPr>
-      <dsp:style>
-        <a:lnRef idx="2">
-          <a:scrgbClr r="0" g="0" b="0"/>
-        </a:lnRef>
-        <a:fillRef idx="1">
-          <a:scrgbClr r="0" g="0" b="0"/>
-        </a:fillRef>
-        <a:effectRef idx="0">
-          <a:scrgbClr r="0" g="0" b="0"/>
-        </a:effectRef>
-        <a:fontRef idx="minor">
-          <a:schemeClr val="lt1"/>
-        </a:fontRef>
-      </dsp:style>
-      <dsp:txBody>
-        <a:bodyPr spcFirstLastPara="0" vert="horz" wrap="square" lIns="38100" tIns="38100" rIns="38100" bIns="38100" numCol="1" spcCol="1270" anchor="ctr" anchorCtr="0">
-          <a:noAutofit/>
-        </a:bodyPr>
-        <a:lstStyle/>
-        <a:p>
-          <a:pPr marL="0" lvl="0" indent="0" algn="l" defTabSz="444500">
-            <a:lnSpc>
-              <a:spcPct val="90000"/>
-            </a:lnSpc>
-            <a:spcBef>
-              <a:spcPct val="0"/>
-            </a:spcBef>
-            <a:spcAft>
-              <a:spcPct val="35000"/>
-            </a:spcAft>
-            <a:buNone/>
-          </a:pPr>
-          <a:r>
-            <a:rPr lang="en-US" sz="1000" b="1" kern="1200" dirty="0">
-              <a:solidFill>
-                <a:schemeClr val="tx1"/>
-              </a:solidFill>
-            </a:rPr>
-            <a:t>Entropy Forest </a:t>
-          </a:r>
-          <a:r>
-            <a:rPr lang="en-US" sz="1000" kern="1200" dirty="0">
-              <a:solidFill>
-                <a:schemeClr val="tx1"/>
-              </a:solidFill>
-            </a:rPr>
-            <a:t>had </a:t>
-          </a:r>
-          <a:r>
-            <a:rPr lang="en-US" sz="1000" b="1" kern="1200" dirty="0">
-              <a:solidFill>
-                <a:schemeClr val="tx1"/>
-              </a:solidFill>
-            </a:rPr>
-            <a:t>90% </a:t>
-          </a:r>
-          <a:r>
-            <a:rPr lang="en-US" sz="1000" kern="1200" dirty="0">
-              <a:solidFill>
-                <a:schemeClr val="tx1"/>
-              </a:solidFill>
-            </a:rPr>
-            <a:t>accuracy</a:t>
-          </a:r>
-        </a:p>
-      </dsp:txBody>
-      <dsp:txXfrm>
-        <a:off x="19419" y="3268268"/>
-        <a:ext cx="5665926" cy="358962"/>
-      </dsp:txXfrm>
-    </dsp:sp>
-    <dsp:sp modelId="{0419303C-207C-4C68-A4A8-99B2954CA40E}">
-      <dsp:nvSpPr>
-        <dsp:cNvPr id="0" name=""/>
-        <dsp:cNvSpPr/>
-      </dsp:nvSpPr>
-      <dsp:spPr>
-        <a:xfrm>
-          <a:off x="0" y="3675449"/>
-          <a:ext cx="5704764" cy="397800"/>
-        </a:xfrm>
-        <a:prstGeom prst="roundRect">
-          <a:avLst/>
-        </a:prstGeom>
-        <a:solidFill>
-          <a:schemeClr val="accent2">
-            <a:hueOff val="-16187201"/>
-            <a:satOff val="2605"/>
-            <a:lumOff val="7147"/>
-            <a:alphaOff val="0"/>
-          </a:schemeClr>
-        </a:solidFill>
-        <a:ln w="12700" cap="flat" cmpd="sng" algn="ctr">
-          <a:solidFill>
-            <a:schemeClr val="lt1">
-              <a:hueOff val="0"/>
-              <a:satOff val="0"/>
-              <a:lumOff val="0"/>
-              <a:alphaOff val="0"/>
-            </a:schemeClr>
-          </a:solidFill>
-          <a:prstDash val="solid"/>
-          <a:miter lim="800000"/>
-        </a:ln>
-        <a:effectLst/>
-      </dsp:spPr>
-      <dsp:style>
-        <a:lnRef idx="2">
-          <a:scrgbClr r="0" g="0" b="0"/>
-        </a:lnRef>
-        <a:fillRef idx="1">
-          <a:scrgbClr r="0" g="0" b="0"/>
-        </a:fillRef>
-        <a:effectRef idx="0">
-          <a:scrgbClr r="0" g="0" b="0"/>
-        </a:effectRef>
-        <a:fontRef idx="minor">
-          <a:schemeClr val="lt1"/>
-        </a:fontRef>
-      </dsp:style>
-      <dsp:txBody>
-        <a:bodyPr spcFirstLastPara="0" vert="horz" wrap="square" lIns="38100" tIns="38100" rIns="38100" bIns="38100" numCol="1" spcCol="1270" anchor="ctr" anchorCtr="0">
-          <a:noAutofit/>
-        </a:bodyPr>
-        <a:lstStyle/>
-        <a:p>
-          <a:pPr marL="0" lvl="0" indent="0" algn="l" defTabSz="444500">
-            <a:lnSpc>
-              <a:spcPct val="90000"/>
-            </a:lnSpc>
-            <a:spcBef>
-              <a:spcPct val="0"/>
-            </a:spcBef>
-            <a:spcAft>
-              <a:spcPct val="35000"/>
-            </a:spcAft>
-            <a:buNone/>
-          </a:pPr>
-          <a:r>
-            <a:rPr lang="en-US" sz="1000" b="1" kern="1200" dirty="0">
-              <a:solidFill>
-                <a:schemeClr val="tx1"/>
-              </a:solidFill>
-            </a:rPr>
-            <a:t>PCA Gini Tree </a:t>
-          </a:r>
-          <a:r>
-            <a:rPr lang="en-US" sz="1000" kern="1200" dirty="0">
-              <a:solidFill>
-                <a:schemeClr val="tx1"/>
-              </a:solidFill>
-            </a:rPr>
-            <a:t>had an accuracy of </a:t>
-          </a:r>
-          <a:r>
-            <a:rPr lang="en-US" sz="1000" b="1" kern="1200" dirty="0">
-              <a:solidFill>
-                <a:schemeClr val="tx1"/>
-              </a:solidFill>
-            </a:rPr>
-            <a:t>94%</a:t>
-          </a:r>
-        </a:p>
-      </dsp:txBody>
-      <dsp:txXfrm>
-        <a:off x="19419" y="3694868"/>
-        <a:ext cx="5665926" cy="358962"/>
-      </dsp:txXfrm>
-    </dsp:sp>
-    <dsp:sp modelId="{AEDA5246-62EE-469D-BE0C-226089261DA4}">
-      <dsp:nvSpPr>
-        <dsp:cNvPr id="0" name=""/>
-        <dsp:cNvSpPr/>
-      </dsp:nvSpPr>
-      <dsp:spPr>
-        <a:xfrm>
-          <a:off x="0" y="4102049"/>
-          <a:ext cx="5704764" cy="397800"/>
-        </a:xfrm>
-        <a:prstGeom prst="roundRect">
-          <a:avLst/>
-        </a:prstGeom>
-        <a:solidFill>
-          <a:schemeClr val="accent2">
-            <a:hueOff val="-18210601"/>
-            <a:satOff val="2931"/>
-            <a:lumOff val="8040"/>
-            <a:alphaOff val="0"/>
-          </a:schemeClr>
-        </a:solidFill>
-        <a:ln w="12700" cap="flat" cmpd="sng" algn="ctr">
-          <a:solidFill>
-            <a:schemeClr val="lt1">
-              <a:hueOff val="0"/>
-              <a:satOff val="0"/>
-              <a:lumOff val="0"/>
-              <a:alphaOff val="0"/>
-            </a:schemeClr>
-          </a:solidFill>
-          <a:prstDash val="solid"/>
-          <a:miter lim="800000"/>
-        </a:ln>
-        <a:effectLst/>
-      </dsp:spPr>
-      <dsp:style>
-        <a:lnRef idx="2">
-          <a:scrgbClr r="0" g="0" b="0"/>
-        </a:lnRef>
-        <a:fillRef idx="1">
-          <a:scrgbClr r="0" g="0" b="0"/>
-        </a:fillRef>
-        <a:effectRef idx="0">
-          <a:scrgbClr r="0" g="0" b="0"/>
-        </a:effectRef>
-        <a:fontRef idx="minor">
-          <a:schemeClr val="lt1"/>
-        </a:fontRef>
-      </dsp:style>
-      <dsp:txBody>
-        <a:bodyPr spcFirstLastPara="0" vert="horz" wrap="square" lIns="38100" tIns="38100" rIns="38100" bIns="38100" numCol="1" spcCol="1270" anchor="ctr" anchorCtr="0">
-          <a:noAutofit/>
-        </a:bodyPr>
-        <a:lstStyle/>
-        <a:p>
-          <a:pPr marL="0" lvl="0" indent="0" algn="l" defTabSz="444500">
-            <a:lnSpc>
-              <a:spcPct val="90000"/>
-            </a:lnSpc>
-            <a:spcBef>
-              <a:spcPct val="0"/>
-            </a:spcBef>
-            <a:spcAft>
-              <a:spcPct val="35000"/>
-            </a:spcAft>
-            <a:buNone/>
-          </a:pPr>
-          <a:r>
-            <a:rPr lang="en-US" sz="1000" b="1" kern="1200" dirty="0">
-              <a:solidFill>
-                <a:schemeClr val="tx1"/>
-              </a:solidFill>
-            </a:rPr>
-            <a:t>PCA Random Forest </a:t>
-          </a:r>
-          <a:r>
-            <a:rPr lang="en-US" sz="1000" kern="1200" dirty="0">
-              <a:solidFill>
-                <a:schemeClr val="tx1"/>
-              </a:solidFill>
-            </a:rPr>
-            <a:t>had the best accuracy of all our models at </a:t>
-          </a:r>
-          <a:r>
-            <a:rPr lang="en-US" sz="1000" b="1" kern="1200" dirty="0">
-              <a:solidFill>
-                <a:schemeClr val="tx1"/>
-              </a:solidFill>
-            </a:rPr>
-            <a:t>97%</a:t>
-          </a:r>
-        </a:p>
-      </dsp:txBody>
-      <dsp:txXfrm>
-        <a:off x="19419" y="4121468"/>
-        <a:ext cx="5665926" cy="358962"/>
+        <a:off x="0" y="4327642"/>
+        <a:ext cx="5704764" cy="432531"/>
       </dsp:txXfrm>
     </dsp:sp>
   </dsp:spTree>
@@ -4713,12 +4998,12 @@
 </file>
 
 <file path=ppt/diagrams/layout1.xml><?xml version="1.0" encoding="utf-8"?>
-<dgm:layoutDef xmlns:dgm="http://schemas.openxmlformats.org/drawingml/2006/diagram" xmlns:a="http://schemas.openxmlformats.org/drawingml/2006/main" uniqueId="urn:microsoft.com/office/officeart/2005/8/layout/vList2">
+<dgm:layoutDef xmlns:dgm="http://schemas.openxmlformats.org/drawingml/2006/diagram" xmlns:a="http://schemas.openxmlformats.org/drawingml/2006/main" uniqueId="urn:microsoft.com/office/officeart/2008/layout/LinedList">
   <dgm:title val=""/>
   <dgm:desc val=""/>
   <dgm:catLst>
-    <dgm:cat type="list" pri="3000"/>
-    <dgm:cat type="convert" pri="1000"/>
+    <dgm:cat type="hierarchy" pri="8000"/>
+    <dgm:cat type="list" pri="2500"/>
   </dgm:catLst>
   <dgm:sampData>
     <dgm:dataModel>
@@ -4730,18 +5015,18 @@
         <dgm:pt modelId="11">
           <dgm:prSet phldr="1"/>
         </dgm:pt>
-        <dgm:pt modelId="2">
+        <dgm:pt modelId="12">
           <dgm:prSet phldr="1"/>
         </dgm:pt>
-        <dgm:pt modelId="21">
+        <dgm:pt modelId="13">
           <dgm:prSet phldr="1"/>
         </dgm:pt>
       </dgm:ptLst>
       <dgm:cxnLst>
-        <dgm:cxn modelId="4" srcId="0" destId="1" srcOrd="0" destOrd="0"/>
-        <dgm:cxn modelId="5" srcId="0" destId="2" srcOrd="1" destOrd="0"/>
-        <dgm:cxn modelId="12" srcId="1" destId="11" srcOrd="0" destOrd="0"/>
-        <dgm:cxn modelId="23" srcId="2" destId="21" srcOrd="0" destOrd="0"/>
+        <dgm:cxn modelId="2" srcId="0" destId="1" srcOrd="0" destOrd="0"/>
+        <dgm:cxn modelId="3" srcId="1" destId="11" srcOrd="0" destOrd="0"/>
+        <dgm:cxn modelId="4" srcId="1" destId="12" srcOrd="1" destOrd="0"/>
+        <dgm:cxn modelId="5" srcId="1" destId="13" srcOrd="2" destOrd="0"/>
       </dgm:cxnLst>
       <dgm:bg/>
       <dgm:whole/>
@@ -4751,12 +5036,20 @@
     <dgm:dataModel>
       <dgm:ptLst>
         <dgm:pt modelId="0" type="doc"/>
-        <dgm:pt modelId="1"/>
-        <dgm:pt modelId="2"/>
+        <dgm:pt modelId="1">
+          <dgm:prSet phldr="1"/>
+        </dgm:pt>
+        <dgm:pt modelId="11">
+          <dgm:prSet phldr="1"/>
+        </dgm:pt>
+        <dgm:pt modelId="12">
+          <dgm:prSet phldr="1"/>
+        </dgm:pt>
       </dgm:ptLst>
       <dgm:cxnLst>
-        <dgm:cxn modelId="3" srcId="0" destId="1" srcOrd="0" destOrd="0"/>
-        <dgm:cxn modelId="4" srcId="0" destId="2" srcOrd="1" destOrd="0"/>
+        <dgm:cxn modelId="2" srcId="0" destId="1" srcOrd="0" destOrd="0"/>
+        <dgm:cxn modelId="3" srcId="1" destId="11" srcOrd="0" destOrd="0"/>
+        <dgm:cxn modelId="4" srcId="1" destId="12" srcOrd="1" destOrd="0"/>
       </dgm:cxnLst>
       <dgm:bg/>
       <dgm:whole/>
@@ -4766,126 +5059,417 @@
     <dgm:dataModel>
       <dgm:ptLst>
         <dgm:pt modelId="0" type="doc"/>
-        <dgm:pt modelId="1"/>
-        <dgm:pt modelId="2"/>
-        <dgm:pt modelId="3"/>
-        <dgm:pt modelId="4"/>
+        <dgm:pt modelId="1">
+          <dgm:prSet phldr="1"/>
+        </dgm:pt>
+        <dgm:pt modelId="11">
+          <dgm:prSet phldr="1"/>
+        </dgm:pt>
+        <dgm:pt modelId="12">
+          <dgm:prSet phldr="1"/>
+        </dgm:pt>
       </dgm:ptLst>
       <dgm:cxnLst>
-        <dgm:cxn modelId="5" srcId="0" destId="1" srcOrd="0" destOrd="0"/>
-        <dgm:cxn modelId="6" srcId="0" destId="2" srcOrd="1" destOrd="0"/>
-        <dgm:cxn modelId="7" srcId="0" destId="3" srcOrd="2" destOrd="0"/>
-        <dgm:cxn modelId="8" srcId="0" destId="4" srcOrd="3" destOrd="0"/>
+        <dgm:cxn modelId="2" srcId="0" destId="1" srcOrd="0" destOrd="0"/>
+        <dgm:cxn modelId="3" srcId="1" destId="11" srcOrd="0" destOrd="0"/>
+        <dgm:cxn modelId="4" srcId="1" destId="12" srcOrd="1" destOrd="0"/>
       </dgm:cxnLst>
       <dgm:bg/>
       <dgm:whole/>
     </dgm:dataModel>
   </dgm:clrData>
-  <dgm:layoutNode name="linear">
+  <dgm:layoutNode name="vert0">
     <dgm:varLst>
+      <dgm:dir/>
+      <dgm:animOne val="branch"/>
       <dgm:animLvl val="lvl"/>
-      <dgm:resizeHandles val="exact"/>
     </dgm:varLst>
-    <dgm:alg type="lin">
-      <dgm:param type="linDir" val="fromT"/>
-      <dgm:param type="vertAlign" val="mid"/>
-    </dgm:alg>
+    <dgm:choose name="Name0">
+      <dgm:if name="Name1" func="var" arg="dir" op="equ" val="norm">
+        <dgm:alg type="lin">
+          <dgm:param type="linDir" val="fromT"/>
+          <dgm:param type="nodeHorzAlign" val="l"/>
+        </dgm:alg>
+      </dgm:if>
+      <dgm:else name="Name2">
+        <dgm:alg type="lin">
+          <dgm:param type="linDir" val="fromT"/>
+          <dgm:param type="nodeHorzAlign" val="r"/>
+        </dgm:alg>
+      </dgm:else>
+    </dgm:choose>
     <dgm:shape xmlns:r="http://schemas.openxmlformats.org/officeDocument/2006/relationships" r:blip="">
       <dgm:adjLst/>
     </dgm:shape>
     <dgm:presOf/>
     <dgm:constrLst>
-      <dgm:constr type="w" for="ch" forName="parentText" refType="w"/>
-      <dgm:constr type="h" for="ch" forName="parentText" refType="primFontSz" refFor="ch" refForName="parentText" fact="0.52"/>
-      <dgm:constr type="w" for="ch" forName="childText" refType="w"/>
-      <dgm:constr type="h" for="ch" forName="childText" refType="primFontSz" refFor="ch" refForName="parentText" fact="0.46"/>
-      <dgm:constr type="h" for="ch" forName="parentText" op="equ"/>
-      <dgm:constr type="primFontSz" for="ch" forName="parentText" op="equ" val="65"/>
-      <dgm:constr type="primFontSz" for="ch" forName="childText" refType="primFontSz" refFor="ch" refForName="parentText" op="equ"/>
-      <dgm:constr type="h" for="ch" forName="spacer" refType="primFontSz" refFor="ch" refForName="parentText" fact="0.08"/>
+      <dgm:constr type="w" for="ch" forName="horz1" refType="w"/>
+      <dgm:constr type="h" for="ch" forName="horz1" refType="h"/>
+      <dgm:constr type="h" for="des" forName="vert1" refType="h"/>
+      <dgm:constr type="h" for="des" forName="tx1" refType="h"/>
+      <dgm:constr type="h" for="des" forName="horz2" refType="h"/>
+      <dgm:constr type="h" for="des" forName="vert2" refType="h"/>
+      <dgm:constr type="h" for="des" forName="horz3" refType="h"/>
+      <dgm:constr type="h" for="des" forName="vert3" refType="h"/>
+      <dgm:constr type="h" for="des" forName="horz4" refType="h"/>
+      <dgm:constr type="h" for="des" ptType="node" refType="h"/>
+      <dgm:constr type="primFontSz" for="des" forName="tx1" op="equ" val="65"/>
+      <dgm:constr type="primFontSz" for="des" forName="tx2" op="equ" val="65"/>
+      <dgm:constr type="primFontSz" for="des" forName="tx3" op="equ" val="65"/>
+      <dgm:constr type="primFontSz" for="des" forName="tx4" op="equ" val="65"/>
+      <dgm:constr type="w" for="des" forName="thickLine" refType="w"/>
+      <dgm:constr type="h" for="des" forName="thickLine"/>
+      <dgm:constr type="h" for="des" forName="thinLine1"/>
+      <dgm:constr type="h" for="des" forName="thinLine2b"/>
+      <dgm:constr type="h" for="des" forName="thinLine3"/>
+      <dgm:constr type="h" for="des" forName="vertSpace2a" refType="h" fact="0.05"/>
+      <dgm:constr type="h" for="des" forName="vertSpace2b" refType="h" refFor="des" refForName="vertSpace2a"/>
     </dgm:constrLst>
-    <dgm:ruleLst>
-      <dgm:rule type="primFontSz" for="ch" forName="parentText" val="5" fact="NaN" max="NaN"/>
-    </dgm:ruleLst>
-    <dgm:forEach name="Name0" axis="ch" ptType="node">
-      <dgm:layoutNode name="parentText" styleLbl="node1">
-        <dgm:varLst>
-          <dgm:chMax val="0"/>
-          <dgm:bulletEnabled val="1"/>
-        </dgm:varLst>
-        <dgm:alg type="tx">
-          <dgm:param type="parTxLTRAlign" val="l"/>
-          <dgm:param type="parTxRTLAlign" val="r"/>
-        </dgm:alg>
-        <dgm:shape xmlns:r="http://schemas.openxmlformats.org/officeDocument/2006/relationships" type="roundRect" r:blip="">
+    <dgm:forEach name="Name3" axis="ch" ptType="node">
+      <dgm:layoutNode name="thickLine" styleLbl="alignNode1">
+        <dgm:alg type="sp"/>
+        <dgm:shape xmlns:r="http://schemas.openxmlformats.org/officeDocument/2006/relationships" type="line" r:blip="">
           <dgm:adjLst/>
         </dgm:shape>
-        <dgm:presOf axis="self"/>
-        <dgm:constrLst>
-          <dgm:constr type="tMarg" refType="primFontSz" fact="0.3"/>
-          <dgm:constr type="bMarg" refType="primFontSz" fact="0.3"/>
-          <dgm:constr type="lMarg" refType="primFontSz" fact="0.3"/>
-          <dgm:constr type="rMarg" refType="primFontSz" fact="0.3"/>
-        </dgm:constrLst>
-        <dgm:ruleLst>
-          <dgm:rule type="h" val="INF" fact="NaN" max="NaN"/>
-        </dgm:ruleLst>
+        <dgm:presOf/>
       </dgm:layoutNode>
-      <dgm:choose name="Name1">
-        <dgm:if name="Name2" axis="ch" ptType="node" func="cnt" op="gte" val="1">
-          <dgm:layoutNode name="childText" styleLbl="revTx">
-            <dgm:varLst>
-              <dgm:bulletEnabled val="1"/>
-            </dgm:varLst>
-            <dgm:alg type="tx">
-              <dgm:param type="stBulletLvl" val="1"/>
-              <dgm:param type="lnSpAfChP" val="20"/>
+      <dgm:layoutNode name="horz1">
+        <dgm:choose name="Name4">
+          <dgm:if name="Name5" func="var" arg="dir" op="equ" val="norm">
+            <dgm:alg type="lin">
+              <dgm:param type="linDir" val="fromL"/>
+              <dgm:param type="nodeVertAlign" val="t"/>
             </dgm:alg>
-            <dgm:shape xmlns:r="http://schemas.openxmlformats.org/officeDocument/2006/relationships" type="rect" r:blip="">
-              <dgm:adjLst/>
-            </dgm:shape>
-            <dgm:presOf axis="des" ptType="node"/>
+          </dgm:if>
+          <dgm:else name="Name6">
+            <dgm:alg type="lin">
+              <dgm:param type="linDir" val="fromR"/>
+              <dgm:param type="nodeVertAlign" val="t"/>
+            </dgm:alg>
+          </dgm:else>
+        </dgm:choose>
+        <dgm:shape xmlns:r="http://schemas.openxmlformats.org/officeDocument/2006/relationships" r:blip="">
+          <dgm:adjLst/>
+        </dgm:shape>
+        <dgm:presOf/>
+        <dgm:choose name="Name7">
+          <dgm:if name="Name8" axis="root des" func="maxDepth" op="equ" val="1">
             <dgm:constrLst>
-              <dgm:constr type="tMarg" refType="primFontSz" fact="0.1"/>
-              <dgm:constr type="bMarg" refType="primFontSz" fact="0.1"/>
-              <dgm:constr type="lMarg" refType="w" fact="0.09"/>
+              <dgm:constr type="w" for="ch" forName="tx1" refType="w"/>
             </dgm:constrLst>
-            <dgm:ruleLst>
-              <dgm:rule type="h" val="INF" fact="NaN" max="NaN"/>
-            </dgm:ruleLst>
-          </dgm:layoutNode>
-        </dgm:if>
-        <dgm:else name="Name3">
-          <dgm:choose name="Name4">
-            <dgm:if name="Name5" axis="par ch" ptType="doc node" func="cnt" op="gte" val="2">
-              <dgm:forEach name="Name6" axis="followSib" ptType="sibTrans" cnt="1">
-                <dgm:layoutNode name="spacer">
+          </dgm:if>
+          <dgm:if name="Name9" axis="root des" func="maxDepth" op="equ" val="2">
+            <dgm:constrLst>
+              <dgm:constr type="w" for="ch" forName="tx1" refType="w" fact="0.2"/>
+              <dgm:constr type="w" for="des" forName="tx2" refType="w" fact="0.785"/>
+              <dgm:constr type="w" for="des" forName="horzSpace2" refType="w" fact="0.015"/>
+              <dgm:constr type="w" for="des" forName="thinLine2b" refType="w" fact="0.8"/>
+            </dgm:constrLst>
+          </dgm:if>
+          <dgm:if name="Name10" axis="root des" func="maxDepth" op="equ" val="3">
+            <dgm:constrLst>
+              <dgm:constr type="w" for="ch" forName="tx1" refType="w" fact="0.2"/>
+              <dgm:constr type="w" for="des" forName="tx2" refType="w" fact="0.385"/>
+              <dgm:constr type="w" for="des" forName="tx3" refType="w" fact="0.385"/>
+              <dgm:constr type="w" for="des" forName="horzSpace2" refType="w" fact="0.015"/>
+              <dgm:constr type="w" for="des" forName="horzSpace3" refType="w" fact="0.015"/>
+              <dgm:constr type="w" for="des" forName="thinLine2b" refType="w" fact="0.8"/>
+              <dgm:constr type="w" for="des" forName="thinLine3" refType="w" fact="0.385"/>
+            </dgm:constrLst>
+          </dgm:if>
+          <dgm:if name="Name11" axis="root des" func="maxDepth" op="gte" val="4">
+            <dgm:constrLst>
+              <dgm:constr type="w" for="ch" forName="tx1" refType="w" fact="0.2"/>
+              <dgm:constr type="w" for="des" forName="tx2" refType="w" fact="0.2516"/>
+              <dgm:constr type="w" for="des" forName="tx3" refType="w" fact="0.2516"/>
+              <dgm:constr type="w" for="des" forName="tx4" refType="w" fact="0.2516"/>
+              <dgm:constr type="w" for="des" forName="horzSpace2" refType="w" fact="0.015"/>
+              <dgm:constr type="w" for="des" forName="horzSpace3" refType="w" fact="0.015"/>
+              <dgm:constr type="w" for="des" forName="horzSpace4" refType="w" fact="0.015"/>
+              <dgm:constr type="w" for="des" forName="thinLine2b" refType="w" fact="0.8"/>
+              <dgm:constr type="w" for="des" forName="thinLine3" refType="w" fact="0.5332"/>
+            </dgm:constrLst>
+          </dgm:if>
+          <dgm:else name="Name12"/>
+        </dgm:choose>
+        <dgm:layoutNode name="tx1" styleLbl="revTx">
+          <dgm:alg type="tx">
+            <dgm:param type="parTxLTRAlign" val="l"/>
+            <dgm:param type="parTxRTLAlign" val="r"/>
+            <dgm:param type="txAnchorVert" val="t"/>
+          </dgm:alg>
+          <dgm:shape xmlns:r="http://schemas.openxmlformats.org/officeDocument/2006/relationships" type="rect" r:blip="">
+            <dgm:adjLst/>
+          </dgm:shape>
+          <dgm:presOf axis="self"/>
+          <dgm:constrLst>
+            <dgm:constr type="tMarg" refType="primFontSz" fact="0.3"/>
+            <dgm:constr type="bMarg" refType="primFontSz" fact="0.3"/>
+            <dgm:constr type="lMarg" refType="primFontSz" fact="0.3"/>
+            <dgm:constr type="rMarg" refType="primFontSz" fact="0.3"/>
+          </dgm:constrLst>
+          <dgm:ruleLst>
+            <dgm:rule type="primFontSz" val="5" fact="NaN" max="NaN"/>
+          </dgm:ruleLst>
+        </dgm:layoutNode>
+        <dgm:layoutNode name="vert1">
+          <dgm:choose name="Name13">
+            <dgm:if name="Name14" func="var" arg="dir" op="equ" val="norm">
+              <dgm:alg type="lin">
+                <dgm:param type="linDir" val="fromT"/>
+                <dgm:param type="nodeHorzAlign" val="l"/>
+              </dgm:alg>
+            </dgm:if>
+            <dgm:else name="Name15">
+              <dgm:alg type="lin">
+                <dgm:param type="linDir" val="fromT"/>
+                <dgm:param type="nodeHorzAlign" val="r"/>
+              </dgm:alg>
+            </dgm:else>
+          </dgm:choose>
+          <dgm:shape xmlns:r="http://schemas.openxmlformats.org/officeDocument/2006/relationships" r:blip="">
+            <dgm:adjLst/>
+          </dgm:shape>
+          <dgm:presOf/>
+          <dgm:forEach name="Name16" axis="ch" ptType="node">
+            <dgm:choose name="Name17">
+              <dgm:if name="Name18" axis="self" ptType="node" func="pos" op="equ" val="1">
+                <dgm:layoutNode name="vertSpace2a">
                   <dgm:alg type="sp"/>
                   <dgm:shape xmlns:r="http://schemas.openxmlformats.org/officeDocument/2006/relationships" r:blip="">
                     <dgm:adjLst/>
                   </dgm:shape>
                   <dgm:presOf/>
-                  <dgm:constrLst/>
-                  <dgm:ruleLst/>
                 </dgm:layoutNode>
-              </dgm:forEach>
-            </dgm:if>
-            <dgm:else name="Name7"/>
-          </dgm:choose>
-        </dgm:else>
-      </dgm:choose>
+              </dgm:if>
+              <dgm:else name="Name19"/>
+            </dgm:choose>
+            <dgm:layoutNode name="horz2">
+              <dgm:choose name="Name20">
+                <dgm:if name="Name21" func="var" arg="dir" op="equ" val="norm">
+                  <dgm:alg type="lin">
+                    <dgm:param type="linDir" val="fromL"/>
+                    <dgm:param type="nodeVertAlign" val="t"/>
+                  </dgm:alg>
+                </dgm:if>
+                <dgm:else name="Name22">
+                  <dgm:alg type="lin">
+                    <dgm:param type="linDir" val="fromR"/>
+                    <dgm:param type="nodeVertAlign" val="t"/>
+                  </dgm:alg>
+                </dgm:else>
+              </dgm:choose>
+              <dgm:shape xmlns:r="http://schemas.openxmlformats.org/officeDocument/2006/relationships" r:blip="">
+                <dgm:adjLst/>
+              </dgm:shape>
+              <dgm:presOf/>
+              <dgm:layoutNode name="horzSpace2">
+                <dgm:alg type="sp"/>
+                <dgm:shape xmlns:r="http://schemas.openxmlformats.org/officeDocument/2006/relationships" r:blip="">
+                  <dgm:adjLst/>
+                </dgm:shape>
+                <dgm:presOf/>
+              </dgm:layoutNode>
+              <dgm:layoutNode name="tx2" styleLbl="revTx">
+                <dgm:alg type="tx">
+                  <dgm:param type="parTxLTRAlign" val="l"/>
+                  <dgm:param type="parTxRTLAlign" val="r"/>
+                  <dgm:param type="txAnchorVert" val="t"/>
+                </dgm:alg>
+                <dgm:shape xmlns:r="http://schemas.openxmlformats.org/officeDocument/2006/relationships" type="rect" r:blip="">
+                  <dgm:adjLst/>
+                </dgm:shape>
+                <dgm:presOf axis="self"/>
+                <dgm:constrLst>
+                  <dgm:constr type="tMarg" refType="primFontSz" fact="0.3"/>
+                  <dgm:constr type="bMarg" refType="primFontSz" fact="0.3"/>
+                  <dgm:constr type="lMarg" refType="primFontSz" fact="0.3"/>
+                  <dgm:constr type="rMarg" refType="primFontSz" fact="0.3"/>
+                </dgm:constrLst>
+                <dgm:ruleLst>
+                  <dgm:rule type="primFontSz" val="5" fact="NaN" max="NaN"/>
+                </dgm:ruleLst>
+              </dgm:layoutNode>
+              <dgm:layoutNode name="vert2">
+                <dgm:choose name="Name23">
+                  <dgm:if name="Name24" func="var" arg="dir" op="equ" val="norm">
+                    <dgm:alg type="lin">
+                      <dgm:param type="linDir" val="fromT"/>
+                      <dgm:param type="nodeHorzAlign" val="l"/>
+                    </dgm:alg>
+                  </dgm:if>
+                  <dgm:else name="Name25">
+                    <dgm:alg type="lin">
+                      <dgm:param type="linDir" val="fromT"/>
+                      <dgm:param type="nodeHorzAlign" val="r"/>
+                    </dgm:alg>
+                  </dgm:else>
+                </dgm:choose>
+                <dgm:shape xmlns:r="http://schemas.openxmlformats.org/officeDocument/2006/relationships" r:blip="">
+                  <dgm:adjLst/>
+                </dgm:shape>
+                <dgm:presOf/>
+                <dgm:forEach name="Name26" axis="ch" ptType="node">
+                  <dgm:layoutNode name="horz3">
+                    <dgm:choose name="Name27">
+                      <dgm:if name="Name28" func="var" arg="dir" op="equ" val="norm">
+                        <dgm:alg type="lin">
+                          <dgm:param type="linDir" val="fromL"/>
+                          <dgm:param type="nodeVertAlign" val="t"/>
+                        </dgm:alg>
+                      </dgm:if>
+                      <dgm:else name="Name29">
+                        <dgm:alg type="lin">
+                          <dgm:param type="linDir" val="fromR"/>
+                          <dgm:param type="nodeVertAlign" val="t"/>
+                        </dgm:alg>
+                      </dgm:else>
+                    </dgm:choose>
+                    <dgm:shape xmlns:r="http://schemas.openxmlformats.org/officeDocument/2006/relationships" r:blip="">
+                      <dgm:adjLst/>
+                    </dgm:shape>
+                    <dgm:presOf/>
+                    <dgm:layoutNode name="horzSpace3">
+                      <dgm:alg type="sp"/>
+                      <dgm:shape xmlns:r="http://schemas.openxmlformats.org/officeDocument/2006/relationships" r:blip="">
+                        <dgm:adjLst/>
+                      </dgm:shape>
+                      <dgm:presOf/>
+                    </dgm:layoutNode>
+                    <dgm:layoutNode name="tx3" styleLbl="revTx">
+                      <dgm:alg type="tx">
+                        <dgm:param type="parTxLTRAlign" val="l"/>
+                        <dgm:param type="parTxRTLAlign" val="r"/>
+                        <dgm:param type="txAnchorVert" val="t"/>
+                      </dgm:alg>
+                      <dgm:shape xmlns:r="http://schemas.openxmlformats.org/officeDocument/2006/relationships" type="rect" r:blip="">
+                        <dgm:adjLst/>
+                      </dgm:shape>
+                      <dgm:presOf axis="self"/>
+                      <dgm:constrLst>
+                        <dgm:constr type="tMarg" refType="primFontSz" fact="0.3"/>
+                        <dgm:constr type="bMarg" refType="primFontSz" fact="0.3"/>
+                        <dgm:constr type="lMarg" refType="primFontSz" fact="0.3"/>
+                        <dgm:constr type="rMarg" refType="primFontSz" fact="0.3"/>
+                      </dgm:constrLst>
+                      <dgm:ruleLst>
+                        <dgm:rule type="primFontSz" val="5" fact="NaN" max="NaN"/>
+                      </dgm:ruleLst>
+                    </dgm:layoutNode>
+                    <dgm:layoutNode name="vert3">
+                      <dgm:choose name="Name30">
+                        <dgm:if name="Name31" func="var" arg="dir" op="equ" val="norm">
+                          <dgm:alg type="lin">
+                            <dgm:param type="linDir" val="fromT"/>
+                            <dgm:param type="nodeHorzAlign" val="l"/>
+                          </dgm:alg>
+                        </dgm:if>
+                        <dgm:else name="Name32">
+                          <dgm:alg type="lin">
+                            <dgm:param type="linDir" val="fromT"/>
+                            <dgm:param type="nodeHorzAlign" val="r"/>
+                          </dgm:alg>
+                        </dgm:else>
+                      </dgm:choose>
+                      <dgm:shape xmlns:r="http://schemas.openxmlformats.org/officeDocument/2006/relationships" r:blip="">
+                        <dgm:adjLst/>
+                      </dgm:shape>
+                      <dgm:presOf/>
+                      <dgm:forEach name="Name33" axis="ch" ptType="node">
+                        <dgm:layoutNode name="horz4">
+                          <dgm:choose name="Name34">
+                            <dgm:if name="Name35" func="var" arg="dir" op="equ" val="norm">
+                              <dgm:alg type="lin">
+                                <dgm:param type="linDir" val="fromL"/>
+                                <dgm:param type="nodeVertAlign" val="t"/>
+                              </dgm:alg>
+                            </dgm:if>
+                            <dgm:else name="Name36">
+                              <dgm:alg type="lin">
+                                <dgm:param type="linDir" val="fromR"/>
+                                <dgm:param type="nodeVertAlign" val="t"/>
+                              </dgm:alg>
+                            </dgm:else>
+                          </dgm:choose>
+                          <dgm:shape xmlns:r="http://schemas.openxmlformats.org/officeDocument/2006/relationships" r:blip="">
+                            <dgm:adjLst/>
+                          </dgm:shape>
+                          <dgm:presOf/>
+                          <dgm:layoutNode name="horzSpace4">
+                            <dgm:alg type="sp"/>
+                            <dgm:shape xmlns:r="http://schemas.openxmlformats.org/officeDocument/2006/relationships" r:blip="">
+                              <dgm:adjLst/>
+                            </dgm:shape>
+                            <dgm:presOf/>
+                          </dgm:layoutNode>
+                          <dgm:layoutNode name="tx4" styleLbl="revTx">
+                            <dgm:varLst>
+                              <dgm:bulletEnabled val="1"/>
+                            </dgm:varLst>
+                            <dgm:alg type="tx">
+                              <dgm:param type="parTxLTRAlign" val="l"/>
+                              <dgm:param type="parTxRTLAlign" val="r"/>
+                              <dgm:param type="txAnchorVert" val="t"/>
+                            </dgm:alg>
+                            <dgm:shape xmlns:r="http://schemas.openxmlformats.org/officeDocument/2006/relationships" type="rect" r:blip="">
+                              <dgm:adjLst/>
+                            </dgm:shape>
+                            <dgm:presOf axis="desOrSelf" ptType="node"/>
+                            <dgm:constrLst>
+                              <dgm:constr type="tMarg" refType="primFontSz" fact="0.3"/>
+                              <dgm:constr type="bMarg" refType="primFontSz" fact="0.3"/>
+                              <dgm:constr type="lMarg" refType="primFontSz" fact="0.3"/>
+                              <dgm:constr type="rMarg" refType="primFontSz" fact="0.3"/>
+                            </dgm:constrLst>
+                            <dgm:ruleLst>
+                              <dgm:rule type="primFontSz" val="5" fact="NaN" max="NaN"/>
+                            </dgm:ruleLst>
+                          </dgm:layoutNode>
+                        </dgm:layoutNode>
+                      </dgm:forEach>
+                    </dgm:layoutNode>
+                  </dgm:layoutNode>
+                  <dgm:forEach name="Name37" axis="followSib" ptType="sibTrans" cnt="1">
+                    <dgm:layoutNode name="thinLine3" styleLbl="callout">
+                      <dgm:alg type="sp"/>
+                      <dgm:shape xmlns:r="http://schemas.openxmlformats.org/officeDocument/2006/relationships" type="line" r:blip="">
+                        <dgm:adjLst/>
+                      </dgm:shape>
+                      <dgm:presOf/>
+                    </dgm:layoutNode>
+                  </dgm:forEach>
+                </dgm:forEach>
+              </dgm:layoutNode>
+            </dgm:layoutNode>
+            <dgm:layoutNode name="thinLine2b" styleLbl="callout">
+              <dgm:alg type="sp"/>
+              <dgm:shape xmlns:r="http://schemas.openxmlformats.org/officeDocument/2006/relationships" type="line" r:blip="">
+                <dgm:adjLst/>
+              </dgm:shape>
+              <dgm:presOf/>
+            </dgm:layoutNode>
+            <dgm:layoutNode name="vertSpace2b">
+              <dgm:alg type="sp"/>
+              <dgm:shape xmlns:r="http://schemas.openxmlformats.org/officeDocument/2006/relationships" r:blip="">
+                <dgm:adjLst/>
+              </dgm:shape>
+              <dgm:presOf/>
+            </dgm:layoutNode>
+          </dgm:forEach>
+        </dgm:layoutNode>
+      </dgm:layoutNode>
     </dgm:forEach>
   </dgm:layoutNode>
 </dgm:layoutDef>
 </file>
 
 <file path=ppt/diagrams/layout2.xml><?xml version="1.0" encoding="utf-8"?>
-<dgm:layoutDef xmlns:dgm="http://schemas.openxmlformats.org/drawingml/2006/diagram" xmlns:a="http://schemas.openxmlformats.org/drawingml/2006/main" uniqueId="urn:microsoft.com/office/officeart/2005/8/layout/vList2">
+<dgm:layoutDef xmlns:dgm="http://schemas.openxmlformats.org/drawingml/2006/diagram" xmlns:a="http://schemas.openxmlformats.org/drawingml/2006/main" uniqueId="urn:microsoft.com/office/officeart/2008/layout/LinedList">
   <dgm:title val=""/>
   <dgm:desc val=""/>
   <dgm:catLst>
-    <dgm:cat type="list" pri="3000"/>
-    <dgm:cat type="convert" pri="1000"/>
+    <dgm:cat type="hierarchy" pri="8000"/>
+    <dgm:cat type="list" pri="2500"/>
   </dgm:catLst>
   <dgm:sampData>
     <dgm:dataModel>
@@ -4897,18 +5481,18 @@
         <dgm:pt modelId="11">
           <dgm:prSet phldr="1"/>
         </dgm:pt>
-        <dgm:pt modelId="2">
+        <dgm:pt modelId="12">
           <dgm:prSet phldr="1"/>
         </dgm:pt>
-        <dgm:pt modelId="21">
+        <dgm:pt modelId="13">
           <dgm:prSet phldr="1"/>
         </dgm:pt>
       </dgm:ptLst>
       <dgm:cxnLst>
-        <dgm:cxn modelId="4" srcId="0" destId="1" srcOrd="0" destOrd="0"/>
-        <dgm:cxn modelId="5" srcId="0" destId="2" srcOrd="1" destOrd="0"/>
-        <dgm:cxn modelId="12" srcId="1" destId="11" srcOrd="0" destOrd="0"/>
-        <dgm:cxn modelId="23" srcId="2" destId="21" srcOrd="0" destOrd="0"/>
+        <dgm:cxn modelId="2" srcId="0" destId="1" srcOrd="0" destOrd="0"/>
+        <dgm:cxn modelId="3" srcId="1" destId="11" srcOrd="0" destOrd="0"/>
+        <dgm:cxn modelId="4" srcId="1" destId="12" srcOrd="1" destOrd="0"/>
+        <dgm:cxn modelId="5" srcId="1" destId="13" srcOrd="2" destOrd="0"/>
       </dgm:cxnLst>
       <dgm:bg/>
       <dgm:whole/>
@@ -4918,12 +5502,20 @@
     <dgm:dataModel>
       <dgm:ptLst>
         <dgm:pt modelId="0" type="doc"/>
-        <dgm:pt modelId="1"/>
-        <dgm:pt modelId="2"/>
+        <dgm:pt modelId="1">
+          <dgm:prSet phldr="1"/>
+        </dgm:pt>
+        <dgm:pt modelId="11">
+          <dgm:prSet phldr="1"/>
+        </dgm:pt>
+        <dgm:pt modelId="12">
+          <dgm:prSet phldr="1"/>
+        </dgm:pt>
       </dgm:ptLst>
       <dgm:cxnLst>
-        <dgm:cxn modelId="3" srcId="0" destId="1" srcOrd="0" destOrd="0"/>
-        <dgm:cxn modelId="4" srcId="0" destId="2" srcOrd="1" destOrd="0"/>
+        <dgm:cxn modelId="2" srcId="0" destId="1" srcOrd="0" destOrd="0"/>
+        <dgm:cxn modelId="3" srcId="1" destId="11" srcOrd="0" destOrd="0"/>
+        <dgm:cxn modelId="4" srcId="1" destId="12" srcOrd="1" destOrd="0"/>
       </dgm:cxnLst>
       <dgm:bg/>
       <dgm:whole/>
@@ -4933,114 +5525,405 @@
     <dgm:dataModel>
       <dgm:ptLst>
         <dgm:pt modelId="0" type="doc"/>
-        <dgm:pt modelId="1"/>
-        <dgm:pt modelId="2"/>
-        <dgm:pt modelId="3"/>
-        <dgm:pt modelId="4"/>
+        <dgm:pt modelId="1">
+          <dgm:prSet phldr="1"/>
+        </dgm:pt>
+        <dgm:pt modelId="11">
+          <dgm:prSet phldr="1"/>
+        </dgm:pt>
+        <dgm:pt modelId="12">
+          <dgm:prSet phldr="1"/>
+        </dgm:pt>
       </dgm:ptLst>
       <dgm:cxnLst>
-        <dgm:cxn modelId="5" srcId="0" destId="1" srcOrd="0" destOrd="0"/>
-        <dgm:cxn modelId="6" srcId="0" destId="2" srcOrd="1" destOrd="0"/>
-        <dgm:cxn modelId="7" srcId="0" destId="3" srcOrd="2" destOrd="0"/>
-        <dgm:cxn modelId="8" srcId="0" destId="4" srcOrd="3" destOrd="0"/>
+        <dgm:cxn modelId="2" srcId="0" destId="1" srcOrd="0" destOrd="0"/>
+        <dgm:cxn modelId="3" srcId="1" destId="11" srcOrd="0" destOrd="0"/>
+        <dgm:cxn modelId="4" srcId="1" destId="12" srcOrd="1" destOrd="0"/>
       </dgm:cxnLst>
       <dgm:bg/>
       <dgm:whole/>
     </dgm:dataModel>
   </dgm:clrData>
-  <dgm:layoutNode name="linear">
+  <dgm:layoutNode name="vert0">
     <dgm:varLst>
+      <dgm:dir/>
+      <dgm:animOne val="branch"/>
       <dgm:animLvl val="lvl"/>
-      <dgm:resizeHandles val="exact"/>
     </dgm:varLst>
-    <dgm:alg type="lin">
-      <dgm:param type="linDir" val="fromT"/>
-      <dgm:param type="vertAlign" val="mid"/>
-    </dgm:alg>
+    <dgm:choose name="Name0">
+      <dgm:if name="Name1" func="var" arg="dir" op="equ" val="norm">
+        <dgm:alg type="lin">
+          <dgm:param type="linDir" val="fromT"/>
+          <dgm:param type="nodeHorzAlign" val="l"/>
+        </dgm:alg>
+      </dgm:if>
+      <dgm:else name="Name2">
+        <dgm:alg type="lin">
+          <dgm:param type="linDir" val="fromT"/>
+          <dgm:param type="nodeHorzAlign" val="r"/>
+        </dgm:alg>
+      </dgm:else>
+    </dgm:choose>
     <dgm:shape xmlns:r="http://schemas.openxmlformats.org/officeDocument/2006/relationships" r:blip="">
       <dgm:adjLst/>
     </dgm:shape>
     <dgm:presOf/>
     <dgm:constrLst>
-      <dgm:constr type="w" for="ch" forName="parentText" refType="w"/>
-      <dgm:constr type="h" for="ch" forName="parentText" refType="primFontSz" refFor="ch" refForName="parentText" fact="0.52"/>
-      <dgm:constr type="w" for="ch" forName="childText" refType="w"/>
-      <dgm:constr type="h" for="ch" forName="childText" refType="primFontSz" refFor="ch" refForName="parentText" fact="0.46"/>
-      <dgm:constr type="h" for="ch" forName="parentText" op="equ"/>
-      <dgm:constr type="primFontSz" for="ch" forName="parentText" op="equ" val="65"/>
-      <dgm:constr type="primFontSz" for="ch" forName="childText" refType="primFontSz" refFor="ch" refForName="parentText" op="equ"/>
-      <dgm:constr type="h" for="ch" forName="spacer" refType="primFontSz" refFor="ch" refForName="parentText" fact="0.08"/>
+      <dgm:constr type="w" for="ch" forName="horz1" refType="w"/>
+      <dgm:constr type="h" for="ch" forName="horz1" refType="h"/>
+      <dgm:constr type="h" for="des" forName="vert1" refType="h"/>
+      <dgm:constr type="h" for="des" forName="tx1" refType="h"/>
+      <dgm:constr type="h" for="des" forName="horz2" refType="h"/>
+      <dgm:constr type="h" for="des" forName="vert2" refType="h"/>
+      <dgm:constr type="h" for="des" forName="horz3" refType="h"/>
+      <dgm:constr type="h" for="des" forName="vert3" refType="h"/>
+      <dgm:constr type="h" for="des" forName="horz4" refType="h"/>
+      <dgm:constr type="h" for="des" ptType="node" refType="h"/>
+      <dgm:constr type="primFontSz" for="des" forName="tx1" op="equ" val="65"/>
+      <dgm:constr type="primFontSz" for="des" forName="tx2" op="equ" val="65"/>
+      <dgm:constr type="primFontSz" for="des" forName="tx3" op="equ" val="65"/>
+      <dgm:constr type="primFontSz" for="des" forName="tx4" op="equ" val="65"/>
+      <dgm:constr type="w" for="des" forName="thickLine" refType="w"/>
+      <dgm:constr type="h" for="des" forName="thickLine"/>
+      <dgm:constr type="h" for="des" forName="thinLine1"/>
+      <dgm:constr type="h" for="des" forName="thinLine2b"/>
+      <dgm:constr type="h" for="des" forName="thinLine3"/>
+      <dgm:constr type="h" for="des" forName="vertSpace2a" refType="h" fact="0.05"/>
+      <dgm:constr type="h" for="des" forName="vertSpace2b" refType="h" refFor="des" refForName="vertSpace2a"/>
     </dgm:constrLst>
-    <dgm:ruleLst>
-      <dgm:rule type="primFontSz" for="ch" forName="parentText" val="5" fact="NaN" max="NaN"/>
-    </dgm:ruleLst>
-    <dgm:forEach name="Name0" axis="ch" ptType="node">
-      <dgm:layoutNode name="parentText" styleLbl="node1">
-        <dgm:varLst>
-          <dgm:chMax val="0"/>
-          <dgm:bulletEnabled val="1"/>
-        </dgm:varLst>
-        <dgm:alg type="tx">
-          <dgm:param type="parTxLTRAlign" val="l"/>
-          <dgm:param type="parTxRTLAlign" val="r"/>
-        </dgm:alg>
-        <dgm:shape xmlns:r="http://schemas.openxmlformats.org/officeDocument/2006/relationships" type="roundRect" r:blip="">
+    <dgm:forEach name="Name3" axis="ch" ptType="node">
+      <dgm:layoutNode name="thickLine" styleLbl="alignNode1">
+        <dgm:alg type="sp"/>
+        <dgm:shape xmlns:r="http://schemas.openxmlformats.org/officeDocument/2006/relationships" type="line" r:blip="">
           <dgm:adjLst/>
         </dgm:shape>
-        <dgm:presOf axis="self"/>
-        <dgm:constrLst>
-          <dgm:constr type="tMarg" refType="primFontSz" fact="0.3"/>
-          <dgm:constr type="bMarg" refType="primFontSz" fact="0.3"/>
-          <dgm:constr type="lMarg" refType="primFontSz" fact="0.3"/>
-          <dgm:constr type="rMarg" refType="primFontSz" fact="0.3"/>
-        </dgm:constrLst>
-        <dgm:ruleLst>
-          <dgm:rule type="h" val="INF" fact="NaN" max="NaN"/>
-        </dgm:ruleLst>
+        <dgm:presOf/>
       </dgm:layoutNode>
-      <dgm:choose name="Name1">
-        <dgm:if name="Name2" axis="ch" ptType="node" func="cnt" op="gte" val="1">
-          <dgm:layoutNode name="childText" styleLbl="revTx">
-            <dgm:varLst>
-              <dgm:bulletEnabled val="1"/>
-            </dgm:varLst>
-            <dgm:alg type="tx">
-              <dgm:param type="stBulletLvl" val="1"/>
-              <dgm:param type="lnSpAfChP" val="20"/>
+      <dgm:layoutNode name="horz1">
+        <dgm:choose name="Name4">
+          <dgm:if name="Name5" func="var" arg="dir" op="equ" val="norm">
+            <dgm:alg type="lin">
+              <dgm:param type="linDir" val="fromL"/>
+              <dgm:param type="nodeVertAlign" val="t"/>
             </dgm:alg>
-            <dgm:shape xmlns:r="http://schemas.openxmlformats.org/officeDocument/2006/relationships" type="rect" r:blip="">
-              <dgm:adjLst/>
-            </dgm:shape>
-            <dgm:presOf axis="des" ptType="node"/>
+          </dgm:if>
+          <dgm:else name="Name6">
+            <dgm:alg type="lin">
+              <dgm:param type="linDir" val="fromR"/>
+              <dgm:param type="nodeVertAlign" val="t"/>
+            </dgm:alg>
+          </dgm:else>
+        </dgm:choose>
+        <dgm:shape xmlns:r="http://schemas.openxmlformats.org/officeDocument/2006/relationships" r:blip="">
+          <dgm:adjLst/>
+        </dgm:shape>
+        <dgm:presOf/>
+        <dgm:choose name="Name7">
+          <dgm:if name="Name8" axis="root des" func="maxDepth" op="equ" val="1">
             <dgm:constrLst>
-              <dgm:constr type="tMarg" refType="primFontSz" fact="0.1"/>
-              <dgm:constr type="bMarg" refType="primFontSz" fact="0.1"/>
-              <dgm:constr type="lMarg" refType="w" fact="0.09"/>
+              <dgm:constr type="w" for="ch" forName="tx1" refType="w"/>
             </dgm:constrLst>
-            <dgm:ruleLst>
-              <dgm:rule type="h" val="INF" fact="NaN" max="NaN"/>
-            </dgm:ruleLst>
-          </dgm:layoutNode>
-        </dgm:if>
-        <dgm:else name="Name3">
-          <dgm:choose name="Name4">
-            <dgm:if name="Name5" axis="par ch" ptType="doc node" func="cnt" op="gte" val="2">
-              <dgm:forEach name="Name6" axis="followSib" ptType="sibTrans" cnt="1">
-                <dgm:layoutNode name="spacer">
+          </dgm:if>
+          <dgm:if name="Name9" axis="root des" func="maxDepth" op="equ" val="2">
+            <dgm:constrLst>
+              <dgm:constr type="w" for="ch" forName="tx1" refType="w" fact="0.2"/>
+              <dgm:constr type="w" for="des" forName="tx2" refType="w" fact="0.785"/>
+              <dgm:constr type="w" for="des" forName="horzSpace2" refType="w" fact="0.015"/>
+              <dgm:constr type="w" for="des" forName="thinLine2b" refType="w" fact="0.8"/>
+            </dgm:constrLst>
+          </dgm:if>
+          <dgm:if name="Name10" axis="root des" func="maxDepth" op="equ" val="3">
+            <dgm:constrLst>
+              <dgm:constr type="w" for="ch" forName="tx1" refType="w" fact="0.2"/>
+              <dgm:constr type="w" for="des" forName="tx2" refType="w" fact="0.385"/>
+              <dgm:constr type="w" for="des" forName="tx3" refType="w" fact="0.385"/>
+              <dgm:constr type="w" for="des" forName="horzSpace2" refType="w" fact="0.015"/>
+              <dgm:constr type="w" for="des" forName="horzSpace3" refType="w" fact="0.015"/>
+              <dgm:constr type="w" for="des" forName="thinLine2b" refType="w" fact="0.8"/>
+              <dgm:constr type="w" for="des" forName="thinLine3" refType="w" fact="0.385"/>
+            </dgm:constrLst>
+          </dgm:if>
+          <dgm:if name="Name11" axis="root des" func="maxDepth" op="gte" val="4">
+            <dgm:constrLst>
+              <dgm:constr type="w" for="ch" forName="tx1" refType="w" fact="0.2"/>
+              <dgm:constr type="w" for="des" forName="tx2" refType="w" fact="0.2516"/>
+              <dgm:constr type="w" for="des" forName="tx3" refType="w" fact="0.2516"/>
+              <dgm:constr type="w" for="des" forName="tx4" refType="w" fact="0.2516"/>
+              <dgm:constr type="w" for="des" forName="horzSpace2" refType="w" fact="0.015"/>
+              <dgm:constr type="w" for="des" forName="horzSpace3" refType="w" fact="0.015"/>
+              <dgm:constr type="w" for="des" forName="horzSpace4" refType="w" fact="0.015"/>
+              <dgm:constr type="w" for="des" forName="thinLine2b" refType="w" fact="0.8"/>
+              <dgm:constr type="w" for="des" forName="thinLine3" refType="w" fact="0.5332"/>
+            </dgm:constrLst>
+          </dgm:if>
+          <dgm:else name="Name12"/>
+        </dgm:choose>
+        <dgm:layoutNode name="tx1" styleLbl="revTx">
+          <dgm:alg type="tx">
+            <dgm:param type="parTxLTRAlign" val="l"/>
+            <dgm:param type="parTxRTLAlign" val="r"/>
+            <dgm:param type="txAnchorVert" val="t"/>
+          </dgm:alg>
+          <dgm:shape xmlns:r="http://schemas.openxmlformats.org/officeDocument/2006/relationships" type="rect" r:blip="">
+            <dgm:adjLst/>
+          </dgm:shape>
+          <dgm:presOf axis="self"/>
+          <dgm:constrLst>
+            <dgm:constr type="tMarg" refType="primFontSz" fact="0.3"/>
+            <dgm:constr type="bMarg" refType="primFontSz" fact="0.3"/>
+            <dgm:constr type="lMarg" refType="primFontSz" fact="0.3"/>
+            <dgm:constr type="rMarg" refType="primFontSz" fact="0.3"/>
+          </dgm:constrLst>
+          <dgm:ruleLst>
+            <dgm:rule type="primFontSz" val="5" fact="NaN" max="NaN"/>
+          </dgm:ruleLst>
+        </dgm:layoutNode>
+        <dgm:layoutNode name="vert1">
+          <dgm:choose name="Name13">
+            <dgm:if name="Name14" func="var" arg="dir" op="equ" val="norm">
+              <dgm:alg type="lin">
+                <dgm:param type="linDir" val="fromT"/>
+                <dgm:param type="nodeHorzAlign" val="l"/>
+              </dgm:alg>
+            </dgm:if>
+            <dgm:else name="Name15">
+              <dgm:alg type="lin">
+                <dgm:param type="linDir" val="fromT"/>
+                <dgm:param type="nodeHorzAlign" val="r"/>
+              </dgm:alg>
+            </dgm:else>
+          </dgm:choose>
+          <dgm:shape xmlns:r="http://schemas.openxmlformats.org/officeDocument/2006/relationships" r:blip="">
+            <dgm:adjLst/>
+          </dgm:shape>
+          <dgm:presOf/>
+          <dgm:forEach name="Name16" axis="ch" ptType="node">
+            <dgm:choose name="Name17">
+              <dgm:if name="Name18" axis="self" ptType="node" func="pos" op="equ" val="1">
+                <dgm:layoutNode name="vertSpace2a">
                   <dgm:alg type="sp"/>
                   <dgm:shape xmlns:r="http://schemas.openxmlformats.org/officeDocument/2006/relationships" r:blip="">
                     <dgm:adjLst/>
                   </dgm:shape>
                   <dgm:presOf/>
-                  <dgm:constrLst/>
-                  <dgm:ruleLst/>
                 </dgm:layoutNode>
-              </dgm:forEach>
-            </dgm:if>
-            <dgm:else name="Name7"/>
-          </dgm:choose>
-        </dgm:else>
-      </dgm:choose>
+              </dgm:if>
+              <dgm:else name="Name19"/>
+            </dgm:choose>
+            <dgm:layoutNode name="horz2">
+              <dgm:choose name="Name20">
+                <dgm:if name="Name21" func="var" arg="dir" op="equ" val="norm">
+                  <dgm:alg type="lin">
+                    <dgm:param type="linDir" val="fromL"/>
+                    <dgm:param type="nodeVertAlign" val="t"/>
+                  </dgm:alg>
+                </dgm:if>
+                <dgm:else name="Name22">
+                  <dgm:alg type="lin">
+                    <dgm:param type="linDir" val="fromR"/>
+                    <dgm:param type="nodeVertAlign" val="t"/>
+                  </dgm:alg>
+                </dgm:else>
+              </dgm:choose>
+              <dgm:shape xmlns:r="http://schemas.openxmlformats.org/officeDocument/2006/relationships" r:blip="">
+                <dgm:adjLst/>
+              </dgm:shape>
+              <dgm:presOf/>
+              <dgm:layoutNode name="horzSpace2">
+                <dgm:alg type="sp"/>
+                <dgm:shape xmlns:r="http://schemas.openxmlformats.org/officeDocument/2006/relationships" r:blip="">
+                  <dgm:adjLst/>
+                </dgm:shape>
+                <dgm:presOf/>
+              </dgm:layoutNode>
+              <dgm:layoutNode name="tx2" styleLbl="revTx">
+                <dgm:alg type="tx">
+                  <dgm:param type="parTxLTRAlign" val="l"/>
+                  <dgm:param type="parTxRTLAlign" val="r"/>
+                  <dgm:param type="txAnchorVert" val="t"/>
+                </dgm:alg>
+                <dgm:shape xmlns:r="http://schemas.openxmlformats.org/officeDocument/2006/relationships" type="rect" r:blip="">
+                  <dgm:adjLst/>
+                </dgm:shape>
+                <dgm:presOf axis="self"/>
+                <dgm:constrLst>
+                  <dgm:constr type="tMarg" refType="primFontSz" fact="0.3"/>
+                  <dgm:constr type="bMarg" refType="primFontSz" fact="0.3"/>
+                  <dgm:constr type="lMarg" refType="primFontSz" fact="0.3"/>
+                  <dgm:constr type="rMarg" refType="primFontSz" fact="0.3"/>
+                </dgm:constrLst>
+                <dgm:ruleLst>
+                  <dgm:rule type="primFontSz" val="5" fact="NaN" max="NaN"/>
+                </dgm:ruleLst>
+              </dgm:layoutNode>
+              <dgm:layoutNode name="vert2">
+                <dgm:choose name="Name23">
+                  <dgm:if name="Name24" func="var" arg="dir" op="equ" val="norm">
+                    <dgm:alg type="lin">
+                      <dgm:param type="linDir" val="fromT"/>
+                      <dgm:param type="nodeHorzAlign" val="l"/>
+                    </dgm:alg>
+                  </dgm:if>
+                  <dgm:else name="Name25">
+                    <dgm:alg type="lin">
+                      <dgm:param type="linDir" val="fromT"/>
+                      <dgm:param type="nodeHorzAlign" val="r"/>
+                    </dgm:alg>
+                  </dgm:else>
+                </dgm:choose>
+                <dgm:shape xmlns:r="http://schemas.openxmlformats.org/officeDocument/2006/relationships" r:blip="">
+                  <dgm:adjLst/>
+                </dgm:shape>
+                <dgm:presOf/>
+                <dgm:forEach name="Name26" axis="ch" ptType="node">
+                  <dgm:layoutNode name="horz3">
+                    <dgm:choose name="Name27">
+                      <dgm:if name="Name28" func="var" arg="dir" op="equ" val="norm">
+                        <dgm:alg type="lin">
+                          <dgm:param type="linDir" val="fromL"/>
+                          <dgm:param type="nodeVertAlign" val="t"/>
+                        </dgm:alg>
+                      </dgm:if>
+                      <dgm:else name="Name29">
+                        <dgm:alg type="lin">
+                          <dgm:param type="linDir" val="fromR"/>
+                          <dgm:param type="nodeVertAlign" val="t"/>
+                        </dgm:alg>
+                      </dgm:else>
+                    </dgm:choose>
+                    <dgm:shape xmlns:r="http://schemas.openxmlformats.org/officeDocument/2006/relationships" r:blip="">
+                      <dgm:adjLst/>
+                    </dgm:shape>
+                    <dgm:presOf/>
+                    <dgm:layoutNode name="horzSpace3">
+                      <dgm:alg type="sp"/>
+                      <dgm:shape xmlns:r="http://schemas.openxmlformats.org/officeDocument/2006/relationships" r:blip="">
+                        <dgm:adjLst/>
+                      </dgm:shape>
+                      <dgm:presOf/>
+                    </dgm:layoutNode>
+                    <dgm:layoutNode name="tx3" styleLbl="revTx">
+                      <dgm:alg type="tx">
+                        <dgm:param type="parTxLTRAlign" val="l"/>
+                        <dgm:param type="parTxRTLAlign" val="r"/>
+                        <dgm:param type="txAnchorVert" val="t"/>
+                      </dgm:alg>
+                      <dgm:shape xmlns:r="http://schemas.openxmlformats.org/officeDocument/2006/relationships" type="rect" r:blip="">
+                        <dgm:adjLst/>
+                      </dgm:shape>
+                      <dgm:presOf axis="self"/>
+                      <dgm:constrLst>
+                        <dgm:constr type="tMarg" refType="primFontSz" fact="0.3"/>
+                        <dgm:constr type="bMarg" refType="primFontSz" fact="0.3"/>
+                        <dgm:constr type="lMarg" refType="primFontSz" fact="0.3"/>
+                        <dgm:constr type="rMarg" refType="primFontSz" fact="0.3"/>
+                      </dgm:constrLst>
+                      <dgm:ruleLst>
+                        <dgm:rule type="primFontSz" val="5" fact="NaN" max="NaN"/>
+                      </dgm:ruleLst>
+                    </dgm:layoutNode>
+                    <dgm:layoutNode name="vert3">
+                      <dgm:choose name="Name30">
+                        <dgm:if name="Name31" func="var" arg="dir" op="equ" val="norm">
+                          <dgm:alg type="lin">
+                            <dgm:param type="linDir" val="fromT"/>
+                            <dgm:param type="nodeHorzAlign" val="l"/>
+                          </dgm:alg>
+                        </dgm:if>
+                        <dgm:else name="Name32">
+                          <dgm:alg type="lin">
+                            <dgm:param type="linDir" val="fromT"/>
+                            <dgm:param type="nodeHorzAlign" val="r"/>
+                          </dgm:alg>
+                        </dgm:else>
+                      </dgm:choose>
+                      <dgm:shape xmlns:r="http://schemas.openxmlformats.org/officeDocument/2006/relationships" r:blip="">
+                        <dgm:adjLst/>
+                      </dgm:shape>
+                      <dgm:presOf/>
+                      <dgm:forEach name="Name33" axis="ch" ptType="node">
+                        <dgm:layoutNode name="horz4">
+                          <dgm:choose name="Name34">
+                            <dgm:if name="Name35" func="var" arg="dir" op="equ" val="norm">
+                              <dgm:alg type="lin">
+                                <dgm:param type="linDir" val="fromL"/>
+                                <dgm:param type="nodeVertAlign" val="t"/>
+                              </dgm:alg>
+                            </dgm:if>
+                            <dgm:else name="Name36">
+                              <dgm:alg type="lin">
+                                <dgm:param type="linDir" val="fromR"/>
+                                <dgm:param type="nodeVertAlign" val="t"/>
+                              </dgm:alg>
+                            </dgm:else>
+                          </dgm:choose>
+                          <dgm:shape xmlns:r="http://schemas.openxmlformats.org/officeDocument/2006/relationships" r:blip="">
+                            <dgm:adjLst/>
+                          </dgm:shape>
+                          <dgm:presOf/>
+                          <dgm:layoutNode name="horzSpace4">
+                            <dgm:alg type="sp"/>
+                            <dgm:shape xmlns:r="http://schemas.openxmlformats.org/officeDocument/2006/relationships" r:blip="">
+                              <dgm:adjLst/>
+                            </dgm:shape>
+                            <dgm:presOf/>
+                          </dgm:layoutNode>
+                          <dgm:layoutNode name="tx4" styleLbl="revTx">
+                            <dgm:varLst>
+                              <dgm:bulletEnabled val="1"/>
+                            </dgm:varLst>
+                            <dgm:alg type="tx">
+                              <dgm:param type="parTxLTRAlign" val="l"/>
+                              <dgm:param type="parTxRTLAlign" val="r"/>
+                              <dgm:param type="txAnchorVert" val="t"/>
+                            </dgm:alg>
+                            <dgm:shape xmlns:r="http://schemas.openxmlformats.org/officeDocument/2006/relationships" type="rect" r:blip="">
+                              <dgm:adjLst/>
+                            </dgm:shape>
+                            <dgm:presOf axis="desOrSelf" ptType="node"/>
+                            <dgm:constrLst>
+                              <dgm:constr type="tMarg" refType="primFontSz" fact="0.3"/>
+                              <dgm:constr type="bMarg" refType="primFontSz" fact="0.3"/>
+                              <dgm:constr type="lMarg" refType="primFontSz" fact="0.3"/>
+                              <dgm:constr type="rMarg" refType="primFontSz" fact="0.3"/>
+                            </dgm:constrLst>
+                            <dgm:ruleLst>
+                              <dgm:rule type="primFontSz" val="5" fact="NaN" max="NaN"/>
+                            </dgm:ruleLst>
+                          </dgm:layoutNode>
+                        </dgm:layoutNode>
+                      </dgm:forEach>
+                    </dgm:layoutNode>
+                  </dgm:layoutNode>
+                  <dgm:forEach name="Name37" axis="followSib" ptType="sibTrans" cnt="1">
+                    <dgm:layoutNode name="thinLine3" styleLbl="callout">
+                      <dgm:alg type="sp"/>
+                      <dgm:shape xmlns:r="http://schemas.openxmlformats.org/officeDocument/2006/relationships" type="line" r:blip="">
+                        <dgm:adjLst/>
+                      </dgm:shape>
+                      <dgm:presOf/>
+                    </dgm:layoutNode>
+                  </dgm:forEach>
+                </dgm:forEach>
+              </dgm:layoutNode>
+            </dgm:layoutNode>
+            <dgm:layoutNode name="thinLine2b" styleLbl="callout">
+              <dgm:alg type="sp"/>
+              <dgm:shape xmlns:r="http://schemas.openxmlformats.org/officeDocument/2006/relationships" type="line" r:blip="">
+                <dgm:adjLst/>
+              </dgm:shape>
+              <dgm:presOf/>
+            </dgm:layoutNode>
+            <dgm:layoutNode name="vertSpace2b">
+              <dgm:alg type="sp"/>
+              <dgm:shape xmlns:r="http://schemas.openxmlformats.org/officeDocument/2006/relationships" r:blip="">
+                <dgm:adjLst/>
+              </dgm:shape>
+              <dgm:presOf/>
+            </dgm:layoutNode>
+          </dgm:forEach>
+        </dgm:layoutNode>
+      </dgm:layoutNode>
     </dgm:forEach>
   </dgm:layoutNode>
 </dgm:layoutDef>
@@ -12189,7 +13072,7 @@
         </p:spPr>
         <p:txBody>
           <a:bodyPr vert="horz" lIns="91440" tIns="45720" rIns="91440" bIns="45720" rtlCol="0" anchor="t">
-            <a:normAutofit fontScale="55000" lnSpcReduction="20000"/>
+            <a:normAutofit fontScale="70000" lnSpcReduction="20000"/>
           </a:bodyPr>
           <a:lstStyle/>
           <a:p>
@@ -12246,7 +13129,7 @@
                 <a:ea typeface="+mn-lt"/>
                 <a:cs typeface="+mn-lt"/>
               </a:rPr>
-              <a:t>The main objective of our project was to use Machine Learning models to accurately predict the presence / absence of breast cancer based on features in the data</a:t>
+              <a:t>The main objective of our project was to use ML to predict absence / prescense of breast cancer</a:t>
             </a:r>
           </a:p>
           <a:p>
@@ -12260,12 +13143,8 @@
                 <a:ea typeface="+mn-lt"/>
                 <a:cs typeface="+mn-lt"/>
               </a:rPr>
-              <a:t>We used a combination of both Supervised and Unsupervised learning in this project to train our models</a:t>
+              <a:t>We used a combination of both Supervised and Unsupervised learning algorithms</a:t>
             </a:r>
-            <a:endParaRPr lang="en-US">
-              <a:ea typeface="+mn-lt"/>
-              <a:cs typeface="+mn-lt"/>
-            </a:endParaRPr>
           </a:p>
           <a:p>
             <a:pPr>
@@ -12287,7 +13166,7 @@
             </a:pPr>
             <a:r>
               <a:rPr lang="en-US" sz="1400"/>
-              <a:t>We noticed diagnosis had M for malignant and B for benign we decided to replace these with 1 and 0 respectively</a:t>
+              <a:t>We noticed diagnosis had M for malignant and B for benign, replaced with 1,0 </a:t>
             </a:r>
           </a:p>
           <a:p>
@@ -12309,7 +13188,7 @@
             </a:pPr>
             <a:r>
               <a:rPr lang="en-US" sz="1400"/>
-              <a:t>We started by showing a heatmap of our correlations as you can see on the right hand side</a:t>
+              <a:t>We started by showing a heatmap of data</a:t>
             </a:r>
           </a:p>
           <a:p>
@@ -12320,7 +13199,7 @@
             </a:pPr>
             <a:r>
               <a:rPr lang="en-US" sz="1400"/>
-              <a:t>Did this to analyze relations in the data and to see which features were highly correlated with our diagnosis</a:t>
+              <a:t>Did this to analyze relations in the data </a:t>
             </a:r>
           </a:p>
           <a:p>
@@ -12333,6 +13212,7 @@
               <a:rPr lang="en-US" sz="1400"/>
               <a:t>We also played around with the training / test set ratios and finally settled on a 70 / 30 split</a:t>
             </a:r>
+            <a:endParaRPr lang="en-US"/>
           </a:p>
         </p:txBody>
       </p:sp>
@@ -12775,7 +13655,7 @@
     <p:bg>
       <p:bgPr>
         <a:solidFill>
-          <a:schemeClr val="bg1"/>
+          <a:schemeClr val="bg2"/>
         </a:solidFill>
         <a:effectLst/>
       </p:bgPr>
@@ -12794,9 +13674,9 @@
           <a:chExt cx="0" cy="0"/>
         </a:xfrm>
       </p:grpSpPr>
-      <p:sp>
+      <p:sp useBgFill="1">
         <p:nvSpPr>
-          <p:cNvPr id="9" name="Rectangle 8">
+          <p:cNvPr id="20" name="Rectangle 19">
             <a:extLst>
               <a:ext uri="{FF2B5EF4-FFF2-40B4-BE49-F238E27FC236}">
                 <a16:creationId xmlns:a16="http://schemas.microsoft.com/office/drawing/2014/main" id="{C5176844-69C3-4F79-BE38-EA5BDDF4FEA4}"/>
@@ -12825,12 +13705,6 @@
           <a:prstGeom prst="rect">
             <a:avLst/>
           </a:prstGeom>
-          <a:solidFill>
-            <a:schemeClr val="tx1">
-              <a:lumMod val="85000"/>
-              <a:lumOff val="15000"/>
-            </a:schemeClr>
-          </a:solidFill>
           <a:ln>
             <a:noFill/>
           </a:ln>
@@ -12860,9 +13734,44 @@
           </a:p>
         </p:txBody>
       </p:sp>
+      <p:sp>
+        <p:nvSpPr>
+          <p:cNvPr id="2" name="Title 1">
+            <a:extLst>
+              <a:ext uri="{FF2B5EF4-FFF2-40B4-BE49-F238E27FC236}">
+                <a16:creationId xmlns:a16="http://schemas.microsoft.com/office/drawing/2014/main" id="{EC646176-C747-45D8-8CC6-F048CDC3E01D}"/>
+              </a:ext>
+            </a:extLst>
+          </p:cNvPr>
+          <p:cNvSpPr>
+            <a:spLocks noGrp="1"/>
+          </p:cNvSpPr>
+          <p:nvPr>
+            <p:ph type="title"/>
+          </p:nvPr>
+        </p:nvSpPr>
+        <p:spPr>
+          <a:xfrm>
+            <a:off x="1068497" y="1063255"/>
+            <a:ext cx="3122148" cy="4807541"/>
+          </a:xfrm>
+        </p:spPr>
+        <p:txBody>
+          <a:bodyPr>
+            <a:normAutofit/>
+          </a:bodyPr>
+          <a:lstStyle/>
+          <a:p>
+            <a:r>
+              <a:rPr lang="en-US"/>
+              <a:t>Models Used</a:t>
+            </a:r>
+          </a:p>
+        </p:txBody>
+      </p:sp>
       <p:cxnSp>
         <p:nvCxnSpPr>
-          <p:cNvPr id="11" name="Straight Connector 10">
+          <p:cNvPr id="22" name="Straight Connector 21">
             <a:extLst>
               <a:ext uri="{FF2B5EF4-FFF2-40B4-BE49-F238E27FC236}">
                 <a16:creationId xmlns:a16="http://schemas.microsoft.com/office/drawing/2014/main" id="{33862825-C012-4895-A17E-F3D1F62D89DD}"/>
@@ -12917,49 +13826,10 @@
       </p:cxnSp>
       <p:sp>
         <p:nvSpPr>
-          <p:cNvPr id="2" name="Title 1">
+          <p:cNvPr id="24" name="Freeform: Shape 23">
             <a:extLst>
               <a:ext uri="{FF2B5EF4-FFF2-40B4-BE49-F238E27FC236}">
-                <a16:creationId xmlns:a16="http://schemas.microsoft.com/office/drawing/2014/main" id="{EC646176-C747-45D8-8CC6-F048CDC3E01D}"/>
-              </a:ext>
-            </a:extLst>
-          </p:cNvPr>
-          <p:cNvSpPr>
-            <a:spLocks noGrp="1"/>
-          </p:cNvSpPr>
-          <p:nvPr>
-            <p:ph type="title"/>
-          </p:nvPr>
-        </p:nvSpPr>
-        <p:spPr>
-          <a:xfrm>
-            <a:off x="758953" y="1063256"/>
-            <a:ext cx="3382050" cy="4558954"/>
-          </a:xfrm>
-        </p:spPr>
-        <p:txBody>
-          <a:bodyPr anchor="ctr">
-            <a:normAutofit/>
-          </a:bodyPr>
-          <a:lstStyle/>
-          <a:p>
-            <a:r>
-              <a:rPr lang="en-US">
-                <a:solidFill>
-                  <a:schemeClr val="bg1"/>
-                </a:solidFill>
-              </a:rPr>
-              <a:t>Models Used</a:t>
-            </a:r>
-          </a:p>
-        </p:txBody>
-      </p:sp>
-      <p:sp useBgFill="1">
-        <p:nvSpPr>
-          <p:cNvPr id="13" name="Freeform: Shape 12">
-            <a:extLst>
-              <a:ext uri="{FF2B5EF4-FFF2-40B4-BE49-F238E27FC236}">
-                <a16:creationId xmlns:a16="http://schemas.microsoft.com/office/drawing/2014/main" id="{B96B26CA-9949-4D9C-A2F3-DB3CA283AD0C}"/>
+                <a16:creationId xmlns:a16="http://schemas.microsoft.com/office/drawing/2014/main" id="{7BB25A96-E96A-4D45-AA98-5275E81FAC84}"/>
               </a:ext>
               <a:ext uri="{C183D7F6-B498-43B3-948B-1728B52AA6E4}">
                 <adec:decorative xmlns:adec="http://schemas.microsoft.com/office/drawing/2017/decorative" val="1"/>
@@ -13088,6 +13958,9 @@
               </a:path>
             </a:pathLst>
           </a:custGeom>
+          <a:solidFill>
+            <a:schemeClr val="bg1"/>
+          </a:solidFill>
           <a:ln>
             <a:noFill/>
           </a:ln>
@@ -13121,7 +13994,7 @@
       </p:sp>
       <p:sp>
         <p:nvSpPr>
-          <p:cNvPr id="15" name="Freeform 6">
+          <p:cNvPr id="26" name="Freeform 6">
             <a:extLst>
               <a:ext uri="{FF2B5EF4-FFF2-40B4-BE49-F238E27FC236}">
                 <a16:creationId xmlns:a16="http://schemas.microsoft.com/office/drawing/2014/main" id="{A101E513-AF74-4E9D-A31F-99664250722D}"/>
@@ -13359,14 +14232,14 @@
             <p:ph idx="1"/>
             <p:extLst>
               <p:ext uri="{D42A27DB-BD31-4B8C-83A1-F6EECF244321}">
-                <p14:modId xmlns:p14="http://schemas.microsoft.com/office/powerpoint/2010/main" val="1243237260"/>
+                <p14:modId xmlns:p14="http://schemas.microsoft.com/office/powerpoint/2010/main" val="1511124197"/>
               </p:ext>
             </p:extLst>
           </p:nvPr>
         </p:nvGraphicFramePr>
         <p:xfrm>
-          <a:off x="5820770" y="1063256"/>
-          <a:ext cx="5609230" cy="4720308"/>
+          <a:off x="5765962" y="972642"/>
+          <a:ext cx="5664038" cy="4979694"/>
         </p:xfrm>
         <a:graphic>
           <a:graphicData uri="http://schemas.openxmlformats.org/drawingml/2006/diagram">
@@ -13817,13 +14690,13 @@
             <p:ph idx="1"/>
             <p:extLst>
               <p:ext uri="{D42A27DB-BD31-4B8C-83A1-F6EECF244321}">
-                <p14:modId xmlns:p14="http://schemas.microsoft.com/office/powerpoint/2010/main" val="3072999903"/>
+                <p14:modId xmlns:p14="http://schemas.microsoft.com/office/powerpoint/2010/main" val="643650391"/>
               </p:ext>
             </p:extLst>
           </p:nvPr>
         </p:nvGraphicFramePr>
         <p:xfrm>
-          <a:off x="5728284" y="758952"/>
+          <a:off x="5639892" y="801497"/>
           <a:ext cx="5704764" cy="4762500"/>
         </p:xfrm>
         <a:graphic>
@@ -13875,7 +14748,7 @@
       </p:grpSpPr>
       <p:sp useBgFill="1">
         <p:nvSpPr>
-          <p:cNvPr id="11" name="Rectangle 10">
+          <p:cNvPr id="33" name="Rectangle 32">
             <a:extLst>
               <a:ext uri="{FF2B5EF4-FFF2-40B4-BE49-F238E27FC236}">
                 <a16:creationId xmlns:a16="http://schemas.microsoft.com/office/drawing/2014/main" id="{C5176844-69C3-4F79-BE38-EA5BDDF4FEA4}"/>
@@ -13970,7 +14843,7 @@
       </p:sp>
       <p:cxnSp>
         <p:nvCxnSpPr>
-          <p:cNvPr id="13" name="Straight Connector 12">
+          <p:cNvPr id="35" name="Straight Connector 34">
             <a:extLst>
               <a:ext uri="{FF2B5EF4-FFF2-40B4-BE49-F238E27FC236}">
                 <a16:creationId xmlns:a16="http://schemas.microsoft.com/office/drawing/2014/main" id="{33862825-C012-4895-A17E-F3D1F62D89DD}"/>
@@ -14046,45 +14919,57 @@
           </a:xfrm>
         </p:spPr>
         <p:txBody>
-          <a:bodyPr vert="horz" lIns="91440" tIns="45720" rIns="91440" bIns="45720" rtlCol="0" anchor="t">
-            <a:normAutofit fontScale="47500" lnSpcReduction="20000"/>
+          <a:bodyPr vert="horz" lIns="91440" tIns="45720" rIns="91440" bIns="45720" rtlCol="0">
+            <a:normAutofit/>
           </a:bodyPr>
           <a:lstStyle/>
           <a:p>
+            <a:pPr>
+              <a:lnSpc>
+                <a:spcPct val="100000"/>
+              </a:lnSpc>
+            </a:pPr>
             <a:r>
-              <a:rPr lang="en-US" dirty="0"/>
-              <a:t>Here we can see our </a:t>
-            </a:r>
-            <a:r>
-              <a:rPr lang="en-US" b="1" dirty="0"/>
-              <a:t>final results </a:t>
-            </a:r>
-            <a:r>
-              <a:rPr lang="en-US" dirty="0"/>
-              <a:t>table</a:t>
+              <a:rPr lang="en-US" sz="800"/>
+              <a:t>Here we can see our final results table</a:t>
             </a:r>
           </a:p>
           <a:p>
+            <a:pPr>
+              <a:lnSpc>
+                <a:spcPct val="100000"/>
+              </a:lnSpc>
+            </a:pPr>
             <a:r>
-              <a:rPr lang="en-US" dirty="0"/>
+              <a:rPr lang="en-US" sz="800"/>
               <a:t>Notice which models performed correctly and which didn't</a:t>
             </a:r>
           </a:p>
           <a:p>
+            <a:pPr>
+              <a:lnSpc>
+                <a:spcPct val="100000"/>
+              </a:lnSpc>
+            </a:pPr>
             <a:r>
-              <a:rPr lang="en-US" dirty="0"/>
+              <a:rPr lang="en-US" sz="800"/>
               <a:t>Trial and error process – it took time finding the right ratio of the training / test sets</a:t>
             </a:r>
           </a:p>
           <a:p>
+            <a:pPr>
+              <a:lnSpc>
+                <a:spcPct val="100000"/>
+              </a:lnSpc>
+            </a:pPr>
             <a:r>
-              <a:rPr lang="en-US" dirty="0"/>
+              <a:rPr lang="en-US" sz="800"/>
               <a:t>Also it took time to analyze the models and determine how we could get the best performance from them</a:t>
             </a:r>
             <a:br>
-              <a:rPr lang="en-US" dirty="0"/>
+              <a:rPr lang="en-US" sz="800"/>
             </a:br>
-            <a:endParaRPr lang="en-US" dirty="0"/>
+            <a:endParaRPr lang="en-US" sz="800"/>
           </a:p>
           <a:p>
             <a:pPr>
@@ -14099,19 +14984,19 @@
               </a:spcAft>
             </a:pPr>
             <a:r>
-              <a:rPr lang="en-US" dirty="0">
+              <a:rPr lang="en-US" sz="800">
                 <a:ea typeface="+mn-lt"/>
                 <a:cs typeface="+mn-lt"/>
               </a:rPr>
-              <a:t>From our study we determined PCA Random Forest had the best accuracy when predicting the diagnosis</a:t>
+              <a:t>From our study we we determined PCA Random Forest had the best accuracy when predicting the diagnosis</a:t>
             </a:r>
             <a:br>
-              <a:rPr lang="en-US" dirty="0">
+              <a:rPr lang="en-US" sz="800">
                 <a:ea typeface="+mn-lt"/>
                 <a:cs typeface="+mn-lt"/>
               </a:rPr>
             </a:br>
-            <a:endParaRPr lang="en-US" dirty="0">
+            <a:endParaRPr lang="en-US" sz="800">
               <a:ea typeface="+mn-lt"/>
               <a:cs typeface="+mn-lt"/>
             </a:endParaRPr>
@@ -14129,19 +15014,19 @@
               </a:spcAft>
             </a:pPr>
             <a:r>
-              <a:rPr lang="en-US" dirty="0">
+              <a:rPr lang="en-US" sz="800">
                 <a:ea typeface="+mn-lt"/>
                 <a:cs typeface="+mn-lt"/>
               </a:rPr>
               <a:t>We also learned the limitations of machine learning in healthcare – should be used as an assistant not an expert as even the best trained models can yield false predictions</a:t>
             </a:r>
             <a:br>
-              <a:rPr lang="en-US" dirty="0">
+              <a:rPr lang="en-US" sz="800">
                 <a:ea typeface="+mn-lt"/>
                 <a:cs typeface="+mn-lt"/>
               </a:rPr>
             </a:br>
-            <a:endParaRPr lang="en-US" dirty="0">
+            <a:endParaRPr lang="en-US" sz="800">
               <a:ea typeface="+mn-lt"/>
               <a:cs typeface="+mn-lt"/>
             </a:endParaRPr>
@@ -14159,19 +15044,19 @@
               </a:spcAft>
             </a:pPr>
             <a:r>
-              <a:rPr lang="en-US" dirty="0">
+              <a:rPr lang="en-US" sz="800">
                 <a:ea typeface="+mn-lt"/>
                 <a:cs typeface="+mn-lt"/>
               </a:rPr>
               <a:t>We learned the importance of data cleaning and analysis </a:t>
             </a:r>
             <a:br>
-              <a:rPr lang="en-US" dirty="0">
+              <a:rPr lang="en-US" sz="800">
                 <a:ea typeface="+mn-lt"/>
                 <a:cs typeface="+mn-lt"/>
               </a:rPr>
             </a:br>
-            <a:endParaRPr lang="en-US" dirty="0">
+            <a:endParaRPr lang="en-US" sz="800">
               <a:ea typeface="+mn-lt"/>
               <a:cs typeface="+mn-lt"/>
             </a:endParaRPr>
@@ -14189,35 +15074,26 @@
               </a:spcAft>
             </a:pPr>
             <a:r>
-              <a:rPr lang="en-US" dirty="0">
+              <a:rPr lang="en-US" sz="800">
                 <a:ea typeface="+mn-lt"/>
                 <a:cs typeface="+mn-lt"/>
               </a:rPr>
-              <a:t>We learned which models worked on our dataset and which didn't – it was a fairly small set of only </a:t>
-            </a:r>
-            <a:r>
-              <a:rPr lang="en-US" b="1" dirty="0">
-                <a:ea typeface="+mn-lt"/>
-                <a:cs typeface="+mn-lt"/>
-              </a:rPr>
-              <a:t>570 values</a:t>
-            </a:r>
-            <a:r>
-              <a:rPr lang="en-US" dirty="0">
-                <a:ea typeface="+mn-lt"/>
-                <a:cs typeface="+mn-lt"/>
-              </a:rPr>
-              <a:t>!</a:t>
+              <a:t>We learned which models worked on our dataset and which didn't – it was a fairly small set of only 570 values!</a:t>
             </a:r>
           </a:p>
           <a:p>
-            <a:endParaRPr lang="en-US" dirty="0"/>
+            <a:pPr>
+              <a:lnSpc>
+                <a:spcPct val="100000"/>
+              </a:lnSpc>
+            </a:pPr>
+            <a:endParaRPr lang="en-US" sz="800"/>
           </a:p>
         </p:txBody>
       </p:sp>
       <p:sp>
         <p:nvSpPr>
-          <p:cNvPr id="15" name="Freeform: Shape 14">
+          <p:cNvPr id="37" name="Freeform: Shape 36">
             <a:extLst>
               <a:ext uri="{FF2B5EF4-FFF2-40B4-BE49-F238E27FC236}">
                 <a16:creationId xmlns:a16="http://schemas.microsoft.com/office/drawing/2014/main" id="{CAF8A158-E51E-4253-820B-3970F73976B6}"/>
@@ -14351,9 +15227,39 @@
           </a:p>
         </p:txBody>
       </p:sp>
+      <p:pic>
+        <p:nvPicPr>
+          <p:cNvPr id="4" name="Picture 4" descr="Table&#10;&#10;Description automatically generated">
+            <a:extLst>
+              <a:ext uri="{FF2B5EF4-FFF2-40B4-BE49-F238E27FC236}">
+                <a16:creationId xmlns:a16="http://schemas.microsoft.com/office/drawing/2014/main" id="{7BEF7BEB-6D40-4710-BC73-05675BDBA42E}"/>
+              </a:ext>
+            </a:extLst>
+          </p:cNvPr>
+          <p:cNvPicPr>
+            <a:picLocks noChangeAspect="1"/>
+          </p:cNvPicPr>
+          <p:nvPr/>
+        </p:nvPicPr>
+        <p:blipFill>
+          <a:blip r:embed="rId2"/>
+          <a:stretch>
+            <a:fillRect/>
+          </a:stretch>
+        </p:blipFill>
+        <p:spPr>
+          <a:xfrm>
+            <a:off x="8150087" y="1836936"/>
+            <a:ext cx="3434963" cy="3088871"/>
+          </a:xfrm>
+          <a:prstGeom prst="rect">
+            <a:avLst/>
+          </a:prstGeom>
+        </p:spPr>
+      </p:pic>
       <p:sp>
         <p:nvSpPr>
-          <p:cNvPr id="17" name="Freeform 6">
+          <p:cNvPr id="39" name="Freeform 6">
             <a:extLst>
               <a:ext uri="{FF2B5EF4-FFF2-40B4-BE49-F238E27FC236}">
                 <a16:creationId xmlns:a16="http://schemas.microsoft.com/office/drawing/2014/main" id="{A101E513-AF74-4E9D-A31F-99664250722D}"/>
@@ -14575,36 +15481,6 @@
           </a:p>
         </p:txBody>
       </p:sp>
-      <p:pic>
-        <p:nvPicPr>
-          <p:cNvPr id="5" name="Picture 4">
-            <a:extLst>
-              <a:ext uri="{FF2B5EF4-FFF2-40B4-BE49-F238E27FC236}">
-                <a16:creationId xmlns:a16="http://schemas.microsoft.com/office/drawing/2014/main" id="{4AE12418-1EBC-47D0-B2FE-5C148D3412C0}"/>
-              </a:ext>
-            </a:extLst>
-          </p:cNvPr>
-          <p:cNvPicPr>
-            <a:picLocks noChangeAspect="1"/>
-          </p:cNvPicPr>
-          <p:nvPr/>
-        </p:nvPicPr>
-        <p:blipFill>
-          <a:blip r:embed="rId2"/>
-          <a:stretch>
-            <a:fillRect/>
-          </a:stretch>
-        </p:blipFill>
-        <p:spPr>
-          <a:xfrm>
-            <a:off x="8294578" y="2214033"/>
-            <a:ext cx="2828925" cy="2667000"/>
-          </a:xfrm>
-          <a:prstGeom prst="rect">
-            <a:avLst/>
-          </a:prstGeom>
-        </p:spPr>
-      </p:pic>
     </p:spTree>
     <p:extLst>
       <p:ext uri="{BB962C8B-B14F-4D97-AF65-F5344CB8AC3E}">
@@ -15410,15 +16286,6 @@
 </file>
 
 <file path=customXml/item1.xml><?xml version="1.0" encoding="utf-8"?>
-<?mso-contentType ?>
-<FormTemplates xmlns="http://schemas.microsoft.com/sharepoint/v3/contenttype/forms">
-  <Display>DocumentLibraryForm</Display>
-  <Edit>DocumentLibraryForm</Edit>
-  <New>DocumentLibraryForm</New>
-</FormTemplates>
-</file>
-
-<file path=customXml/item2.xml><?xml version="1.0" encoding="utf-8"?>
 <ct:contentTypeSchema xmlns:ct="http://schemas.microsoft.com/office/2006/metadata/contentType" xmlns:ma="http://schemas.microsoft.com/office/2006/metadata/properties/metaAttributes" ct:_="" ma:_="" ma:contentTypeName="Document" ma:contentTypeID="0x01010079F111ED35F8CC479449609E8A0923A6" ma:contentTypeVersion="20" ma:contentTypeDescription="Create a new document." ma:contentTypeScope="" ma:versionID="1267097ee5f5874adfcc408041ae252e">
   <xsd:schema xmlns:xsd="http://www.w3.org/2001/XMLSchema" xmlns:xs="http://www.w3.org/2001/XMLSchema" xmlns:p="http://schemas.microsoft.com/office/2006/metadata/properties" xmlns:ns1="http://schemas.microsoft.com/sharepoint/v3" xmlns:ns2="71af3243-3dd4-4a8d-8c0d-dd76da1f02a5" xmlns:ns3="16c05727-aa75-4e4a-9b5f-8a80a1165891" xmlns:ns4="230e9df3-be65-4c73-a93b-d1236ebd677e" targetNamespace="http://schemas.microsoft.com/office/2006/metadata/properties" ma:root="true" ma:fieldsID="395891a93df65b14727750f2c06c306c" ns1:_="" ns2:_="" ns3:_="" ns4:_="">
     <xsd:import namespace="http://schemas.microsoft.com/sharepoint/v3"/>
@@ -15694,7 +16561,7 @@
 </ct:contentTypeSchema>
 </file>
 
-<file path=customXml/item3.xml><?xml version="1.0" encoding="utf-8"?>
+<file path=customXml/item2.xml><?xml version="1.0" encoding="utf-8"?>
 <p:properties xmlns:p="http://schemas.microsoft.com/office/2006/metadata/properties" xmlns:xsi="http://www.w3.org/2001/XMLSchema-instance" xmlns:pc="http://schemas.microsoft.com/office/infopath/2007/PartnerControls">
   <documentManagement>
     <_ip_UnifiedCompliancePolicyUIAction xmlns="http://schemas.microsoft.com/sharepoint/v3" xsi:nil="true"/>
@@ -15713,15 +16580,16 @@
 </p:properties>
 </file>
 
-<file path=customXml/itemProps1.xml><?xml version="1.0" encoding="utf-8"?>
-<ds:datastoreItem xmlns:ds="http://schemas.openxmlformats.org/officeDocument/2006/customXml" ds:itemID="{350455F8-10A0-4EEF-9BB1-9035E295B165}">
-  <ds:schemaRefs>
-    <ds:schemaRef ds:uri="http://schemas.microsoft.com/sharepoint/v3/contenttype/forms"/>
-  </ds:schemaRefs>
-</ds:datastoreItem>
+<file path=customXml/item3.xml><?xml version="1.0" encoding="utf-8"?>
+<?mso-contentType ?>
+<FormTemplates xmlns="http://schemas.microsoft.com/sharepoint/v3/contenttype/forms">
+  <Display>DocumentLibraryForm</Display>
+  <Edit>DocumentLibraryForm</Edit>
+  <New>DocumentLibraryForm</New>
+</FormTemplates>
 </file>
 
-<file path=customXml/itemProps2.xml><?xml version="1.0" encoding="utf-8"?>
+<file path=customXml/itemProps1.xml><?xml version="1.0" encoding="utf-8"?>
 <ds:datastoreItem xmlns:ds="http://schemas.openxmlformats.org/officeDocument/2006/customXml" ds:itemID="{7C2F7BF6-CD39-4568-B8BD-EA8D252E100B}">
   <ds:schemaRefs>
     <ds:schemaRef ds:uri="16c05727-aa75-4e4a-9b5f-8a80a1165891"/>
@@ -15742,7 +16610,7 @@
 </ds:datastoreItem>
 </file>
 
-<file path=customXml/itemProps3.xml><?xml version="1.0" encoding="utf-8"?>
+<file path=customXml/itemProps2.xml><?xml version="1.0" encoding="utf-8"?>
 <ds:datastoreItem xmlns:ds="http://schemas.openxmlformats.org/officeDocument/2006/customXml" ds:itemID="{79B0F2AC-8567-4D03-BFFC-653DB596C528}">
   <ds:schemaRefs>
     <ds:schemaRef ds:uri="230e9df3-be65-4c73-a93b-d1236ebd677e"/>
@@ -15752,4 +16620,12 @@
     <ds:schemaRef ds:uri="http://schemas.microsoft.com/sharepoint/v3"/>
   </ds:schemaRefs>
 </ds:datastoreItem>
+</file>
+
+<file path=customXml/itemProps3.xml><?xml version="1.0" encoding="utf-8"?>
+<ds:datastoreItem xmlns:ds="http://schemas.openxmlformats.org/officeDocument/2006/customXml" ds:itemID="{350455F8-10A0-4EEF-9BB1-9035E295B165}">
+  <ds:schemaRefs>
+    <ds:schemaRef ds:uri="http://schemas.microsoft.com/sharepoint/v3/contenttype/forms"/>
+  </ds:schemaRefs>
+</ds:datastoreItem>
 </file>